--- a/Group Project/FloatingPointSquareRoot/Floating Point Squareroot.pptx
+++ b/Group Project/FloatingPointSquareRoot/Floating Point Squareroot.pptx
@@ -5,29 +5,30 @@
     <p:sldMasterId id="2147483660" r:id="rId1"/>
   </p:sldMasterIdLst>
   <p:sldIdLst>
-    <p:sldId id="256" r:id="rId2"/>
-    <p:sldId id="257" r:id="rId3"/>
-    <p:sldId id="258" r:id="rId4"/>
-    <p:sldId id="261" r:id="rId5"/>
-    <p:sldId id="276" r:id="rId6"/>
-    <p:sldId id="259" r:id="rId7"/>
-    <p:sldId id="264" r:id="rId8"/>
-    <p:sldId id="265" r:id="rId9"/>
-    <p:sldId id="266" r:id="rId10"/>
-    <p:sldId id="260" r:id="rId11"/>
-    <p:sldId id="263" r:id="rId12"/>
-    <p:sldId id="271" r:id="rId13"/>
-    <p:sldId id="281" r:id="rId14"/>
-    <p:sldId id="269" r:id="rId15"/>
-    <p:sldId id="282" r:id="rId16"/>
-    <p:sldId id="280" r:id="rId17"/>
-    <p:sldId id="272" r:id="rId18"/>
-    <p:sldId id="273" r:id="rId19"/>
-    <p:sldId id="274" r:id="rId20"/>
-    <p:sldId id="275" r:id="rId21"/>
-    <p:sldId id="278" r:id="rId22"/>
-    <p:sldId id="279" r:id="rId23"/>
-    <p:sldId id="277" r:id="rId24"/>
+    <p:sldId id="283" r:id="rId2"/>
+    <p:sldId id="256" r:id="rId3"/>
+    <p:sldId id="257" r:id="rId4"/>
+    <p:sldId id="258" r:id="rId5"/>
+    <p:sldId id="261" r:id="rId6"/>
+    <p:sldId id="276" r:id="rId7"/>
+    <p:sldId id="259" r:id="rId8"/>
+    <p:sldId id="264" r:id="rId9"/>
+    <p:sldId id="265" r:id="rId10"/>
+    <p:sldId id="266" r:id="rId11"/>
+    <p:sldId id="260" r:id="rId12"/>
+    <p:sldId id="263" r:id="rId13"/>
+    <p:sldId id="271" r:id="rId14"/>
+    <p:sldId id="281" r:id="rId15"/>
+    <p:sldId id="269" r:id="rId16"/>
+    <p:sldId id="282" r:id="rId17"/>
+    <p:sldId id="280" r:id="rId18"/>
+    <p:sldId id="272" r:id="rId19"/>
+    <p:sldId id="273" r:id="rId20"/>
+    <p:sldId id="274" r:id="rId21"/>
+    <p:sldId id="275" r:id="rId22"/>
+    <p:sldId id="278" r:id="rId23"/>
+    <p:sldId id="279" r:id="rId24"/>
+    <p:sldId id="277" r:id="rId25"/>
   </p:sldIdLst>
   <p:sldSz cx="12192000" cy="6858000"/>
   <p:notesSz cx="6858000" cy="9144000"/>
@@ -5630,6 +5631,806 @@
 <file path=ppt/slides/slide1.xml><?xml version="1.0" encoding="utf-8"?>
 <p:sld xmlns:a="http://schemas.openxmlformats.org/drawingml/2006/main" xmlns:r="http://schemas.openxmlformats.org/officeDocument/2006/relationships" xmlns:p="http://schemas.openxmlformats.org/presentationml/2006/main">
   <p:cSld>
+    <p:bg>
+      <p:bgPr>
+        <a:blipFill dpi="0" rotWithShape="1">
+          <a:blip r:embed="rId2">
+            <a:lum/>
+          </a:blip>
+          <a:srcRect/>
+          <a:stretch>
+            <a:fillRect/>
+          </a:stretch>
+        </a:blipFill>
+        <a:effectLst/>
+      </p:bgPr>
+    </p:bg>
+    <p:spTree>
+      <p:nvGrpSpPr>
+        <p:cNvPr id="1" name=""/>
+        <p:cNvGrpSpPr/>
+        <p:nvPr/>
+      </p:nvGrpSpPr>
+      <p:grpSpPr>
+        <a:xfrm>
+          <a:off x="0" y="0"/>
+          <a:ext cx="0" cy="0"/>
+          <a:chOff x="0" y="0"/>
+          <a:chExt cx="0" cy="0"/>
+        </a:xfrm>
+      </p:grpSpPr>
+      <p:sp useBgFill="1">
+        <p:nvSpPr>
+          <p:cNvPr id="4" name="Rectangle 3"/>
+          <p:cNvSpPr/>
+          <p:nvPr/>
+        </p:nvSpPr>
+        <p:spPr>
+          <a:xfrm>
+            <a:off x="0" y="0"/>
+            <a:ext cx="12192000" cy="6858000"/>
+          </a:xfrm>
+          <a:prstGeom prst="rect">
+            <a:avLst/>
+          </a:prstGeom>
+          <a:ln>
+            <a:noFill/>
+          </a:ln>
+        </p:spPr>
+        <p:style>
+          <a:lnRef idx="2">
+            <a:schemeClr val="accent1">
+              <a:shade val="50000"/>
+            </a:schemeClr>
+          </a:lnRef>
+          <a:fillRef idx="1">
+            <a:schemeClr val="accent1"/>
+          </a:fillRef>
+          <a:effectRef idx="0">
+            <a:schemeClr val="accent1"/>
+          </a:effectRef>
+          <a:fontRef idx="minor">
+            <a:schemeClr val="lt1"/>
+          </a:fontRef>
+        </p:style>
+        <p:txBody>
+          <a:bodyPr rtlCol="0" anchor="ctr"/>
+          <a:lstStyle/>
+          <a:p>
+            <a:pPr algn="ctr"/>
+            <a:endParaRPr lang="en-US"/>
+          </a:p>
+        </p:txBody>
+      </p:sp>
+      <p:sp>
+        <p:nvSpPr>
+          <p:cNvPr id="12" name="Title 1">
+            <a:extLst>
+              <a:ext uri="{FF2B5EF4-FFF2-40B4-BE49-F238E27FC236}">
+                <a16:creationId xmlns:a16="http://schemas.microsoft.com/office/drawing/2014/main" id="{20D6E905-B772-4AEC-8410-5361487ABA35}"/>
+              </a:ext>
+            </a:extLst>
+          </p:cNvPr>
+          <p:cNvSpPr txBox="1">
+            <a:spLocks/>
+          </p:cNvSpPr>
+          <p:nvPr/>
+        </p:nvSpPr>
+        <p:spPr>
+          <a:xfrm>
+            <a:off x="3490034" y="2023511"/>
+            <a:ext cx="5211931" cy="1183515"/>
+          </a:xfrm>
+          <a:prstGeom prst="rect">
+            <a:avLst/>
+          </a:prstGeom>
+        </p:spPr>
+        <p:txBody>
+          <a:bodyPr/>
+          <a:lstStyle>
+            <a:lvl1pPr algn="ctr" defTabSz="914400" rtl="0" eaLnBrk="1" latinLnBrk="0" hangingPunct="1">
+              <a:lnSpc>
+                <a:spcPct val="90000"/>
+              </a:lnSpc>
+              <a:spcBef>
+                <a:spcPct val="0"/>
+              </a:spcBef>
+              <a:buNone/>
+              <a:defRPr sz="3400" b="1" i="0" kern="1200" cap="all">
+                <a:solidFill>
+                  <a:schemeClr val="tx1"/>
+                </a:solidFill>
+                <a:effectLst>
+                  <a:outerShdw blurRad="50800" dist="63500" dir="2700000" algn="tl" rotWithShape="0">
+                    <a:srgbClr val="000000">
+                      <a:alpha val="48000"/>
+                    </a:srgbClr>
+                  </a:outerShdw>
+                </a:effectLst>
+                <a:latin typeface="+mj-lt"/>
+                <a:ea typeface="+mj-ea"/>
+                <a:cs typeface="+mj-cs"/>
+              </a:defRPr>
+            </a:lvl1pPr>
+          </a:lstStyle>
+          <a:p>
+            <a:r>
+              <a:rPr lang="en-US" sz="3600" dirty="0"/>
+              <a:t>Floating</a:t>
+            </a:r>
+            <a:r>
+              <a:rPr lang="vi-VN" sz="3600" dirty="0"/>
+              <a:t>-</a:t>
+            </a:r>
+            <a:r>
+              <a:rPr lang="en-US" sz="3600" dirty="0"/>
+              <a:t>Point Square</a:t>
+            </a:r>
+            <a:r>
+              <a:rPr lang="vi-VN" sz="3600" dirty="0"/>
+              <a:t> </a:t>
+            </a:r>
+            <a:r>
+              <a:rPr lang="en-US" sz="3600" dirty="0"/>
+              <a:t>root</a:t>
+            </a:r>
+          </a:p>
+        </p:txBody>
+      </p:sp>
+      <p:sp useBgFill="1">
+        <p:nvSpPr>
+          <p:cNvPr id="9" name="Rectangle 8"/>
+          <p:cNvSpPr/>
+          <p:nvPr/>
+        </p:nvSpPr>
+        <p:spPr>
+          <a:xfrm>
+            <a:off x="0" y="0"/>
+            <a:ext cx="5562600" cy="6858000"/>
+          </a:xfrm>
+          <a:prstGeom prst="rect">
+            <a:avLst/>
+          </a:prstGeom>
+          <a:ln>
+            <a:noFill/>
+          </a:ln>
+          <a:effectLst>
+            <a:outerShdw blurRad="381000" dist="38100" algn="l" rotWithShape="0">
+              <a:prstClr val="black">
+                <a:alpha val="30000"/>
+              </a:prstClr>
+            </a:outerShdw>
+          </a:effectLst>
+        </p:spPr>
+        <p:style>
+          <a:lnRef idx="2">
+            <a:schemeClr val="accent1">
+              <a:shade val="50000"/>
+            </a:schemeClr>
+          </a:lnRef>
+          <a:fillRef idx="1">
+            <a:schemeClr val="accent1"/>
+          </a:fillRef>
+          <a:effectRef idx="0">
+            <a:schemeClr val="accent1"/>
+          </a:effectRef>
+          <a:fontRef idx="minor">
+            <a:schemeClr val="lt1"/>
+          </a:fontRef>
+        </p:style>
+        <p:txBody>
+          <a:bodyPr rtlCol="0" anchor="ctr"/>
+          <a:lstStyle/>
+          <a:p>
+            <a:pPr algn="ctr"/>
+            <a:endParaRPr lang="en-US"/>
+          </a:p>
+        </p:txBody>
+      </p:sp>
+      <p:sp useBgFill="1">
+        <p:nvSpPr>
+          <p:cNvPr id="10" name="Rectangle 9"/>
+          <p:cNvSpPr/>
+          <p:nvPr/>
+        </p:nvSpPr>
+        <p:spPr>
+          <a:xfrm>
+            <a:off x="6629400" y="0"/>
+            <a:ext cx="5562600" cy="6858000"/>
+          </a:xfrm>
+          <a:prstGeom prst="rect">
+            <a:avLst/>
+          </a:prstGeom>
+          <a:ln>
+            <a:noFill/>
+          </a:ln>
+          <a:effectLst>
+            <a:outerShdw blurRad="381000" dist="38100" dir="10800000" algn="r" rotWithShape="0">
+              <a:prstClr val="black">
+                <a:alpha val="30000"/>
+              </a:prstClr>
+            </a:outerShdw>
+          </a:effectLst>
+        </p:spPr>
+        <p:style>
+          <a:lnRef idx="2">
+            <a:schemeClr val="accent1">
+              <a:shade val="50000"/>
+            </a:schemeClr>
+          </a:lnRef>
+          <a:fillRef idx="1">
+            <a:schemeClr val="accent1"/>
+          </a:fillRef>
+          <a:effectRef idx="0">
+            <a:schemeClr val="accent1"/>
+          </a:effectRef>
+          <a:fontRef idx="minor">
+            <a:schemeClr val="lt1"/>
+          </a:fontRef>
+        </p:style>
+        <p:txBody>
+          <a:bodyPr rtlCol="0" anchor="ctr"/>
+          <a:lstStyle/>
+          <a:p>
+            <a:pPr algn="ctr"/>
+            <a:endParaRPr lang="en-US"/>
+          </a:p>
+        </p:txBody>
+      </p:sp>
+      <p:sp>
+        <p:nvSpPr>
+          <p:cNvPr id="15" name="Title 1">
+            <a:extLst>
+              <a:ext uri="{FF2B5EF4-FFF2-40B4-BE49-F238E27FC236}">
+                <a16:creationId xmlns:a16="http://schemas.microsoft.com/office/drawing/2014/main" id="{0C4B4F02-0778-4D4D-A82A-06004136D93B}"/>
+              </a:ext>
+            </a:extLst>
+          </p:cNvPr>
+          <p:cNvSpPr txBox="1">
+            <a:spLocks/>
+          </p:cNvSpPr>
+          <p:nvPr/>
+        </p:nvSpPr>
+        <p:spPr>
+          <a:xfrm>
+            <a:off x="3490034" y="4047022"/>
+            <a:ext cx="5211931" cy="1183515"/>
+          </a:xfrm>
+          <a:prstGeom prst="rect">
+            <a:avLst/>
+          </a:prstGeom>
+        </p:spPr>
+        <p:txBody>
+          <a:bodyPr/>
+          <a:lstStyle>
+            <a:lvl1pPr algn="ctr" defTabSz="914400" rtl="0" eaLnBrk="1" latinLnBrk="0" hangingPunct="1">
+              <a:lnSpc>
+                <a:spcPct val="90000"/>
+              </a:lnSpc>
+              <a:spcBef>
+                <a:spcPct val="0"/>
+              </a:spcBef>
+              <a:buNone/>
+              <a:defRPr sz="3400" b="1" i="0" kern="1200" cap="all">
+                <a:solidFill>
+                  <a:schemeClr val="tx1"/>
+                </a:solidFill>
+                <a:effectLst>
+                  <a:outerShdw blurRad="50800" dist="63500" dir="2700000" algn="tl" rotWithShape="0">
+                    <a:srgbClr val="000000">
+                      <a:alpha val="48000"/>
+                    </a:srgbClr>
+                  </a:outerShdw>
+                </a:effectLst>
+                <a:latin typeface="+mj-lt"/>
+                <a:ea typeface="+mj-ea"/>
+                <a:cs typeface="+mj-cs"/>
+              </a:defRPr>
+            </a:lvl1pPr>
+          </a:lstStyle>
+          <a:p>
+            <a:pPr>
+              <a:lnSpc>
+                <a:spcPct val="100000"/>
+              </a:lnSpc>
+              <a:spcAft>
+                <a:spcPts val="800"/>
+              </a:spcAft>
+            </a:pPr>
+            <a:r>
+              <a:rPr lang="en-US" sz="2400" dirty="0">
+                <a:effectLst/>
+                <a:latin typeface="Rockwell" panose="02060603020205020403" pitchFamily="18" charset="0"/>
+                <a:ea typeface="SimSun" panose="02010600030101010101" pitchFamily="2" charset="-122"/>
+                <a:cs typeface="Arial" panose="020B0604020202020204" pitchFamily="34" charset="0"/>
+              </a:rPr>
+              <a:t>Team members:</a:t>
+            </a:r>
+            <a:endParaRPr lang="en-GB" sz="2400" dirty="0">
+              <a:effectLst/>
+              <a:latin typeface="Calibri" panose="020F0502020204030204" pitchFamily="34" charset="0"/>
+              <a:ea typeface="SimSun" panose="02010600030101010101" pitchFamily="2" charset="-122"/>
+              <a:cs typeface="Arial" panose="020B0604020202020204" pitchFamily="34" charset="0"/>
+            </a:endParaRPr>
+          </a:p>
+          <a:p>
+            <a:pPr>
+              <a:lnSpc>
+                <a:spcPct val="100000"/>
+              </a:lnSpc>
+              <a:spcAft>
+                <a:spcPts val="800"/>
+              </a:spcAft>
+            </a:pPr>
+            <a:r>
+              <a:rPr lang="en-US" sz="2400" dirty="0">
+                <a:effectLst/>
+                <a:latin typeface="Rockwell" panose="02060603020205020403" pitchFamily="18" charset="0"/>
+                <a:ea typeface="SimSun" panose="02010600030101010101" pitchFamily="2" charset="-122"/>
+                <a:cs typeface="Arial" panose="020B0604020202020204" pitchFamily="34" charset="0"/>
+              </a:rPr>
+              <a:t>H</a:t>
+            </a:r>
+            <a:r>
+              <a:rPr lang="vi-VN" sz="2400" dirty="0">
+                <a:effectLst/>
+                <a:latin typeface="Rockwell" panose="02060603020205020403" pitchFamily="18" charset="0"/>
+                <a:ea typeface="SimSun" panose="02010600030101010101" pitchFamily="2" charset="-122"/>
+                <a:cs typeface="Arial" panose="020B0604020202020204" pitchFamily="34" charset="0"/>
+              </a:rPr>
+              <a:t>o hai cong </a:t>
+            </a:r>
+            <a:r>
+              <a:rPr lang="vi-VN" sz="2400" dirty="0" err="1">
+                <a:effectLst/>
+                <a:latin typeface="Rockwell" panose="02060603020205020403" pitchFamily="18" charset="0"/>
+                <a:ea typeface="SimSun" panose="02010600030101010101" pitchFamily="2" charset="-122"/>
+                <a:cs typeface="Arial" panose="020B0604020202020204" pitchFamily="34" charset="0"/>
+              </a:rPr>
+              <a:t>thuA</a:t>
+            </a:r>
+            <a:r>
+              <a:rPr lang="en-US" sz="2400" dirty="0">
+                <a:effectLst/>
+                <a:latin typeface="Rockwell" panose="02060603020205020403" pitchFamily="18" charset="0"/>
+                <a:ea typeface="SimSun" panose="02010600030101010101" pitchFamily="2" charset="-122"/>
+                <a:cs typeface="Arial" panose="020B0604020202020204" pitchFamily="34" charset="0"/>
+              </a:rPr>
+              <a:t>n – 1852</a:t>
+            </a:r>
+            <a:r>
+              <a:rPr lang="vi-VN" sz="2400" dirty="0">
+                <a:effectLst/>
+                <a:latin typeface="Rockwell" panose="02060603020205020403" pitchFamily="18" charset="0"/>
+                <a:ea typeface="SimSun" panose="02010600030101010101" pitchFamily="2" charset="-122"/>
+                <a:cs typeface="Arial" panose="020B0604020202020204" pitchFamily="34" charset="0"/>
+              </a:rPr>
+              <a:t>1469</a:t>
+            </a:r>
+            <a:endParaRPr lang="en-GB" sz="2400" dirty="0">
+              <a:effectLst/>
+              <a:latin typeface="Calibri" panose="020F0502020204030204" pitchFamily="34" charset="0"/>
+              <a:ea typeface="SimSun" panose="02010600030101010101" pitchFamily="2" charset="-122"/>
+              <a:cs typeface="Arial" panose="020B0604020202020204" pitchFamily="34" charset="0"/>
+            </a:endParaRPr>
+          </a:p>
+          <a:p>
+            <a:pPr>
+              <a:lnSpc>
+                <a:spcPct val="100000"/>
+              </a:lnSpc>
+              <a:spcAft>
+                <a:spcPts val="800"/>
+              </a:spcAft>
+            </a:pPr>
+            <a:r>
+              <a:rPr lang="en-US" sz="2400" dirty="0">
+                <a:effectLst/>
+                <a:latin typeface="Rockwell" panose="02060603020205020403" pitchFamily="18" charset="0"/>
+                <a:ea typeface="SimSun" panose="02010600030101010101" pitchFamily="2" charset="-122"/>
+                <a:cs typeface="Arial" panose="020B0604020202020204" pitchFamily="34" charset="0"/>
+              </a:rPr>
+              <a:t>H</a:t>
+            </a:r>
+            <a:r>
+              <a:rPr lang="vi-VN" sz="2400" dirty="0">
+                <a:effectLst/>
+                <a:latin typeface="Rockwell" panose="02060603020205020403" pitchFamily="18" charset="0"/>
+                <a:ea typeface="SimSun" panose="02010600030101010101" pitchFamily="2" charset="-122"/>
+                <a:cs typeface="Arial" panose="020B0604020202020204" pitchFamily="34" charset="0"/>
+              </a:rPr>
+              <a:t>a </a:t>
+            </a:r>
+            <a:r>
+              <a:rPr lang="vi-VN" sz="2400" dirty="0" err="1">
+                <a:effectLst/>
+                <a:latin typeface="Rockwell" panose="02060603020205020403" pitchFamily="18" charset="0"/>
+                <a:ea typeface="SimSun" panose="02010600030101010101" pitchFamily="2" charset="-122"/>
+                <a:cs typeface="Arial" panose="020B0604020202020204" pitchFamily="34" charset="0"/>
+              </a:rPr>
+              <a:t>kieu</a:t>
+            </a:r>
+            <a:r>
+              <a:rPr lang="vi-VN" sz="2400" dirty="0">
+                <a:effectLst/>
+                <a:latin typeface="Rockwell" panose="02060603020205020403" pitchFamily="18" charset="0"/>
+                <a:ea typeface="SimSun" panose="02010600030101010101" pitchFamily="2" charset="-122"/>
+                <a:cs typeface="Arial" panose="020B0604020202020204" pitchFamily="34" charset="0"/>
+              </a:rPr>
+              <a:t> trang</a:t>
+            </a:r>
+            <a:r>
+              <a:rPr lang="en-US" sz="2400" dirty="0">
+                <a:effectLst/>
+                <a:latin typeface="Rockwell" panose="02060603020205020403" pitchFamily="18" charset="0"/>
+                <a:ea typeface="SimSun" panose="02010600030101010101" pitchFamily="2" charset="-122"/>
+                <a:cs typeface="Arial" panose="020B0604020202020204" pitchFamily="34" charset="0"/>
+              </a:rPr>
+              <a:t> – 18521522</a:t>
+            </a:r>
+            <a:endParaRPr lang="en-GB" sz="2400" dirty="0">
+              <a:effectLst/>
+              <a:latin typeface="Calibri" panose="020F0502020204030204" pitchFamily="34" charset="0"/>
+              <a:ea typeface="SimSun" panose="02010600030101010101" pitchFamily="2" charset="-122"/>
+              <a:cs typeface="Arial" panose="020B0604020202020204" pitchFamily="34" charset="0"/>
+            </a:endParaRPr>
+          </a:p>
+        </p:txBody>
+      </p:sp>
+      <p:sp useBgFill="1">
+        <p:nvSpPr>
+          <p:cNvPr id="11" name="Rectangle 10"/>
+          <p:cNvSpPr/>
+          <p:nvPr/>
+        </p:nvSpPr>
+        <p:spPr>
+          <a:xfrm>
+            <a:off x="0" y="0"/>
+            <a:ext cx="4343400" cy="6858000"/>
+          </a:xfrm>
+          <a:prstGeom prst="rect">
+            <a:avLst/>
+          </a:prstGeom>
+          <a:ln>
+            <a:noFill/>
+          </a:ln>
+          <a:effectLst>
+            <a:outerShdw blurRad="381000" dist="38100" algn="l" rotWithShape="0">
+              <a:prstClr val="black">
+                <a:alpha val="30000"/>
+              </a:prstClr>
+            </a:outerShdw>
+          </a:effectLst>
+        </p:spPr>
+        <p:style>
+          <a:lnRef idx="2">
+            <a:schemeClr val="accent1">
+              <a:shade val="50000"/>
+            </a:schemeClr>
+          </a:lnRef>
+          <a:fillRef idx="1">
+            <a:schemeClr val="accent1"/>
+          </a:fillRef>
+          <a:effectRef idx="0">
+            <a:schemeClr val="accent1"/>
+          </a:effectRef>
+          <a:fontRef idx="minor">
+            <a:schemeClr val="lt1"/>
+          </a:fontRef>
+        </p:style>
+        <p:txBody>
+          <a:bodyPr rtlCol="0" anchor="ctr"/>
+          <a:lstStyle/>
+          <a:p>
+            <a:pPr algn="ctr"/>
+            <a:endParaRPr lang="en-US"/>
+          </a:p>
+        </p:txBody>
+      </p:sp>
+      <p:sp useBgFill="1">
+        <p:nvSpPr>
+          <p:cNvPr id="13" name="Rectangle 12"/>
+          <p:cNvSpPr/>
+          <p:nvPr/>
+        </p:nvSpPr>
+        <p:spPr>
+          <a:xfrm>
+            <a:off x="7874000" y="0"/>
+            <a:ext cx="4318000" cy="6858000"/>
+          </a:xfrm>
+          <a:prstGeom prst="rect">
+            <a:avLst/>
+          </a:prstGeom>
+          <a:ln>
+            <a:noFill/>
+          </a:ln>
+          <a:effectLst>
+            <a:outerShdw blurRad="381000" dist="38100" dir="10800000" algn="r" rotWithShape="0">
+              <a:prstClr val="black">
+                <a:alpha val="30000"/>
+              </a:prstClr>
+            </a:outerShdw>
+          </a:effectLst>
+        </p:spPr>
+        <p:style>
+          <a:lnRef idx="2">
+            <a:schemeClr val="accent1">
+              <a:shade val="50000"/>
+            </a:schemeClr>
+          </a:lnRef>
+          <a:fillRef idx="1">
+            <a:schemeClr val="accent1"/>
+          </a:fillRef>
+          <a:effectRef idx="0">
+            <a:schemeClr val="accent1"/>
+          </a:effectRef>
+          <a:fontRef idx="minor">
+            <a:schemeClr val="lt1"/>
+          </a:fontRef>
+        </p:style>
+        <p:txBody>
+          <a:bodyPr rtlCol="0" anchor="ctr"/>
+          <a:lstStyle/>
+          <a:p>
+            <a:pPr algn="ctr"/>
+            <a:endParaRPr lang="en-US"/>
+          </a:p>
+        </p:txBody>
+      </p:sp>
+    </p:spTree>
+    <p:extLst>
+      <p:ext uri="{BB962C8B-B14F-4D97-AF65-F5344CB8AC3E}">
+        <p14:creationId xmlns:p14="http://schemas.microsoft.com/office/powerpoint/2010/main" val="306567956"/>
+      </p:ext>
+    </p:extLst>
+  </p:cSld>
+  <p:clrMapOvr>
+    <a:masterClrMapping/>
+  </p:clrMapOvr>
+  <p:timing>
+    <p:tnLst>
+      <p:par>
+        <p:cTn id="1" dur="indefinite" restart="never" nodeType="tmRoot">
+          <p:childTnLst>
+            <p:seq concurrent="1" nextAc="seek">
+              <p:cTn id="2" dur="indefinite" nodeType="mainSeq">
+                <p:childTnLst>
+                  <p:par>
+                    <p:cTn id="3" fill="hold">
+                      <p:stCondLst>
+                        <p:cond delay="indefinite"/>
+                        <p:cond evt="onBegin" delay="0">
+                          <p:tn val="2"/>
+                        </p:cond>
+                      </p:stCondLst>
+                      <p:childTnLst>
+                        <p:par>
+                          <p:cTn id="4" fill="hold">
+                            <p:stCondLst>
+                              <p:cond delay="0"/>
+                            </p:stCondLst>
+                            <p:childTnLst>
+                              <p:par>
+                                <p:cTn id="5" presetID="35" presetClass="path" presetSubtype="0" repeatCount="indefinite" accel="25000" decel="25000" autoRev="1" fill="hold" grpId="0" nodeType="withEffect">
+                                  <p:stCondLst>
+                                    <p:cond delay="0"/>
+                                  </p:stCondLst>
+                                  <p:childTnLst>
+                                    <p:animMotion origin="layout" path="M -0.09584 -1.96532E-6 L -0.34584 -1.96532E-6 " pathEditMode="relative" rAng="0" ptsTypes="AA">
+                                      <p:cBhvr>
+                                        <p:cTn id="6" dur="4000" fill="hold"/>
+                                        <p:tgtEl>
+                                          <p:spTgt spid="11"/>
+                                        </p:tgtEl>
+                                        <p:attrNameLst>
+                                          <p:attrName>ppt_x</p:attrName>
+                                          <p:attrName>ppt_y</p:attrName>
+                                        </p:attrNameLst>
+                                      </p:cBhvr>
+                                      <p:rCtr x="-12500" y="0"/>
+                                    </p:animMotion>
+                                  </p:childTnLst>
+                                </p:cTn>
+                              </p:par>
+                              <p:par>
+                                <p:cTn id="7" presetID="6" presetClass="emph" presetSubtype="0" repeatCount="indefinite" accel="25000" decel="25000" autoRev="1" fill="hold" grpId="1" nodeType="withEffect">
+                                  <p:stCondLst>
+                                    <p:cond delay="0"/>
+                                  </p:stCondLst>
+                                  <p:childTnLst>
+                                    <p:animScale>
+                                      <p:cBhvr>
+                                        <p:cTn id="8" dur="4000" fill="hold"/>
+                                        <p:tgtEl>
+                                          <p:spTgt spid="11"/>
+                                        </p:tgtEl>
+                                      </p:cBhvr>
+                                      <p:by x="150000" y="100000"/>
+                                    </p:animScale>
+                                  </p:childTnLst>
+                                </p:cTn>
+                              </p:par>
+                              <p:par>
+                                <p:cTn id="9" presetID="35" presetClass="path" presetSubtype="0" repeatCount="indefinite" accel="25000" decel="25000" autoRev="1" fill="hold" grpId="0" nodeType="withEffect">
+                                  <p:stCondLst>
+                                    <p:cond delay="0"/>
+                                  </p:stCondLst>
+                                  <p:childTnLst>
+                                    <p:animMotion origin="layout" path="M 0 0 L -0.25 0 E" pathEditMode="relative" ptsTypes="">
+                                      <p:cBhvr>
+                                        <p:cTn id="10" dur="4000" fill="hold"/>
+                                        <p:tgtEl>
+                                          <p:spTgt spid="9"/>
+                                        </p:tgtEl>
+                                        <p:attrNameLst>
+                                          <p:attrName>ppt_x</p:attrName>
+                                          <p:attrName>ppt_y</p:attrName>
+                                        </p:attrNameLst>
+                                      </p:cBhvr>
+                                    </p:animMotion>
+                                  </p:childTnLst>
+                                </p:cTn>
+                              </p:par>
+                              <p:par>
+                                <p:cTn id="11" presetID="6" presetClass="emph" presetSubtype="0" repeatCount="indefinite" accel="25000" decel="25000" autoRev="1" fill="hold" grpId="1" nodeType="withEffect">
+                                  <p:stCondLst>
+                                    <p:cond delay="0"/>
+                                  </p:stCondLst>
+                                  <p:childTnLst>
+                                    <p:animScale>
+                                      <p:cBhvr>
+                                        <p:cTn id="12" dur="4000" fill="hold"/>
+                                        <p:tgtEl>
+                                          <p:spTgt spid="9"/>
+                                        </p:tgtEl>
+                                      </p:cBhvr>
+                                      <p:by x="100000" y="150000"/>
+                                    </p:animScale>
+                                  </p:childTnLst>
+                                </p:cTn>
+                              </p:par>
+                              <p:par>
+                                <p:cTn id="13" presetID="63" presetClass="path" presetSubtype="0" repeatCount="indefinite" accel="25000" decel="25000" autoRev="1" fill="hold" grpId="0" nodeType="withEffect">
+                                  <p:stCondLst>
+                                    <p:cond delay="0"/>
+                                  </p:stCondLst>
+                                  <p:childTnLst>
+                                    <p:animMotion origin="layout" path="M 0.10972 -1.96532E-6 L 0.35972 -1.96532E-6 " pathEditMode="relative" rAng="0" ptsTypes="AA">
+                                      <p:cBhvr>
+                                        <p:cTn id="14" dur="4000" fill="hold"/>
+                                        <p:tgtEl>
+                                          <p:spTgt spid="13"/>
+                                        </p:tgtEl>
+                                        <p:attrNameLst>
+                                          <p:attrName>ppt_x</p:attrName>
+                                          <p:attrName>ppt_y</p:attrName>
+                                        </p:attrNameLst>
+                                      </p:cBhvr>
+                                      <p:rCtr x="12500" y="0"/>
+                                    </p:animMotion>
+                                  </p:childTnLst>
+                                </p:cTn>
+                              </p:par>
+                              <p:par>
+                                <p:cTn id="15" presetID="6" presetClass="emph" presetSubtype="0" repeatCount="indefinite" accel="25000" decel="25000" autoRev="1" fill="hold" grpId="1" nodeType="withEffect">
+                                  <p:stCondLst>
+                                    <p:cond delay="0"/>
+                                  </p:stCondLst>
+                                  <p:childTnLst>
+                                    <p:animScale>
+                                      <p:cBhvr>
+                                        <p:cTn id="16" dur="4000" fill="hold"/>
+                                        <p:tgtEl>
+                                          <p:spTgt spid="13"/>
+                                        </p:tgtEl>
+                                      </p:cBhvr>
+                                      <p:by x="150000" y="100000"/>
+                                    </p:animScale>
+                                  </p:childTnLst>
+                                </p:cTn>
+                              </p:par>
+                              <p:par>
+                                <p:cTn id="17" presetID="63" presetClass="path" presetSubtype="0" repeatCount="indefinite" accel="25000" decel="25000" autoRev="1" fill="hold" grpId="0" nodeType="withEffect">
+                                  <p:stCondLst>
+                                    <p:cond delay="0"/>
+                                  </p:stCondLst>
+                                  <p:childTnLst>
+                                    <p:animMotion origin="layout" path="M 0 0 L 0.25 0 E" pathEditMode="relative" ptsTypes="">
+                                      <p:cBhvr>
+                                        <p:cTn id="18" dur="4000" fill="hold"/>
+                                        <p:tgtEl>
+                                          <p:spTgt spid="10"/>
+                                        </p:tgtEl>
+                                        <p:attrNameLst>
+                                          <p:attrName>ppt_x</p:attrName>
+                                          <p:attrName>ppt_y</p:attrName>
+                                        </p:attrNameLst>
+                                      </p:cBhvr>
+                                    </p:animMotion>
+                                  </p:childTnLst>
+                                </p:cTn>
+                              </p:par>
+                              <p:par>
+                                <p:cTn id="19" presetID="6" presetClass="emph" presetSubtype="0" repeatCount="indefinite" accel="25000" decel="25000" autoRev="1" fill="hold" grpId="1" nodeType="withEffect">
+                                  <p:stCondLst>
+                                    <p:cond delay="0"/>
+                                  </p:stCondLst>
+                                  <p:childTnLst>
+                                    <p:animScale>
+                                      <p:cBhvr>
+                                        <p:cTn id="20" dur="4000" fill="hold"/>
+                                        <p:tgtEl>
+                                          <p:spTgt spid="10"/>
+                                        </p:tgtEl>
+                                      </p:cBhvr>
+                                      <p:by x="100000" y="150000"/>
+                                    </p:animScale>
+                                  </p:childTnLst>
+                                </p:cTn>
+                              </p:par>
+                              <p:par>
+                                <p:cTn id="21" presetID="6" presetClass="emph" presetSubtype="0" repeatCount="indefinite" accel="50000" decel="50000" autoRev="1" fill="hold" grpId="0" nodeType="withEffect">
+                                  <p:stCondLst>
+                                    <p:cond delay="0"/>
+                                  </p:stCondLst>
+                                  <p:childTnLst>
+                                    <p:animScale>
+                                      <p:cBhvr>
+                                        <p:cTn id="22" dur="4000" fill="hold"/>
+                                        <p:tgtEl>
+                                          <p:spTgt spid="4"/>
+                                        </p:tgtEl>
+                                      </p:cBhvr>
+                                      <p:by x="150000" y="150000"/>
+                                    </p:animScale>
+                                  </p:childTnLst>
+                                </p:cTn>
+                              </p:par>
+                            </p:childTnLst>
+                          </p:cTn>
+                        </p:par>
+                      </p:childTnLst>
+                    </p:cTn>
+                  </p:par>
+                </p:childTnLst>
+              </p:cTn>
+              <p:prevCondLst>
+                <p:cond evt="onPrev" delay="0">
+                  <p:tgtEl>
+                    <p:sldTgt/>
+                  </p:tgtEl>
+                </p:cond>
+              </p:prevCondLst>
+              <p:nextCondLst>
+                <p:cond evt="onNext" delay="0">
+                  <p:tgtEl>
+                    <p:sldTgt/>
+                  </p:tgtEl>
+                </p:cond>
+              </p:nextCondLst>
+            </p:seq>
+          </p:childTnLst>
+        </p:cTn>
+      </p:par>
+    </p:tnLst>
+    <p:bldLst>
+      <p:bldP spid="4" grpId="0" animBg="1"/>
+      <p:bldP spid="9" grpId="0" animBg="1"/>
+      <p:bldP spid="9" grpId="1" animBg="1"/>
+      <p:bldP spid="10" grpId="0" animBg="1"/>
+      <p:bldP spid="10" grpId="1" animBg="1"/>
+      <p:bldP spid="11" grpId="0" animBg="1"/>
+      <p:bldP spid="11" grpId="1" animBg="1"/>
+      <p:bldP spid="13" grpId="0" animBg="1"/>
+      <p:bldP spid="13" grpId="1" animBg="1"/>
+    </p:bldLst>
+  </p:timing>
+</p:sld>
+</file>
+
+<file path=ppt/slides/slide10.xml><?xml version="1.0" encoding="utf-8"?>
+<p:sld xmlns:a="http://schemas.openxmlformats.org/drawingml/2006/main" xmlns:r="http://schemas.openxmlformats.org/officeDocument/2006/relationships" xmlns:p="http://schemas.openxmlformats.org/presentationml/2006/main">
+  <p:cSld>
     <p:spTree>
       <p:nvGrpSpPr>
         <p:cNvPr id="1" name=""/>
@@ -5649,7 +6450,7 @@
           <p:cNvPr id="2" name="Title 1">
             <a:extLst>
               <a:ext uri="{FF2B5EF4-FFF2-40B4-BE49-F238E27FC236}">
-                <a16:creationId xmlns:a16="http://schemas.microsoft.com/office/drawing/2014/main" id="{115CC45D-BAD7-4666-82FB-740DE29F5D6F}"/>
+                <a16:creationId xmlns:a16="http://schemas.microsoft.com/office/drawing/2014/main" id="{FB5AFFC8-F0A6-4334-81E0-BFA0B3F0C3E5}"/>
               </a:ext>
             </a:extLst>
           </p:cNvPr>
@@ -5657,114 +6458,189 @@
             <a:spLocks noGrp="1"/>
           </p:cNvSpPr>
           <p:nvPr>
-            <p:ph type="ctrTitle"/>
+            <p:ph type="title"/>
           </p:nvPr>
         </p:nvSpPr>
-        <p:spPr/>
+        <p:spPr>
+          <a:xfrm>
+            <a:off x="913795" y="609600"/>
+            <a:ext cx="7247633" cy="1326321"/>
+          </a:xfrm>
+        </p:spPr>
         <p:txBody>
           <a:bodyPr/>
           <a:lstStyle/>
           <a:p>
             <a:r>
               <a:rPr lang="en-US" b="1" dirty="0"/>
-              <a:t>Floating</a:t>
-            </a:r>
-            <a:r>
-              <a:rPr lang="vi-VN" b="1" dirty="0"/>
-              <a:t>-</a:t>
-            </a:r>
-            <a:r>
-              <a:rPr lang="en-US" b="1" dirty="0"/>
-              <a:t>Point Square</a:t>
-            </a:r>
-            <a:r>
-              <a:rPr lang="vi-VN" b="1" dirty="0"/>
-              <a:t> </a:t>
-            </a:r>
-            <a:r>
-              <a:rPr lang="en-US" b="1" dirty="0"/>
-              <a:t>root</a:t>
+              <a:t>3. Controller (FSM)</a:t>
             </a:r>
           </a:p>
         </p:txBody>
       </p:sp>
       <p:sp>
         <p:nvSpPr>
-          <p:cNvPr id="3" name="Subtitle 2">
+          <p:cNvPr id="8" name="TextBox 7">
             <a:extLst>
               <a:ext uri="{FF2B5EF4-FFF2-40B4-BE49-F238E27FC236}">
-                <a16:creationId xmlns:a16="http://schemas.microsoft.com/office/drawing/2014/main" id="{F9C778D3-763C-48D7-9C67-A853A37F13D5}"/>
+                <a16:creationId xmlns:a16="http://schemas.microsoft.com/office/drawing/2014/main" id="{81046DE5-B7A7-479C-828E-A25D4455D549}"/>
               </a:ext>
             </a:extLst>
           </p:cNvPr>
-          <p:cNvSpPr>
-            <a:spLocks noGrp="1"/>
-          </p:cNvSpPr>
-          <p:nvPr>
-            <p:ph type="subTitle" idx="1"/>
-          </p:nvPr>
+          <p:cNvSpPr txBox="1"/>
+          <p:nvPr/>
         </p:nvSpPr>
-        <p:spPr/>
+        <p:spPr>
+          <a:xfrm>
+            <a:off x="838201" y="2126294"/>
+            <a:ext cx="7323228" cy="2677656"/>
+          </a:xfrm>
+          <a:prstGeom prst="rect">
+            <a:avLst/>
+          </a:prstGeom>
+          <a:noFill/>
+        </p:spPr>
         <p:txBody>
-          <a:bodyPr/>
+          <a:bodyPr wrap="square">
+            <a:spAutoFit/>
+          </a:bodyPr>
           <a:lstStyle/>
           <a:p>
+            <a:pPr algn="l"/>
             <a:r>
-              <a:rPr lang="en-US" b="1" dirty="0"/>
-              <a:t>Team members:</a:t>
+              <a:rPr lang="en-US" sz="2400" b="0" i="0" dirty="0">
+                <a:effectLst/>
+                <a:latin typeface="-apple-system"/>
+              </a:rPr>
+              <a:t>We need 8 register files:</a:t>
             </a:r>
           </a:p>
           <a:p>
+            <a:pPr marL="342900" indent="-342900" algn="l">
+              <a:buFont typeface="Arial" panose="020B0604020202020204" pitchFamily="34" charset="0"/>
+              <a:buChar char="•"/>
+            </a:pPr>
             <a:r>
-              <a:rPr lang="en-US" dirty="0"/>
-              <a:t>Hồ </a:t>
+              <a:rPr lang="en-US" sz="2400" dirty="0">
+                <a:latin typeface="-apple-system"/>
+              </a:rPr>
+              <a:t>RF[0] = 0</a:t>
+            </a:r>
+          </a:p>
+          <a:p>
+            <a:pPr marL="342900" indent="-342900" algn="l">
+              <a:buFont typeface="Arial" panose="020B0604020202020204" pitchFamily="34" charset="0"/>
+              <a:buChar char="•"/>
+            </a:pPr>
+            <a:r>
+              <a:rPr lang="en-US" sz="2400" b="0" i="0" dirty="0">
+                <a:effectLst/>
+                <a:latin typeface="-apple-system"/>
+              </a:rPr>
+              <a:t>RF[1] = </a:t>
             </a:r>
             <a:r>
-              <a:rPr lang="en-US" dirty="0" err="1"/>
-              <a:t>Hải</a:t>
+              <a:rPr lang="en-US" sz="2400" dirty="0">
+                <a:latin typeface="-apple-system"/>
+              </a:rPr>
+              <a:t>n</a:t>
             </a:r>
-            <a:r>
-              <a:rPr lang="en-US" dirty="0"/>
-              <a:t> Công </a:t>
-            </a:r>
-            <a:r>
-              <a:rPr lang="en-US" dirty="0" err="1"/>
-              <a:t>Thuận</a:t>
-            </a:r>
-            <a:r>
-              <a:rPr lang="en-US" dirty="0"/>
-              <a:t> – 1852</a:t>
-            </a:r>
-            <a:r>
-              <a:rPr lang="vi-VN" dirty="0"/>
-              <a:t>1469</a:t>
-            </a:r>
-            <a:endParaRPr lang="en-US" dirty="0"/>
           </a:p>
           <a:p>
+            <a:pPr marL="342900" indent="-342900" algn="l">
+              <a:buFont typeface="Arial" panose="020B0604020202020204" pitchFamily="34" charset="0"/>
+              <a:buChar char="•"/>
+            </a:pPr>
             <a:r>
-              <a:rPr lang="en-US" dirty="0" err="1"/>
-              <a:t>Hà</a:t>
+              <a:rPr lang="en-US" sz="2400" b="0" i="0" dirty="0">
+                <a:effectLst/>
+                <a:latin typeface="-apple-system"/>
+              </a:rPr>
+              <a:t>RF[2] = x</a:t>
             </a:r>
+          </a:p>
+          <a:p>
+            <a:pPr marL="342900" indent="-342900" algn="l">
+              <a:buFont typeface="Arial" panose="020B0604020202020204" pitchFamily="34" charset="0"/>
+              <a:buChar char="•"/>
+            </a:pPr>
             <a:r>
-              <a:rPr lang="en-US" dirty="0"/>
-              <a:t> </a:t>
+              <a:rPr lang="en-US" sz="2400" dirty="0">
+                <a:latin typeface="-apple-system"/>
+              </a:rPr>
+              <a:t>RF[3] = root</a:t>
             </a:r>
+          </a:p>
+          <a:p>
+            <a:pPr marL="342900" indent="-342900" algn="l">
+              <a:buFont typeface="Arial" panose="020B0604020202020204" pitchFamily="34" charset="0"/>
+              <a:buChar char="•"/>
+            </a:pPr>
             <a:r>
-              <a:rPr lang="en-US" dirty="0" err="1"/>
-              <a:t>Kiều</a:t>
+              <a:rPr lang="en-US" sz="2400" dirty="0">
+                <a:latin typeface="-apple-system"/>
+              </a:rPr>
+              <a:t>RF[4] = 2</a:t>
             </a:r>
+          </a:p>
+          <a:p>
+            <a:pPr marL="342900" indent="-342900" algn="l">
+              <a:buFont typeface="Arial" panose="020B0604020202020204" pitchFamily="34" charset="0"/>
+              <a:buChar char="•"/>
+            </a:pPr>
             <a:r>
-              <a:rPr lang="en-US" dirty="0"/>
-              <a:t> Trang – 18521522</a:t>
+              <a:rPr lang="en-US" sz="2400" dirty="0">
+                <a:latin typeface="-apple-system"/>
+              </a:rPr>
+              <a:t>RF[5] = result</a:t>
             </a:r>
+            <a:endParaRPr lang="en-US" sz="2400" b="0" i="0" dirty="0">
+              <a:effectLst/>
+              <a:latin typeface="-apple-system"/>
+            </a:endParaRPr>
           </a:p>
         </p:txBody>
       </p:sp>
+      <p:pic>
+        <p:nvPicPr>
+          <p:cNvPr id="6" name="Picture 5">
+            <a:extLst>
+              <a:ext uri="{FF2B5EF4-FFF2-40B4-BE49-F238E27FC236}">
+                <a16:creationId xmlns:a16="http://schemas.microsoft.com/office/drawing/2014/main" id="{EB63FA8E-C4C7-4559-8801-23E03AFBDC41}"/>
+              </a:ext>
+            </a:extLst>
+          </p:cNvPr>
+          <p:cNvPicPr>
+            <a:picLocks noChangeAspect="1"/>
+          </p:cNvPicPr>
+          <p:nvPr/>
+        </p:nvPicPr>
+        <p:blipFill>
+          <a:blip r:embed="rId2">
+            <a:extLst>
+              <a:ext uri="{28A0092B-C50C-407E-A947-70E740481C1C}">
+                <a14:useLocalDpi xmlns:a14="http://schemas.microsoft.com/office/drawing/2010/main" val="0"/>
+              </a:ext>
+            </a:extLst>
+          </a:blip>
+          <a:stretch>
+            <a:fillRect/>
+          </a:stretch>
+        </p:blipFill>
+        <p:spPr>
+          <a:xfrm>
+            <a:off x="8786013" y="0"/>
+            <a:ext cx="3405987" cy="6858000"/>
+          </a:xfrm>
+          <a:prstGeom prst="rect">
+            <a:avLst/>
+          </a:prstGeom>
+        </p:spPr>
+      </p:pic>
     </p:spTree>
     <p:extLst>
       <p:ext uri="{BB962C8B-B14F-4D97-AF65-F5344CB8AC3E}">
-        <p14:creationId xmlns:p14="http://schemas.microsoft.com/office/powerpoint/2010/main" val="2181784054"/>
+        <p14:creationId xmlns:p14="http://schemas.microsoft.com/office/powerpoint/2010/main" val="3930613559"/>
       </p:ext>
     </p:extLst>
   </p:cSld>
@@ -5786,7 +6662,7 @@
 </p:sld>
 </file>
 
-<file path=ppt/slides/slide10.xml><?xml version="1.0" encoding="utf-8"?>
+<file path=ppt/slides/slide11.xml><?xml version="1.0" encoding="utf-8"?>
 <p:sld xmlns:a="http://schemas.openxmlformats.org/drawingml/2006/main" xmlns:r="http://schemas.openxmlformats.org/officeDocument/2006/relationships" xmlns:p="http://schemas.openxmlformats.org/presentationml/2006/main">
   <p:cSld>
     <p:spTree>
@@ -7703,7 +8579,7 @@
 </p:sld>
 </file>
 
-<file path=ppt/slides/slide11.xml><?xml version="1.0" encoding="utf-8"?>
+<file path=ppt/slides/slide12.xml><?xml version="1.0" encoding="utf-8"?>
 <p:sld xmlns:a="http://schemas.openxmlformats.org/drawingml/2006/main" xmlns:r="http://schemas.openxmlformats.org/officeDocument/2006/relationships" xmlns:p="http://schemas.openxmlformats.org/presentationml/2006/main">
   <p:cSld>
     <p:spTree>
@@ -10312,7 +11188,7 @@
 </p:sld>
 </file>
 
-<file path=ppt/slides/slide12.xml><?xml version="1.0" encoding="utf-8"?>
+<file path=ppt/slides/slide13.xml><?xml version="1.0" encoding="utf-8"?>
 <p:sld xmlns:a="http://schemas.openxmlformats.org/drawingml/2006/main" xmlns:r="http://schemas.openxmlformats.org/officeDocument/2006/relationships" xmlns:p="http://schemas.openxmlformats.org/presentationml/2006/main">
   <p:cSld>
     <p:spTree>
@@ -11987,7 +12863,7 @@
 </p:sld>
 </file>
 
-<file path=ppt/slides/slide13.xml><?xml version="1.0" encoding="utf-8"?>
+<file path=ppt/slides/slide14.xml><?xml version="1.0" encoding="utf-8"?>
 <p:sld xmlns:a="http://schemas.openxmlformats.org/drawingml/2006/main" xmlns:r="http://schemas.openxmlformats.org/officeDocument/2006/relationships" xmlns:p="http://schemas.openxmlformats.org/presentationml/2006/main">
   <p:cSld>
     <p:spTree>
@@ -13560,7 +14436,7 @@
 </p:sld>
 </file>
 
-<file path=ppt/slides/slide14.xml><?xml version="1.0" encoding="utf-8"?>
+<file path=ppt/slides/slide15.xml><?xml version="1.0" encoding="utf-8"?>
 <p:sld xmlns:a="http://schemas.openxmlformats.org/drawingml/2006/main" xmlns:r="http://schemas.openxmlformats.org/officeDocument/2006/relationships" xmlns:p="http://schemas.openxmlformats.org/presentationml/2006/main">
   <p:cSld>
     <p:spTree>
@@ -13620,13 +14496,13 @@
           <p:nvPr>
             <p:extLst>
               <p:ext uri="{D42A27DB-BD31-4B8C-83A1-F6EECF244321}">
-                <p14:modId xmlns:p14="http://schemas.microsoft.com/office/powerpoint/2010/main" val="4089844911"/>
+                <p14:modId xmlns:p14="http://schemas.microsoft.com/office/powerpoint/2010/main" val="3230650952"/>
               </p:ext>
             </p:extLst>
           </p:nvPr>
         </p:nvGraphicFramePr>
         <p:xfrm>
-          <a:off x="838200" y="1577478"/>
+          <a:off x="832874" y="2320428"/>
           <a:ext cx="10515601" cy="3169920"/>
         </p:xfrm>
         <a:graphic>
@@ -13666,7 +14542,11 @@
                     <a:p>
                       <a:pPr algn="ctr"/>
                       <a:r>
-                        <a:rPr lang="en-US" sz="2400" dirty="0"/>
+                        <a:rPr lang="en-US" sz="2400" dirty="0">
+                          <a:solidFill>
+                            <a:schemeClr val="bg1"/>
+                          </a:solidFill>
+                        </a:rPr>
                         <a:t>STT</a:t>
                       </a:r>
                     </a:p>
@@ -13680,7 +14560,11 @@
                     <a:p>
                       <a:pPr algn="ctr"/>
                       <a:r>
-                        <a:rPr lang="en-US" sz="2400" dirty="0"/>
+                        <a:rPr lang="en-US" sz="2400" dirty="0">
+                          <a:solidFill>
+                            <a:schemeClr val="bg1"/>
+                          </a:solidFill>
+                        </a:rPr>
                         <a:t>Case name</a:t>
                       </a:r>
                     </a:p>
@@ -13694,15 +14578,27 @@
                     <a:p>
                       <a:pPr algn="ctr"/>
                       <a:r>
-                        <a:rPr lang="en-US" sz="1400" dirty="0"/>
+                        <a:rPr lang="en-US" sz="1400" dirty="0">
+                          <a:solidFill>
+                            <a:schemeClr val="bg1"/>
+                          </a:solidFill>
+                        </a:rPr>
                         <a:t>Longest time between input and output (</a:t>
                       </a:r>
                       <a:r>
-                        <a:rPr lang="en-US" sz="1400" dirty="0" err="1"/>
+                        <a:rPr lang="en-US" sz="1400" dirty="0" err="1">
+                          <a:solidFill>
+                            <a:schemeClr val="bg1"/>
+                          </a:solidFill>
+                        </a:rPr>
                         <a:t>ps</a:t>
                       </a:r>
                       <a:r>
-                        <a:rPr lang="en-US" sz="1400" dirty="0"/>
+                        <a:rPr lang="en-US" sz="1400" dirty="0">
+                          <a:solidFill>
+                            <a:schemeClr val="bg1"/>
+                          </a:solidFill>
+                        </a:rPr>
                         <a:t>)</a:t>
                       </a:r>
                     </a:p>
@@ -13723,7 +14619,11 @@
                     <a:p>
                       <a:pPr algn="ctr"/>
                       <a:r>
-                        <a:rPr lang="en-US" sz="2400" dirty="0"/>
+                        <a:rPr lang="en-US" sz="2400" dirty="0">
+                          <a:solidFill>
+                            <a:schemeClr val="bg1"/>
+                          </a:solidFill>
+                        </a:rPr>
                         <a:t>1</a:t>
                       </a:r>
                     </a:p>
@@ -13737,15 +14637,27 @@
                     <a:p>
                       <a:pPr algn="ctr"/>
                       <a:r>
-                        <a:rPr lang="en-US" sz="2400" dirty="0"/>
+                        <a:rPr lang="en-US" sz="2400" dirty="0">
+                          <a:solidFill>
+                            <a:schemeClr val="bg1"/>
+                          </a:solidFill>
+                        </a:rPr>
                         <a:t>Input = x.0 (</a:t>
                       </a:r>
                       <a:r>
-                        <a:rPr lang="en-US" sz="2400" dirty="0" err="1"/>
+                        <a:rPr lang="en-US" sz="2400" dirty="0" err="1">
+                          <a:solidFill>
+                            <a:schemeClr val="bg1"/>
+                          </a:solidFill>
+                        </a:rPr>
                         <a:t>eg</a:t>
                       </a:r>
                       <a:r>
-                        <a:rPr lang="en-US" sz="2400" dirty="0"/>
+                        <a:rPr lang="en-US" sz="2400" dirty="0">
+                          <a:solidFill>
+                            <a:schemeClr val="bg1"/>
+                          </a:solidFill>
+                        </a:rPr>
                         <a:t> 1.0, 2.0,…)</a:t>
                       </a:r>
                     </a:p>
@@ -13759,7 +14671,11 @@
                     <a:p>
                       <a:pPr algn="ctr"/>
                       <a:r>
-                        <a:rPr lang="en-US" sz="2400" dirty="0"/>
+                        <a:rPr lang="en-US" sz="2400" dirty="0">
+                          <a:solidFill>
+                            <a:schemeClr val="bg1"/>
+                          </a:solidFill>
+                        </a:rPr>
                         <a:t>28414</a:t>
                       </a:r>
                     </a:p>
@@ -13780,7 +14696,11 @@
                     <a:p>
                       <a:pPr algn="ctr"/>
                       <a:r>
-                        <a:rPr lang="en-US" sz="2400" dirty="0"/>
+                        <a:rPr lang="en-US" sz="2400" dirty="0">
+                          <a:solidFill>
+                            <a:schemeClr val="bg1"/>
+                          </a:solidFill>
+                        </a:rPr>
                         <a:t>2</a:t>
                       </a:r>
                     </a:p>
@@ -13794,15 +14714,27 @@
                     <a:p>
                       <a:pPr algn="ctr"/>
                       <a:r>
-                        <a:rPr lang="en-US" sz="2400" dirty="0"/>
+                        <a:rPr lang="en-US" sz="2400" dirty="0">
+                          <a:solidFill>
+                            <a:schemeClr val="bg1"/>
+                          </a:solidFill>
+                        </a:rPr>
                         <a:t>Input =  x.0y (</a:t>
                       </a:r>
                       <a:r>
-                        <a:rPr lang="en-US" sz="2400" dirty="0" err="1"/>
+                        <a:rPr lang="en-US" sz="2400" dirty="0" err="1">
+                          <a:solidFill>
+                            <a:schemeClr val="bg1"/>
+                          </a:solidFill>
+                        </a:rPr>
                         <a:t>eg</a:t>
                       </a:r>
                       <a:r>
-                        <a:rPr lang="en-US" sz="2400" dirty="0"/>
+                        <a:rPr lang="en-US" sz="2400" dirty="0">
+                          <a:solidFill>
+                            <a:schemeClr val="bg1"/>
+                          </a:solidFill>
+                        </a:rPr>
                         <a:t> 1.01, 1.02,…)</a:t>
                       </a:r>
                     </a:p>
@@ -13816,7 +14748,11 @@
                     <a:p>
                       <a:pPr algn="ctr"/>
                       <a:r>
-                        <a:rPr lang="en-US" sz="2400" dirty="0"/>
+                        <a:rPr lang="en-US" sz="2400" dirty="0">
+                          <a:solidFill>
+                            <a:schemeClr val="bg1"/>
+                          </a:solidFill>
+                        </a:rPr>
                         <a:t>23930</a:t>
                       </a:r>
                     </a:p>
@@ -13837,7 +14773,11 @@
                     <a:p>
                       <a:pPr algn="ctr"/>
                       <a:r>
-                        <a:rPr lang="en-US" sz="2400" dirty="0"/>
+                        <a:rPr lang="en-US" sz="2400" dirty="0">
+                          <a:solidFill>
+                            <a:schemeClr val="bg1"/>
+                          </a:solidFill>
+                        </a:rPr>
                         <a:t>3</a:t>
                       </a:r>
                     </a:p>
@@ -13851,15 +14791,27 @@
                     <a:p>
                       <a:pPr algn="ctr"/>
                       <a:r>
-                        <a:rPr lang="en-US" sz="2400" dirty="0"/>
+                        <a:rPr lang="en-US" sz="2400" dirty="0">
+                          <a:solidFill>
+                            <a:schemeClr val="bg1"/>
+                          </a:solidFill>
+                        </a:rPr>
                         <a:t>Input = x.00y (</a:t>
                       </a:r>
                       <a:r>
-                        <a:rPr lang="en-US" sz="2400" dirty="0" err="1"/>
+                        <a:rPr lang="en-US" sz="2400" dirty="0" err="1">
+                          <a:solidFill>
+                            <a:schemeClr val="bg1"/>
+                          </a:solidFill>
+                        </a:rPr>
                         <a:t>eg</a:t>
                       </a:r>
                       <a:r>
-                        <a:rPr lang="en-US" sz="2400" dirty="0"/>
+                        <a:rPr lang="en-US" sz="2400" dirty="0">
+                          <a:solidFill>
+                            <a:schemeClr val="bg1"/>
+                          </a:solidFill>
+                        </a:rPr>
                         <a:t> 1.001, 1.002,…)</a:t>
                       </a:r>
                     </a:p>
@@ -13872,7 +14824,11 @@
                     <a:lstStyle/>
                     <a:p>
                       <a:pPr algn="ctr"/>
-                      <a:endParaRPr lang="en-US" sz="2400" dirty="0"/>
+                      <a:endParaRPr lang="en-US" sz="2400" dirty="0">
+                        <a:solidFill>
+                          <a:schemeClr val="bg1"/>
+                        </a:solidFill>
+                      </a:endParaRPr>
                     </a:p>
                   </a:txBody>
                   <a:tcPr anchor="ctr"/>
@@ -13891,7 +14847,11 @@
                     <a:p>
                       <a:pPr algn="ctr"/>
                       <a:r>
-                        <a:rPr lang="en-US" sz="2400" dirty="0"/>
+                        <a:rPr lang="en-US" sz="2400" dirty="0">
+                          <a:solidFill>
+                            <a:schemeClr val="bg1"/>
+                          </a:solidFill>
+                        </a:rPr>
                         <a:t>4</a:t>
                       </a:r>
                     </a:p>
@@ -13905,15 +14865,27 @@
                     <a:p>
                       <a:pPr algn="ctr"/>
                       <a:r>
-                        <a:rPr lang="en-US" sz="2400" dirty="0"/>
+                        <a:rPr lang="en-US" sz="2400" dirty="0">
+                          <a:solidFill>
+                            <a:schemeClr val="bg1"/>
+                          </a:solidFill>
+                        </a:rPr>
                         <a:t>Input = x.000y (</a:t>
                       </a:r>
                       <a:r>
-                        <a:rPr lang="en-US" sz="2400" dirty="0" err="1"/>
+                        <a:rPr lang="en-US" sz="2400" dirty="0" err="1">
+                          <a:solidFill>
+                            <a:schemeClr val="bg1"/>
+                          </a:solidFill>
+                        </a:rPr>
                         <a:t>eg</a:t>
                       </a:r>
                       <a:r>
-                        <a:rPr lang="en-US" sz="2400" dirty="0"/>
+                        <a:rPr lang="en-US" sz="2400" dirty="0">
+                          <a:solidFill>
+                            <a:schemeClr val="bg1"/>
+                          </a:solidFill>
+                        </a:rPr>
                         <a:t> 1.0001, 1.0002…)</a:t>
                       </a:r>
                     </a:p>
@@ -13926,7 +14898,11 @@
                     <a:lstStyle/>
                     <a:p>
                       <a:pPr algn="ctr"/>
-                      <a:endParaRPr lang="en-US" sz="2400" dirty="0"/>
+                      <a:endParaRPr lang="en-US" sz="2400" dirty="0">
+                        <a:solidFill>
+                          <a:schemeClr val="bg1"/>
+                        </a:solidFill>
+                      </a:endParaRPr>
                     </a:p>
                   </a:txBody>
                   <a:tcPr anchor="ctr"/>
@@ -13945,7 +14921,11 @@
                     <a:p>
                       <a:pPr algn="ctr"/>
                       <a:r>
-                        <a:rPr lang="en-US" sz="2400" dirty="0"/>
+                        <a:rPr lang="en-US" sz="2400" dirty="0">
+                          <a:solidFill>
+                            <a:schemeClr val="bg1"/>
+                          </a:solidFill>
+                        </a:rPr>
                         <a:t>5</a:t>
                       </a:r>
                     </a:p>
@@ -13959,15 +14939,27 @@
                     <a:p>
                       <a:pPr algn="ctr"/>
                       <a:r>
-                        <a:rPr lang="en-US" sz="2400" dirty="0"/>
+                        <a:rPr lang="en-US" sz="2400" dirty="0">
+                          <a:solidFill>
+                            <a:schemeClr val="bg1"/>
+                          </a:solidFill>
+                        </a:rPr>
                         <a:t>Input = -x.0 (</a:t>
                       </a:r>
                       <a:r>
-                        <a:rPr lang="en-US" sz="2400" dirty="0" err="1"/>
+                        <a:rPr lang="en-US" sz="2400" dirty="0" err="1">
+                          <a:solidFill>
+                            <a:schemeClr val="bg1"/>
+                          </a:solidFill>
+                        </a:rPr>
                         <a:t>eg</a:t>
                       </a:r>
                       <a:r>
-                        <a:rPr lang="en-US" sz="2400" dirty="0"/>
+                        <a:rPr lang="en-US" sz="2400" dirty="0">
+                          <a:solidFill>
+                            <a:schemeClr val="bg1"/>
+                          </a:solidFill>
+                        </a:rPr>
                         <a:t> -1.0, -2.0,…)</a:t>
                       </a:r>
                     </a:p>
@@ -13980,7 +14972,11 @@
                     <a:lstStyle/>
                     <a:p>
                       <a:pPr algn="ctr"/>
-                      <a:endParaRPr lang="en-US" sz="2400" dirty="0"/>
+                      <a:endParaRPr lang="en-US" sz="2400" dirty="0">
+                        <a:solidFill>
+                          <a:schemeClr val="bg1"/>
+                        </a:solidFill>
+                      </a:endParaRPr>
                     </a:p>
                   </a:txBody>
                   <a:tcPr anchor="ctr"/>
@@ -13995,333 +14991,6 @@
           </a:graphicData>
         </a:graphic>
       </p:graphicFrame>
-      <mc:AlternateContent xmlns:mc="http://schemas.openxmlformats.org/markup-compatibility/2006" xmlns:a14="http://schemas.microsoft.com/office/drawing/2010/main">
-        <mc:Choice Requires="a14">
-          <p:sp>
-            <p:nvSpPr>
-              <p:cNvPr id="5" name="Content Placeholder 9">
-                <a:extLst>
-                  <a:ext uri="{FF2B5EF4-FFF2-40B4-BE49-F238E27FC236}">
-                    <a16:creationId xmlns:a16="http://schemas.microsoft.com/office/drawing/2014/main" id="{48F87FC3-29A0-4F32-924D-F2F60DC11C62}"/>
-                  </a:ext>
-                </a:extLst>
-              </p:cNvPr>
-              <p:cNvSpPr txBox="1">
-                <a:spLocks/>
-              </p:cNvSpPr>
-              <p:nvPr/>
-            </p:nvSpPr>
-            <p:spPr>
-              <a:xfrm>
-                <a:off x="838200" y="4686438"/>
-                <a:ext cx="10515600" cy="1806437"/>
-              </a:xfrm>
-              <a:prstGeom prst="rect">
-                <a:avLst/>
-              </a:prstGeom>
-            </p:spPr>
-            <p:txBody>
-              <a:bodyPr vert="horz" lIns="91440" tIns="45720" rIns="91440" bIns="45720" rtlCol="0">
-                <a:noAutofit/>
-              </a:bodyPr>
-              <a:lstStyle>
-                <a:lvl1pPr marL="228600" indent="-228600" algn="l" defTabSz="914400" rtl="0" eaLnBrk="1" latinLnBrk="0" hangingPunct="1">
-                  <a:lnSpc>
-                    <a:spcPct val="90000"/>
-                  </a:lnSpc>
-                  <a:spcBef>
-                    <a:spcPts val="1000"/>
-                  </a:spcBef>
-                  <a:buFont typeface="Arial" panose="020B0604020202020204" pitchFamily="34" charset="0"/>
-                  <a:buChar char="•"/>
-                  <a:defRPr sz="2800" kern="1200">
-                    <a:solidFill>
-                      <a:schemeClr val="tx1"/>
-                    </a:solidFill>
-                    <a:latin typeface="+mn-lt"/>
-                    <a:ea typeface="+mn-ea"/>
-                    <a:cs typeface="+mn-cs"/>
-                  </a:defRPr>
-                </a:lvl1pPr>
-                <a:lvl2pPr marL="685800" indent="-228600" algn="l" defTabSz="914400" rtl="0" eaLnBrk="1" latinLnBrk="0" hangingPunct="1">
-                  <a:lnSpc>
-                    <a:spcPct val="90000"/>
-                  </a:lnSpc>
-                  <a:spcBef>
-                    <a:spcPts val="500"/>
-                  </a:spcBef>
-                  <a:buFont typeface="Arial" panose="020B0604020202020204" pitchFamily="34" charset="0"/>
-                  <a:buChar char="•"/>
-                  <a:defRPr sz="2400" kern="1200">
-                    <a:solidFill>
-                      <a:schemeClr val="tx1"/>
-                    </a:solidFill>
-                    <a:latin typeface="+mn-lt"/>
-                    <a:ea typeface="+mn-ea"/>
-                    <a:cs typeface="+mn-cs"/>
-                  </a:defRPr>
-                </a:lvl2pPr>
-                <a:lvl3pPr marL="1143000" indent="-228600" algn="l" defTabSz="914400" rtl="0" eaLnBrk="1" latinLnBrk="0" hangingPunct="1">
-                  <a:lnSpc>
-                    <a:spcPct val="90000"/>
-                  </a:lnSpc>
-                  <a:spcBef>
-                    <a:spcPts val="500"/>
-                  </a:spcBef>
-                  <a:buFont typeface="Arial" panose="020B0604020202020204" pitchFamily="34" charset="0"/>
-                  <a:buChar char="•"/>
-                  <a:defRPr sz="2000" kern="1200">
-                    <a:solidFill>
-                      <a:schemeClr val="tx1"/>
-                    </a:solidFill>
-                    <a:latin typeface="+mn-lt"/>
-                    <a:ea typeface="+mn-ea"/>
-                    <a:cs typeface="+mn-cs"/>
-                  </a:defRPr>
-                </a:lvl3pPr>
-                <a:lvl4pPr marL="1600200" indent="-228600" algn="l" defTabSz="914400" rtl="0" eaLnBrk="1" latinLnBrk="0" hangingPunct="1">
-                  <a:lnSpc>
-                    <a:spcPct val="90000"/>
-                  </a:lnSpc>
-                  <a:spcBef>
-                    <a:spcPts val="500"/>
-                  </a:spcBef>
-                  <a:buFont typeface="Arial" panose="020B0604020202020204" pitchFamily="34" charset="0"/>
-                  <a:buChar char="•"/>
-                  <a:defRPr sz="1800" kern="1200">
-                    <a:solidFill>
-                      <a:schemeClr val="tx1"/>
-                    </a:solidFill>
-                    <a:latin typeface="+mn-lt"/>
-                    <a:ea typeface="+mn-ea"/>
-                    <a:cs typeface="+mn-cs"/>
-                  </a:defRPr>
-                </a:lvl4pPr>
-                <a:lvl5pPr marL="2057400" indent="-228600" algn="l" defTabSz="914400" rtl="0" eaLnBrk="1" latinLnBrk="0" hangingPunct="1">
-                  <a:lnSpc>
-                    <a:spcPct val="90000"/>
-                  </a:lnSpc>
-                  <a:spcBef>
-                    <a:spcPts val="500"/>
-                  </a:spcBef>
-                  <a:buFont typeface="Arial" panose="020B0604020202020204" pitchFamily="34" charset="0"/>
-                  <a:buChar char="•"/>
-                  <a:defRPr sz="1800" kern="1200">
-                    <a:solidFill>
-                      <a:schemeClr val="tx1"/>
-                    </a:solidFill>
-                    <a:latin typeface="+mn-lt"/>
-                    <a:ea typeface="+mn-ea"/>
-                    <a:cs typeface="+mn-cs"/>
-                  </a:defRPr>
-                </a:lvl5pPr>
-                <a:lvl6pPr marL="2514600" indent="-228600" algn="l" defTabSz="914400" rtl="0" eaLnBrk="1" latinLnBrk="0" hangingPunct="1">
-                  <a:lnSpc>
-                    <a:spcPct val="90000"/>
-                  </a:lnSpc>
-                  <a:spcBef>
-                    <a:spcPts val="500"/>
-                  </a:spcBef>
-                  <a:buFont typeface="Arial" panose="020B0604020202020204" pitchFamily="34" charset="0"/>
-                  <a:buChar char="•"/>
-                  <a:defRPr sz="1800" kern="1200">
-                    <a:solidFill>
-                      <a:schemeClr val="tx1"/>
-                    </a:solidFill>
-                    <a:latin typeface="+mn-lt"/>
-                    <a:ea typeface="+mn-ea"/>
-                    <a:cs typeface="+mn-cs"/>
-                  </a:defRPr>
-                </a:lvl6pPr>
-                <a:lvl7pPr marL="2971800" indent="-228600" algn="l" defTabSz="914400" rtl="0" eaLnBrk="1" latinLnBrk="0" hangingPunct="1">
-                  <a:lnSpc>
-                    <a:spcPct val="90000"/>
-                  </a:lnSpc>
-                  <a:spcBef>
-                    <a:spcPts val="500"/>
-                  </a:spcBef>
-                  <a:buFont typeface="Arial" panose="020B0604020202020204" pitchFamily="34" charset="0"/>
-                  <a:buChar char="•"/>
-                  <a:defRPr sz="1800" kern="1200">
-                    <a:solidFill>
-                      <a:schemeClr val="tx1"/>
-                    </a:solidFill>
-                    <a:latin typeface="+mn-lt"/>
-                    <a:ea typeface="+mn-ea"/>
-                    <a:cs typeface="+mn-cs"/>
-                  </a:defRPr>
-                </a:lvl7pPr>
-                <a:lvl8pPr marL="3429000" indent="-228600" algn="l" defTabSz="914400" rtl="0" eaLnBrk="1" latinLnBrk="0" hangingPunct="1">
-                  <a:lnSpc>
-                    <a:spcPct val="90000"/>
-                  </a:lnSpc>
-                  <a:spcBef>
-                    <a:spcPts val="500"/>
-                  </a:spcBef>
-                  <a:buFont typeface="Arial" panose="020B0604020202020204" pitchFamily="34" charset="0"/>
-                  <a:buChar char="•"/>
-                  <a:defRPr sz="1800" kern="1200">
-                    <a:solidFill>
-                      <a:schemeClr val="tx1"/>
-                    </a:solidFill>
-                    <a:latin typeface="+mn-lt"/>
-                    <a:ea typeface="+mn-ea"/>
-                    <a:cs typeface="+mn-cs"/>
-                  </a:defRPr>
-                </a:lvl8pPr>
-                <a:lvl9pPr marL="3886200" indent="-228600" algn="l" defTabSz="914400" rtl="0" eaLnBrk="1" latinLnBrk="0" hangingPunct="1">
-                  <a:lnSpc>
-                    <a:spcPct val="90000"/>
-                  </a:lnSpc>
-                  <a:spcBef>
-                    <a:spcPts val="500"/>
-                  </a:spcBef>
-                  <a:buFont typeface="Arial" panose="020B0604020202020204" pitchFamily="34" charset="0"/>
-                  <a:buChar char="•"/>
-                  <a:defRPr sz="1800" kern="1200">
-                    <a:solidFill>
-                      <a:schemeClr val="tx1"/>
-                    </a:solidFill>
-                    <a:latin typeface="+mn-lt"/>
-                    <a:ea typeface="+mn-ea"/>
-                    <a:cs typeface="+mn-cs"/>
-                  </a:defRPr>
-                </a:lvl9pPr>
-              </a:lstStyle>
-              <a:p>
-                <a:r>
-                  <a:rPr lang="en-US" sz="2400" dirty="0"/>
-                  <a:t>Frequency = 1 / Max(Longest time between input and output)</a:t>
-                </a:r>
-              </a:p>
-              <a:p>
-                <a:pPr marL="1828800" lvl="4" indent="0">
-                  <a:buNone/>
-                </a:pPr>
-                <a:r>
-                  <a:rPr lang="en-US" sz="2400" dirty="0"/>
-                  <a:t>=</a:t>
-                </a:r>
-                <a:r>
-                  <a:rPr lang="en-US" sz="2400" b="0" u="none" strike="noStrike" baseline="0" dirty="0"/>
-                  <a:t> </a:t>
-                </a:r>
-                <a14:m>
-                  <m:oMath xmlns:m="http://schemas.openxmlformats.org/officeDocument/2006/math">
-                    <m:f>
-                      <m:fPr>
-                        <m:ctrlPr>
-                          <a:rPr lang="en-US" sz="2400" b="0" i="1" u="none" strike="noStrike" baseline="0" smtClean="0">
-                            <a:latin typeface="Cambria Math" panose="02040503050406030204" pitchFamily="18" charset="0"/>
-                          </a:rPr>
-                        </m:ctrlPr>
-                      </m:fPr>
-                      <m:num>
-                        <m:r>
-                          <a:rPr lang="en-US" sz="2400" b="0" i="1" u="none" strike="noStrike" baseline="0" smtClean="0">
-                            <a:latin typeface="Cambria Math" panose="02040503050406030204" pitchFamily="18" charset="0"/>
-                          </a:rPr>
-                          <m:t>1</m:t>
-                        </m:r>
-                      </m:num>
-                      <m:den>
-                        <m:r>
-                          <a:rPr lang="en-US" sz="2400" b="0" i="1" u="none" strike="noStrike" baseline="0" smtClean="0">
-                            <a:latin typeface="Cambria Math" panose="02040503050406030204" pitchFamily="18" charset="0"/>
-                          </a:rPr>
-                          <m:t>28414 ∗</m:t>
-                        </m:r>
-                        <m:sSup>
-                          <m:sSupPr>
-                            <m:ctrlPr>
-                              <a:rPr lang="en-US" sz="2400" i="1">
-                                <a:latin typeface="Cambria Math" panose="02040503050406030204" pitchFamily="18" charset="0"/>
-                              </a:rPr>
-                            </m:ctrlPr>
-                          </m:sSupPr>
-                          <m:e>
-                            <m:r>
-                              <a:rPr lang="en-US" sz="2400" b="0" i="1" smtClean="0">
-                                <a:latin typeface="Cambria Math" panose="02040503050406030204" pitchFamily="18" charset="0"/>
-                              </a:rPr>
-                              <m:t>10</m:t>
-                            </m:r>
-                          </m:e>
-                          <m:sup>
-                            <m:r>
-                              <a:rPr lang="en-US" sz="2400" b="0" i="1" smtClean="0">
-                                <a:latin typeface="Cambria Math" panose="02040503050406030204" pitchFamily="18" charset="0"/>
-                              </a:rPr>
-                              <m:t>−12</m:t>
-                            </m:r>
-                          </m:sup>
-                        </m:sSup>
-                      </m:den>
-                    </m:f>
-                  </m:oMath>
-                </a14:m>
-                <a:r>
-                  <a:rPr lang="en-US" sz="2400" dirty="0"/>
-                  <a:t> = 35193918.49 (Hz)</a:t>
-                </a:r>
-              </a:p>
-              <a:p>
-                <a:endParaRPr lang="en-US" sz="2400" dirty="0"/>
-              </a:p>
-              <a:p>
-                <a:r>
-                  <a:rPr lang="en-US" sz="2400" dirty="0"/>
-                  <a:t>Number of cycle: 4</a:t>
-                </a:r>
-              </a:p>
-            </p:txBody>
-          </p:sp>
-        </mc:Choice>
-        <mc:Fallback xmlns="">
-          <p:sp>
-            <p:nvSpPr>
-              <p:cNvPr id="5" name="Content Placeholder 9">
-                <a:extLst>
-                  <a:ext uri="{FF2B5EF4-FFF2-40B4-BE49-F238E27FC236}">
-                    <a16:creationId xmlns:a16="http://schemas.microsoft.com/office/drawing/2014/main" id="{48F87FC3-29A0-4F32-924D-F2F60DC11C62}"/>
-                  </a:ext>
-                </a:extLst>
-              </p:cNvPr>
-              <p:cNvSpPr txBox="1">
-                <a:spLocks noRot="1" noChangeAspect="1" noMove="1" noResize="1" noEditPoints="1" noAdjustHandles="1" noChangeArrowheads="1" noChangeShapeType="1" noTextEdit="1"/>
-              </p:cNvSpPr>
-              <p:nvPr/>
-            </p:nvSpPr>
-            <p:spPr>
-              <a:xfrm>
-                <a:off x="838200" y="4686438"/>
-                <a:ext cx="10515600" cy="1806437"/>
-              </a:xfrm>
-              <a:prstGeom prst="rect">
-                <a:avLst/>
-              </a:prstGeom>
-              <a:blipFill>
-                <a:blip r:embed="rId2"/>
-                <a:stretch>
-                  <a:fillRect l="-812" t="-4730" b="-11149"/>
-                </a:stretch>
-              </a:blipFill>
-            </p:spPr>
-            <p:txBody>
-              <a:bodyPr/>
-              <a:lstStyle/>
-              <a:p>
-                <a:r>
-                  <a:rPr lang="en-US">
-                    <a:noFill/>
-                  </a:rPr>
-                  <a:t> </a:t>
-                </a:r>
-              </a:p>
-            </p:txBody>
-          </p:sp>
-        </mc:Fallback>
-      </mc:AlternateContent>
     </p:spTree>
     <p:extLst>
       <p:ext uri="{BB962C8B-B14F-4D97-AF65-F5344CB8AC3E}">
@@ -14347,7 +15016,7 @@
 </p:sld>
 </file>
 
-<file path=ppt/slides/slide15.xml><?xml version="1.0" encoding="utf-8"?>
+<file path=ppt/slides/slide16.xml><?xml version="1.0" encoding="utf-8"?>
 <p:sld xmlns:a="http://schemas.openxmlformats.org/drawingml/2006/main" xmlns:r="http://schemas.openxmlformats.org/officeDocument/2006/relationships" xmlns:p="http://schemas.openxmlformats.org/presentationml/2006/main">
   <p:cSld>
     <p:spTree>
@@ -14591,16 +15260,24 @@
                   <a:t>Frequency = 1 / Max</a:t>
                 </a:r>
                 <a:r>
-                  <a:rPr lang="vi-VN"/>
+                  <a:rPr lang="vi-VN" dirty="0"/>
                   <a:t> </a:t>
                 </a:r>
                 <a:r>
-                  <a:rPr lang="en-US"/>
+                  <a:rPr lang="en-US" dirty="0"/>
                   <a:t>(</a:t>
                 </a:r>
                 <a:r>
+                  <a:rPr lang="vi-VN" dirty="0"/>
+                  <a:t>the l</a:t>
+                </a:r>
+                <a:r>
+                  <a:rPr lang="en-US" dirty="0" err="1"/>
+                  <a:t>ongest</a:t>
+                </a:r>
+                <a:r>
                   <a:rPr lang="en-US" dirty="0"/>
-                  <a:t>Longest time between input and output)</a:t>
+                  <a:t> time between input and output)</a:t>
                 </a:r>
               </a:p>
               <a:p>
@@ -14620,47 +15297,35 @@
                     <m:f>
                       <m:fPr>
                         <m:ctrlPr>
-                          <a:rPr lang="en-US" sz="2800" b="0" i="1" u="none" strike="noStrike" baseline="0" smtClean="0">
-                            <a:latin typeface="Cambria Math" panose="02040503050406030204" pitchFamily="18" charset="0"/>
-                          </a:rPr>
+                          <a:rPr lang="en-US" sz="2800" b="0" i="1" u="none" strike="noStrike" baseline="0" smtClean="0"/>
                         </m:ctrlPr>
                       </m:fPr>
                       <m:num>
                         <m:r>
-                          <a:rPr lang="en-US" sz="2800" b="0" i="1" u="none" strike="noStrike" baseline="0" smtClean="0">
-                            <a:latin typeface="Cambria Math" panose="02040503050406030204" pitchFamily="18" charset="0"/>
-                          </a:rPr>
+                          <a:rPr lang="en-US" sz="2800" b="0" i="1" u="none" strike="noStrike" baseline="0" smtClean="0"/>
                           <m:t>1</m:t>
                         </m:r>
                       </m:num>
                       <m:den>
                         <m:r>
-                          <a:rPr lang="en-US" sz="2800" b="0" i="1" u="none" strike="noStrike" baseline="0" smtClean="0">
-                            <a:latin typeface="Cambria Math" panose="02040503050406030204" pitchFamily="18" charset="0"/>
-                          </a:rPr>
+                          <a:rPr lang="en-US" sz="2800" b="0" i="1" u="none" strike="noStrike" baseline="0" smtClean="0"/>
                           <m:t>28414 ∗</m:t>
                         </m:r>
                         <m:sSup>
                           <m:sSupPr>
                             <m:ctrlPr>
-                              <a:rPr lang="en-US" sz="2800" i="1">
-                                <a:latin typeface="Cambria Math" panose="02040503050406030204" pitchFamily="18" charset="0"/>
-                              </a:rPr>
+                              <a:rPr lang="en-US" sz="2800" i="1"/>
                             </m:ctrlPr>
                           </m:sSupPr>
                           <m:e>
                             <m:r>
-                              <a:rPr lang="en-US" sz="2800" b="0" i="1" smtClean="0">
-                                <a:latin typeface="Cambria Math" panose="02040503050406030204" pitchFamily="18" charset="0"/>
-                              </a:rPr>
+                              <a:rPr lang="en-US" sz="2800" b="0" i="1" smtClean="0"/>
                               <m:t>10</m:t>
                             </m:r>
                           </m:e>
                           <m:sup>
                             <m:r>
-                              <a:rPr lang="en-US" sz="2800" b="0" i="1" smtClean="0">
-                                <a:latin typeface="Cambria Math" panose="02040503050406030204" pitchFamily="18" charset="0"/>
-                              </a:rPr>
+                              <a:rPr lang="en-US" sz="2800" b="0" i="1" smtClean="0"/>
                               <m:t>−12</m:t>
                             </m:r>
                           </m:sup>
@@ -14712,7 +15377,7 @@
               <a:blipFill>
                 <a:blip r:embed="rId2"/>
                 <a:stretch>
-                  <a:fillRect l="-1043" t="-3755" r="-1159"/>
+                  <a:fillRect l="-1043" t="-3755"/>
                 </a:stretch>
               </a:blipFill>
             </p:spPr>
@@ -14756,7 +15421,7 @@
 </p:sld>
 </file>
 
-<file path=ppt/slides/slide16.xml><?xml version="1.0" encoding="utf-8"?>
+<file path=ppt/slides/slide17.xml><?xml version="1.0" encoding="utf-8"?>
 <p:sld xmlns:a="http://schemas.openxmlformats.org/drawingml/2006/main" xmlns:r="http://schemas.openxmlformats.org/officeDocument/2006/relationships" xmlns:p="http://schemas.openxmlformats.org/presentationml/2006/main" show="0">
   <p:cSld>
     <p:spTree>
@@ -16115,7 +16780,7 @@
 </p:sld>
 </file>
 
-<file path=ppt/slides/slide17.xml><?xml version="1.0" encoding="utf-8"?>
+<file path=ppt/slides/slide18.xml><?xml version="1.0" encoding="utf-8"?>
 <p:sld xmlns:a="http://schemas.openxmlformats.org/drawingml/2006/main" xmlns:r="http://schemas.openxmlformats.org/officeDocument/2006/relationships" xmlns:p="http://schemas.openxmlformats.org/presentationml/2006/main" show="0">
   <p:cSld>
     <p:spTree>
@@ -17453,7 +18118,7 @@
 </p:sld>
 </file>
 
-<file path=ppt/slides/slide18.xml><?xml version="1.0" encoding="utf-8"?>
+<file path=ppt/slides/slide19.xml><?xml version="1.0" encoding="utf-8"?>
 <p:sld xmlns:a="http://schemas.openxmlformats.org/drawingml/2006/main" xmlns:r="http://schemas.openxmlformats.org/officeDocument/2006/relationships" xmlns:p="http://schemas.openxmlformats.org/presentationml/2006/main" show="0">
   <p:cSld>
     <p:spTree>
@@ -18623,7 +19288,166 @@
 </p:sld>
 </file>
 
-<file path=ppt/slides/slide19.xml><?xml version="1.0" encoding="utf-8"?>
+<file path=ppt/slides/slide2.xml><?xml version="1.0" encoding="utf-8"?>
+<p:sld xmlns:a="http://schemas.openxmlformats.org/drawingml/2006/main" xmlns:r="http://schemas.openxmlformats.org/officeDocument/2006/relationships" xmlns:p="http://schemas.openxmlformats.org/presentationml/2006/main">
+  <p:cSld>
+    <p:spTree>
+      <p:nvGrpSpPr>
+        <p:cNvPr id="1" name=""/>
+        <p:cNvGrpSpPr/>
+        <p:nvPr/>
+      </p:nvGrpSpPr>
+      <p:grpSpPr>
+        <a:xfrm>
+          <a:off x="0" y="0"/>
+          <a:ext cx="0" cy="0"/>
+          <a:chOff x="0" y="0"/>
+          <a:chExt cx="0" cy="0"/>
+        </a:xfrm>
+      </p:grpSpPr>
+      <p:sp>
+        <p:nvSpPr>
+          <p:cNvPr id="2" name="Title 1">
+            <a:extLst>
+              <a:ext uri="{FF2B5EF4-FFF2-40B4-BE49-F238E27FC236}">
+                <a16:creationId xmlns:a16="http://schemas.microsoft.com/office/drawing/2014/main" id="{115CC45D-BAD7-4666-82FB-740DE29F5D6F}"/>
+              </a:ext>
+            </a:extLst>
+          </p:cNvPr>
+          <p:cNvSpPr>
+            <a:spLocks noGrp="1"/>
+          </p:cNvSpPr>
+          <p:nvPr>
+            <p:ph type="ctrTitle"/>
+          </p:nvPr>
+        </p:nvSpPr>
+        <p:spPr/>
+        <p:txBody>
+          <a:bodyPr/>
+          <a:lstStyle/>
+          <a:p>
+            <a:r>
+              <a:rPr lang="en-US" b="1" dirty="0"/>
+              <a:t>Floating</a:t>
+            </a:r>
+            <a:r>
+              <a:rPr lang="vi-VN" b="1" dirty="0"/>
+              <a:t>-</a:t>
+            </a:r>
+            <a:r>
+              <a:rPr lang="en-US" b="1" dirty="0"/>
+              <a:t>Point Square</a:t>
+            </a:r>
+            <a:r>
+              <a:rPr lang="vi-VN" b="1" dirty="0"/>
+              <a:t> </a:t>
+            </a:r>
+            <a:r>
+              <a:rPr lang="en-US" b="1" dirty="0"/>
+              <a:t>root</a:t>
+            </a:r>
+          </a:p>
+        </p:txBody>
+      </p:sp>
+      <p:sp>
+        <p:nvSpPr>
+          <p:cNvPr id="3" name="Subtitle 2">
+            <a:extLst>
+              <a:ext uri="{FF2B5EF4-FFF2-40B4-BE49-F238E27FC236}">
+                <a16:creationId xmlns:a16="http://schemas.microsoft.com/office/drawing/2014/main" id="{F9C778D3-763C-48D7-9C67-A853A37F13D5}"/>
+              </a:ext>
+            </a:extLst>
+          </p:cNvPr>
+          <p:cNvSpPr>
+            <a:spLocks noGrp="1"/>
+          </p:cNvSpPr>
+          <p:nvPr>
+            <p:ph type="subTitle" idx="1"/>
+          </p:nvPr>
+        </p:nvSpPr>
+        <p:spPr/>
+        <p:txBody>
+          <a:bodyPr/>
+          <a:lstStyle/>
+          <a:p>
+            <a:r>
+              <a:rPr lang="en-US" b="1" dirty="0"/>
+              <a:t>Team members:</a:t>
+            </a:r>
+          </a:p>
+          <a:p>
+            <a:r>
+              <a:rPr lang="en-US" dirty="0"/>
+              <a:t>Hồ </a:t>
+            </a:r>
+            <a:r>
+              <a:rPr lang="en-US" dirty="0" err="1"/>
+              <a:t>Hải</a:t>
+            </a:r>
+            <a:r>
+              <a:rPr lang="en-US" dirty="0"/>
+              <a:t> Công </a:t>
+            </a:r>
+            <a:r>
+              <a:rPr lang="en-US" dirty="0" err="1"/>
+              <a:t>Thuận</a:t>
+            </a:r>
+            <a:r>
+              <a:rPr lang="en-US" dirty="0"/>
+              <a:t> – 1852</a:t>
+            </a:r>
+            <a:r>
+              <a:rPr lang="vi-VN" dirty="0"/>
+              <a:t>1469</a:t>
+            </a:r>
+            <a:endParaRPr lang="en-US" dirty="0"/>
+          </a:p>
+          <a:p>
+            <a:r>
+              <a:rPr lang="en-US" dirty="0" err="1"/>
+              <a:t>Hà</a:t>
+            </a:r>
+            <a:r>
+              <a:rPr lang="en-US" dirty="0"/>
+              <a:t> </a:t>
+            </a:r>
+            <a:r>
+              <a:rPr lang="en-US" dirty="0" err="1"/>
+              <a:t>Kiều</a:t>
+            </a:r>
+            <a:r>
+              <a:rPr lang="en-US" dirty="0"/>
+              <a:t> Trang – 18521522</a:t>
+            </a:r>
+          </a:p>
+        </p:txBody>
+      </p:sp>
+    </p:spTree>
+    <p:extLst>
+      <p:ext uri="{BB962C8B-B14F-4D97-AF65-F5344CB8AC3E}">
+        <p14:creationId xmlns:p14="http://schemas.microsoft.com/office/powerpoint/2010/main" val="2181784054"/>
+      </p:ext>
+    </p:extLst>
+  </p:cSld>
+  <p:clrMapOvr>
+    <a:masterClrMapping/>
+  </p:clrMapOvr>
+  <mc:AlternateContent xmlns:mc="http://schemas.openxmlformats.org/markup-compatibility/2006">
+    <mc:Choice xmlns:p159="http://schemas.microsoft.com/office/powerpoint/2015/09/main" Requires="p159">
+      <p:transition xmlns:p14="http://schemas.microsoft.com/office/powerpoint/2010/main" spd="slow" p14:dur="2000">
+        <p159:morph option="byObject"/>
+      </p:transition>
+    </mc:Choice>
+    <mc:Fallback>
+      <p:transition spd="slow">
+        <p:fade/>
+      </p:transition>
+    </mc:Fallback>
+  </mc:AlternateContent>
+</p:sld>
+</file>
+
+<file path=ppt/slides/slide20.xml><?xml version="1.0" encoding="utf-8"?>
 <p:sld xmlns:a="http://schemas.openxmlformats.org/drawingml/2006/main" xmlns:r="http://schemas.openxmlformats.org/officeDocument/2006/relationships" xmlns:p="http://schemas.openxmlformats.org/presentationml/2006/main" show="0">
   <p:cSld>
     <p:spTree>
@@ -19961,149 +20785,7 @@
 </p:sld>
 </file>
 
-<file path=ppt/slides/slide2.xml><?xml version="1.0" encoding="utf-8"?>
-<p:sld xmlns:a="http://schemas.openxmlformats.org/drawingml/2006/main" xmlns:r="http://schemas.openxmlformats.org/officeDocument/2006/relationships" xmlns:p="http://schemas.openxmlformats.org/presentationml/2006/main">
-  <p:cSld>
-    <p:spTree>
-      <p:nvGrpSpPr>
-        <p:cNvPr id="1" name=""/>
-        <p:cNvGrpSpPr/>
-        <p:nvPr/>
-      </p:nvGrpSpPr>
-      <p:grpSpPr>
-        <a:xfrm>
-          <a:off x="0" y="0"/>
-          <a:ext cx="0" cy="0"/>
-          <a:chOff x="0" y="0"/>
-          <a:chExt cx="0" cy="0"/>
-        </a:xfrm>
-      </p:grpSpPr>
-      <p:sp>
-        <p:nvSpPr>
-          <p:cNvPr id="2" name="Title 1">
-            <a:extLst>
-              <a:ext uri="{FF2B5EF4-FFF2-40B4-BE49-F238E27FC236}">
-                <a16:creationId xmlns:a16="http://schemas.microsoft.com/office/drawing/2014/main" id="{AB647BBE-BD36-43B1-81DB-29235E8F0BBC}"/>
-              </a:ext>
-            </a:extLst>
-          </p:cNvPr>
-          <p:cNvSpPr>
-            <a:spLocks noGrp="1"/>
-          </p:cNvSpPr>
-          <p:nvPr>
-            <p:ph type="title"/>
-          </p:nvPr>
-        </p:nvSpPr>
-        <p:spPr>
-          <a:xfrm>
-            <a:off x="838200" y="1085611"/>
-            <a:ext cx="10515600" cy="1325563"/>
-          </a:xfrm>
-        </p:spPr>
-        <p:txBody>
-          <a:bodyPr>
-            <a:normAutofit/>
-          </a:bodyPr>
-          <a:lstStyle/>
-          <a:p>
-            <a:r>
-              <a:rPr lang="en-US" sz="6000" b="1" u="sng" dirty="0"/>
-              <a:t>Contents</a:t>
-            </a:r>
-          </a:p>
-        </p:txBody>
-      </p:sp>
-      <p:sp>
-        <p:nvSpPr>
-          <p:cNvPr id="3" name="Content Placeholder 2">
-            <a:extLst>
-              <a:ext uri="{FF2B5EF4-FFF2-40B4-BE49-F238E27FC236}">
-                <a16:creationId xmlns:a16="http://schemas.microsoft.com/office/drawing/2014/main" id="{3C0C28D4-A766-466C-884F-22D3C4A82CB8}"/>
-              </a:ext>
-            </a:extLst>
-          </p:cNvPr>
-          <p:cNvSpPr>
-            <a:spLocks noGrp="1"/>
-          </p:cNvSpPr>
-          <p:nvPr>
-            <p:ph idx="1"/>
-          </p:nvPr>
-        </p:nvSpPr>
-        <p:spPr>
-          <a:xfrm>
-            <a:off x="838200" y="2506662"/>
-            <a:ext cx="10515600" cy="3748364"/>
-          </a:xfrm>
-        </p:spPr>
-        <p:txBody>
-          <a:bodyPr>
-            <a:normAutofit/>
-          </a:bodyPr>
-          <a:lstStyle/>
-          <a:p>
-            <a:pPr marL="514350" indent="-514350" algn="ctr">
-              <a:buAutoNum type="arabicPeriod"/>
-            </a:pPr>
-            <a:r>
-              <a:rPr lang="en-US" sz="4000" dirty="0"/>
-              <a:t>Algorithm</a:t>
-            </a:r>
-          </a:p>
-          <a:p>
-            <a:pPr marL="514350" indent="-514350" algn="ctr">
-              <a:buAutoNum type="arabicPeriod"/>
-            </a:pPr>
-            <a:r>
-              <a:rPr lang="en-US" sz="4000" dirty="0"/>
-              <a:t>Datapath</a:t>
-            </a:r>
-          </a:p>
-          <a:p>
-            <a:pPr marL="514350" indent="-514350" algn="ctr">
-              <a:buAutoNum type="arabicPeriod"/>
-            </a:pPr>
-            <a:r>
-              <a:rPr lang="en-US" sz="4000" dirty="0"/>
-              <a:t>Controller (FSM)</a:t>
-            </a:r>
-          </a:p>
-          <a:p>
-            <a:pPr marL="514350" indent="-514350" algn="ctr">
-              <a:buAutoNum type="arabicPeriod"/>
-            </a:pPr>
-            <a:r>
-              <a:rPr lang="en-US" sz="4000" dirty="0"/>
-              <a:t>Simulation result</a:t>
-            </a:r>
-          </a:p>
-        </p:txBody>
-      </p:sp>
-    </p:spTree>
-    <p:extLst>
-      <p:ext uri="{BB962C8B-B14F-4D97-AF65-F5344CB8AC3E}">
-        <p14:creationId xmlns:p14="http://schemas.microsoft.com/office/powerpoint/2010/main" val="1174850043"/>
-      </p:ext>
-    </p:extLst>
-  </p:cSld>
-  <p:clrMapOvr>
-    <a:masterClrMapping/>
-  </p:clrMapOvr>
-  <mc:AlternateContent xmlns:mc="http://schemas.openxmlformats.org/markup-compatibility/2006">
-    <mc:Choice xmlns:p159="http://schemas.microsoft.com/office/powerpoint/2015/09/main" Requires="p159">
-      <p:transition xmlns:p14="http://schemas.microsoft.com/office/powerpoint/2010/main" spd="slow" p14:dur="2000">
-        <p159:morph option="byObject"/>
-      </p:transition>
-    </mc:Choice>
-    <mc:Fallback>
-      <p:transition spd="slow">
-        <p:fade/>
-      </p:transition>
-    </mc:Fallback>
-  </mc:AlternateContent>
-</p:sld>
-</file>
-
-<file path=ppt/slides/slide20.xml><?xml version="1.0" encoding="utf-8"?>
+<file path=ppt/slides/slide21.xml><?xml version="1.0" encoding="utf-8"?>
 <p:sld xmlns:a="http://schemas.openxmlformats.org/drawingml/2006/main" xmlns:r="http://schemas.openxmlformats.org/officeDocument/2006/relationships" xmlns:p="http://schemas.openxmlformats.org/presentationml/2006/main" show="0">
   <p:cSld>
     <p:spTree>
@@ -21273,7 +21955,7 @@
 </p:sld>
 </file>
 
-<file path=ppt/slides/slide21.xml><?xml version="1.0" encoding="utf-8"?>
+<file path=ppt/slides/slide22.xml><?xml version="1.0" encoding="utf-8"?>
 <p:sld xmlns:a="http://schemas.openxmlformats.org/drawingml/2006/main" xmlns:r="http://schemas.openxmlformats.org/officeDocument/2006/relationships" xmlns:p="http://schemas.openxmlformats.org/presentationml/2006/main" show="0">
   <p:cSld>
     <p:spTree>
@@ -21407,7 +22089,7 @@
 </p:sld>
 </file>
 
-<file path=ppt/slides/slide22.xml><?xml version="1.0" encoding="utf-8"?>
+<file path=ppt/slides/slide23.xml><?xml version="1.0" encoding="utf-8"?>
 <p:sld xmlns:a="http://schemas.openxmlformats.org/drawingml/2006/main" xmlns:r="http://schemas.openxmlformats.org/officeDocument/2006/relationships" xmlns:p="http://schemas.openxmlformats.org/presentationml/2006/main" show="0">
   <p:cSld>
     <p:spTree>
@@ -21541,7 +22223,7 @@
 </p:sld>
 </file>
 
-<file path=ppt/slides/slide23.xml><?xml version="1.0" encoding="utf-8"?>
+<file path=ppt/slides/slide24.xml><?xml version="1.0" encoding="utf-8"?>
 <p:sld xmlns:a="http://schemas.openxmlformats.org/drawingml/2006/main" xmlns:r="http://schemas.openxmlformats.org/officeDocument/2006/relationships" xmlns:p="http://schemas.openxmlformats.org/presentationml/2006/main" show="0">
   <p:cSld>
     <p:spTree>
@@ -21676,6 +22358,148 @@
 </file>
 
 <file path=ppt/slides/slide3.xml><?xml version="1.0" encoding="utf-8"?>
+<p:sld xmlns:a="http://schemas.openxmlformats.org/drawingml/2006/main" xmlns:r="http://schemas.openxmlformats.org/officeDocument/2006/relationships" xmlns:p="http://schemas.openxmlformats.org/presentationml/2006/main">
+  <p:cSld>
+    <p:spTree>
+      <p:nvGrpSpPr>
+        <p:cNvPr id="1" name=""/>
+        <p:cNvGrpSpPr/>
+        <p:nvPr/>
+      </p:nvGrpSpPr>
+      <p:grpSpPr>
+        <a:xfrm>
+          <a:off x="0" y="0"/>
+          <a:ext cx="0" cy="0"/>
+          <a:chOff x="0" y="0"/>
+          <a:chExt cx="0" cy="0"/>
+        </a:xfrm>
+      </p:grpSpPr>
+      <p:sp>
+        <p:nvSpPr>
+          <p:cNvPr id="2" name="Title 1">
+            <a:extLst>
+              <a:ext uri="{FF2B5EF4-FFF2-40B4-BE49-F238E27FC236}">
+                <a16:creationId xmlns:a16="http://schemas.microsoft.com/office/drawing/2014/main" id="{AB647BBE-BD36-43B1-81DB-29235E8F0BBC}"/>
+              </a:ext>
+            </a:extLst>
+          </p:cNvPr>
+          <p:cNvSpPr>
+            <a:spLocks noGrp="1"/>
+          </p:cNvSpPr>
+          <p:nvPr>
+            <p:ph type="title"/>
+          </p:nvPr>
+        </p:nvSpPr>
+        <p:spPr>
+          <a:xfrm>
+            <a:off x="838200" y="1085611"/>
+            <a:ext cx="10515600" cy="1325563"/>
+          </a:xfrm>
+        </p:spPr>
+        <p:txBody>
+          <a:bodyPr>
+            <a:normAutofit/>
+          </a:bodyPr>
+          <a:lstStyle/>
+          <a:p>
+            <a:r>
+              <a:rPr lang="en-US" sz="6000" b="1" u="sng" dirty="0"/>
+              <a:t>Contents</a:t>
+            </a:r>
+          </a:p>
+        </p:txBody>
+      </p:sp>
+      <p:sp>
+        <p:nvSpPr>
+          <p:cNvPr id="3" name="Content Placeholder 2">
+            <a:extLst>
+              <a:ext uri="{FF2B5EF4-FFF2-40B4-BE49-F238E27FC236}">
+                <a16:creationId xmlns:a16="http://schemas.microsoft.com/office/drawing/2014/main" id="{3C0C28D4-A766-466C-884F-22D3C4A82CB8}"/>
+              </a:ext>
+            </a:extLst>
+          </p:cNvPr>
+          <p:cNvSpPr>
+            <a:spLocks noGrp="1"/>
+          </p:cNvSpPr>
+          <p:nvPr>
+            <p:ph idx="1"/>
+          </p:nvPr>
+        </p:nvSpPr>
+        <p:spPr>
+          <a:xfrm>
+            <a:off x="838200" y="2506662"/>
+            <a:ext cx="10515600" cy="3748364"/>
+          </a:xfrm>
+        </p:spPr>
+        <p:txBody>
+          <a:bodyPr>
+            <a:normAutofit/>
+          </a:bodyPr>
+          <a:lstStyle/>
+          <a:p>
+            <a:pPr marL="514350" indent="-514350" algn="ctr">
+              <a:buAutoNum type="arabicPeriod"/>
+            </a:pPr>
+            <a:r>
+              <a:rPr lang="en-US" sz="4000" dirty="0"/>
+              <a:t>Algorithm</a:t>
+            </a:r>
+          </a:p>
+          <a:p>
+            <a:pPr marL="514350" indent="-514350" algn="ctr">
+              <a:buAutoNum type="arabicPeriod"/>
+            </a:pPr>
+            <a:r>
+              <a:rPr lang="en-US" sz="4000" dirty="0"/>
+              <a:t>Datapath</a:t>
+            </a:r>
+          </a:p>
+          <a:p>
+            <a:pPr marL="514350" indent="-514350" algn="ctr">
+              <a:buAutoNum type="arabicPeriod"/>
+            </a:pPr>
+            <a:r>
+              <a:rPr lang="en-US" sz="4000" dirty="0"/>
+              <a:t>Controller (FSM)</a:t>
+            </a:r>
+          </a:p>
+          <a:p>
+            <a:pPr marL="514350" indent="-514350" algn="ctr">
+              <a:buAutoNum type="arabicPeriod"/>
+            </a:pPr>
+            <a:r>
+              <a:rPr lang="en-US" sz="4000" dirty="0"/>
+              <a:t>Simulation result</a:t>
+            </a:r>
+          </a:p>
+        </p:txBody>
+      </p:sp>
+    </p:spTree>
+    <p:extLst>
+      <p:ext uri="{BB962C8B-B14F-4D97-AF65-F5344CB8AC3E}">
+        <p14:creationId xmlns:p14="http://schemas.microsoft.com/office/powerpoint/2010/main" val="1174850043"/>
+      </p:ext>
+    </p:extLst>
+  </p:cSld>
+  <p:clrMapOvr>
+    <a:masterClrMapping/>
+  </p:clrMapOvr>
+  <mc:AlternateContent xmlns:mc="http://schemas.openxmlformats.org/markup-compatibility/2006">
+    <mc:Choice xmlns:p159="http://schemas.microsoft.com/office/powerpoint/2015/09/main" Requires="p159">
+      <p:transition xmlns:p14="http://schemas.microsoft.com/office/powerpoint/2010/main" spd="slow" p14:dur="2000">
+        <p159:morph option="byObject"/>
+      </p:transition>
+    </mc:Choice>
+    <mc:Fallback>
+      <p:transition spd="slow">
+        <p:fade/>
+      </p:transition>
+    </mc:Fallback>
+  </mc:AlternateContent>
+</p:sld>
+</file>
+
+<file path=ppt/slides/slide4.xml><?xml version="1.0" encoding="utf-8"?>
 <p:sld xmlns:a="http://schemas.openxmlformats.org/drawingml/2006/main" xmlns:r="http://schemas.openxmlformats.org/officeDocument/2006/relationships" xmlns:p="http://schemas.openxmlformats.org/presentationml/2006/main">
   <p:cSld>
     <p:spTree>
@@ -22439,7 +23263,7 @@
 </p:sld>
 </file>
 
-<file path=ppt/slides/slide4.xml><?xml version="1.0" encoding="utf-8"?>
+<file path=ppt/slides/slide5.xml><?xml version="1.0" encoding="utf-8"?>
 <p:sld xmlns:a="http://schemas.openxmlformats.org/drawingml/2006/main" xmlns:r="http://schemas.openxmlformats.org/officeDocument/2006/relationships" xmlns:p="http://schemas.openxmlformats.org/presentationml/2006/main">
   <p:cSld>
     <p:spTree>
@@ -22622,7 +23446,7 @@
 </p:sld>
 </file>
 
-<file path=ppt/slides/slide5.xml><?xml version="1.0" encoding="utf-8"?>
+<file path=ppt/slides/slide6.xml><?xml version="1.0" encoding="utf-8"?>
 <p:sld xmlns:a="http://schemas.openxmlformats.org/drawingml/2006/main" xmlns:r="http://schemas.openxmlformats.org/officeDocument/2006/relationships" xmlns:p="http://schemas.openxmlformats.org/presentationml/2006/main">
   <p:cSld>
     <p:spTree>
@@ -23028,7 +23852,7 @@
 </p:sld>
 </file>
 
-<file path=ppt/slides/slide6.xml><?xml version="1.0" encoding="utf-8"?>
+<file path=ppt/slides/slide7.xml><?xml version="1.0" encoding="utf-8"?>
 <p:sld xmlns:a="http://schemas.openxmlformats.org/drawingml/2006/main" xmlns:r="http://schemas.openxmlformats.org/officeDocument/2006/relationships" xmlns:p="http://schemas.openxmlformats.org/presentationml/2006/main">
   <p:cSld>
     <p:spTree>
@@ -23128,7 +23952,7 @@
 </p:sld>
 </file>
 
-<file path=ppt/slides/slide7.xml><?xml version="1.0" encoding="utf-8"?>
+<file path=ppt/slides/slide8.xml><?xml version="1.0" encoding="utf-8"?>
 <p:sld xmlns:a="http://schemas.openxmlformats.org/drawingml/2006/main" xmlns:r="http://schemas.openxmlformats.org/officeDocument/2006/relationships" xmlns:p="http://schemas.openxmlformats.org/presentationml/2006/main">
   <p:cSld>
     <p:spTree>
@@ -23431,7 +24255,7 @@
 </p:sld>
 </file>
 
-<file path=ppt/slides/slide8.xml><?xml version="1.0" encoding="utf-8"?>
+<file path=ppt/slides/slide9.xml><?xml version="1.0" encoding="utf-8"?>
 <p:sld xmlns:a="http://schemas.openxmlformats.org/drawingml/2006/main" xmlns:r="http://schemas.openxmlformats.org/officeDocument/2006/relationships" xmlns:p="http://schemas.openxmlformats.org/presentationml/2006/main">
   <p:cSld>
     <p:spTree>
@@ -23645,240 +24469,6 @@
     <p:extLst>
       <p:ext uri="{BB962C8B-B14F-4D97-AF65-F5344CB8AC3E}">
         <p14:creationId xmlns:p14="http://schemas.microsoft.com/office/powerpoint/2010/main" val="641534785"/>
-      </p:ext>
-    </p:extLst>
-  </p:cSld>
-  <p:clrMapOvr>
-    <a:masterClrMapping/>
-  </p:clrMapOvr>
-  <mc:AlternateContent xmlns:mc="http://schemas.openxmlformats.org/markup-compatibility/2006">
-    <mc:Choice xmlns:p159="http://schemas.microsoft.com/office/powerpoint/2015/09/main" Requires="p159">
-      <p:transition xmlns:p14="http://schemas.microsoft.com/office/powerpoint/2010/main" spd="slow" p14:dur="2000">
-        <p159:morph option="byObject"/>
-      </p:transition>
-    </mc:Choice>
-    <mc:Fallback>
-      <p:transition spd="slow">
-        <p:fade/>
-      </p:transition>
-    </mc:Fallback>
-  </mc:AlternateContent>
-</p:sld>
-</file>
-
-<file path=ppt/slides/slide9.xml><?xml version="1.0" encoding="utf-8"?>
-<p:sld xmlns:a="http://schemas.openxmlformats.org/drawingml/2006/main" xmlns:r="http://schemas.openxmlformats.org/officeDocument/2006/relationships" xmlns:p="http://schemas.openxmlformats.org/presentationml/2006/main">
-  <p:cSld>
-    <p:spTree>
-      <p:nvGrpSpPr>
-        <p:cNvPr id="1" name=""/>
-        <p:cNvGrpSpPr/>
-        <p:nvPr/>
-      </p:nvGrpSpPr>
-      <p:grpSpPr>
-        <a:xfrm>
-          <a:off x="0" y="0"/>
-          <a:ext cx="0" cy="0"/>
-          <a:chOff x="0" y="0"/>
-          <a:chExt cx="0" cy="0"/>
-        </a:xfrm>
-      </p:grpSpPr>
-      <p:sp>
-        <p:nvSpPr>
-          <p:cNvPr id="2" name="Title 1">
-            <a:extLst>
-              <a:ext uri="{FF2B5EF4-FFF2-40B4-BE49-F238E27FC236}">
-                <a16:creationId xmlns:a16="http://schemas.microsoft.com/office/drawing/2014/main" id="{FB5AFFC8-F0A6-4334-81E0-BFA0B3F0C3E5}"/>
-              </a:ext>
-            </a:extLst>
-          </p:cNvPr>
-          <p:cNvSpPr>
-            <a:spLocks noGrp="1"/>
-          </p:cNvSpPr>
-          <p:nvPr>
-            <p:ph type="title"/>
-          </p:nvPr>
-        </p:nvSpPr>
-        <p:spPr>
-          <a:xfrm>
-            <a:off x="913795" y="609600"/>
-            <a:ext cx="7247633" cy="1326321"/>
-          </a:xfrm>
-        </p:spPr>
-        <p:txBody>
-          <a:bodyPr/>
-          <a:lstStyle/>
-          <a:p>
-            <a:r>
-              <a:rPr lang="en-US" b="1" dirty="0"/>
-              <a:t>3. Controller (FSM)</a:t>
-            </a:r>
-          </a:p>
-        </p:txBody>
-      </p:sp>
-      <p:sp>
-        <p:nvSpPr>
-          <p:cNvPr id="8" name="TextBox 7">
-            <a:extLst>
-              <a:ext uri="{FF2B5EF4-FFF2-40B4-BE49-F238E27FC236}">
-                <a16:creationId xmlns:a16="http://schemas.microsoft.com/office/drawing/2014/main" id="{81046DE5-B7A7-479C-828E-A25D4455D549}"/>
-              </a:ext>
-            </a:extLst>
-          </p:cNvPr>
-          <p:cNvSpPr txBox="1"/>
-          <p:nvPr/>
-        </p:nvSpPr>
-        <p:spPr>
-          <a:xfrm>
-            <a:off x="838201" y="2126294"/>
-            <a:ext cx="7323228" cy="2677656"/>
-          </a:xfrm>
-          <a:prstGeom prst="rect">
-            <a:avLst/>
-          </a:prstGeom>
-          <a:noFill/>
-        </p:spPr>
-        <p:txBody>
-          <a:bodyPr wrap="square">
-            <a:spAutoFit/>
-          </a:bodyPr>
-          <a:lstStyle/>
-          <a:p>
-            <a:pPr algn="l"/>
-            <a:r>
-              <a:rPr lang="en-US" sz="2400" b="0" i="0" dirty="0">
-                <a:effectLst/>
-                <a:latin typeface="-apple-system"/>
-              </a:rPr>
-              <a:t>We need 8 register files:</a:t>
-            </a:r>
-          </a:p>
-          <a:p>
-            <a:pPr marL="342900" indent="-342900" algn="l">
-              <a:buFont typeface="Arial" panose="020B0604020202020204" pitchFamily="34" charset="0"/>
-              <a:buChar char="•"/>
-            </a:pPr>
-            <a:r>
-              <a:rPr lang="en-US" sz="2400" dirty="0">
-                <a:latin typeface="-apple-system"/>
-              </a:rPr>
-              <a:t>RF[0] = 0</a:t>
-            </a:r>
-          </a:p>
-          <a:p>
-            <a:pPr marL="342900" indent="-342900" algn="l">
-              <a:buFont typeface="Arial" panose="020B0604020202020204" pitchFamily="34" charset="0"/>
-              <a:buChar char="•"/>
-            </a:pPr>
-            <a:r>
-              <a:rPr lang="en-US" sz="2400" b="0" i="0" dirty="0">
-                <a:effectLst/>
-                <a:latin typeface="-apple-system"/>
-              </a:rPr>
-              <a:t>RF[1] = </a:t>
-            </a:r>
-            <a:r>
-              <a:rPr lang="en-US" sz="2400" dirty="0">
-                <a:latin typeface="-apple-system"/>
-              </a:rPr>
-              <a:t>n</a:t>
-            </a:r>
-          </a:p>
-          <a:p>
-            <a:pPr marL="342900" indent="-342900" algn="l">
-              <a:buFont typeface="Arial" panose="020B0604020202020204" pitchFamily="34" charset="0"/>
-              <a:buChar char="•"/>
-            </a:pPr>
-            <a:r>
-              <a:rPr lang="en-US" sz="2400" b="0" i="0" dirty="0">
-                <a:effectLst/>
-                <a:latin typeface="-apple-system"/>
-              </a:rPr>
-              <a:t>RF[2] = x</a:t>
-            </a:r>
-          </a:p>
-          <a:p>
-            <a:pPr marL="342900" indent="-342900" algn="l">
-              <a:buFont typeface="Arial" panose="020B0604020202020204" pitchFamily="34" charset="0"/>
-              <a:buChar char="•"/>
-            </a:pPr>
-            <a:r>
-              <a:rPr lang="en-US" sz="2400" dirty="0">
-                <a:latin typeface="-apple-system"/>
-              </a:rPr>
-              <a:t>RF[3] = root</a:t>
-            </a:r>
-          </a:p>
-          <a:p>
-            <a:pPr marL="342900" indent="-342900" algn="l">
-              <a:buFont typeface="Arial" panose="020B0604020202020204" pitchFamily="34" charset="0"/>
-              <a:buChar char="•"/>
-            </a:pPr>
-            <a:r>
-              <a:rPr lang="en-US" sz="2400" dirty="0">
-                <a:latin typeface="-apple-system"/>
-              </a:rPr>
-              <a:t>RF[4] = 2</a:t>
-            </a:r>
-          </a:p>
-          <a:p>
-            <a:pPr marL="342900" indent="-342900" algn="l">
-              <a:buFont typeface="Arial" panose="020B0604020202020204" pitchFamily="34" charset="0"/>
-              <a:buChar char="•"/>
-            </a:pPr>
-            <a:r>
-              <a:rPr lang="en-US" sz="2400" dirty="0">
-                <a:latin typeface="-apple-system"/>
-              </a:rPr>
-              <a:t>RF[5] = result</a:t>
-            </a:r>
-            <a:endParaRPr lang="en-US" sz="2400" b="0" i="0" dirty="0">
-              <a:effectLst/>
-              <a:latin typeface="-apple-system"/>
-            </a:endParaRPr>
-          </a:p>
-        </p:txBody>
-      </p:sp>
-      <p:pic>
-        <p:nvPicPr>
-          <p:cNvPr id="6" name="Picture 5">
-            <a:extLst>
-              <a:ext uri="{FF2B5EF4-FFF2-40B4-BE49-F238E27FC236}">
-                <a16:creationId xmlns:a16="http://schemas.microsoft.com/office/drawing/2014/main" id="{EB63FA8E-C4C7-4559-8801-23E03AFBDC41}"/>
-              </a:ext>
-            </a:extLst>
-          </p:cNvPr>
-          <p:cNvPicPr>
-            <a:picLocks noChangeAspect="1"/>
-          </p:cNvPicPr>
-          <p:nvPr/>
-        </p:nvPicPr>
-        <p:blipFill>
-          <a:blip r:embed="rId2">
-            <a:extLst>
-              <a:ext uri="{28A0092B-C50C-407E-A947-70E740481C1C}">
-                <a14:useLocalDpi xmlns:a14="http://schemas.microsoft.com/office/drawing/2010/main" val="0"/>
-              </a:ext>
-            </a:extLst>
-          </a:blip>
-          <a:stretch>
-            <a:fillRect/>
-          </a:stretch>
-        </p:blipFill>
-        <p:spPr>
-          <a:xfrm>
-            <a:off x="8786013" y="0"/>
-            <a:ext cx="3405987" cy="6858000"/>
-          </a:xfrm>
-          <a:prstGeom prst="rect">
-            <a:avLst/>
-          </a:prstGeom>
-        </p:spPr>
-      </p:pic>
-    </p:spTree>
-    <p:extLst>
-      <p:ext uri="{BB962C8B-B14F-4D97-AF65-F5344CB8AC3E}">
-        <p14:creationId xmlns:p14="http://schemas.microsoft.com/office/powerpoint/2010/main" val="3930613559"/>
       </p:ext>
     </p:extLst>
   </p:cSld>

--- a/Group Project/FloatingPointSquareRoot/Floating Point Squareroot.pptx
+++ b/Group Project/FloatingPointSquareRoot/Floating Point Squareroot.pptx
@@ -6512,7 +6512,7 @@
                 <a:effectLst/>
                 <a:latin typeface="-apple-system"/>
               </a:rPr>
-              <a:t>We need 8 register files:</a:t>
+              <a:t>We need 6 register files:</a:t>
             </a:r>
           </a:p>
           <a:p>
@@ -6647,13 +6647,13 @@
   <p:clrMapOvr>
     <a:masterClrMapping/>
   </p:clrMapOvr>
-  <mc:AlternateContent xmlns:mc="http://schemas.openxmlformats.org/markup-compatibility/2006">
-    <mc:Choice xmlns:p159="http://schemas.microsoft.com/office/powerpoint/2015/09/main" Requires="p159">
+  <mc:AlternateContent xmlns:mc="http://schemas.openxmlformats.org/markup-compatibility/2006" xmlns:p159="http://schemas.microsoft.com/office/powerpoint/2015/09/main">
+    <mc:Choice Requires="p159">
       <p:transition xmlns:p14="http://schemas.microsoft.com/office/powerpoint/2010/main" spd="slow" p14:dur="2000">
         <p159:morph option="byObject"/>
       </p:transition>
     </mc:Choice>
-    <mc:Fallback>
+    <mc:Fallback xmlns="">
       <p:transition spd="slow">
         <p:fade/>
       </p:transition>
@@ -8564,13 +8564,13 @@
   <p:clrMapOvr>
     <a:masterClrMapping/>
   </p:clrMapOvr>
-  <mc:AlternateContent xmlns:mc="http://schemas.openxmlformats.org/markup-compatibility/2006">
-    <mc:Choice xmlns:p159="http://schemas.microsoft.com/office/powerpoint/2015/09/main" Requires="p159">
+  <mc:AlternateContent xmlns:mc="http://schemas.openxmlformats.org/markup-compatibility/2006" xmlns:p159="http://schemas.microsoft.com/office/powerpoint/2015/09/main">
+    <mc:Choice Requires="p159">
       <p:transition xmlns:p14="http://schemas.microsoft.com/office/powerpoint/2010/main" spd="slow" p14:dur="2000">
         <p159:morph option="byObject"/>
       </p:transition>
     </mc:Choice>
-    <mc:Fallback>
+    <mc:Fallback xmlns="">
       <p:transition spd="slow">
         <p:fade/>
       </p:transition>
@@ -8640,14 +8640,14 @@
             <p:ph idx="1"/>
             <p:extLst>
               <p:ext uri="{D42A27DB-BD31-4B8C-83A1-F6EECF244321}">
-                <p14:modId xmlns:p14="http://schemas.microsoft.com/office/powerpoint/2010/main" val="1087400067"/>
+                <p14:modId xmlns:p14="http://schemas.microsoft.com/office/powerpoint/2010/main" val="863896337"/>
               </p:ext>
             </p:extLst>
           </p:nvPr>
         </p:nvGraphicFramePr>
         <p:xfrm>
-          <a:off x="913795" y="2304148"/>
-          <a:ext cx="7241083" cy="3337420"/>
+          <a:off x="913794" y="2304148"/>
+          <a:ext cx="8104945" cy="3156933"/>
         </p:xfrm>
         <a:graphic>
           <a:graphicData uri="http://schemas.openxmlformats.org/drawingml/2006/table">
@@ -8656,56 +8656,56 @@
                 <a:tableStyleId>{5C22544A-7EE6-4342-B048-85BDC9FD1C3A}</a:tableStyleId>
               </a:tblPr>
               <a:tblGrid>
-                <a:gridCol w="563078">
+                <a:gridCol w="630253">
                   <a:extLst>
                     <a:ext uri="{9D8B030D-6E8A-4147-A177-3AD203B41FA5}">
                       <a16:colId xmlns:a16="http://schemas.microsoft.com/office/drawing/2014/main" val="3561321713"/>
                     </a:ext>
                   </a:extLst>
                 </a:gridCol>
-                <a:gridCol w="315652">
+                <a:gridCol w="353309">
                   <a:extLst>
                     <a:ext uri="{9D8B030D-6E8A-4147-A177-3AD203B41FA5}">
                       <a16:colId xmlns:a16="http://schemas.microsoft.com/office/drawing/2014/main" val="256414680"/>
                     </a:ext>
                   </a:extLst>
                 </a:gridCol>
-                <a:gridCol w="1128526">
+                <a:gridCol w="1046260">
                   <a:extLst>
                     <a:ext uri="{9D8B030D-6E8A-4147-A177-3AD203B41FA5}">
                       <a16:colId xmlns:a16="http://schemas.microsoft.com/office/drawing/2014/main" val="2658509518"/>
                     </a:ext>
                   </a:extLst>
                 </a:gridCol>
-                <a:gridCol w="953313">
+                <a:gridCol w="1283943">
                   <a:extLst>
                     <a:ext uri="{9D8B030D-6E8A-4147-A177-3AD203B41FA5}">
                       <a16:colId xmlns:a16="http://schemas.microsoft.com/office/drawing/2014/main" val="3993701518"/>
                     </a:ext>
                   </a:extLst>
                 </a:gridCol>
-                <a:gridCol w="1171212">
+                <a:gridCol w="1310938">
                   <a:extLst>
                     <a:ext uri="{9D8B030D-6E8A-4147-A177-3AD203B41FA5}">
                       <a16:colId xmlns:a16="http://schemas.microsoft.com/office/drawing/2014/main" val="627461649"/>
                     </a:ext>
                   </a:extLst>
                 </a:gridCol>
-                <a:gridCol w="1116738">
+                <a:gridCol w="1249965">
                   <a:extLst>
                     <a:ext uri="{9D8B030D-6E8A-4147-A177-3AD203B41FA5}">
                       <a16:colId xmlns:a16="http://schemas.microsoft.com/office/drawing/2014/main" val="3033288108"/>
                     </a:ext>
                   </a:extLst>
                 </a:gridCol>
-                <a:gridCol w="1062264">
+                <a:gridCol w="1188992">
                   <a:extLst>
                     <a:ext uri="{9D8B030D-6E8A-4147-A177-3AD203B41FA5}">
                       <a16:colId xmlns:a16="http://schemas.microsoft.com/office/drawing/2014/main" val="1662154362"/>
                     </a:ext>
                   </a:extLst>
                 </a:gridCol>
-                <a:gridCol w="930300">
+                <a:gridCol w="1041285">
                   <a:extLst>
                     <a:ext uri="{9D8B030D-6E8A-4147-A177-3AD203B41FA5}">
                       <a16:colId xmlns:a16="http://schemas.microsoft.com/office/drawing/2014/main" val="1899981941"/>
@@ -8763,31 +8763,71 @@
                         <a:rPr lang="en-US" sz="1400" b="1" dirty="0">
                           <a:effectLst/>
                         </a:rPr>
-                        <a:t>Cho </a:t>
-                      </a:r>
-                      <a:r>
-                        <a:rPr lang="en-US" sz="1400" b="1" dirty="0" err="1">
+                        <a:t>Allow input(WE)</a:t>
+                      </a:r>
+                    </a:p>
+                  </a:txBody>
+                  <a:tcPr marL="28575" marR="28575" marT="19050" marB="19050"/>
+                </a:tc>
+                <a:tc>
+                  <a:txBody>
+                    <a:bodyPr/>
+                    <a:lstStyle/>
+                    <a:p>
+                      <a:pPr algn="ctr" rtl="0" fontAlgn="t"/>
+                      <a:r>
+                        <a:rPr lang="it-IT" sz="1400" b="1" dirty="0">
                           <a:effectLst/>
                         </a:rPr>
-                        <a:t>phép</a:t>
-                      </a:r>
+                        <a:t>Writting address (ADDR_WR)</a:t>
+                      </a:r>
+                    </a:p>
+                  </a:txBody>
+                  <a:tcPr marL="28575" marR="28575" marT="19050" marB="19050"/>
+                </a:tc>
+                <a:tc>
+                  <a:txBody>
+                    <a:bodyPr/>
+                    <a:lstStyle/>
+                    <a:p>
+                      <a:pPr algn="ctr" rtl="0" fontAlgn="t"/>
                       <a:r>
                         <a:rPr lang="en-US" sz="1400" b="1" dirty="0">
                           <a:effectLst/>
                         </a:rPr>
-                        <a:t> </a:t>
-                      </a:r>
-                      <a:r>
-                        <a:rPr lang="en-US" sz="1400" b="1" dirty="0" err="1">
-                          <a:effectLst/>
-                        </a:rPr>
-                        <a:t>nhập</a:t>
-                      </a:r>
+                        <a:t>Reading Address A (ADDR_RDA)</a:t>
+                      </a:r>
+                    </a:p>
+                  </a:txBody>
+                  <a:tcPr marL="28575" marR="28575" marT="19050" marB="19050"/>
+                </a:tc>
+                <a:tc>
+                  <a:txBody>
+                    <a:bodyPr/>
+                    <a:lstStyle/>
+                    <a:p>
+                      <a:pPr marL="0" marR="0" lvl="0" indent="0" algn="ctr" defTabSz="914400" rtl="0" eaLnBrk="1" fontAlgn="t" latinLnBrk="0" hangingPunct="1">
+                        <a:lnSpc>
+                          <a:spcPct val="100000"/>
+                        </a:lnSpc>
+                        <a:spcBef>
+                          <a:spcPts val="0"/>
+                        </a:spcBef>
+                        <a:spcAft>
+                          <a:spcPts val="0"/>
+                        </a:spcAft>
+                        <a:buClrTx/>
+                        <a:buSzTx/>
+                        <a:buFontTx/>
+                        <a:buNone/>
+                        <a:tabLst/>
+                        <a:defRPr/>
+                      </a:pPr>
                       <a:r>
                         <a:rPr lang="en-US" sz="1400" b="1" dirty="0">
                           <a:effectLst/>
                         </a:rPr>
-                        <a:t> (WE)</a:t>
+                        <a:t>Reading Address B (ADDR_RDB)</a:t>
                       </a:r>
                     </a:p>
                   </a:txBody>
@@ -8799,129 +8839,27 @@
                     <a:lstStyle/>
                     <a:p>
                       <a:pPr algn="ctr" rtl="0" fontAlgn="t"/>
-                      <a:r>
-                        <a:rPr lang="it-IT" sz="1400" b="1" dirty="0">
-                          <a:effectLst/>
-                        </a:rPr>
-                        <a:t>Địa chỉ ghi (ADDR_WR)</a:t>
-                      </a:r>
-                    </a:p>
-                  </a:txBody>
-                  <a:tcPr marL="28575" marR="28575" marT="19050" marB="19050"/>
-                </a:tc>
-                <a:tc>
-                  <a:txBody>
-                    <a:bodyPr/>
-                    <a:lstStyle/>
-                    <a:p>
-                      <a:pPr algn="ctr" rtl="0" fontAlgn="t"/>
-                      <a:r>
-                        <a:rPr lang="en-US" sz="1400" b="1">
-                          <a:effectLst/>
-                        </a:rPr>
-                        <a:t>Địa chỉ đọc A (ADDR_RDA)</a:t>
-                      </a:r>
-                    </a:p>
-                  </a:txBody>
-                  <a:tcPr marL="28575" marR="28575" marT="19050" marB="19050"/>
-                </a:tc>
-                <a:tc>
-                  <a:txBody>
-                    <a:bodyPr/>
-                    <a:lstStyle/>
-                    <a:p>
-                      <a:pPr algn="ctr" rtl="0" fontAlgn="t"/>
-                      <a:r>
-                        <a:rPr lang="en-US" sz="1400" b="1" dirty="0" err="1">
-                          <a:effectLst/>
-                        </a:rPr>
-                        <a:t>Địa</a:t>
-                      </a:r>
                       <a:r>
                         <a:rPr lang="en-US" sz="1400" b="1" dirty="0">
                           <a:effectLst/>
                         </a:rPr>
-                        <a:t> </a:t>
-                      </a:r>
-                      <a:r>
-                        <a:rPr lang="en-US" sz="1400" b="1" dirty="0" err="1">
-                          <a:effectLst/>
-                        </a:rPr>
-                        <a:t>chỉ</a:t>
-                      </a:r>
+                        <a:t>ALU actions (Opcode)</a:t>
+                      </a:r>
+                    </a:p>
+                  </a:txBody>
+                  <a:tcPr marL="28575" marR="28575" marT="19050" marB="19050"/>
+                </a:tc>
+                <a:tc>
+                  <a:txBody>
+                    <a:bodyPr/>
+                    <a:lstStyle/>
+                    <a:p>
+                      <a:pPr algn="ctr" rtl="0" fontAlgn="t"/>
                       <a:r>
                         <a:rPr lang="en-US" sz="1400" b="1" dirty="0">
                           <a:effectLst/>
                         </a:rPr>
-                        <a:t> </a:t>
-                      </a:r>
-                      <a:r>
-                        <a:rPr lang="en-US" sz="1400" b="1" dirty="0" err="1">
-                          <a:effectLst/>
-                        </a:rPr>
-                        <a:t>đọc</a:t>
-                      </a:r>
-                      <a:r>
-                        <a:rPr lang="en-US" sz="1400" b="1" dirty="0">
-                          <a:effectLst/>
-                        </a:rPr>
-                        <a:t> B (ADDR_RDB)</a:t>
-                      </a:r>
-                    </a:p>
-                  </a:txBody>
-                  <a:tcPr marL="28575" marR="28575" marT="19050" marB="19050"/>
-                </a:tc>
-                <a:tc>
-                  <a:txBody>
-                    <a:bodyPr/>
-                    <a:lstStyle/>
-                    <a:p>
-                      <a:pPr algn="ctr" rtl="0" fontAlgn="t"/>
-                      <a:r>
-                        <a:rPr lang="en-US" sz="1400" b="1">
-                          <a:effectLst/>
-                        </a:rPr>
-                        <a:t>Thao tác ALU (Opcode)</a:t>
-                      </a:r>
-                    </a:p>
-                  </a:txBody>
-                  <a:tcPr marL="28575" marR="28575" marT="19050" marB="19050"/>
-                </a:tc>
-                <a:tc>
-                  <a:txBody>
-                    <a:bodyPr/>
-                    <a:lstStyle/>
-                    <a:p>
-                      <a:pPr algn="ctr" rtl="0" fontAlgn="t"/>
-                      <a:r>
-                        <a:rPr lang="en-US" sz="1400" b="1" dirty="0">
-                          <a:effectLst/>
-                        </a:rPr>
-                        <a:t>Cho </a:t>
-                      </a:r>
-                      <a:r>
-                        <a:rPr lang="en-US" sz="1400" b="1" dirty="0" err="1">
-                          <a:effectLst/>
-                        </a:rPr>
-                        <a:t>phép</a:t>
-                      </a:r>
-                      <a:r>
-                        <a:rPr lang="en-US" sz="1400" b="1" dirty="0">
-                          <a:effectLst/>
-                        </a:rPr>
-                        <a:t> </a:t>
-                      </a:r>
-                      <a:r>
-                        <a:rPr lang="en-US" sz="1400" b="1" dirty="0" err="1">
-                          <a:effectLst/>
-                        </a:rPr>
-                        <a:t>xuất</a:t>
-                      </a:r>
-                      <a:r>
-                        <a:rPr lang="en-US" sz="1400" b="1" dirty="0">
-                          <a:effectLst/>
-                        </a:rPr>
-                        <a:t> (OE)</a:t>
+                        <a:t>Output Enable (OE)</a:t>
                       </a:r>
                     </a:p>
                   </a:txBody>
@@ -10803,7 +10741,7 @@
           <p:nvPr>
             <p:extLst>
               <p:ext uri="{D42A27DB-BD31-4B8C-83A1-F6EECF244321}">
-                <p14:modId xmlns:p14="http://schemas.microsoft.com/office/powerpoint/2010/main" val="71669880"/>
+                <p14:modId xmlns:p14="http://schemas.microsoft.com/office/powerpoint/2010/main" val="3988963968"/>
               </p:ext>
             </p:extLst>
           </p:nvPr>
@@ -10897,10 +10835,10 @@
                     <a:p>
                       <a:pPr algn="ctr" rtl="0" fontAlgn="b"/>
                       <a:r>
-                        <a:rPr lang="en-US" sz="1400">
+                        <a:rPr lang="en-US" sz="1400" dirty="0">
                           <a:effectLst/>
                         </a:rPr>
-                        <a:t>Cộng</a:t>
+                        <a:t>Add</a:t>
                       </a:r>
                     </a:p>
                   </a:txBody>
@@ -10939,7 +10877,7 @@
                         <a:rPr lang="en-US" sz="1400" dirty="0">
                           <a:effectLst/>
                         </a:rPr>
-                        <a:t>Chia</a:t>
+                        <a:t>Divide</a:t>
                       </a:r>
                     </a:p>
                   </a:txBody>
@@ -10970,7 +10908,7 @@
           <p:nvPr>
             <p:extLst>
               <p:ext uri="{D42A27DB-BD31-4B8C-83A1-F6EECF244321}">
-                <p14:modId xmlns:p14="http://schemas.microsoft.com/office/powerpoint/2010/main" val="3613318801"/>
+                <p14:modId xmlns:p14="http://schemas.microsoft.com/office/powerpoint/2010/main" val="3553761772"/>
               </p:ext>
             </p:extLst>
           </p:nvPr>
@@ -11001,12 +10939,8 @@
                     <a:lstStyle/>
                     <a:p>
                       <a:r>
-                        <a:rPr lang="en-US" sz="1400" dirty="0" err="1"/>
-                        <a:t>Các</a:t>
-                      </a:r>
-                      <a:r>
                         <a:rPr lang="en-US" sz="1400" dirty="0"/>
-                        <a:t> state</a:t>
+                        <a:t>States</a:t>
                       </a:r>
                     </a:p>
                   </a:txBody>
@@ -11173,13 +11107,13 @@
   <p:clrMapOvr>
     <a:masterClrMapping/>
   </p:clrMapOvr>
-  <mc:AlternateContent xmlns:mc="http://schemas.openxmlformats.org/markup-compatibility/2006">
-    <mc:Choice xmlns:p159="http://schemas.microsoft.com/office/powerpoint/2015/09/main" Requires="p159">
+  <mc:AlternateContent xmlns:mc="http://schemas.openxmlformats.org/markup-compatibility/2006" xmlns:p159="http://schemas.microsoft.com/office/powerpoint/2015/09/main">
+    <mc:Choice Requires="p159">
       <p:transition xmlns:p14="http://schemas.microsoft.com/office/powerpoint/2010/main" spd="slow" p14:dur="2000">
         <p159:morph option="byObject"/>
       </p:transition>
     </mc:Choice>
-    <mc:Fallback>
+    <mc:Fallback xmlns="">
       <p:transition spd="slow">
         <p:fade/>
       </p:transition>
@@ -12848,13 +12782,13 @@
   <p:clrMapOvr>
     <a:masterClrMapping/>
   </p:clrMapOvr>
-  <mc:AlternateContent xmlns:mc="http://schemas.openxmlformats.org/markup-compatibility/2006">
-    <mc:Choice xmlns:p159="http://schemas.microsoft.com/office/powerpoint/2015/09/main" Requires="p159">
+  <mc:AlternateContent xmlns:mc="http://schemas.openxmlformats.org/markup-compatibility/2006" xmlns:p159="http://schemas.microsoft.com/office/powerpoint/2015/09/main">
+    <mc:Choice Requires="p159">
       <p:transition xmlns:p14="http://schemas.microsoft.com/office/powerpoint/2010/main" spd="slow" p14:dur="2000">
         <p159:morph option="byObject"/>
       </p:transition>
     </mc:Choice>
-    <mc:Fallback>
+    <mc:Fallback xmlns="">
       <p:transition spd="slow">
         <p:fade/>
       </p:transition>
@@ -14421,13 +14355,13 @@
   <p:clrMapOvr>
     <a:masterClrMapping/>
   </p:clrMapOvr>
-  <mc:AlternateContent xmlns:mc="http://schemas.openxmlformats.org/markup-compatibility/2006">
-    <mc:Choice xmlns:p159="http://schemas.microsoft.com/office/powerpoint/2015/09/main" Requires="p159">
+  <mc:AlternateContent xmlns:mc="http://schemas.openxmlformats.org/markup-compatibility/2006" xmlns:p159="http://schemas.microsoft.com/office/powerpoint/2015/09/main">
+    <mc:Choice Requires="p159">
       <p:transition xmlns:p14="http://schemas.microsoft.com/office/powerpoint/2010/main" spd="slow" p14:dur="2000">
         <p159:morph option="byObject"/>
       </p:transition>
     </mc:Choice>
-    <mc:Fallback>
+    <mc:Fallback xmlns="">
       <p:transition spd="slow">
         <p:fade/>
       </p:transition>
@@ -15001,13 +14935,13 @@
   <p:clrMapOvr>
     <a:masterClrMapping/>
   </p:clrMapOvr>
-  <mc:AlternateContent xmlns:mc="http://schemas.openxmlformats.org/markup-compatibility/2006">
-    <mc:Choice xmlns:p159="http://schemas.microsoft.com/office/powerpoint/2015/09/main" Requires="p159">
+  <mc:AlternateContent xmlns:mc="http://schemas.openxmlformats.org/markup-compatibility/2006" xmlns:p159="http://schemas.microsoft.com/office/powerpoint/2015/09/main">
+    <mc:Choice Requires="p159">
       <p:transition xmlns:p14="http://schemas.microsoft.com/office/powerpoint/2010/main" spd="slow" p14:dur="2000">
         <p159:morph option="byObject"/>
       </p:transition>
     </mc:Choice>
-    <mc:Fallback>
+    <mc:Fallback xmlns="">
       <p:transition spd="slow">
         <p:fade/>
       </p:transition>
@@ -15061,8 +14995,8 @@
           </a:p>
         </p:txBody>
       </p:sp>
-      <mc:AlternateContent xmlns:mc="http://schemas.openxmlformats.org/markup-compatibility/2006">
-        <mc:Choice xmlns:a14="http://schemas.microsoft.com/office/drawing/2010/main" Requires="a14">
+      <mc:AlternateContent xmlns:mc="http://schemas.openxmlformats.org/markup-compatibility/2006" xmlns:a14="http://schemas.microsoft.com/office/drawing/2010/main">
+        <mc:Choice Requires="a14">
           <p:sp>
             <p:nvSpPr>
               <p:cNvPr id="5" name="Content Placeholder 9">
@@ -15297,35 +15231,47 @@
                     <m:f>
                       <m:fPr>
                         <m:ctrlPr>
-                          <a:rPr lang="en-US" sz="2800" b="0" i="1" u="none" strike="noStrike" baseline="0" smtClean="0"/>
+                          <a:rPr lang="en-US" sz="2800" b="0" i="1" u="none" strike="noStrike" baseline="0" smtClean="0">
+                            <a:latin typeface="Cambria Math" panose="02040503050406030204" pitchFamily="18" charset="0"/>
+                          </a:rPr>
                         </m:ctrlPr>
                       </m:fPr>
                       <m:num>
                         <m:r>
-                          <a:rPr lang="en-US" sz="2800" b="0" i="1" u="none" strike="noStrike" baseline="0" smtClean="0"/>
+                          <a:rPr lang="en-US" sz="2800" b="0" i="1" u="none" strike="noStrike" baseline="0" smtClean="0">
+                            <a:latin typeface="Cambria Math" panose="02040503050406030204" pitchFamily="18" charset="0"/>
+                          </a:rPr>
                           <m:t>1</m:t>
                         </m:r>
                       </m:num>
                       <m:den>
                         <m:r>
-                          <a:rPr lang="en-US" sz="2800" b="0" i="1" u="none" strike="noStrike" baseline="0" smtClean="0"/>
+                          <a:rPr lang="en-US" sz="2800" b="0" i="1" u="none" strike="noStrike" baseline="0" smtClean="0">
+                            <a:latin typeface="Cambria Math" panose="02040503050406030204" pitchFamily="18" charset="0"/>
+                          </a:rPr>
                           <m:t>28414 ∗</m:t>
                         </m:r>
                         <m:sSup>
                           <m:sSupPr>
                             <m:ctrlPr>
-                              <a:rPr lang="en-US" sz="2800" i="1"/>
+                              <a:rPr lang="en-US" sz="2800" i="1">
+                                <a:latin typeface="Cambria Math" panose="02040503050406030204" pitchFamily="18" charset="0"/>
+                              </a:rPr>
                             </m:ctrlPr>
                           </m:sSupPr>
                           <m:e>
                             <m:r>
-                              <a:rPr lang="en-US" sz="2800" b="0" i="1" smtClean="0"/>
+                              <a:rPr lang="en-US" sz="2800" b="0" i="1" smtClean="0">
+                                <a:latin typeface="Cambria Math" panose="02040503050406030204" pitchFamily="18" charset="0"/>
+                              </a:rPr>
                               <m:t>10</m:t>
                             </m:r>
                           </m:e>
                           <m:sup>
                             <m:r>
-                              <a:rPr lang="en-US" sz="2800" b="0" i="1" smtClean="0"/>
+                              <a:rPr lang="en-US" sz="2800" b="0" i="1" smtClean="0">
+                                <a:latin typeface="Cambria Math" panose="02040503050406030204" pitchFamily="18" charset="0"/>
+                              </a:rPr>
                               <m:t>−12</m:t>
                             </m:r>
                           </m:sup>
@@ -15351,7 +15297,7 @@
             </p:txBody>
           </p:sp>
         </mc:Choice>
-        <mc:Fallback>
+        <mc:Fallback xmlns="">
           <p:sp>
             <p:nvSpPr>
               <p:cNvPr id="5" name="Content Placeholder 9">
@@ -15406,13 +15352,13 @@
   <p:clrMapOvr>
     <a:masterClrMapping/>
   </p:clrMapOvr>
-  <mc:AlternateContent xmlns:mc="http://schemas.openxmlformats.org/markup-compatibility/2006">
-    <mc:Choice xmlns:p159="http://schemas.microsoft.com/office/powerpoint/2015/09/main" Requires="p159">
+  <mc:AlternateContent xmlns:mc="http://schemas.openxmlformats.org/markup-compatibility/2006" xmlns:p159="http://schemas.microsoft.com/office/powerpoint/2015/09/main">
+    <mc:Choice Requires="p159">
       <p:transition xmlns:p14="http://schemas.microsoft.com/office/powerpoint/2010/main" spd="slow" p14:dur="2000">
         <p159:morph option="byObject"/>
       </p:transition>
     </mc:Choice>
-    <mc:Fallback>
+    <mc:Fallback xmlns="">
       <p:transition spd="slow">
         <p:fade/>
       </p:transition>
@@ -16765,13 +16711,13 @@
   <p:clrMapOvr>
     <a:masterClrMapping/>
   </p:clrMapOvr>
-  <mc:AlternateContent xmlns:mc="http://schemas.openxmlformats.org/markup-compatibility/2006">
-    <mc:Choice xmlns:p159="http://schemas.microsoft.com/office/powerpoint/2015/09/main" Requires="p159">
+  <mc:AlternateContent xmlns:mc="http://schemas.openxmlformats.org/markup-compatibility/2006" xmlns:p159="http://schemas.microsoft.com/office/powerpoint/2015/09/main">
+    <mc:Choice Requires="p159">
       <p:transition xmlns:p14="http://schemas.microsoft.com/office/powerpoint/2010/main" spd="slow" p14:dur="2000">
         <p159:morph option="byObject"/>
       </p:transition>
     </mc:Choice>
-    <mc:Fallback>
+    <mc:Fallback xmlns="">
       <p:transition spd="slow">
         <p:fade/>
       </p:transition>
@@ -18103,13 +18049,13 @@
   <p:clrMapOvr>
     <a:masterClrMapping/>
   </p:clrMapOvr>
-  <mc:AlternateContent xmlns:mc="http://schemas.openxmlformats.org/markup-compatibility/2006">
-    <mc:Choice xmlns:p159="http://schemas.microsoft.com/office/powerpoint/2015/09/main" Requires="p159">
+  <mc:AlternateContent xmlns:mc="http://schemas.openxmlformats.org/markup-compatibility/2006" xmlns:p159="http://schemas.microsoft.com/office/powerpoint/2015/09/main">
+    <mc:Choice Requires="p159">
       <p:transition xmlns:p14="http://schemas.microsoft.com/office/powerpoint/2010/main" spd="slow" p14:dur="2000">
         <p159:morph option="byObject"/>
       </p:transition>
     </mc:Choice>
-    <mc:Fallback>
+    <mc:Fallback xmlns="">
       <p:transition spd="slow">
         <p:fade/>
       </p:transition>
@@ -19273,13 +19219,13 @@
   <p:clrMapOvr>
     <a:masterClrMapping/>
   </p:clrMapOvr>
-  <mc:AlternateContent xmlns:mc="http://schemas.openxmlformats.org/markup-compatibility/2006">
-    <mc:Choice xmlns:p159="http://schemas.microsoft.com/office/powerpoint/2015/09/main" Requires="p159">
+  <mc:AlternateContent xmlns:mc="http://schemas.openxmlformats.org/markup-compatibility/2006" xmlns:p159="http://schemas.microsoft.com/office/powerpoint/2015/09/main">
+    <mc:Choice Requires="p159">
       <p:transition xmlns:p14="http://schemas.microsoft.com/office/powerpoint/2010/main" spd="slow" p14:dur="2000">
         <p159:morph option="byObject"/>
       </p:transition>
     </mc:Choice>
-    <mc:Fallback>
+    <mc:Fallback xmlns="">
       <p:transition spd="slow">
         <p:fade/>
       </p:transition>
@@ -19432,13 +19378,13 @@
   <p:clrMapOvr>
     <a:masterClrMapping/>
   </p:clrMapOvr>
-  <mc:AlternateContent xmlns:mc="http://schemas.openxmlformats.org/markup-compatibility/2006">
-    <mc:Choice xmlns:p159="http://schemas.microsoft.com/office/powerpoint/2015/09/main" Requires="p159">
+  <mc:AlternateContent xmlns:mc="http://schemas.openxmlformats.org/markup-compatibility/2006" xmlns:p159="http://schemas.microsoft.com/office/powerpoint/2015/09/main">
+    <mc:Choice Requires="p159">
       <p:transition xmlns:p14="http://schemas.microsoft.com/office/powerpoint/2010/main" spd="slow" p14:dur="2000">
         <p159:morph option="byObject"/>
       </p:transition>
     </mc:Choice>
-    <mc:Fallback>
+    <mc:Fallback xmlns="">
       <p:transition spd="slow">
         <p:fade/>
       </p:transition>
@@ -20770,13 +20716,13 @@
   <p:clrMapOvr>
     <a:masterClrMapping/>
   </p:clrMapOvr>
-  <mc:AlternateContent xmlns:mc="http://schemas.openxmlformats.org/markup-compatibility/2006">
-    <mc:Choice xmlns:p159="http://schemas.microsoft.com/office/powerpoint/2015/09/main" Requires="p159">
+  <mc:AlternateContent xmlns:mc="http://schemas.openxmlformats.org/markup-compatibility/2006" xmlns:p159="http://schemas.microsoft.com/office/powerpoint/2015/09/main">
+    <mc:Choice Requires="p159">
       <p:transition xmlns:p14="http://schemas.microsoft.com/office/powerpoint/2010/main" spd="slow" p14:dur="2000">
         <p159:morph option="byObject"/>
       </p:transition>
     </mc:Choice>
-    <mc:Fallback>
+    <mc:Fallback xmlns="">
       <p:transition spd="slow">
         <p:fade/>
       </p:transition>
@@ -21940,13 +21886,13 @@
   <p:clrMapOvr>
     <a:masterClrMapping/>
   </p:clrMapOvr>
-  <mc:AlternateContent xmlns:mc="http://schemas.openxmlformats.org/markup-compatibility/2006">
-    <mc:Choice xmlns:p159="http://schemas.microsoft.com/office/powerpoint/2015/09/main" Requires="p159">
+  <mc:AlternateContent xmlns:mc="http://schemas.openxmlformats.org/markup-compatibility/2006" xmlns:p159="http://schemas.microsoft.com/office/powerpoint/2015/09/main">
+    <mc:Choice Requires="p159">
       <p:transition xmlns:p14="http://schemas.microsoft.com/office/powerpoint/2010/main" spd="slow" p14:dur="2000">
         <p159:morph option="byObject"/>
       </p:transition>
     </mc:Choice>
-    <mc:Fallback>
+    <mc:Fallback xmlns="">
       <p:transition spd="slow">
         <p:fade/>
       </p:transition>
@@ -22074,13 +22020,13 @@
   <p:clrMapOvr>
     <a:masterClrMapping/>
   </p:clrMapOvr>
-  <mc:AlternateContent xmlns:mc="http://schemas.openxmlformats.org/markup-compatibility/2006">
-    <mc:Choice xmlns:p159="http://schemas.microsoft.com/office/powerpoint/2015/09/main" Requires="p159">
+  <mc:AlternateContent xmlns:mc="http://schemas.openxmlformats.org/markup-compatibility/2006" xmlns:p159="http://schemas.microsoft.com/office/powerpoint/2015/09/main">
+    <mc:Choice Requires="p159">
       <p:transition xmlns:p14="http://schemas.microsoft.com/office/powerpoint/2010/main" spd="slow" p14:dur="2000">
         <p159:morph option="byObject"/>
       </p:transition>
     </mc:Choice>
-    <mc:Fallback>
+    <mc:Fallback xmlns="">
       <p:transition spd="slow">
         <p:fade/>
       </p:transition>
@@ -22208,13 +22154,13 @@
   <p:clrMapOvr>
     <a:masterClrMapping/>
   </p:clrMapOvr>
-  <mc:AlternateContent xmlns:mc="http://schemas.openxmlformats.org/markup-compatibility/2006">
-    <mc:Choice xmlns:p159="http://schemas.microsoft.com/office/powerpoint/2015/09/main" Requires="p159">
+  <mc:AlternateContent xmlns:mc="http://schemas.openxmlformats.org/markup-compatibility/2006" xmlns:p159="http://schemas.microsoft.com/office/powerpoint/2015/09/main">
+    <mc:Choice Requires="p159">
       <p:transition xmlns:p14="http://schemas.microsoft.com/office/powerpoint/2010/main" spd="slow" p14:dur="2000">
         <p159:morph option="byObject"/>
       </p:transition>
     </mc:Choice>
-    <mc:Fallback>
+    <mc:Fallback xmlns="">
       <p:transition spd="slow">
         <p:fade/>
       </p:transition>
@@ -22342,13 +22288,13 @@
   <p:clrMapOvr>
     <a:masterClrMapping/>
   </p:clrMapOvr>
-  <mc:AlternateContent xmlns:mc="http://schemas.openxmlformats.org/markup-compatibility/2006">
-    <mc:Choice xmlns:p159="http://schemas.microsoft.com/office/powerpoint/2015/09/main" Requires="p159">
+  <mc:AlternateContent xmlns:mc="http://schemas.openxmlformats.org/markup-compatibility/2006" xmlns:p159="http://schemas.microsoft.com/office/powerpoint/2015/09/main">
+    <mc:Choice Requires="p159">
       <p:transition xmlns:p14="http://schemas.microsoft.com/office/powerpoint/2010/main" spd="slow" p14:dur="2000">
         <p159:morph option="byObject"/>
       </p:transition>
     </mc:Choice>
-    <mc:Fallback>
+    <mc:Fallback xmlns="">
       <p:transition spd="slow">
         <p:fade/>
       </p:transition>
@@ -22484,13 +22430,13 @@
   <p:clrMapOvr>
     <a:masterClrMapping/>
   </p:clrMapOvr>
-  <mc:AlternateContent xmlns:mc="http://schemas.openxmlformats.org/markup-compatibility/2006">
-    <mc:Choice xmlns:p159="http://schemas.microsoft.com/office/powerpoint/2015/09/main" Requires="p159">
+  <mc:AlternateContent xmlns:mc="http://schemas.openxmlformats.org/markup-compatibility/2006" xmlns:p159="http://schemas.microsoft.com/office/powerpoint/2015/09/main">
+    <mc:Choice Requires="p159">
       <p:transition xmlns:p14="http://schemas.microsoft.com/office/powerpoint/2010/main" spd="slow" p14:dur="2000">
         <p159:morph option="byObject"/>
       </p:transition>
     </mc:Choice>
-    <mc:Fallback>
+    <mc:Fallback xmlns="">
       <p:transition spd="slow">
         <p:fade/>
       </p:transition>
@@ -22544,8 +22490,8 @@
           </a:p>
         </p:txBody>
       </p:sp>
-      <mc:AlternateContent xmlns:mc="http://schemas.openxmlformats.org/markup-compatibility/2006">
-        <mc:Choice xmlns:a14="http://schemas.microsoft.com/office/drawing/2010/main" Requires="a14">
+      <mc:AlternateContent xmlns:mc="http://schemas.openxmlformats.org/markup-compatibility/2006" xmlns:a14="http://schemas.microsoft.com/office/drawing/2010/main">
+        <mc:Choice Requires="a14">
           <p:sp>
             <p:nvSpPr>
               <p:cNvPr id="3" name="Content Placeholder 2">
@@ -23198,7 +23144,7 @@
             </p:txBody>
           </p:sp>
         </mc:Choice>
-        <mc:Fallback>
+        <mc:Fallback xmlns="">
           <p:sp>
             <p:nvSpPr>
               <p:cNvPr id="3" name="Content Placeholder 2">
@@ -23248,13 +23194,13 @@
   <p:clrMapOvr>
     <a:masterClrMapping/>
   </p:clrMapOvr>
-  <mc:AlternateContent xmlns:mc="http://schemas.openxmlformats.org/markup-compatibility/2006">
-    <mc:Choice xmlns:p159="http://schemas.microsoft.com/office/powerpoint/2015/09/main" Requires="p159">
+  <mc:AlternateContent xmlns:mc="http://schemas.openxmlformats.org/markup-compatibility/2006" xmlns:p159="http://schemas.microsoft.com/office/powerpoint/2015/09/main">
+    <mc:Choice Requires="p159">
       <p:transition xmlns:p14="http://schemas.microsoft.com/office/powerpoint/2010/main" spd="slow" p14:dur="2000">
         <p159:morph option="byObject"/>
       </p:transition>
     </mc:Choice>
-    <mc:Fallback>
+    <mc:Fallback xmlns="">
       <p:transition spd="slow">
         <p:fade/>
       </p:transition>
@@ -23431,13 +23377,13 @@
   <p:clrMapOvr>
     <a:masterClrMapping/>
   </p:clrMapOvr>
-  <mc:AlternateContent xmlns:mc="http://schemas.openxmlformats.org/markup-compatibility/2006">
-    <mc:Choice xmlns:p159="http://schemas.microsoft.com/office/powerpoint/2015/09/main" Requires="p159">
+  <mc:AlternateContent xmlns:mc="http://schemas.openxmlformats.org/markup-compatibility/2006" xmlns:p159="http://schemas.microsoft.com/office/powerpoint/2015/09/main">
+    <mc:Choice Requires="p159">
       <p:transition xmlns:p14="http://schemas.microsoft.com/office/powerpoint/2010/main" spd="slow" p14:dur="2000">
         <p159:morph option="byObject"/>
       </p:transition>
     </mc:Choice>
-    <mc:Fallback>
+    <mc:Fallback xmlns="">
       <p:transition spd="slow">
         <p:fade/>
       </p:transition>
@@ -23837,13 +23783,13 @@
   <p:clrMapOvr>
     <a:masterClrMapping/>
   </p:clrMapOvr>
-  <mc:AlternateContent xmlns:mc="http://schemas.openxmlformats.org/markup-compatibility/2006">
-    <mc:Choice xmlns:p159="http://schemas.microsoft.com/office/powerpoint/2015/09/main" Requires="p159">
+  <mc:AlternateContent xmlns:mc="http://schemas.openxmlformats.org/markup-compatibility/2006" xmlns:p159="http://schemas.microsoft.com/office/powerpoint/2015/09/main">
+    <mc:Choice Requires="p159">
       <p:transition xmlns:p14="http://schemas.microsoft.com/office/powerpoint/2010/main" spd="slow" p14:dur="2000">
         <p159:morph option="byObject"/>
       </p:transition>
     </mc:Choice>
-    <mc:Fallback>
+    <mc:Fallback xmlns="">
       <p:transition spd="slow">
         <p:fade/>
       </p:transition>
@@ -23937,13 +23883,13 @@
   <p:clrMapOvr>
     <a:masterClrMapping/>
   </p:clrMapOvr>
-  <mc:AlternateContent xmlns:mc="http://schemas.openxmlformats.org/markup-compatibility/2006">
-    <mc:Choice xmlns:p159="http://schemas.microsoft.com/office/powerpoint/2015/09/main" Requires="p159">
+  <mc:AlternateContent xmlns:mc="http://schemas.openxmlformats.org/markup-compatibility/2006" xmlns:p159="http://schemas.microsoft.com/office/powerpoint/2015/09/main">
+    <mc:Choice Requires="p159">
       <p:transition xmlns:p14="http://schemas.microsoft.com/office/powerpoint/2010/main" spd="slow" p14:dur="2000">
         <p159:morph option="byObject"/>
       </p:transition>
     </mc:Choice>
-    <mc:Fallback>
+    <mc:Fallback xmlns="">
       <p:transition spd="slow">
         <p:fade/>
       </p:transition>
@@ -24240,13 +24186,13 @@
   <p:clrMapOvr>
     <a:masterClrMapping/>
   </p:clrMapOvr>
-  <mc:AlternateContent xmlns:mc="http://schemas.openxmlformats.org/markup-compatibility/2006">
-    <mc:Choice xmlns:p159="http://schemas.microsoft.com/office/powerpoint/2015/09/main" Requires="p159">
+  <mc:AlternateContent xmlns:mc="http://schemas.openxmlformats.org/markup-compatibility/2006" xmlns:p159="http://schemas.microsoft.com/office/powerpoint/2015/09/main">
+    <mc:Choice Requires="p159">
       <p:transition xmlns:p14="http://schemas.microsoft.com/office/powerpoint/2010/main" spd="slow" p14:dur="2000">
         <p159:morph option="byObject"/>
       </p:transition>
     </mc:Choice>
-    <mc:Fallback>
+    <mc:Fallback xmlns="">
       <p:transition spd="slow">
         <p:fade/>
       </p:transition>
@@ -24475,13 +24421,13 @@
   <p:clrMapOvr>
     <a:masterClrMapping/>
   </p:clrMapOvr>
-  <mc:AlternateContent xmlns:mc="http://schemas.openxmlformats.org/markup-compatibility/2006">
-    <mc:Choice xmlns:p159="http://schemas.microsoft.com/office/powerpoint/2015/09/main" Requires="p159">
+  <mc:AlternateContent xmlns:mc="http://schemas.openxmlformats.org/markup-compatibility/2006" xmlns:p159="http://schemas.microsoft.com/office/powerpoint/2015/09/main">
+    <mc:Choice Requires="p159">
       <p:transition xmlns:p14="http://schemas.microsoft.com/office/powerpoint/2010/main" spd="slow" p14:dur="2000">
         <p159:morph option="byObject"/>
       </p:transition>
     </mc:Choice>
-    <mc:Fallback>
+    <mc:Fallback xmlns="">
       <p:transition spd="slow">
         <p:fade/>
       </p:transition>

--- a/Group Project/FloatingPointSquareRoot/Floating Point Squareroot.pptx
+++ b/Group Project/FloatingPointSquareRoot/Floating Point Squareroot.pptx
@@ -19,16 +19,18 @@
     <p:sldId id="263" r:id="rId13"/>
     <p:sldId id="271" r:id="rId14"/>
     <p:sldId id="281" r:id="rId15"/>
-    <p:sldId id="269" r:id="rId16"/>
-    <p:sldId id="282" r:id="rId17"/>
-    <p:sldId id="280" r:id="rId18"/>
-    <p:sldId id="272" r:id="rId19"/>
-    <p:sldId id="273" r:id="rId20"/>
-    <p:sldId id="274" r:id="rId21"/>
-    <p:sldId id="275" r:id="rId22"/>
-    <p:sldId id="278" r:id="rId23"/>
-    <p:sldId id="279" r:id="rId24"/>
-    <p:sldId id="277" r:id="rId25"/>
+    <p:sldId id="284" r:id="rId16"/>
+    <p:sldId id="285" r:id="rId17"/>
+    <p:sldId id="269" r:id="rId18"/>
+    <p:sldId id="282" r:id="rId19"/>
+    <p:sldId id="280" r:id="rId20"/>
+    <p:sldId id="272" r:id="rId21"/>
+    <p:sldId id="273" r:id="rId22"/>
+    <p:sldId id="274" r:id="rId23"/>
+    <p:sldId id="275" r:id="rId24"/>
+    <p:sldId id="278" r:id="rId25"/>
+    <p:sldId id="279" r:id="rId26"/>
+    <p:sldId id="277" r:id="rId27"/>
   </p:sldIdLst>
   <p:sldSz cx="12192000" cy="6858000"/>
   <p:notesSz cx="6858000" cy="9144000"/>
@@ -268,7 +270,7 @@
           <a:p>
             <a:fld id="{CC9A0BFE-5899-4318-8ACA-D262B42361FF}" type="datetimeFigureOut">
               <a:rPr lang="en-US" smtClean="0"/>
-              <a:t>12/29/2020</a:t>
+              <a:t>12/30/2020</a:t>
             </a:fld>
             <a:endParaRPr lang="en-US"/>
           </a:p>
@@ -555,7 +557,7 @@
           <a:p>
             <a:fld id="{CC9A0BFE-5899-4318-8ACA-D262B42361FF}" type="datetimeFigureOut">
               <a:rPr lang="en-US" smtClean="0"/>
-              <a:t>12/29/2020</a:t>
+              <a:t>12/30/2020</a:t>
             </a:fld>
             <a:endParaRPr lang="en-US"/>
           </a:p>
@@ -747,7 +749,7 @@
           <a:p>
             <a:fld id="{CC9A0BFE-5899-4318-8ACA-D262B42361FF}" type="datetimeFigureOut">
               <a:rPr lang="en-US" smtClean="0"/>
-              <a:t>12/29/2020</a:t>
+              <a:t>12/30/2020</a:t>
             </a:fld>
             <a:endParaRPr lang="en-US"/>
           </a:p>
@@ -1008,7 +1010,7 @@
           <a:p>
             <a:fld id="{CC9A0BFE-5899-4318-8ACA-D262B42361FF}" type="datetimeFigureOut">
               <a:rPr lang="en-US" smtClean="0"/>
-              <a:t>12/29/2020</a:t>
+              <a:t>12/30/2020</a:t>
             </a:fld>
             <a:endParaRPr lang="en-US"/>
           </a:p>
@@ -1432,7 +1434,7 @@
           <a:p>
             <a:fld id="{CC9A0BFE-5899-4318-8ACA-D262B42361FF}" type="datetimeFigureOut">
               <a:rPr lang="en-US" smtClean="0"/>
-              <a:t>12/29/2020</a:t>
+              <a:t>12/30/2020</a:t>
             </a:fld>
             <a:endParaRPr lang="en-US"/>
           </a:p>
@@ -1978,7 +1980,7 @@
           <a:p>
             <a:fld id="{CC9A0BFE-5899-4318-8ACA-D262B42361FF}" type="datetimeFigureOut">
               <a:rPr lang="en-US" smtClean="0"/>
-              <a:t>12/29/2020</a:t>
+              <a:t>12/30/2020</a:t>
             </a:fld>
             <a:endParaRPr lang="en-US"/>
           </a:p>
@@ -2818,7 +2820,7 @@
           <a:p>
             <a:fld id="{CC9A0BFE-5899-4318-8ACA-D262B42361FF}" type="datetimeFigureOut">
               <a:rPr lang="en-US" smtClean="0"/>
-              <a:t>12/29/2020</a:t>
+              <a:t>12/30/2020</a:t>
             </a:fld>
             <a:endParaRPr lang="en-US"/>
           </a:p>
@@ -2988,7 +2990,7 @@
           <a:p>
             <a:fld id="{CC9A0BFE-5899-4318-8ACA-D262B42361FF}" type="datetimeFigureOut">
               <a:rPr lang="en-US" smtClean="0"/>
-              <a:t>12/29/2020</a:t>
+              <a:t>12/30/2020</a:t>
             </a:fld>
             <a:endParaRPr lang="en-US"/>
           </a:p>
@@ -3172,7 +3174,7 @@
           <a:p>
             <a:fld id="{CC9A0BFE-5899-4318-8ACA-D262B42361FF}" type="datetimeFigureOut">
               <a:rPr lang="en-US" smtClean="0"/>
-              <a:t>12/29/2020</a:t>
+              <a:t>12/30/2020</a:t>
             </a:fld>
             <a:endParaRPr lang="en-US"/>
           </a:p>
@@ -3342,7 +3344,7 @@
           <a:p>
             <a:fld id="{CC9A0BFE-5899-4318-8ACA-D262B42361FF}" type="datetimeFigureOut">
               <a:rPr lang="en-US" smtClean="0"/>
-              <a:t>12/29/2020</a:t>
+              <a:t>12/30/2020</a:t>
             </a:fld>
             <a:endParaRPr lang="en-US"/>
           </a:p>
@@ -3590,7 +3592,7 @@
           <a:p>
             <a:fld id="{CC9A0BFE-5899-4318-8ACA-D262B42361FF}" type="datetimeFigureOut">
               <a:rPr lang="en-US" smtClean="0"/>
-              <a:t>12/29/2020</a:t>
+              <a:t>12/30/2020</a:t>
             </a:fld>
             <a:endParaRPr lang="en-US"/>
           </a:p>
@@ -3827,7 +3829,7 @@
           <a:p>
             <a:fld id="{CC9A0BFE-5899-4318-8ACA-D262B42361FF}" type="datetimeFigureOut">
               <a:rPr lang="en-US" smtClean="0"/>
-              <a:t>12/29/2020</a:t>
+              <a:t>12/30/2020</a:t>
             </a:fld>
             <a:endParaRPr lang="en-US"/>
           </a:p>
@@ -4200,7 +4202,7 @@
           <a:p>
             <a:fld id="{CC9A0BFE-5899-4318-8ACA-D262B42361FF}" type="datetimeFigureOut">
               <a:rPr lang="en-US" smtClean="0"/>
-              <a:t>12/29/2020</a:t>
+              <a:t>12/30/2020</a:t>
             </a:fld>
             <a:endParaRPr lang="en-US"/>
           </a:p>
@@ -4318,7 +4320,7 @@
           <a:p>
             <a:fld id="{CC9A0BFE-5899-4318-8ACA-D262B42361FF}" type="datetimeFigureOut">
               <a:rPr lang="en-US" smtClean="0"/>
-              <a:t>12/29/2020</a:t>
+              <a:t>12/30/2020</a:t>
             </a:fld>
             <a:endParaRPr lang="en-US"/>
           </a:p>
@@ -4413,7 +4415,7 @@
           <a:p>
             <a:fld id="{CC9A0BFE-5899-4318-8ACA-D262B42361FF}" type="datetimeFigureOut">
               <a:rPr lang="en-US" smtClean="0"/>
-              <a:t>12/29/2020</a:t>
+              <a:t>12/30/2020</a:t>
             </a:fld>
             <a:endParaRPr lang="en-US"/>
           </a:p>
@@ -4664,7 +4666,7 @@
           <a:p>
             <a:fld id="{CC9A0BFE-5899-4318-8ACA-D262B42361FF}" type="datetimeFigureOut">
               <a:rPr lang="en-US" smtClean="0"/>
-              <a:t>12/29/2020</a:t>
+              <a:t>12/30/2020</a:t>
             </a:fld>
             <a:endParaRPr lang="en-US"/>
           </a:p>
@@ -4951,7 +4953,7 @@
           <a:p>
             <a:fld id="{CC9A0BFE-5899-4318-8ACA-D262B42361FF}" type="datetimeFigureOut">
               <a:rPr lang="en-US" smtClean="0"/>
-              <a:t>12/29/2020</a:t>
+              <a:t>12/30/2020</a:t>
             </a:fld>
             <a:endParaRPr lang="en-US"/>
           </a:p>
@@ -5164,7 +5166,7 @@
           <a:p>
             <a:fld id="{CC9A0BFE-5899-4318-8ACA-D262B42361FF}" type="datetimeFigureOut">
               <a:rPr lang="en-US" smtClean="0"/>
-              <a:t>12/29/2020</a:t>
+              <a:t>12/30/2020</a:t>
             </a:fld>
             <a:endParaRPr lang="en-US"/>
           </a:p>
@@ -6723,7 +6725,7 @@
             <p:ph idx="1"/>
             <p:extLst>
               <p:ext uri="{D42A27DB-BD31-4B8C-83A1-F6EECF244321}">
-                <p14:modId xmlns:p14="http://schemas.microsoft.com/office/powerpoint/2010/main" val="2417966084"/>
+                <p14:modId xmlns:p14="http://schemas.microsoft.com/office/powerpoint/2010/main" val="2430895662"/>
               </p:ext>
             </p:extLst>
           </p:nvPr>
@@ -7162,16 +7164,10 @@
                     <a:p>
                       <a:pPr algn="ctr" rtl="0" fontAlgn="t"/>
                       <a:r>
-                        <a:rPr lang="en-US" dirty="0" err="1">
-                          <a:effectLst/>
-                        </a:rPr>
-                        <a:t>dont</a:t>
-                      </a:r>
-                      <a:r>
                         <a:rPr lang="en-US" dirty="0">
                           <a:effectLst/>
                         </a:rPr>
-                        <a:t> care</a:t>
+                        <a:t>Don’t care</a:t>
                       </a:r>
                     </a:p>
                   </a:txBody>
@@ -7359,10 +7355,10 @@
                     <a:p>
                       <a:pPr algn="ctr" rtl="0" fontAlgn="t"/>
                       <a:r>
-                        <a:rPr lang="en-US">
+                        <a:rPr lang="en-US" dirty="0">
                           <a:effectLst/>
                         </a:rPr>
-                        <a:t>dont care</a:t>
+                        <a:t>Don’t care</a:t>
                       </a:r>
                     </a:p>
                   </a:txBody>
@@ -7886,7 +7882,7 @@
                     <a:p>
                       <a:pPr algn="ctr" rtl="0" fontAlgn="t"/>
                       <a:r>
-                        <a:rPr lang="en-US">
+                        <a:rPr lang="en-US" dirty="0">
                           <a:effectLst/>
                         </a:rPr>
                         <a:t>root</a:t>
@@ -11182,7 +11178,7 @@
           <p:nvPr>
             <p:extLst>
               <p:ext uri="{D42A27DB-BD31-4B8C-83A1-F6EECF244321}">
-                <p14:modId xmlns:p14="http://schemas.microsoft.com/office/powerpoint/2010/main" val="276259528"/>
+                <p14:modId xmlns:p14="http://schemas.microsoft.com/office/powerpoint/2010/main" val="1738073225"/>
               </p:ext>
             </p:extLst>
           </p:nvPr>
@@ -11283,7 +11279,23 @@
                             <a:schemeClr val="bg1"/>
                           </a:solidFill>
                         </a:rPr>
-                        <a:t>Expected result</a:t>
+                        <a:t>Result from </a:t>
+                      </a:r>
+                      <a:r>
+                        <a:rPr lang="en-US" sz="1200" dirty="0" err="1">
+                          <a:solidFill>
+                            <a:schemeClr val="bg1"/>
+                          </a:solidFill>
+                        </a:rPr>
+                        <a:t>math.sqrt</a:t>
+                      </a:r>
+                      <a:r>
+                        <a:rPr lang="en-US" sz="1200" dirty="0">
+                          <a:solidFill>
+                            <a:schemeClr val="bg1"/>
+                          </a:solidFill>
+                        </a:rPr>
+                        <a:t>()</a:t>
                       </a:r>
                     </a:p>
                   </a:txBody>
@@ -12842,1307 +12854,6 @@
           </a:p>
         </p:txBody>
       </p:sp>
-      <p:graphicFrame>
-        <p:nvGraphicFramePr>
-          <p:cNvPr id="13" name="Table 13">
-            <a:extLst>
-              <a:ext uri="{FF2B5EF4-FFF2-40B4-BE49-F238E27FC236}">
-                <a16:creationId xmlns:a16="http://schemas.microsoft.com/office/drawing/2014/main" id="{E1D22B2F-07E2-480A-B712-C514E6221164}"/>
-              </a:ext>
-            </a:extLst>
-          </p:cNvPr>
-          <p:cNvGraphicFramePr>
-            <a:graphicFrameLocks noGrp="1"/>
-          </p:cNvGraphicFramePr>
-          <p:nvPr>
-            <p:extLst>
-              <p:ext uri="{D42A27DB-BD31-4B8C-83A1-F6EECF244321}">
-                <p14:modId xmlns:p14="http://schemas.microsoft.com/office/powerpoint/2010/main" val="1165643679"/>
-              </p:ext>
-            </p:extLst>
-          </p:nvPr>
-        </p:nvGraphicFramePr>
-        <p:xfrm>
-          <a:off x="400833" y="1979985"/>
-          <a:ext cx="10952967" cy="4320354"/>
-        </p:xfrm>
-        <a:graphic>
-          <a:graphicData uri="http://schemas.openxmlformats.org/drawingml/2006/table">
-            <a:tbl>
-              <a:tblPr firstRow="1" bandRow="1">
-                <a:tableStyleId>{5C22544A-7EE6-4342-B048-85BDC9FD1C3A}</a:tableStyleId>
-              </a:tblPr>
-              <a:tblGrid>
-                <a:gridCol w="908056">
-                  <a:extLst>
-                    <a:ext uri="{9D8B030D-6E8A-4147-A177-3AD203B41FA5}">
-                      <a16:colId xmlns:a16="http://schemas.microsoft.com/office/drawing/2014/main" val="3208209321"/>
-                    </a:ext>
-                  </a:extLst>
-                </a:gridCol>
-                <a:gridCol w="1577071">
-                  <a:extLst>
-                    <a:ext uri="{9D8B030D-6E8A-4147-A177-3AD203B41FA5}">
-                      <a16:colId xmlns:a16="http://schemas.microsoft.com/office/drawing/2014/main" val="3200619023"/>
-                    </a:ext>
-                  </a:extLst>
-                </a:gridCol>
-                <a:gridCol w="2914657">
-                  <a:extLst>
-                    <a:ext uri="{9D8B030D-6E8A-4147-A177-3AD203B41FA5}">
-                      <a16:colId xmlns:a16="http://schemas.microsoft.com/office/drawing/2014/main" val="1480471849"/>
-                    </a:ext>
-                  </a:extLst>
-                </a:gridCol>
-                <a:gridCol w="2717083">
-                  <a:extLst>
-                    <a:ext uri="{9D8B030D-6E8A-4147-A177-3AD203B41FA5}">
-                      <a16:colId xmlns:a16="http://schemas.microsoft.com/office/drawing/2014/main" val="601428542"/>
-                    </a:ext>
-                  </a:extLst>
-                </a:gridCol>
-                <a:gridCol w="2836100">
-                  <a:extLst>
-                    <a:ext uri="{9D8B030D-6E8A-4147-A177-3AD203B41FA5}">
-                      <a16:colId xmlns:a16="http://schemas.microsoft.com/office/drawing/2014/main" val="3165428621"/>
-                    </a:ext>
-                  </a:extLst>
-                </a:gridCol>
-              </a:tblGrid>
-              <a:tr h="292530">
-                <a:tc>
-                  <a:txBody>
-                    <a:bodyPr/>
-                    <a:lstStyle/>
-                    <a:p>
-                      <a:pPr algn="ctr"/>
-                      <a:r>
-                        <a:rPr lang="en-US" sz="1400" dirty="0">
-                          <a:solidFill>
-                            <a:schemeClr val="bg1"/>
-                          </a:solidFill>
-                        </a:rPr>
-                        <a:t>STT</a:t>
-                      </a:r>
-                    </a:p>
-                  </a:txBody>
-                  <a:tcPr/>
-                </a:tc>
-                <a:tc>
-                  <a:txBody>
-                    <a:bodyPr/>
-                    <a:lstStyle/>
-                    <a:p>
-                      <a:pPr algn="ctr"/>
-                      <a:r>
-                        <a:rPr lang="en-US" sz="1200" dirty="0">
-                          <a:solidFill>
-                            <a:schemeClr val="bg1"/>
-                          </a:solidFill>
-                        </a:rPr>
-                        <a:t>Integer</a:t>
-                      </a:r>
-                    </a:p>
-                  </a:txBody>
-                  <a:tcPr/>
-                </a:tc>
-                <a:tc>
-                  <a:txBody>
-                    <a:bodyPr/>
-                    <a:lstStyle/>
-                    <a:p>
-                      <a:pPr algn="ctr"/>
-                      <a:r>
-                        <a:rPr lang="en-US" sz="1200" dirty="0">
-                          <a:solidFill>
-                            <a:schemeClr val="bg1"/>
-                          </a:solidFill>
-                        </a:rPr>
-                        <a:t>Expected result</a:t>
-                      </a:r>
-                    </a:p>
-                  </a:txBody>
-                  <a:tcPr/>
-                </a:tc>
-                <a:tc>
-                  <a:txBody>
-                    <a:bodyPr/>
-                    <a:lstStyle/>
-                    <a:p>
-                      <a:pPr algn="ctr"/>
-                      <a:r>
-                        <a:rPr lang="en-US" sz="1200" dirty="0">
-                          <a:solidFill>
-                            <a:schemeClr val="bg1"/>
-                          </a:solidFill>
-                        </a:rPr>
-                        <a:t>Result from circuit</a:t>
-                      </a:r>
-                    </a:p>
-                  </a:txBody>
-                  <a:tcPr/>
-                </a:tc>
-                <a:tc>
-                  <a:txBody>
-                    <a:bodyPr/>
-                    <a:lstStyle/>
-                    <a:p>
-                      <a:pPr algn="ctr"/>
-                      <a:r>
-                        <a:rPr lang="en-US" sz="1400" dirty="0">
-                          <a:solidFill>
-                            <a:schemeClr val="bg1"/>
-                          </a:solidFill>
-                        </a:rPr>
-                        <a:t>Error</a:t>
-                      </a:r>
-                    </a:p>
-                  </a:txBody>
-                  <a:tcPr/>
-                </a:tc>
-                <a:extLst>
-                  <a:ext uri="{0D108BD9-81ED-4DB2-BD59-A6C34878D82A}">
-                    <a16:rowId xmlns:a16="http://schemas.microsoft.com/office/drawing/2014/main" val="313065721"/>
-                  </a:ext>
-                </a:extLst>
-              </a:tr>
-              <a:tr h="368075">
-                <a:tc>
-                  <a:txBody>
-                    <a:bodyPr/>
-                    <a:lstStyle/>
-                    <a:p>
-                      <a:pPr algn="ctr"/>
-                      <a:r>
-                        <a:rPr lang="en-US" sz="1400" dirty="0">
-                          <a:solidFill>
-                            <a:schemeClr val="bg1"/>
-                          </a:solidFill>
-                        </a:rPr>
-                        <a:t>1</a:t>
-                      </a:r>
-                    </a:p>
-                  </a:txBody>
-                  <a:tcPr anchor="ctr"/>
-                </a:tc>
-                <a:tc>
-                  <a:txBody>
-                    <a:bodyPr/>
-                    <a:lstStyle/>
-                    <a:p>
-                      <a:pPr algn="ctr"/>
-                      <a:r>
-                        <a:rPr lang="en-US" sz="1400" dirty="0">
-                          <a:solidFill>
-                            <a:schemeClr val="bg1"/>
-                          </a:solidFill>
-                        </a:rPr>
-                        <a:t>0.01</a:t>
-                      </a:r>
-                    </a:p>
-                  </a:txBody>
-                  <a:tcPr anchor="ctr"/>
-                </a:tc>
-                <a:tc>
-                  <a:txBody>
-                    <a:bodyPr/>
-                    <a:lstStyle/>
-                    <a:p>
-                      <a:pPr marL="0" marR="0" lvl="0" indent="0" algn="ctr" defTabSz="914400" rtl="0" eaLnBrk="1" fontAlgn="auto" latinLnBrk="0" hangingPunct="1">
-                        <a:lnSpc>
-                          <a:spcPct val="100000"/>
-                        </a:lnSpc>
-                        <a:spcBef>
-                          <a:spcPts val="0"/>
-                        </a:spcBef>
-                        <a:spcAft>
-                          <a:spcPts val="0"/>
-                        </a:spcAft>
-                        <a:buClrTx/>
-                        <a:buSzTx/>
-                        <a:buFontTx/>
-                        <a:buNone/>
-                        <a:tabLst/>
-                        <a:defRPr/>
-                      </a:pPr>
-                      <a:endParaRPr lang="en-US" sz="1400" dirty="0">
-                        <a:solidFill>
-                          <a:schemeClr val="bg1"/>
-                        </a:solidFill>
-                      </a:endParaRPr>
-                    </a:p>
-                  </a:txBody>
-                  <a:tcPr anchor="ctr"/>
-                </a:tc>
-                <a:tc>
-                  <a:txBody>
-                    <a:bodyPr/>
-                    <a:lstStyle/>
-                    <a:p>
-                      <a:pPr algn="ctr"/>
-                      <a:endParaRPr lang="en-US" sz="1400" dirty="0">
-                        <a:solidFill>
-                          <a:schemeClr val="bg1"/>
-                        </a:solidFill>
-                      </a:endParaRPr>
-                    </a:p>
-                  </a:txBody>
-                  <a:tcPr anchor="ctr"/>
-                </a:tc>
-                <a:tc>
-                  <a:txBody>
-                    <a:bodyPr/>
-                    <a:lstStyle/>
-                    <a:p>
-                      <a:pPr algn="ctr"/>
-                      <a:endParaRPr lang="en-US" sz="1400" dirty="0">
-                        <a:solidFill>
-                          <a:schemeClr val="bg1"/>
-                        </a:solidFill>
-                      </a:endParaRPr>
-                    </a:p>
-                  </a:txBody>
-                  <a:tcPr anchor="ctr"/>
-                </a:tc>
-                <a:extLst>
-                  <a:ext uri="{0D108BD9-81ED-4DB2-BD59-A6C34878D82A}">
-                    <a16:rowId xmlns:a16="http://schemas.microsoft.com/office/drawing/2014/main" val="4191773640"/>
-                  </a:ext>
-                </a:extLst>
-              </a:tr>
-              <a:tr h="331589">
-                <a:tc>
-                  <a:txBody>
-                    <a:bodyPr/>
-                    <a:lstStyle/>
-                    <a:p>
-                      <a:pPr algn="ctr"/>
-                      <a:r>
-                        <a:rPr lang="en-US" sz="1400" dirty="0">
-                          <a:solidFill>
-                            <a:schemeClr val="bg1"/>
-                          </a:solidFill>
-                        </a:rPr>
-                        <a:t>2</a:t>
-                      </a:r>
-                    </a:p>
-                  </a:txBody>
-                  <a:tcPr anchor="ctr"/>
-                </a:tc>
-                <a:tc>
-                  <a:txBody>
-                    <a:bodyPr/>
-                    <a:lstStyle/>
-                    <a:p>
-                      <a:pPr algn="ctr"/>
-                      <a:r>
-                        <a:rPr lang="en-US" sz="1400" dirty="0">
-                          <a:solidFill>
-                            <a:schemeClr val="bg1"/>
-                          </a:solidFill>
-                        </a:rPr>
-                        <a:t>0.02</a:t>
-                      </a:r>
-                    </a:p>
-                  </a:txBody>
-                  <a:tcPr anchor="ctr"/>
-                </a:tc>
-                <a:tc>
-                  <a:txBody>
-                    <a:bodyPr/>
-                    <a:lstStyle/>
-                    <a:p>
-                      <a:pPr marL="0" marR="0" lvl="0" indent="0" algn="ctr" defTabSz="914400" rtl="0" eaLnBrk="1" fontAlgn="auto" latinLnBrk="0" hangingPunct="1">
-                        <a:lnSpc>
-                          <a:spcPct val="100000"/>
-                        </a:lnSpc>
-                        <a:spcBef>
-                          <a:spcPts val="0"/>
-                        </a:spcBef>
-                        <a:spcAft>
-                          <a:spcPts val="0"/>
-                        </a:spcAft>
-                        <a:buClrTx/>
-                        <a:buSzTx/>
-                        <a:buFontTx/>
-                        <a:buNone/>
-                        <a:tabLst/>
-                        <a:defRPr/>
-                      </a:pPr>
-                      <a:endParaRPr lang="en-US" sz="1400" dirty="0">
-                        <a:solidFill>
-                          <a:schemeClr val="bg1"/>
-                        </a:solidFill>
-                      </a:endParaRPr>
-                    </a:p>
-                  </a:txBody>
-                  <a:tcPr anchor="ctr"/>
-                </a:tc>
-                <a:tc>
-                  <a:txBody>
-                    <a:bodyPr/>
-                    <a:lstStyle/>
-                    <a:p>
-                      <a:pPr marL="0" marR="0" lvl="0" indent="0" algn="ctr" defTabSz="914400" rtl="0" eaLnBrk="1" fontAlgn="auto" latinLnBrk="0" hangingPunct="1">
-                        <a:lnSpc>
-                          <a:spcPct val="100000"/>
-                        </a:lnSpc>
-                        <a:spcBef>
-                          <a:spcPts val="0"/>
-                        </a:spcBef>
-                        <a:spcAft>
-                          <a:spcPts val="0"/>
-                        </a:spcAft>
-                        <a:buClrTx/>
-                        <a:buSzTx/>
-                        <a:buFontTx/>
-                        <a:buNone/>
-                        <a:tabLst/>
-                        <a:defRPr/>
-                      </a:pPr>
-                      <a:endParaRPr lang="en-US" sz="1400" dirty="0">
-                        <a:solidFill>
-                          <a:schemeClr val="bg1"/>
-                        </a:solidFill>
-                      </a:endParaRPr>
-                    </a:p>
-                  </a:txBody>
-                  <a:tcPr anchor="ctr"/>
-                </a:tc>
-                <a:tc>
-                  <a:txBody>
-                    <a:bodyPr/>
-                    <a:lstStyle/>
-                    <a:p>
-                      <a:pPr algn="ctr"/>
-                      <a:endParaRPr lang="en-US" sz="1400" dirty="0">
-                        <a:solidFill>
-                          <a:schemeClr val="bg1"/>
-                        </a:solidFill>
-                      </a:endParaRPr>
-                    </a:p>
-                  </a:txBody>
-                  <a:tcPr anchor="ctr"/>
-                </a:tc>
-                <a:extLst>
-                  <a:ext uri="{0D108BD9-81ED-4DB2-BD59-A6C34878D82A}">
-                    <a16:rowId xmlns:a16="http://schemas.microsoft.com/office/drawing/2014/main" val="2764412100"/>
-                  </a:ext>
-                </a:extLst>
-              </a:tr>
-              <a:tr h="331589">
-                <a:tc>
-                  <a:txBody>
-                    <a:bodyPr/>
-                    <a:lstStyle/>
-                    <a:p>
-                      <a:pPr algn="ctr"/>
-                      <a:r>
-                        <a:rPr lang="en-US" sz="1400" dirty="0">
-                          <a:solidFill>
-                            <a:schemeClr val="bg1"/>
-                          </a:solidFill>
-                        </a:rPr>
-                        <a:t>3</a:t>
-                      </a:r>
-                    </a:p>
-                  </a:txBody>
-                  <a:tcPr anchor="ctr"/>
-                </a:tc>
-                <a:tc>
-                  <a:txBody>
-                    <a:bodyPr/>
-                    <a:lstStyle/>
-                    <a:p>
-                      <a:pPr algn="ctr"/>
-                      <a:r>
-                        <a:rPr lang="en-US" sz="1400" dirty="0">
-                          <a:solidFill>
-                            <a:schemeClr val="bg1"/>
-                          </a:solidFill>
-                        </a:rPr>
-                        <a:t>0.03</a:t>
-                      </a:r>
-                    </a:p>
-                  </a:txBody>
-                  <a:tcPr anchor="ctr"/>
-                </a:tc>
-                <a:tc>
-                  <a:txBody>
-                    <a:bodyPr/>
-                    <a:lstStyle/>
-                    <a:p>
-                      <a:pPr marL="0" marR="0" lvl="0" indent="0" algn="ctr" defTabSz="914400" rtl="0" eaLnBrk="1" fontAlgn="auto" latinLnBrk="0" hangingPunct="1">
-                        <a:lnSpc>
-                          <a:spcPct val="100000"/>
-                        </a:lnSpc>
-                        <a:spcBef>
-                          <a:spcPts val="0"/>
-                        </a:spcBef>
-                        <a:spcAft>
-                          <a:spcPts val="0"/>
-                        </a:spcAft>
-                        <a:buClrTx/>
-                        <a:buSzTx/>
-                        <a:buFontTx/>
-                        <a:buNone/>
-                        <a:tabLst/>
-                        <a:defRPr/>
-                      </a:pPr>
-                      <a:endParaRPr lang="en-US" sz="1400" dirty="0">
-                        <a:solidFill>
-                          <a:schemeClr val="bg1"/>
-                        </a:solidFill>
-                      </a:endParaRPr>
-                    </a:p>
-                  </a:txBody>
-                  <a:tcPr anchor="ctr"/>
-                </a:tc>
-                <a:tc>
-                  <a:txBody>
-                    <a:bodyPr/>
-                    <a:lstStyle/>
-                    <a:p>
-                      <a:pPr marL="0" marR="0" lvl="0" indent="0" algn="ctr" defTabSz="914400" rtl="0" eaLnBrk="1" fontAlgn="auto" latinLnBrk="0" hangingPunct="1">
-                        <a:lnSpc>
-                          <a:spcPct val="100000"/>
-                        </a:lnSpc>
-                        <a:spcBef>
-                          <a:spcPts val="0"/>
-                        </a:spcBef>
-                        <a:spcAft>
-                          <a:spcPts val="0"/>
-                        </a:spcAft>
-                        <a:buClrTx/>
-                        <a:buSzTx/>
-                        <a:buFontTx/>
-                        <a:buNone/>
-                        <a:tabLst/>
-                        <a:defRPr/>
-                      </a:pPr>
-                      <a:endParaRPr lang="en-US" sz="1400" dirty="0">
-                        <a:solidFill>
-                          <a:schemeClr val="bg1"/>
-                        </a:solidFill>
-                      </a:endParaRPr>
-                    </a:p>
-                  </a:txBody>
-                  <a:tcPr anchor="ctr"/>
-                </a:tc>
-                <a:tc>
-                  <a:txBody>
-                    <a:bodyPr/>
-                    <a:lstStyle/>
-                    <a:p>
-                      <a:pPr algn="ctr"/>
-                      <a:endParaRPr lang="en-US" sz="1400" dirty="0">
-                        <a:solidFill>
-                          <a:schemeClr val="bg1"/>
-                        </a:solidFill>
-                      </a:endParaRPr>
-                    </a:p>
-                  </a:txBody>
-                  <a:tcPr anchor="ctr"/>
-                </a:tc>
-                <a:extLst>
-                  <a:ext uri="{0D108BD9-81ED-4DB2-BD59-A6C34878D82A}">
-                    <a16:rowId xmlns:a16="http://schemas.microsoft.com/office/drawing/2014/main" val="405553906"/>
-                  </a:ext>
-                </a:extLst>
-              </a:tr>
-              <a:tr h="331589">
-                <a:tc>
-                  <a:txBody>
-                    <a:bodyPr/>
-                    <a:lstStyle/>
-                    <a:p>
-                      <a:pPr algn="ctr"/>
-                      <a:r>
-                        <a:rPr lang="en-US" sz="1400" dirty="0">
-                          <a:solidFill>
-                            <a:schemeClr val="bg1"/>
-                          </a:solidFill>
-                        </a:rPr>
-                        <a:t>4</a:t>
-                      </a:r>
-                    </a:p>
-                  </a:txBody>
-                  <a:tcPr anchor="ctr"/>
-                </a:tc>
-                <a:tc>
-                  <a:txBody>
-                    <a:bodyPr/>
-                    <a:lstStyle/>
-                    <a:p>
-                      <a:pPr algn="ctr"/>
-                      <a:r>
-                        <a:rPr lang="en-US" sz="1400" dirty="0">
-                          <a:solidFill>
-                            <a:schemeClr val="bg1"/>
-                          </a:solidFill>
-                        </a:rPr>
-                        <a:t>0.04</a:t>
-                      </a:r>
-                    </a:p>
-                  </a:txBody>
-                  <a:tcPr anchor="ctr"/>
-                </a:tc>
-                <a:tc>
-                  <a:txBody>
-                    <a:bodyPr/>
-                    <a:lstStyle/>
-                    <a:p>
-                      <a:pPr algn="ctr"/>
-                      <a:endParaRPr lang="en-US" sz="1400" dirty="0">
-                        <a:solidFill>
-                          <a:schemeClr val="bg1"/>
-                        </a:solidFill>
-                      </a:endParaRPr>
-                    </a:p>
-                  </a:txBody>
-                  <a:tcPr anchor="ctr"/>
-                </a:tc>
-                <a:tc>
-                  <a:txBody>
-                    <a:bodyPr/>
-                    <a:lstStyle/>
-                    <a:p>
-                      <a:pPr algn="ctr"/>
-                      <a:endParaRPr lang="en-US" sz="1400" dirty="0">
-                        <a:solidFill>
-                          <a:schemeClr val="bg1"/>
-                        </a:solidFill>
-                      </a:endParaRPr>
-                    </a:p>
-                  </a:txBody>
-                  <a:tcPr anchor="ctr"/>
-                </a:tc>
-                <a:tc>
-                  <a:txBody>
-                    <a:bodyPr/>
-                    <a:lstStyle/>
-                    <a:p>
-                      <a:pPr algn="ctr"/>
-                      <a:endParaRPr lang="en-US" sz="1400" dirty="0">
-                        <a:solidFill>
-                          <a:schemeClr val="bg1"/>
-                        </a:solidFill>
-                      </a:endParaRPr>
-                    </a:p>
-                  </a:txBody>
-                  <a:tcPr anchor="ctr"/>
-                </a:tc>
-                <a:extLst>
-                  <a:ext uri="{0D108BD9-81ED-4DB2-BD59-A6C34878D82A}">
-                    <a16:rowId xmlns:a16="http://schemas.microsoft.com/office/drawing/2014/main" val="3071267924"/>
-                  </a:ext>
-                </a:extLst>
-              </a:tr>
-              <a:tr h="331589">
-                <a:tc>
-                  <a:txBody>
-                    <a:bodyPr/>
-                    <a:lstStyle/>
-                    <a:p>
-                      <a:pPr algn="ctr"/>
-                      <a:r>
-                        <a:rPr lang="en-US" sz="1400" dirty="0">
-                          <a:solidFill>
-                            <a:schemeClr val="bg1"/>
-                          </a:solidFill>
-                        </a:rPr>
-                        <a:t>5</a:t>
-                      </a:r>
-                    </a:p>
-                  </a:txBody>
-                  <a:tcPr anchor="ctr"/>
-                </a:tc>
-                <a:tc>
-                  <a:txBody>
-                    <a:bodyPr/>
-                    <a:lstStyle/>
-                    <a:p>
-                      <a:pPr algn="ctr"/>
-                      <a:r>
-                        <a:rPr lang="en-US" sz="1400" dirty="0">
-                          <a:solidFill>
-                            <a:schemeClr val="bg1"/>
-                          </a:solidFill>
-                        </a:rPr>
-                        <a:t>0.05</a:t>
-                      </a:r>
-                    </a:p>
-                  </a:txBody>
-                  <a:tcPr anchor="ctr"/>
-                </a:tc>
-                <a:tc>
-                  <a:txBody>
-                    <a:bodyPr/>
-                    <a:lstStyle/>
-                    <a:p>
-                      <a:pPr algn="ctr"/>
-                      <a:endParaRPr lang="en-US" sz="1400" dirty="0">
-                        <a:solidFill>
-                          <a:schemeClr val="bg1"/>
-                        </a:solidFill>
-                      </a:endParaRPr>
-                    </a:p>
-                  </a:txBody>
-                  <a:tcPr anchor="ctr"/>
-                </a:tc>
-                <a:tc>
-                  <a:txBody>
-                    <a:bodyPr/>
-                    <a:lstStyle/>
-                    <a:p>
-                      <a:pPr algn="ctr"/>
-                      <a:endParaRPr lang="en-US" sz="1400" dirty="0">
-                        <a:solidFill>
-                          <a:schemeClr val="bg1"/>
-                        </a:solidFill>
-                      </a:endParaRPr>
-                    </a:p>
-                  </a:txBody>
-                  <a:tcPr anchor="ctr"/>
-                </a:tc>
-                <a:tc>
-                  <a:txBody>
-                    <a:bodyPr/>
-                    <a:lstStyle/>
-                    <a:p>
-                      <a:pPr algn="ctr"/>
-                      <a:endParaRPr lang="en-US" sz="1400" dirty="0">
-                        <a:solidFill>
-                          <a:schemeClr val="bg1"/>
-                        </a:solidFill>
-                      </a:endParaRPr>
-                    </a:p>
-                  </a:txBody>
-                  <a:tcPr anchor="ctr"/>
-                </a:tc>
-                <a:extLst>
-                  <a:ext uri="{0D108BD9-81ED-4DB2-BD59-A6C34878D82A}">
-                    <a16:rowId xmlns:a16="http://schemas.microsoft.com/office/drawing/2014/main" val="4211289570"/>
-                  </a:ext>
-                </a:extLst>
-              </a:tr>
-              <a:tr h="331589">
-                <a:tc>
-                  <a:txBody>
-                    <a:bodyPr/>
-                    <a:lstStyle/>
-                    <a:p>
-                      <a:pPr algn="ctr"/>
-                      <a:r>
-                        <a:rPr lang="en-US" sz="1400" dirty="0">
-                          <a:solidFill>
-                            <a:schemeClr val="bg1"/>
-                          </a:solidFill>
-                        </a:rPr>
-                        <a:t>…</a:t>
-                      </a:r>
-                    </a:p>
-                  </a:txBody>
-                  <a:tcPr anchor="ctr"/>
-                </a:tc>
-                <a:tc>
-                  <a:txBody>
-                    <a:bodyPr/>
-                    <a:lstStyle/>
-                    <a:p>
-                      <a:pPr algn="ctr"/>
-                      <a:r>
-                        <a:rPr lang="en-US" sz="1400" dirty="0">
-                          <a:solidFill>
-                            <a:schemeClr val="bg1"/>
-                          </a:solidFill>
-                        </a:rPr>
-                        <a:t>…</a:t>
-                      </a:r>
-                    </a:p>
-                  </a:txBody>
-                  <a:tcPr anchor="ctr"/>
-                </a:tc>
-                <a:tc>
-                  <a:txBody>
-                    <a:bodyPr/>
-                    <a:lstStyle/>
-                    <a:p>
-                      <a:pPr algn="ctr"/>
-                      <a:endParaRPr lang="en-US" sz="1400" dirty="0">
-                        <a:solidFill>
-                          <a:schemeClr val="bg1"/>
-                        </a:solidFill>
-                      </a:endParaRPr>
-                    </a:p>
-                  </a:txBody>
-                  <a:tcPr anchor="ctr"/>
-                </a:tc>
-                <a:tc>
-                  <a:txBody>
-                    <a:bodyPr/>
-                    <a:lstStyle/>
-                    <a:p>
-                      <a:pPr algn="ctr"/>
-                      <a:endParaRPr lang="en-US" sz="1400" dirty="0">
-                        <a:solidFill>
-                          <a:schemeClr val="bg1"/>
-                        </a:solidFill>
-                      </a:endParaRPr>
-                    </a:p>
-                  </a:txBody>
-                  <a:tcPr anchor="ctr"/>
-                </a:tc>
-                <a:tc>
-                  <a:txBody>
-                    <a:bodyPr/>
-                    <a:lstStyle/>
-                    <a:p>
-                      <a:pPr algn="ctr"/>
-                      <a:endParaRPr lang="en-US" sz="1400" dirty="0">
-                        <a:solidFill>
-                          <a:schemeClr val="bg1"/>
-                        </a:solidFill>
-                      </a:endParaRPr>
-                    </a:p>
-                  </a:txBody>
-                  <a:tcPr anchor="ctr"/>
-                </a:tc>
-                <a:extLst>
-                  <a:ext uri="{0D108BD9-81ED-4DB2-BD59-A6C34878D82A}">
-                    <a16:rowId xmlns:a16="http://schemas.microsoft.com/office/drawing/2014/main" val="1249224616"/>
-                  </a:ext>
-                </a:extLst>
-              </a:tr>
-              <a:tr h="331589">
-                <a:tc>
-                  <a:txBody>
-                    <a:bodyPr/>
-                    <a:lstStyle/>
-                    <a:p>
-                      <a:pPr algn="ctr"/>
-                      <a:r>
-                        <a:rPr lang="en-US" sz="1400" dirty="0">
-                          <a:solidFill>
-                            <a:schemeClr val="bg1"/>
-                          </a:solidFill>
-                        </a:rPr>
-                        <a:t>96</a:t>
-                      </a:r>
-                    </a:p>
-                  </a:txBody>
-                  <a:tcPr anchor="ctr"/>
-                </a:tc>
-                <a:tc>
-                  <a:txBody>
-                    <a:bodyPr/>
-                    <a:lstStyle/>
-                    <a:p>
-                      <a:pPr algn="ctr"/>
-                      <a:r>
-                        <a:rPr lang="en-US" sz="1400" dirty="0">
-                          <a:solidFill>
-                            <a:schemeClr val="bg1"/>
-                          </a:solidFill>
-                        </a:rPr>
-                        <a:t>0.96</a:t>
-                      </a:r>
-                    </a:p>
-                  </a:txBody>
-                  <a:tcPr anchor="ctr"/>
-                </a:tc>
-                <a:tc>
-                  <a:txBody>
-                    <a:bodyPr/>
-                    <a:lstStyle/>
-                    <a:p>
-                      <a:pPr algn="ctr"/>
-                      <a:endParaRPr lang="en-US" sz="1400" dirty="0">
-                        <a:solidFill>
-                          <a:schemeClr val="bg1"/>
-                        </a:solidFill>
-                      </a:endParaRPr>
-                    </a:p>
-                  </a:txBody>
-                  <a:tcPr anchor="ctr"/>
-                </a:tc>
-                <a:tc>
-                  <a:txBody>
-                    <a:bodyPr/>
-                    <a:lstStyle/>
-                    <a:p>
-                      <a:pPr algn="ctr"/>
-                      <a:endParaRPr lang="en-US" sz="1400" dirty="0">
-                        <a:solidFill>
-                          <a:schemeClr val="bg1"/>
-                        </a:solidFill>
-                      </a:endParaRPr>
-                    </a:p>
-                  </a:txBody>
-                  <a:tcPr anchor="ctr"/>
-                </a:tc>
-                <a:tc>
-                  <a:txBody>
-                    <a:bodyPr/>
-                    <a:lstStyle/>
-                    <a:p>
-                      <a:pPr algn="ctr"/>
-                      <a:endParaRPr lang="en-US" sz="1400" dirty="0">
-                        <a:solidFill>
-                          <a:schemeClr val="bg1"/>
-                        </a:solidFill>
-                      </a:endParaRPr>
-                    </a:p>
-                  </a:txBody>
-                  <a:tcPr anchor="ctr"/>
-                </a:tc>
-                <a:extLst>
-                  <a:ext uri="{0D108BD9-81ED-4DB2-BD59-A6C34878D82A}">
-                    <a16:rowId xmlns:a16="http://schemas.microsoft.com/office/drawing/2014/main" val="3081968159"/>
-                  </a:ext>
-                </a:extLst>
-              </a:tr>
-              <a:tr h="331589">
-                <a:tc>
-                  <a:txBody>
-                    <a:bodyPr/>
-                    <a:lstStyle/>
-                    <a:p>
-                      <a:pPr algn="ctr"/>
-                      <a:r>
-                        <a:rPr lang="en-US" sz="1400" dirty="0">
-                          <a:solidFill>
-                            <a:schemeClr val="bg1"/>
-                          </a:solidFill>
-                        </a:rPr>
-                        <a:t>97</a:t>
-                      </a:r>
-                    </a:p>
-                  </a:txBody>
-                  <a:tcPr anchor="ctr"/>
-                </a:tc>
-                <a:tc>
-                  <a:txBody>
-                    <a:bodyPr/>
-                    <a:lstStyle/>
-                    <a:p>
-                      <a:pPr algn="ctr"/>
-                      <a:r>
-                        <a:rPr lang="en-US" sz="1400" dirty="0">
-                          <a:solidFill>
-                            <a:schemeClr val="bg1"/>
-                          </a:solidFill>
-                        </a:rPr>
-                        <a:t>0.97</a:t>
-                      </a:r>
-                    </a:p>
-                  </a:txBody>
-                  <a:tcPr anchor="ctr"/>
-                </a:tc>
-                <a:tc>
-                  <a:txBody>
-                    <a:bodyPr/>
-                    <a:lstStyle/>
-                    <a:p>
-                      <a:pPr algn="ctr"/>
-                      <a:endParaRPr lang="en-US" sz="1400" dirty="0">
-                        <a:solidFill>
-                          <a:schemeClr val="bg1"/>
-                        </a:solidFill>
-                      </a:endParaRPr>
-                    </a:p>
-                  </a:txBody>
-                  <a:tcPr anchor="ctr"/>
-                </a:tc>
-                <a:tc>
-                  <a:txBody>
-                    <a:bodyPr/>
-                    <a:lstStyle/>
-                    <a:p>
-                      <a:pPr algn="ctr"/>
-                      <a:endParaRPr lang="en-US" sz="1400" dirty="0">
-                        <a:solidFill>
-                          <a:schemeClr val="bg1"/>
-                        </a:solidFill>
-                      </a:endParaRPr>
-                    </a:p>
-                  </a:txBody>
-                  <a:tcPr anchor="ctr"/>
-                </a:tc>
-                <a:tc>
-                  <a:txBody>
-                    <a:bodyPr/>
-                    <a:lstStyle/>
-                    <a:p>
-                      <a:pPr algn="ctr"/>
-                      <a:endParaRPr lang="en-US" sz="1400" dirty="0">
-                        <a:solidFill>
-                          <a:schemeClr val="bg1"/>
-                        </a:solidFill>
-                      </a:endParaRPr>
-                    </a:p>
-                  </a:txBody>
-                  <a:tcPr anchor="ctr"/>
-                </a:tc>
-                <a:extLst>
-                  <a:ext uri="{0D108BD9-81ED-4DB2-BD59-A6C34878D82A}">
-                    <a16:rowId xmlns:a16="http://schemas.microsoft.com/office/drawing/2014/main" val="919077687"/>
-                  </a:ext>
-                </a:extLst>
-              </a:tr>
-              <a:tr h="331589">
-                <a:tc>
-                  <a:txBody>
-                    <a:bodyPr/>
-                    <a:lstStyle/>
-                    <a:p>
-                      <a:pPr algn="ctr"/>
-                      <a:r>
-                        <a:rPr lang="en-US" sz="1400" dirty="0">
-                          <a:solidFill>
-                            <a:schemeClr val="bg1"/>
-                          </a:solidFill>
-                        </a:rPr>
-                        <a:t>98</a:t>
-                      </a:r>
-                    </a:p>
-                  </a:txBody>
-                  <a:tcPr anchor="ctr"/>
-                </a:tc>
-                <a:tc>
-                  <a:txBody>
-                    <a:bodyPr/>
-                    <a:lstStyle/>
-                    <a:p>
-                      <a:pPr algn="ctr"/>
-                      <a:r>
-                        <a:rPr lang="en-US" sz="1400" dirty="0">
-                          <a:solidFill>
-                            <a:schemeClr val="bg1"/>
-                          </a:solidFill>
-                        </a:rPr>
-                        <a:t>0.98</a:t>
-                      </a:r>
-                    </a:p>
-                  </a:txBody>
-                  <a:tcPr anchor="ctr"/>
-                </a:tc>
-                <a:tc>
-                  <a:txBody>
-                    <a:bodyPr/>
-                    <a:lstStyle/>
-                    <a:p>
-                      <a:pPr algn="ctr"/>
-                      <a:endParaRPr lang="en-US" sz="1400" dirty="0">
-                        <a:solidFill>
-                          <a:schemeClr val="bg1"/>
-                        </a:solidFill>
-                      </a:endParaRPr>
-                    </a:p>
-                  </a:txBody>
-                  <a:tcPr anchor="ctr"/>
-                </a:tc>
-                <a:tc>
-                  <a:txBody>
-                    <a:bodyPr/>
-                    <a:lstStyle/>
-                    <a:p>
-                      <a:pPr algn="ctr"/>
-                      <a:endParaRPr lang="en-US" sz="1400" dirty="0">
-                        <a:solidFill>
-                          <a:schemeClr val="bg1"/>
-                        </a:solidFill>
-                      </a:endParaRPr>
-                    </a:p>
-                  </a:txBody>
-                  <a:tcPr anchor="ctr"/>
-                </a:tc>
-                <a:tc>
-                  <a:txBody>
-                    <a:bodyPr/>
-                    <a:lstStyle/>
-                    <a:p>
-                      <a:pPr algn="ctr"/>
-                      <a:endParaRPr lang="en-US" sz="1400" dirty="0">
-                        <a:solidFill>
-                          <a:schemeClr val="bg1"/>
-                        </a:solidFill>
-                      </a:endParaRPr>
-                    </a:p>
-                  </a:txBody>
-                  <a:tcPr anchor="ctr"/>
-                </a:tc>
-                <a:extLst>
-                  <a:ext uri="{0D108BD9-81ED-4DB2-BD59-A6C34878D82A}">
-                    <a16:rowId xmlns:a16="http://schemas.microsoft.com/office/drawing/2014/main" val="2488594174"/>
-                  </a:ext>
-                </a:extLst>
-              </a:tr>
-              <a:tr h="331589">
-                <a:tc>
-                  <a:txBody>
-                    <a:bodyPr/>
-                    <a:lstStyle/>
-                    <a:p>
-                      <a:pPr algn="ctr"/>
-                      <a:r>
-                        <a:rPr lang="en-US" sz="1400" dirty="0">
-                          <a:solidFill>
-                            <a:schemeClr val="bg1"/>
-                          </a:solidFill>
-                        </a:rPr>
-                        <a:t>99</a:t>
-                      </a:r>
-                    </a:p>
-                  </a:txBody>
-                  <a:tcPr anchor="ctr"/>
-                </a:tc>
-                <a:tc>
-                  <a:txBody>
-                    <a:bodyPr/>
-                    <a:lstStyle/>
-                    <a:p>
-                      <a:pPr algn="ctr"/>
-                      <a:r>
-                        <a:rPr lang="en-US" sz="1400" dirty="0">
-                          <a:solidFill>
-                            <a:schemeClr val="bg1"/>
-                          </a:solidFill>
-                        </a:rPr>
-                        <a:t>0.99</a:t>
-                      </a:r>
-                    </a:p>
-                  </a:txBody>
-                  <a:tcPr anchor="ctr"/>
-                </a:tc>
-                <a:tc>
-                  <a:txBody>
-                    <a:bodyPr/>
-                    <a:lstStyle/>
-                    <a:p>
-                      <a:pPr algn="ctr"/>
-                      <a:endParaRPr lang="en-US" sz="1400" dirty="0">
-                        <a:solidFill>
-                          <a:schemeClr val="bg1"/>
-                        </a:solidFill>
-                      </a:endParaRPr>
-                    </a:p>
-                  </a:txBody>
-                  <a:tcPr anchor="ctr"/>
-                </a:tc>
-                <a:tc>
-                  <a:txBody>
-                    <a:bodyPr/>
-                    <a:lstStyle/>
-                    <a:p>
-                      <a:pPr algn="ctr"/>
-                      <a:endParaRPr lang="en-US" sz="1400" dirty="0">
-                        <a:solidFill>
-                          <a:schemeClr val="bg1"/>
-                        </a:solidFill>
-                      </a:endParaRPr>
-                    </a:p>
-                  </a:txBody>
-                  <a:tcPr anchor="ctr"/>
-                </a:tc>
-                <a:tc>
-                  <a:txBody>
-                    <a:bodyPr/>
-                    <a:lstStyle/>
-                    <a:p>
-                      <a:pPr algn="ctr"/>
-                      <a:endParaRPr lang="en-US" sz="1400" dirty="0">
-                        <a:solidFill>
-                          <a:schemeClr val="bg1"/>
-                        </a:solidFill>
-                      </a:endParaRPr>
-                    </a:p>
-                  </a:txBody>
-                  <a:tcPr anchor="ctr"/>
-                </a:tc>
-                <a:extLst>
-                  <a:ext uri="{0D108BD9-81ED-4DB2-BD59-A6C34878D82A}">
-                    <a16:rowId xmlns:a16="http://schemas.microsoft.com/office/drawing/2014/main" val="1236157343"/>
-                  </a:ext>
-                </a:extLst>
-              </a:tr>
-              <a:tr h="331589">
-                <a:tc>
-                  <a:txBody>
-                    <a:bodyPr/>
-                    <a:lstStyle/>
-                    <a:p>
-                      <a:pPr algn="ctr"/>
-                      <a:r>
-                        <a:rPr lang="en-US" sz="1400" dirty="0">
-                          <a:solidFill>
-                            <a:schemeClr val="bg1"/>
-                          </a:solidFill>
-                        </a:rPr>
-                        <a:t>100</a:t>
-                      </a:r>
-                    </a:p>
-                  </a:txBody>
-                  <a:tcPr anchor="ctr"/>
-                </a:tc>
-                <a:tc>
-                  <a:txBody>
-                    <a:bodyPr/>
-                    <a:lstStyle/>
-                    <a:p>
-                      <a:pPr algn="ctr"/>
-                      <a:r>
-                        <a:rPr lang="en-US" sz="1400" dirty="0">
-                          <a:solidFill>
-                            <a:schemeClr val="bg1"/>
-                          </a:solidFill>
-                        </a:rPr>
-                        <a:t>1.00</a:t>
-                      </a:r>
-                    </a:p>
-                  </a:txBody>
-                  <a:tcPr anchor="ctr"/>
-                </a:tc>
-                <a:tc>
-                  <a:txBody>
-                    <a:bodyPr/>
-                    <a:lstStyle/>
-                    <a:p>
-                      <a:pPr algn="ctr"/>
-                      <a:endParaRPr lang="en-US" sz="1400" dirty="0">
-                        <a:solidFill>
-                          <a:schemeClr val="bg1"/>
-                        </a:solidFill>
-                      </a:endParaRPr>
-                    </a:p>
-                  </a:txBody>
-                  <a:tcPr anchor="ctr"/>
-                </a:tc>
-                <a:tc>
-                  <a:txBody>
-                    <a:bodyPr/>
-                    <a:lstStyle/>
-                    <a:p>
-                      <a:pPr algn="ctr"/>
-                      <a:endParaRPr lang="en-US" sz="1400" dirty="0">
-                        <a:solidFill>
-                          <a:schemeClr val="bg1"/>
-                        </a:solidFill>
-                      </a:endParaRPr>
-                    </a:p>
-                  </a:txBody>
-                  <a:tcPr anchor="ctr"/>
-                </a:tc>
-                <a:tc>
-                  <a:txBody>
-                    <a:bodyPr/>
-                    <a:lstStyle/>
-                    <a:p>
-                      <a:pPr algn="ctr"/>
-                      <a:endParaRPr lang="en-US" sz="1400" dirty="0">
-                        <a:solidFill>
-                          <a:schemeClr val="bg1"/>
-                        </a:solidFill>
-                      </a:endParaRPr>
-                    </a:p>
-                  </a:txBody>
-                  <a:tcPr anchor="ctr"/>
-                </a:tc>
-                <a:extLst>
-                  <a:ext uri="{0D108BD9-81ED-4DB2-BD59-A6C34878D82A}">
-                    <a16:rowId xmlns:a16="http://schemas.microsoft.com/office/drawing/2014/main" val="1485211966"/>
-                  </a:ext>
-                </a:extLst>
-              </a:tr>
-              <a:tr h="331589">
-                <a:tc gridSpan="4">
-                  <a:txBody>
-                    <a:bodyPr/>
-                    <a:lstStyle/>
-                    <a:p>
-                      <a:pPr algn="ctr"/>
-                      <a:r>
-                        <a:rPr lang="en-US" sz="1400" b="1" dirty="0">
-                          <a:solidFill>
-                            <a:schemeClr val="bg1"/>
-                          </a:solidFill>
-                        </a:rPr>
-                        <a:t>Average Error:</a:t>
-                      </a:r>
-                    </a:p>
-                  </a:txBody>
-                  <a:tcPr anchor="ctr"/>
-                </a:tc>
-                <a:tc hMerge="1">
-                  <a:txBody>
-                    <a:bodyPr/>
-                    <a:lstStyle/>
-                    <a:p>
-                      <a:pPr algn="ctr"/>
-                      <a:endParaRPr lang="en-US" sz="1400" dirty="0">
-                        <a:solidFill>
-                          <a:schemeClr val="tx1"/>
-                        </a:solidFill>
-                      </a:endParaRPr>
-                    </a:p>
-                  </a:txBody>
-                  <a:tcPr anchor="ctr"/>
-                </a:tc>
-                <a:tc hMerge="1">
-                  <a:txBody>
-                    <a:bodyPr/>
-                    <a:lstStyle/>
-                    <a:p>
-                      <a:pPr algn="ctr"/>
-                      <a:endParaRPr lang="en-US" sz="1400" dirty="0">
-                        <a:solidFill>
-                          <a:schemeClr val="tx1"/>
-                        </a:solidFill>
-                      </a:endParaRPr>
-                    </a:p>
-                  </a:txBody>
-                  <a:tcPr anchor="ctr"/>
-                </a:tc>
-                <a:tc hMerge="1">
-                  <a:txBody>
-                    <a:bodyPr/>
-                    <a:lstStyle/>
-                    <a:p>
-                      <a:pPr algn="ctr"/>
-                      <a:endParaRPr lang="en-US" sz="1400" dirty="0">
-                        <a:solidFill>
-                          <a:schemeClr val="tx1"/>
-                        </a:solidFill>
-                      </a:endParaRPr>
-                    </a:p>
-                  </a:txBody>
-                  <a:tcPr anchor="ctr"/>
-                </a:tc>
-                <a:tc>
-                  <a:txBody>
-                    <a:bodyPr/>
-                    <a:lstStyle/>
-                    <a:p>
-                      <a:pPr algn="ctr"/>
-                      <a:endParaRPr lang="en-US" sz="1400" b="1" dirty="0">
-                        <a:solidFill>
-                          <a:schemeClr val="bg1"/>
-                        </a:solidFill>
-                      </a:endParaRPr>
-                    </a:p>
-                  </a:txBody>
-                  <a:tcPr anchor="ctr"/>
-                </a:tc>
-                <a:extLst>
-                  <a:ext uri="{0D108BD9-81ED-4DB2-BD59-A6C34878D82A}">
-                    <a16:rowId xmlns:a16="http://schemas.microsoft.com/office/drawing/2014/main" val="3316968185"/>
-                  </a:ext>
-                </a:extLst>
-              </a:tr>
-            </a:tbl>
-          </a:graphicData>
-        </a:graphic>
-      </p:graphicFrame>
       <p:sp>
         <p:nvSpPr>
           <p:cNvPr id="7" name="Content Placeholder 9">
@@ -14345,6 +13056,1323 @@
           </a:p>
         </p:txBody>
       </p:sp>
+      <p:graphicFrame>
+        <p:nvGraphicFramePr>
+          <p:cNvPr id="5" name="Table 13">
+            <a:extLst>
+              <a:ext uri="{FF2B5EF4-FFF2-40B4-BE49-F238E27FC236}">
+                <a16:creationId xmlns:a16="http://schemas.microsoft.com/office/drawing/2014/main" id="{8E9E69E1-23AC-4FBE-8AF5-78425CABDF33}"/>
+              </a:ext>
+            </a:extLst>
+          </p:cNvPr>
+          <p:cNvGraphicFramePr>
+            <a:graphicFrameLocks noGrp="1"/>
+          </p:cNvGraphicFramePr>
+          <p:nvPr>
+            <p:extLst>
+              <p:ext uri="{D42A27DB-BD31-4B8C-83A1-F6EECF244321}">
+                <p14:modId xmlns:p14="http://schemas.microsoft.com/office/powerpoint/2010/main" val="4261842114"/>
+              </p:ext>
+            </p:extLst>
+          </p:nvPr>
+        </p:nvGraphicFramePr>
+        <p:xfrm>
+          <a:off x="614191" y="2037135"/>
+          <a:ext cx="10952967" cy="4320354"/>
+        </p:xfrm>
+        <a:graphic>
+          <a:graphicData uri="http://schemas.openxmlformats.org/drawingml/2006/table">
+            <a:tbl>
+              <a:tblPr firstRow="1" bandRow="1">
+                <a:tableStyleId>{5C22544A-7EE6-4342-B048-85BDC9FD1C3A}</a:tableStyleId>
+              </a:tblPr>
+              <a:tblGrid>
+                <a:gridCol w="908056">
+                  <a:extLst>
+                    <a:ext uri="{9D8B030D-6E8A-4147-A177-3AD203B41FA5}">
+                      <a16:colId xmlns:a16="http://schemas.microsoft.com/office/drawing/2014/main" val="3208209321"/>
+                    </a:ext>
+                  </a:extLst>
+                </a:gridCol>
+                <a:gridCol w="1577071">
+                  <a:extLst>
+                    <a:ext uri="{9D8B030D-6E8A-4147-A177-3AD203B41FA5}">
+                      <a16:colId xmlns:a16="http://schemas.microsoft.com/office/drawing/2014/main" val="3200619023"/>
+                    </a:ext>
+                  </a:extLst>
+                </a:gridCol>
+                <a:gridCol w="2914657">
+                  <a:extLst>
+                    <a:ext uri="{9D8B030D-6E8A-4147-A177-3AD203B41FA5}">
+                      <a16:colId xmlns:a16="http://schemas.microsoft.com/office/drawing/2014/main" val="1480471849"/>
+                    </a:ext>
+                  </a:extLst>
+                </a:gridCol>
+                <a:gridCol w="2717083">
+                  <a:extLst>
+                    <a:ext uri="{9D8B030D-6E8A-4147-A177-3AD203B41FA5}">
+                      <a16:colId xmlns:a16="http://schemas.microsoft.com/office/drawing/2014/main" val="601428542"/>
+                    </a:ext>
+                  </a:extLst>
+                </a:gridCol>
+                <a:gridCol w="2836100">
+                  <a:extLst>
+                    <a:ext uri="{9D8B030D-6E8A-4147-A177-3AD203B41FA5}">
+                      <a16:colId xmlns:a16="http://schemas.microsoft.com/office/drawing/2014/main" val="3165428621"/>
+                    </a:ext>
+                  </a:extLst>
+                </a:gridCol>
+              </a:tblGrid>
+              <a:tr h="292530">
+                <a:tc>
+                  <a:txBody>
+                    <a:bodyPr/>
+                    <a:lstStyle/>
+                    <a:p>
+                      <a:pPr algn="ctr"/>
+                      <a:r>
+                        <a:rPr lang="en-US" sz="1400" dirty="0">
+                          <a:solidFill>
+                            <a:schemeClr val="bg1"/>
+                          </a:solidFill>
+                        </a:rPr>
+                        <a:t>STT</a:t>
+                      </a:r>
+                    </a:p>
+                  </a:txBody>
+                  <a:tcPr/>
+                </a:tc>
+                <a:tc>
+                  <a:txBody>
+                    <a:bodyPr/>
+                    <a:lstStyle/>
+                    <a:p>
+                      <a:pPr algn="ctr"/>
+                      <a:r>
+                        <a:rPr lang="en-US" sz="1200" dirty="0">
+                          <a:solidFill>
+                            <a:schemeClr val="bg1"/>
+                          </a:solidFill>
+                        </a:rPr>
+                        <a:t>Integer</a:t>
+                      </a:r>
+                    </a:p>
+                  </a:txBody>
+                  <a:tcPr/>
+                </a:tc>
+                <a:tc>
+                  <a:txBody>
+                    <a:bodyPr/>
+                    <a:lstStyle/>
+                    <a:p>
+                      <a:pPr algn="ctr"/>
+                      <a:r>
+                        <a:rPr lang="en-US" sz="1200" dirty="0">
+                          <a:solidFill>
+                            <a:schemeClr val="bg1"/>
+                          </a:solidFill>
+                        </a:rPr>
+                        <a:t>Result from </a:t>
+                      </a:r>
+                      <a:r>
+                        <a:rPr lang="en-US" sz="1200" dirty="0" err="1">
+                          <a:solidFill>
+                            <a:schemeClr val="bg1"/>
+                          </a:solidFill>
+                        </a:rPr>
+                        <a:t>math.sqrt</a:t>
+                      </a:r>
+                      <a:r>
+                        <a:rPr lang="en-US" sz="1200" dirty="0">
+                          <a:solidFill>
+                            <a:schemeClr val="bg1"/>
+                          </a:solidFill>
+                        </a:rPr>
+                        <a:t>()</a:t>
+                      </a:r>
+                    </a:p>
+                  </a:txBody>
+                  <a:tcPr/>
+                </a:tc>
+                <a:tc>
+                  <a:txBody>
+                    <a:bodyPr/>
+                    <a:lstStyle/>
+                    <a:p>
+                      <a:pPr algn="ctr"/>
+                      <a:r>
+                        <a:rPr lang="en-US" sz="1200" dirty="0">
+                          <a:solidFill>
+                            <a:schemeClr val="bg1"/>
+                          </a:solidFill>
+                        </a:rPr>
+                        <a:t>Result from circuit</a:t>
+                      </a:r>
+                    </a:p>
+                  </a:txBody>
+                  <a:tcPr/>
+                </a:tc>
+                <a:tc>
+                  <a:txBody>
+                    <a:bodyPr/>
+                    <a:lstStyle/>
+                    <a:p>
+                      <a:pPr algn="ctr"/>
+                      <a:r>
+                        <a:rPr lang="en-US" sz="1400" dirty="0">
+                          <a:solidFill>
+                            <a:schemeClr val="bg1"/>
+                          </a:solidFill>
+                        </a:rPr>
+                        <a:t>Error</a:t>
+                      </a:r>
+                    </a:p>
+                  </a:txBody>
+                  <a:tcPr/>
+                </a:tc>
+                <a:extLst>
+                  <a:ext uri="{0D108BD9-81ED-4DB2-BD59-A6C34878D82A}">
+                    <a16:rowId xmlns:a16="http://schemas.microsoft.com/office/drawing/2014/main" val="313065721"/>
+                  </a:ext>
+                </a:extLst>
+              </a:tr>
+              <a:tr h="368075">
+                <a:tc>
+                  <a:txBody>
+                    <a:bodyPr/>
+                    <a:lstStyle/>
+                    <a:p>
+                      <a:pPr algn="ctr"/>
+                      <a:r>
+                        <a:rPr lang="en-US" sz="1400" dirty="0">
+                          <a:solidFill>
+                            <a:schemeClr val="bg1"/>
+                          </a:solidFill>
+                        </a:rPr>
+                        <a:t>1</a:t>
+                      </a:r>
+                    </a:p>
+                  </a:txBody>
+                  <a:tcPr anchor="ctr"/>
+                </a:tc>
+                <a:tc>
+                  <a:txBody>
+                    <a:bodyPr/>
+                    <a:lstStyle/>
+                    <a:p>
+                      <a:pPr algn="ctr"/>
+                      <a:r>
+                        <a:rPr lang="en-US" sz="1400" dirty="0">
+                          <a:solidFill>
+                            <a:schemeClr val="bg1"/>
+                          </a:solidFill>
+                        </a:rPr>
+                        <a:t>0.01</a:t>
+                      </a:r>
+                    </a:p>
+                  </a:txBody>
+                  <a:tcPr anchor="ctr"/>
+                </a:tc>
+                <a:tc>
+                  <a:txBody>
+                    <a:bodyPr/>
+                    <a:lstStyle/>
+                    <a:p>
+                      <a:pPr marL="0" marR="0" lvl="0" indent="0" algn="ctr" defTabSz="914400" rtl="0" eaLnBrk="1" fontAlgn="auto" latinLnBrk="0" hangingPunct="1">
+                        <a:lnSpc>
+                          <a:spcPct val="100000"/>
+                        </a:lnSpc>
+                        <a:spcBef>
+                          <a:spcPts val="0"/>
+                        </a:spcBef>
+                        <a:spcAft>
+                          <a:spcPts val="0"/>
+                        </a:spcAft>
+                        <a:buClrTx/>
+                        <a:buSzTx/>
+                        <a:buFontTx/>
+                        <a:buNone/>
+                        <a:tabLst/>
+                        <a:defRPr/>
+                      </a:pPr>
+                      <a:endParaRPr lang="en-US" sz="1400" dirty="0">
+                        <a:solidFill>
+                          <a:schemeClr val="bg1"/>
+                        </a:solidFill>
+                      </a:endParaRPr>
+                    </a:p>
+                  </a:txBody>
+                  <a:tcPr anchor="ctr"/>
+                </a:tc>
+                <a:tc>
+                  <a:txBody>
+                    <a:bodyPr/>
+                    <a:lstStyle/>
+                    <a:p>
+                      <a:pPr algn="ctr"/>
+                      <a:endParaRPr lang="en-US" sz="1400" dirty="0">
+                        <a:solidFill>
+                          <a:schemeClr val="bg1"/>
+                        </a:solidFill>
+                      </a:endParaRPr>
+                    </a:p>
+                  </a:txBody>
+                  <a:tcPr anchor="ctr"/>
+                </a:tc>
+                <a:tc>
+                  <a:txBody>
+                    <a:bodyPr/>
+                    <a:lstStyle/>
+                    <a:p>
+                      <a:pPr algn="ctr"/>
+                      <a:endParaRPr lang="en-US" sz="1400" dirty="0">
+                        <a:solidFill>
+                          <a:schemeClr val="bg1"/>
+                        </a:solidFill>
+                      </a:endParaRPr>
+                    </a:p>
+                  </a:txBody>
+                  <a:tcPr anchor="ctr"/>
+                </a:tc>
+                <a:extLst>
+                  <a:ext uri="{0D108BD9-81ED-4DB2-BD59-A6C34878D82A}">
+                    <a16:rowId xmlns:a16="http://schemas.microsoft.com/office/drawing/2014/main" val="4191773640"/>
+                  </a:ext>
+                </a:extLst>
+              </a:tr>
+              <a:tr h="331589">
+                <a:tc>
+                  <a:txBody>
+                    <a:bodyPr/>
+                    <a:lstStyle/>
+                    <a:p>
+                      <a:pPr algn="ctr"/>
+                      <a:r>
+                        <a:rPr lang="en-US" sz="1400" dirty="0">
+                          <a:solidFill>
+                            <a:schemeClr val="bg1"/>
+                          </a:solidFill>
+                        </a:rPr>
+                        <a:t>2</a:t>
+                      </a:r>
+                    </a:p>
+                  </a:txBody>
+                  <a:tcPr anchor="ctr"/>
+                </a:tc>
+                <a:tc>
+                  <a:txBody>
+                    <a:bodyPr/>
+                    <a:lstStyle/>
+                    <a:p>
+                      <a:pPr algn="ctr"/>
+                      <a:r>
+                        <a:rPr lang="en-US" sz="1400" dirty="0">
+                          <a:solidFill>
+                            <a:schemeClr val="bg1"/>
+                          </a:solidFill>
+                        </a:rPr>
+                        <a:t>0.02</a:t>
+                      </a:r>
+                    </a:p>
+                  </a:txBody>
+                  <a:tcPr anchor="ctr"/>
+                </a:tc>
+                <a:tc>
+                  <a:txBody>
+                    <a:bodyPr/>
+                    <a:lstStyle/>
+                    <a:p>
+                      <a:pPr marL="0" marR="0" lvl="0" indent="0" algn="ctr" defTabSz="914400" rtl="0" eaLnBrk="1" fontAlgn="auto" latinLnBrk="0" hangingPunct="1">
+                        <a:lnSpc>
+                          <a:spcPct val="100000"/>
+                        </a:lnSpc>
+                        <a:spcBef>
+                          <a:spcPts val="0"/>
+                        </a:spcBef>
+                        <a:spcAft>
+                          <a:spcPts val="0"/>
+                        </a:spcAft>
+                        <a:buClrTx/>
+                        <a:buSzTx/>
+                        <a:buFontTx/>
+                        <a:buNone/>
+                        <a:tabLst/>
+                        <a:defRPr/>
+                      </a:pPr>
+                      <a:endParaRPr lang="en-US" sz="1400" dirty="0">
+                        <a:solidFill>
+                          <a:schemeClr val="bg1"/>
+                        </a:solidFill>
+                      </a:endParaRPr>
+                    </a:p>
+                  </a:txBody>
+                  <a:tcPr anchor="ctr"/>
+                </a:tc>
+                <a:tc>
+                  <a:txBody>
+                    <a:bodyPr/>
+                    <a:lstStyle/>
+                    <a:p>
+                      <a:pPr marL="0" marR="0" lvl="0" indent="0" algn="ctr" defTabSz="914400" rtl="0" eaLnBrk="1" fontAlgn="auto" latinLnBrk="0" hangingPunct="1">
+                        <a:lnSpc>
+                          <a:spcPct val="100000"/>
+                        </a:lnSpc>
+                        <a:spcBef>
+                          <a:spcPts val="0"/>
+                        </a:spcBef>
+                        <a:spcAft>
+                          <a:spcPts val="0"/>
+                        </a:spcAft>
+                        <a:buClrTx/>
+                        <a:buSzTx/>
+                        <a:buFontTx/>
+                        <a:buNone/>
+                        <a:tabLst/>
+                        <a:defRPr/>
+                      </a:pPr>
+                      <a:endParaRPr lang="en-US" sz="1400" dirty="0">
+                        <a:solidFill>
+                          <a:schemeClr val="bg1"/>
+                        </a:solidFill>
+                      </a:endParaRPr>
+                    </a:p>
+                  </a:txBody>
+                  <a:tcPr anchor="ctr"/>
+                </a:tc>
+                <a:tc>
+                  <a:txBody>
+                    <a:bodyPr/>
+                    <a:lstStyle/>
+                    <a:p>
+                      <a:pPr algn="ctr"/>
+                      <a:endParaRPr lang="en-US" sz="1400" dirty="0">
+                        <a:solidFill>
+                          <a:schemeClr val="bg1"/>
+                        </a:solidFill>
+                      </a:endParaRPr>
+                    </a:p>
+                  </a:txBody>
+                  <a:tcPr anchor="ctr"/>
+                </a:tc>
+                <a:extLst>
+                  <a:ext uri="{0D108BD9-81ED-4DB2-BD59-A6C34878D82A}">
+                    <a16:rowId xmlns:a16="http://schemas.microsoft.com/office/drawing/2014/main" val="2764412100"/>
+                  </a:ext>
+                </a:extLst>
+              </a:tr>
+              <a:tr h="331589">
+                <a:tc>
+                  <a:txBody>
+                    <a:bodyPr/>
+                    <a:lstStyle/>
+                    <a:p>
+                      <a:pPr algn="ctr"/>
+                      <a:r>
+                        <a:rPr lang="en-US" sz="1400" dirty="0">
+                          <a:solidFill>
+                            <a:schemeClr val="bg1"/>
+                          </a:solidFill>
+                        </a:rPr>
+                        <a:t>3</a:t>
+                      </a:r>
+                    </a:p>
+                  </a:txBody>
+                  <a:tcPr anchor="ctr"/>
+                </a:tc>
+                <a:tc>
+                  <a:txBody>
+                    <a:bodyPr/>
+                    <a:lstStyle/>
+                    <a:p>
+                      <a:pPr algn="ctr"/>
+                      <a:r>
+                        <a:rPr lang="en-US" sz="1400" dirty="0">
+                          <a:solidFill>
+                            <a:schemeClr val="bg1"/>
+                          </a:solidFill>
+                        </a:rPr>
+                        <a:t>0.03</a:t>
+                      </a:r>
+                    </a:p>
+                  </a:txBody>
+                  <a:tcPr anchor="ctr"/>
+                </a:tc>
+                <a:tc>
+                  <a:txBody>
+                    <a:bodyPr/>
+                    <a:lstStyle/>
+                    <a:p>
+                      <a:pPr marL="0" marR="0" lvl="0" indent="0" algn="ctr" defTabSz="914400" rtl="0" eaLnBrk="1" fontAlgn="auto" latinLnBrk="0" hangingPunct="1">
+                        <a:lnSpc>
+                          <a:spcPct val="100000"/>
+                        </a:lnSpc>
+                        <a:spcBef>
+                          <a:spcPts val="0"/>
+                        </a:spcBef>
+                        <a:spcAft>
+                          <a:spcPts val="0"/>
+                        </a:spcAft>
+                        <a:buClrTx/>
+                        <a:buSzTx/>
+                        <a:buFontTx/>
+                        <a:buNone/>
+                        <a:tabLst/>
+                        <a:defRPr/>
+                      </a:pPr>
+                      <a:endParaRPr lang="en-US" sz="1400" dirty="0">
+                        <a:solidFill>
+                          <a:schemeClr val="bg1"/>
+                        </a:solidFill>
+                      </a:endParaRPr>
+                    </a:p>
+                  </a:txBody>
+                  <a:tcPr anchor="ctr"/>
+                </a:tc>
+                <a:tc>
+                  <a:txBody>
+                    <a:bodyPr/>
+                    <a:lstStyle/>
+                    <a:p>
+                      <a:pPr marL="0" marR="0" lvl="0" indent="0" algn="ctr" defTabSz="914400" rtl="0" eaLnBrk="1" fontAlgn="auto" latinLnBrk="0" hangingPunct="1">
+                        <a:lnSpc>
+                          <a:spcPct val="100000"/>
+                        </a:lnSpc>
+                        <a:spcBef>
+                          <a:spcPts val="0"/>
+                        </a:spcBef>
+                        <a:spcAft>
+                          <a:spcPts val="0"/>
+                        </a:spcAft>
+                        <a:buClrTx/>
+                        <a:buSzTx/>
+                        <a:buFontTx/>
+                        <a:buNone/>
+                        <a:tabLst/>
+                        <a:defRPr/>
+                      </a:pPr>
+                      <a:endParaRPr lang="en-US" sz="1400" dirty="0">
+                        <a:solidFill>
+                          <a:schemeClr val="bg1"/>
+                        </a:solidFill>
+                      </a:endParaRPr>
+                    </a:p>
+                  </a:txBody>
+                  <a:tcPr anchor="ctr"/>
+                </a:tc>
+                <a:tc>
+                  <a:txBody>
+                    <a:bodyPr/>
+                    <a:lstStyle/>
+                    <a:p>
+                      <a:pPr algn="ctr"/>
+                      <a:endParaRPr lang="en-US" sz="1400" dirty="0">
+                        <a:solidFill>
+                          <a:schemeClr val="bg1"/>
+                        </a:solidFill>
+                      </a:endParaRPr>
+                    </a:p>
+                  </a:txBody>
+                  <a:tcPr anchor="ctr"/>
+                </a:tc>
+                <a:extLst>
+                  <a:ext uri="{0D108BD9-81ED-4DB2-BD59-A6C34878D82A}">
+                    <a16:rowId xmlns:a16="http://schemas.microsoft.com/office/drawing/2014/main" val="405553906"/>
+                  </a:ext>
+                </a:extLst>
+              </a:tr>
+              <a:tr h="331589">
+                <a:tc>
+                  <a:txBody>
+                    <a:bodyPr/>
+                    <a:lstStyle/>
+                    <a:p>
+                      <a:pPr algn="ctr"/>
+                      <a:r>
+                        <a:rPr lang="en-US" sz="1400" dirty="0">
+                          <a:solidFill>
+                            <a:schemeClr val="bg1"/>
+                          </a:solidFill>
+                        </a:rPr>
+                        <a:t>4</a:t>
+                      </a:r>
+                    </a:p>
+                  </a:txBody>
+                  <a:tcPr anchor="ctr"/>
+                </a:tc>
+                <a:tc>
+                  <a:txBody>
+                    <a:bodyPr/>
+                    <a:lstStyle/>
+                    <a:p>
+                      <a:pPr algn="ctr"/>
+                      <a:r>
+                        <a:rPr lang="en-US" sz="1400" dirty="0">
+                          <a:solidFill>
+                            <a:schemeClr val="bg1"/>
+                          </a:solidFill>
+                        </a:rPr>
+                        <a:t>0.04</a:t>
+                      </a:r>
+                    </a:p>
+                  </a:txBody>
+                  <a:tcPr anchor="ctr"/>
+                </a:tc>
+                <a:tc>
+                  <a:txBody>
+                    <a:bodyPr/>
+                    <a:lstStyle/>
+                    <a:p>
+                      <a:pPr algn="ctr"/>
+                      <a:endParaRPr lang="en-US" sz="1400" dirty="0">
+                        <a:solidFill>
+                          <a:schemeClr val="bg1"/>
+                        </a:solidFill>
+                      </a:endParaRPr>
+                    </a:p>
+                  </a:txBody>
+                  <a:tcPr anchor="ctr"/>
+                </a:tc>
+                <a:tc>
+                  <a:txBody>
+                    <a:bodyPr/>
+                    <a:lstStyle/>
+                    <a:p>
+                      <a:pPr algn="ctr"/>
+                      <a:endParaRPr lang="en-US" sz="1400" dirty="0">
+                        <a:solidFill>
+                          <a:schemeClr val="bg1"/>
+                        </a:solidFill>
+                      </a:endParaRPr>
+                    </a:p>
+                  </a:txBody>
+                  <a:tcPr anchor="ctr"/>
+                </a:tc>
+                <a:tc>
+                  <a:txBody>
+                    <a:bodyPr/>
+                    <a:lstStyle/>
+                    <a:p>
+                      <a:pPr algn="ctr"/>
+                      <a:endParaRPr lang="en-US" sz="1400" dirty="0">
+                        <a:solidFill>
+                          <a:schemeClr val="bg1"/>
+                        </a:solidFill>
+                      </a:endParaRPr>
+                    </a:p>
+                  </a:txBody>
+                  <a:tcPr anchor="ctr"/>
+                </a:tc>
+                <a:extLst>
+                  <a:ext uri="{0D108BD9-81ED-4DB2-BD59-A6C34878D82A}">
+                    <a16:rowId xmlns:a16="http://schemas.microsoft.com/office/drawing/2014/main" val="3071267924"/>
+                  </a:ext>
+                </a:extLst>
+              </a:tr>
+              <a:tr h="331589">
+                <a:tc>
+                  <a:txBody>
+                    <a:bodyPr/>
+                    <a:lstStyle/>
+                    <a:p>
+                      <a:pPr algn="ctr"/>
+                      <a:r>
+                        <a:rPr lang="en-US" sz="1400" dirty="0">
+                          <a:solidFill>
+                            <a:schemeClr val="bg1"/>
+                          </a:solidFill>
+                        </a:rPr>
+                        <a:t>5</a:t>
+                      </a:r>
+                    </a:p>
+                  </a:txBody>
+                  <a:tcPr anchor="ctr"/>
+                </a:tc>
+                <a:tc>
+                  <a:txBody>
+                    <a:bodyPr/>
+                    <a:lstStyle/>
+                    <a:p>
+                      <a:pPr algn="ctr"/>
+                      <a:r>
+                        <a:rPr lang="en-US" sz="1400" dirty="0">
+                          <a:solidFill>
+                            <a:schemeClr val="bg1"/>
+                          </a:solidFill>
+                        </a:rPr>
+                        <a:t>0.05</a:t>
+                      </a:r>
+                    </a:p>
+                  </a:txBody>
+                  <a:tcPr anchor="ctr"/>
+                </a:tc>
+                <a:tc>
+                  <a:txBody>
+                    <a:bodyPr/>
+                    <a:lstStyle/>
+                    <a:p>
+                      <a:pPr algn="ctr"/>
+                      <a:endParaRPr lang="en-US" sz="1400" dirty="0">
+                        <a:solidFill>
+                          <a:schemeClr val="bg1"/>
+                        </a:solidFill>
+                      </a:endParaRPr>
+                    </a:p>
+                  </a:txBody>
+                  <a:tcPr anchor="ctr"/>
+                </a:tc>
+                <a:tc>
+                  <a:txBody>
+                    <a:bodyPr/>
+                    <a:lstStyle/>
+                    <a:p>
+                      <a:pPr algn="ctr"/>
+                      <a:endParaRPr lang="en-US" sz="1400" dirty="0">
+                        <a:solidFill>
+                          <a:schemeClr val="bg1"/>
+                        </a:solidFill>
+                      </a:endParaRPr>
+                    </a:p>
+                  </a:txBody>
+                  <a:tcPr anchor="ctr"/>
+                </a:tc>
+                <a:tc>
+                  <a:txBody>
+                    <a:bodyPr/>
+                    <a:lstStyle/>
+                    <a:p>
+                      <a:pPr algn="ctr"/>
+                      <a:endParaRPr lang="en-US" sz="1400" dirty="0">
+                        <a:solidFill>
+                          <a:schemeClr val="bg1"/>
+                        </a:solidFill>
+                      </a:endParaRPr>
+                    </a:p>
+                  </a:txBody>
+                  <a:tcPr anchor="ctr"/>
+                </a:tc>
+                <a:extLst>
+                  <a:ext uri="{0D108BD9-81ED-4DB2-BD59-A6C34878D82A}">
+                    <a16:rowId xmlns:a16="http://schemas.microsoft.com/office/drawing/2014/main" val="4211289570"/>
+                  </a:ext>
+                </a:extLst>
+              </a:tr>
+              <a:tr h="331589">
+                <a:tc>
+                  <a:txBody>
+                    <a:bodyPr/>
+                    <a:lstStyle/>
+                    <a:p>
+                      <a:pPr algn="ctr"/>
+                      <a:r>
+                        <a:rPr lang="en-US" sz="1400" dirty="0">
+                          <a:solidFill>
+                            <a:schemeClr val="bg1"/>
+                          </a:solidFill>
+                        </a:rPr>
+                        <a:t>…</a:t>
+                      </a:r>
+                    </a:p>
+                  </a:txBody>
+                  <a:tcPr anchor="ctr"/>
+                </a:tc>
+                <a:tc>
+                  <a:txBody>
+                    <a:bodyPr/>
+                    <a:lstStyle/>
+                    <a:p>
+                      <a:pPr algn="ctr"/>
+                      <a:r>
+                        <a:rPr lang="en-US" sz="1400" dirty="0">
+                          <a:solidFill>
+                            <a:schemeClr val="bg1"/>
+                          </a:solidFill>
+                        </a:rPr>
+                        <a:t>…</a:t>
+                      </a:r>
+                    </a:p>
+                  </a:txBody>
+                  <a:tcPr anchor="ctr"/>
+                </a:tc>
+                <a:tc>
+                  <a:txBody>
+                    <a:bodyPr/>
+                    <a:lstStyle/>
+                    <a:p>
+                      <a:pPr algn="ctr"/>
+                      <a:endParaRPr lang="en-US" sz="1400" dirty="0">
+                        <a:solidFill>
+                          <a:schemeClr val="bg1"/>
+                        </a:solidFill>
+                      </a:endParaRPr>
+                    </a:p>
+                  </a:txBody>
+                  <a:tcPr anchor="ctr"/>
+                </a:tc>
+                <a:tc>
+                  <a:txBody>
+                    <a:bodyPr/>
+                    <a:lstStyle/>
+                    <a:p>
+                      <a:pPr algn="ctr"/>
+                      <a:endParaRPr lang="en-US" sz="1400" dirty="0">
+                        <a:solidFill>
+                          <a:schemeClr val="bg1"/>
+                        </a:solidFill>
+                      </a:endParaRPr>
+                    </a:p>
+                  </a:txBody>
+                  <a:tcPr anchor="ctr"/>
+                </a:tc>
+                <a:tc>
+                  <a:txBody>
+                    <a:bodyPr/>
+                    <a:lstStyle/>
+                    <a:p>
+                      <a:pPr algn="ctr"/>
+                      <a:endParaRPr lang="en-US" sz="1400" dirty="0">
+                        <a:solidFill>
+                          <a:schemeClr val="bg1"/>
+                        </a:solidFill>
+                      </a:endParaRPr>
+                    </a:p>
+                  </a:txBody>
+                  <a:tcPr anchor="ctr"/>
+                </a:tc>
+                <a:extLst>
+                  <a:ext uri="{0D108BD9-81ED-4DB2-BD59-A6C34878D82A}">
+                    <a16:rowId xmlns:a16="http://schemas.microsoft.com/office/drawing/2014/main" val="1249224616"/>
+                  </a:ext>
+                </a:extLst>
+              </a:tr>
+              <a:tr h="331589">
+                <a:tc>
+                  <a:txBody>
+                    <a:bodyPr/>
+                    <a:lstStyle/>
+                    <a:p>
+                      <a:pPr algn="ctr"/>
+                      <a:r>
+                        <a:rPr lang="en-US" sz="1400" dirty="0">
+                          <a:solidFill>
+                            <a:schemeClr val="bg1"/>
+                          </a:solidFill>
+                        </a:rPr>
+                        <a:t>96</a:t>
+                      </a:r>
+                    </a:p>
+                  </a:txBody>
+                  <a:tcPr anchor="ctr"/>
+                </a:tc>
+                <a:tc>
+                  <a:txBody>
+                    <a:bodyPr/>
+                    <a:lstStyle/>
+                    <a:p>
+                      <a:pPr algn="ctr"/>
+                      <a:r>
+                        <a:rPr lang="en-US" sz="1400" dirty="0">
+                          <a:solidFill>
+                            <a:schemeClr val="bg1"/>
+                          </a:solidFill>
+                        </a:rPr>
+                        <a:t>0.96</a:t>
+                      </a:r>
+                    </a:p>
+                  </a:txBody>
+                  <a:tcPr anchor="ctr"/>
+                </a:tc>
+                <a:tc>
+                  <a:txBody>
+                    <a:bodyPr/>
+                    <a:lstStyle/>
+                    <a:p>
+                      <a:pPr algn="ctr"/>
+                      <a:endParaRPr lang="en-US" sz="1400" dirty="0">
+                        <a:solidFill>
+                          <a:schemeClr val="bg1"/>
+                        </a:solidFill>
+                      </a:endParaRPr>
+                    </a:p>
+                  </a:txBody>
+                  <a:tcPr anchor="ctr"/>
+                </a:tc>
+                <a:tc>
+                  <a:txBody>
+                    <a:bodyPr/>
+                    <a:lstStyle/>
+                    <a:p>
+                      <a:pPr algn="ctr"/>
+                      <a:endParaRPr lang="en-US" sz="1400" dirty="0">
+                        <a:solidFill>
+                          <a:schemeClr val="bg1"/>
+                        </a:solidFill>
+                      </a:endParaRPr>
+                    </a:p>
+                  </a:txBody>
+                  <a:tcPr anchor="ctr"/>
+                </a:tc>
+                <a:tc>
+                  <a:txBody>
+                    <a:bodyPr/>
+                    <a:lstStyle/>
+                    <a:p>
+                      <a:pPr algn="ctr"/>
+                      <a:endParaRPr lang="en-US" sz="1400" dirty="0">
+                        <a:solidFill>
+                          <a:schemeClr val="bg1"/>
+                        </a:solidFill>
+                      </a:endParaRPr>
+                    </a:p>
+                  </a:txBody>
+                  <a:tcPr anchor="ctr"/>
+                </a:tc>
+                <a:extLst>
+                  <a:ext uri="{0D108BD9-81ED-4DB2-BD59-A6C34878D82A}">
+                    <a16:rowId xmlns:a16="http://schemas.microsoft.com/office/drawing/2014/main" val="3081968159"/>
+                  </a:ext>
+                </a:extLst>
+              </a:tr>
+              <a:tr h="331589">
+                <a:tc>
+                  <a:txBody>
+                    <a:bodyPr/>
+                    <a:lstStyle/>
+                    <a:p>
+                      <a:pPr algn="ctr"/>
+                      <a:r>
+                        <a:rPr lang="en-US" sz="1400" dirty="0">
+                          <a:solidFill>
+                            <a:schemeClr val="bg1"/>
+                          </a:solidFill>
+                        </a:rPr>
+                        <a:t>97</a:t>
+                      </a:r>
+                    </a:p>
+                  </a:txBody>
+                  <a:tcPr anchor="ctr"/>
+                </a:tc>
+                <a:tc>
+                  <a:txBody>
+                    <a:bodyPr/>
+                    <a:lstStyle/>
+                    <a:p>
+                      <a:pPr algn="ctr"/>
+                      <a:r>
+                        <a:rPr lang="en-US" sz="1400" dirty="0">
+                          <a:solidFill>
+                            <a:schemeClr val="bg1"/>
+                          </a:solidFill>
+                        </a:rPr>
+                        <a:t>0.97</a:t>
+                      </a:r>
+                    </a:p>
+                  </a:txBody>
+                  <a:tcPr anchor="ctr"/>
+                </a:tc>
+                <a:tc>
+                  <a:txBody>
+                    <a:bodyPr/>
+                    <a:lstStyle/>
+                    <a:p>
+                      <a:pPr algn="ctr"/>
+                      <a:endParaRPr lang="en-US" sz="1400" dirty="0">
+                        <a:solidFill>
+                          <a:schemeClr val="bg1"/>
+                        </a:solidFill>
+                      </a:endParaRPr>
+                    </a:p>
+                  </a:txBody>
+                  <a:tcPr anchor="ctr"/>
+                </a:tc>
+                <a:tc>
+                  <a:txBody>
+                    <a:bodyPr/>
+                    <a:lstStyle/>
+                    <a:p>
+                      <a:pPr algn="ctr"/>
+                      <a:endParaRPr lang="en-US" sz="1400" dirty="0">
+                        <a:solidFill>
+                          <a:schemeClr val="bg1"/>
+                        </a:solidFill>
+                      </a:endParaRPr>
+                    </a:p>
+                  </a:txBody>
+                  <a:tcPr anchor="ctr"/>
+                </a:tc>
+                <a:tc>
+                  <a:txBody>
+                    <a:bodyPr/>
+                    <a:lstStyle/>
+                    <a:p>
+                      <a:pPr algn="ctr"/>
+                      <a:endParaRPr lang="en-US" sz="1400" dirty="0">
+                        <a:solidFill>
+                          <a:schemeClr val="bg1"/>
+                        </a:solidFill>
+                      </a:endParaRPr>
+                    </a:p>
+                  </a:txBody>
+                  <a:tcPr anchor="ctr"/>
+                </a:tc>
+                <a:extLst>
+                  <a:ext uri="{0D108BD9-81ED-4DB2-BD59-A6C34878D82A}">
+                    <a16:rowId xmlns:a16="http://schemas.microsoft.com/office/drawing/2014/main" val="919077687"/>
+                  </a:ext>
+                </a:extLst>
+              </a:tr>
+              <a:tr h="331589">
+                <a:tc>
+                  <a:txBody>
+                    <a:bodyPr/>
+                    <a:lstStyle/>
+                    <a:p>
+                      <a:pPr algn="ctr"/>
+                      <a:r>
+                        <a:rPr lang="en-US" sz="1400" dirty="0">
+                          <a:solidFill>
+                            <a:schemeClr val="bg1"/>
+                          </a:solidFill>
+                        </a:rPr>
+                        <a:t>98</a:t>
+                      </a:r>
+                    </a:p>
+                  </a:txBody>
+                  <a:tcPr anchor="ctr"/>
+                </a:tc>
+                <a:tc>
+                  <a:txBody>
+                    <a:bodyPr/>
+                    <a:lstStyle/>
+                    <a:p>
+                      <a:pPr algn="ctr"/>
+                      <a:r>
+                        <a:rPr lang="en-US" sz="1400" dirty="0">
+                          <a:solidFill>
+                            <a:schemeClr val="bg1"/>
+                          </a:solidFill>
+                        </a:rPr>
+                        <a:t>0.98</a:t>
+                      </a:r>
+                    </a:p>
+                  </a:txBody>
+                  <a:tcPr anchor="ctr"/>
+                </a:tc>
+                <a:tc>
+                  <a:txBody>
+                    <a:bodyPr/>
+                    <a:lstStyle/>
+                    <a:p>
+                      <a:pPr algn="ctr"/>
+                      <a:endParaRPr lang="en-US" sz="1400" dirty="0">
+                        <a:solidFill>
+                          <a:schemeClr val="bg1"/>
+                        </a:solidFill>
+                      </a:endParaRPr>
+                    </a:p>
+                  </a:txBody>
+                  <a:tcPr anchor="ctr"/>
+                </a:tc>
+                <a:tc>
+                  <a:txBody>
+                    <a:bodyPr/>
+                    <a:lstStyle/>
+                    <a:p>
+                      <a:pPr algn="ctr"/>
+                      <a:endParaRPr lang="en-US" sz="1400" dirty="0">
+                        <a:solidFill>
+                          <a:schemeClr val="bg1"/>
+                        </a:solidFill>
+                      </a:endParaRPr>
+                    </a:p>
+                  </a:txBody>
+                  <a:tcPr anchor="ctr"/>
+                </a:tc>
+                <a:tc>
+                  <a:txBody>
+                    <a:bodyPr/>
+                    <a:lstStyle/>
+                    <a:p>
+                      <a:pPr algn="ctr"/>
+                      <a:endParaRPr lang="en-US" sz="1400" dirty="0">
+                        <a:solidFill>
+                          <a:schemeClr val="bg1"/>
+                        </a:solidFill>
+                      </a:endParaRPr>
+                    </a:p>
+                  </a:txBody>
+                  <a:tcPr anchor="ctr"/>
+                </a:tc>
+                <a:extLst>
+                  <a:ext uri="{0D108BD9-81ED-4DB2-BD59-A6C34878D82A}">
+                    <a16:rowId xmlns:a16="http://schemas.microsoft.com/office/drawing/2014/main" val="2488594174"/>
+                  </a:ext>
+                </a:extLst>
+              </a:tr>
+              <a:tr h="331589">
+                <a:tc>
+                  <a:txBody>
+                    <a:bodyPr/>
+                    <a:lstStyle/>
+                    <a:p>
+                      <a:pPr algn="ctr"/>
+                      <a:r>
+                        <a:rPr lang="en-US" sz="1400" dirty="0">
+                          <a:solidFill>
+                            <a:schemeClr val="bg1"/>
+                          </a:solidFill>
+                        </a:rPr>
+                        <a:t>99</a:t>
+                      </a:r>
+                    </a:p>
+                  </a:txBody>
+                  <a:tcPr anchor="ctr"/>
+                </a:tc>
+                <a:tc>
+                  <a:txBody>
+                    <a:bodyPr/>
+                    <a:lstStyle/>
+                    <a:p>
+                      <a:pPr algn="ctr"/>
+                      <a:r>
+                        <a:rPr lang="en-US" sz="1400" dirty="0">
+                          <a:solidFill>
+                            <a:schemeClr val="bg1"/>
+                          </a:solidFill>
+                        </a:rPr>
+                        <a:t>0.99</a:t>
+                      </a:r>
+                    </a:p>
+                  </a:txBody>
+                  <a:tcPr anchor="ctr"/>
+                </a:tc>
+                <a:tc>
+                  <a:txBody>
+                    <a:bodyPr/>
+                    <a:lstStyle/>
+                    <a:p>
+                      <a:pPr algn="ctr"/>
+                      <a:endParaRPr lang="en-US" sz="1400" dirty="0">
+                        <a:solidFill>
+                          <a:schemeClr val="bg1"/>
+                        </a:solidFill>
+                      </a:endParaRPr>
+                    </a:p>
+                  </a:txBody>
+                  <a:tcPr anchor="ctr"/>
+                </a:tc>
+                <a:tc>
+                  <a:txBody>
+                    <a:bodyPr/>
+                    <a:lstStyle/>
+                    <a:p>
+                      <a:pPr algn="ctr"/>
+                      <a:endParaRPr lang="en-US" sz="1400" dirty="0">
+                        <a:solidFill>
+                          <a:schemeClr val="bg1"/>
+                        </a:solidFill>
+                      </a:endParaRPr>
+                    </a:p>
+                  </a:txBody>
+                  <a:tcPr anchor="ctr"/>
+                </a:tc>
+                <a:tc>
+                  <a:txBody>
+                    <a:bodyPr/>
+                    <a:lstStyle/>
+                    <a:p>
+                      <a:pPr algn="ctr"/>
+                      <a:endParaRPr lang="en-US" sz="1400" dirty="0">
+                        <a:solidFill>
+                          <a:schemeClr val="bg1"/>
+                        </a:solidFill>
+                      </a:endParaRPr>
+                    </a:p>
+                  </a:txBody>
+                  <a:tcPr anchor="ctr"/>
+                </a:tc>
+                <a:extLst>
+                  <a:ext uri="{0D108BD9-81ED-4DB2-BD59-A6C34878D82A}">
+                    <a16:rowId xmlns:a16="http://schemas.microsoft.com/office/drawing/2014/main" val="1236157343"/>
+                  </a:ext>
+                </a:extLst>
+              </a:tr>
+              <a:tr h="331589">
+                <a:tc>
+                  <a:txBody>
+                    <a:bodyPr/>
+                    <a:lstStyle/>
+                    <a:p>
+                      <a:pPr algn="ctr"/>
+                      <a:r>
+                        <a:rPr lang="en-US" sz="1400" dirty="0">
+                          <a:solidFill>
+                            <a:schemeClr val="bg1"/>
+                          </a:solidFill>
+                        </a:rPr>
+                        <a:t>100</a:t>
+                      </a:r>
+                    </a:p>
+                  </a:txBody>
+                  <a:tcPr anchor="ctr"/>
+                </a:tc>
+                <a:tc>
+                  <a:txBody>
+                    <a:bodyPr/>
+                    <a:lstStyle/>
+                    <a:p>
+                      <a:pPr algn="ctr"/>
+                      <a:r>
+                        <a:rPr lang="en-US" sz="1400" dirty="0">
+                          <a:solidFill>
+                            <a:schemeClr val="bg1"/>
+                          </a:solidFill>
+                        </a:rPr>
+                        <a:t>1.00</a:t>
+                      </a:r>
+                    </a:p>
+                  </a:txBody>
+                  <a:tcPr anchor="ctr"/>
+                </a:tc>
+                <a:tc>
+                  <a:txBody>
+                    <a:bodyPr/>
+                    <a:lstStyle/>
+                    <a:p>
+                      <a:pPr algn="ctr"/>
+                      <a:endParaRPr lang="en-US" sz="1400" dirty="0">
+                        <a:solidFill>
+                          <a:schemeClr val="bg1"/>
+                        </a:solidFill>
+                      </a:endParaRPr>
+                    </a:p>
+                  </a:txBody>
+                  <a:tcPr anchor="ctr"/>
+                </a:tc>
+                <a:tc>
+                  <a:txBody>
+                    <a:bodyPr/>
+                    <a:lstStyle/>
+                    <a:p>
+                      <a:pPr algn="ctr"/>
+                      <a:endParaRPr lang="en-US" sz="1400" dirty="0">
+                        <a:solidFill>
+                          <a:schemeClr val="bg1"/>
+                        </a:solidFill>
+                      </a:endParaRPr>
+                    </a:p>
+                  </a:txBody>
+                  <a:tcPr anchor="ctr"/>
+                </a:tc>
+                <a:tc>
+                  <a:txBody>
+                    <a:bodyPr/>
+                    <a:lstStyle/>
+                    <a:p>
+                      <a:pPr algn="ctr"/>
+                      <a:endParaRPr lang="en-US" sz="1400" dirty="0">
+                        <a:solidFill>
+                          <a:schemeClr val="bg1"/>
+                        </a:solidFill>
+                      </a:endParaRPr>
+                    </a:p>
+                  </a:txBody>
+                  <a:tcPr anchor="ctr"/>
+                </a:tc>
+                <a:extLst>
+                  <a:ext uri="{0D108BD9-81ED-4DB2-BD59-A6C34878D82A}">
+                    <a16:rowId xmlns:a16="http://schemas.microsoft.com/office/drawing/2014/main" val="1485211966"/>
+                  </a:ext>
+                </a:extLst>
+              </a:tr>
+              <a:tr h="331589">
+                <a:tc gridSpan="4">
+                  <a:txBody>
+                    <a:bodyPr/>
+                    <a:lstStyle/>
+                    <a:p>
+                      <a:pPr algn="ctr"/>
+                      <a:r>
+                        <a:rPr lang="en-US" sz="1400" b="1" dirty="0">
+                          <a:solidFill>
+                            <a:schemeClr val="bg1"/>
+                          </a:solidFill>
+                        </a:rPr>
+                        <a:t>Average Error:</a:t>
+                      </a:r>
+                    </a:p>
+                  </a:txBody>
+                  <a:tcPr anchor="ctr"/>
+                </a:tc>
+                <a:tc hMerge="1">
+                  <a:txBody>
+                    <a:bodyPr/>
+                    <a:lstStyle/>
+                    <a:p>
+                      <a:pPr algn="ctr"/>
+                      <a:endParaRPr lang="en-US" sz="1400" dirty="0">
+                        <a:solidFill>
+                          <a:schemeClr val="tx1"/>
+                        </a:solidFill>
+                      </a:endParaRPr>
+                    </a:p>
+                  </a:txBody>
+                  <a:tcPr anchor="ctr"/>
+                </a:tc>
+                <a:tc hMerge="1">
+                  <a:txBody>
+                    <a:bodyPr/>
+                    <a:lstStyle/>
+                    <a:p>
+                      <a:pPr algn="ctr"/>
+                      <a:endParaRPr lang="en-US" sz="1400" dirty="0">
+                        <a:solidFill>
+                          <a:schemeClr val="tx1"/>
+                        </a:solidFill>
+                      </a:endParaRPr>
+                    </a:p>
+                  </a:txBody>
+                  <a:tcPr anchor="ctr"/>
+                </a:tc>
+                <a:tc hMerge="1">
+                  <a:txBody>
+                    <a:bodyPr/>
+                    <a:lstStyle/>
+                    <a:p>
+                      <a:pPr algn="ctr"/>
+                      <a:endParaRPr lang="en-US" sz="1400" dirty="0">
+                        <a:solidFill>
+                          <a:schemeClr val="tx1"/>
+                        </a:solidFill>
+                      </a:endParaRPr>
+                    </a:p>
+                  </a:txBody>
+                  <a:tcPr anchor="ctr"/>
+                </a:tc>
+                <a:tc>
+                  <a:txBody>
+                    <a:bodyPr/>
+                    <a:lstStyle/>
+                    <a:p>
+                      <a:pPr algn="ctr"/>
+                      <a:endParaRPr lang="en-US" sz="1400" b="1" dirty="0">
+                        <a:solidFill>
+                          <a:schemeClr val="bg1"/>
+                        </a:solidFill>
+                      </a:endParaRPr>
+                    </a:p>
+                  </a:txBody>
+                  <a:tcPr anchor="ctr"/>
+                </a:tc>
+                <a:extLst>
+                  <a:ext uri="{0D108BD9-81ED-4DB2-BD59-A6C34878D82A}">
+                    <a16:rowId xmlns:a16="http://schemas.microsoft.com/office/drawing/2014/main" val="3316968185"/>
+                  </a:ext>
+                </a:extLst>
+              </a:tr>
+            </a:tbl>
+          </a:graphicData>
+        </a:graphic>
+      </p:graphicFrame>
     </p:spTree>
     <p:extLst>
       <p:ext uri="{BB962C8B-B14F-4D97-AF65-F5344CB8AC3E}">
@@ -14371,6 +14399,3192 @@
 </file>
 
 <file path=ppt/slides/slide15.xml><?xml version="1.0" encoding="utf-8"?>
+<p:sld xmlns:a="http://schemas.openxmlformats.org/drawingml/2006/main" xmlns:r="http://schemas.openxmlformats.org/officeDocument/2006/relationships" xmlns:p="http://schemas.openxmlformats.org/presentationml/2006/main">
+  <p:cSld>
+    <p:spTree>
+      <p:nvGrpSpPr>
+        <p:cNvPr id="1" name=""/>
+        <p:cNvGrpSpPr/>
+        <p:nvPr/>
+      </p:nvGrpSpPr>
+      <p:grpSpPr>
+        <a:xfrm>
+          <a:off x="0" y="0"/>
+          <a:ext cx="0" cy="0"/>
+          <a:chOff x="0" y="0"/>
+          <a:chExt cx="0" cy="0"/>
+        </a:xfrm>
+      </p:grpSpPr>
+      <p:sp>
+        <p:nvSpPr>
+          <p:cNvPr id="2" name="Title 1">
+            <a:extLst>
+              <a:ext uri="{FF2B5EF4-FFF2-40B4-BE49-F238E27FC236}">
+                <a16:creationId xmlns:a16="http://schemas.microsoft.com/office/drawing/2014/main" id="{8C91799D-89F8-4799-B368-1846FD4DBEE7}"/>
+              </a:ext>
+            </a:extLst>
+          </p:cNvPr>
+          <p:cNvSpPr>
+            <a:spLocks noGrp="1"/>
+          </p:cNvSpPr>
+          <p:nvPr>
+            <p:ph type="title"/>
+          </p:nvPr>
+        </p:nvSpPr>
+        <p:spPr/>
+        <p:txBody>
+          <a:bodyPr/>
+          <a:lstStyle/>
+          <a:p>
+            <a:r>
+              <a:rPr lang="en-US" b="1" dirty="0"/>
+              <a:t>4. Simulation result</a:t>
+            </a:r>
+          </a:p>
+        </p:txBody>
+      </p:sp>
+      <p:sp>
+        <p:nvSpPr>
+          <p:cNvPr id="7" name="Content Placeholder 9">
+            <a:extLst>
+              <a:ext uri="{FF2B5EF4-FFF2-40B4-BE49-F238E27FC236}">
+                <a16:creationId xmlns:a16="http://schemas.microsoft.com/office/drawing/2014/main" id="{88C9CA7C-16B8-4A29-A7E7-55AA14A0A69E}"/>
+              </a:ext>
+            </a:extLst>
+          </p:cNvPr>
+          <p:cNvSpPr txBox="1">
+            <a:spLocks/>
+          </p:cNvSpPr>
+          <p:nvPr/>
+        </p:nvSpPr>
+        <p:spPr>
+          <a:xfrm>
+            <a:off x="838200" y="1444843"/>
+            <a:ext cx="10515600" cy="491690"/>
+          </a:xfrm>
+          <a:prstGeom prst="rect">
+            <a:avLst/>
+          </a:prstGeom>
+        </p:spPr>
+        <p:txBody>
+          <a:bodyPr vert="horz" lIns="91440" tIns="45720" rIns="91440" bIns="45720" rtlCol="0">
+            <a:normAutofit/>
+          </a:bodyPr>
+          <a:lstStyle>
+            <a:lvl1pPr marL="228600" indent="-228600" algn="l" defTabSz="914400" rtl="0" eaLnBrk="1" latinLnBrk="0" hangingPunct="1">
+              <a:lnSpc>
+                <a:spcPct val="90000"/>
+              </a:lnSpc>
+              <a:spcBef>
+                <a:spcPts val="1000"/>
+              </a:spcBef>
+              <a:buFont typeface="Arial" panose="020B0604020202020204" pitchFamily="34" charset="0"/>
+              <a:buChar char="•"/>
+              <a:defRPr sz="2800" kern="1200">
+                <a:solidFill>
+                  <a:schemeClr val="tx1"/>
+                </a:solidFill>
+                <a:latin typeface="+mn-lt"/>
+                <a:ea typeface="+mn-ea"/>
+                <a:cs typeface="+mn-cs"/>
+              </a:defRPr>
+            </a:lvl1pPr>
+            <a:lvl2pPr marL="685800" indent="-228600" algn="l" defTabSz="914400" rtl="0" eaLnBrk="1" latinLnBrk="0" hangingPunct="1">
+              <a:lnSpc>
+                <a:spcPct val="90000"/>
+              </a:lnSpc>
+              <a:spcBef>
+                <a:spcPts val="500"/>
+              </a:spcBef>
+              <a:buFont typeface="Arial" panose="020B0604020202020204" pitchFamily="34" charset="0"/>
+              <a:buChar char="•"/>
+              <a:defRPr sz="2400" kern="1200">
+                <a:solidFill>
+                  <a:schemeClr val="tx1"/>
+                </a:solidFill>
+                <a:latin typeface="+mn-lt"/>
+                <a:ea typeface="+mn-ea"/>
+                <a:cs typeface="+mn-cs"/>
+              </a:defRPr>
+            </a:lvl2pPr>
+            <a:lvl3pPr marL="1143000" indent="-228600" algn="l" defTabSz="914400" rtl="0" eaLnBrk="1" latinLnBrk="0" hangingPunct="1">
+              <a:lnSpc>
+                <a:spcPct val="90000"/>
+              </a:lnSpc>
+              <a:spcBef>
+                <a:spcPts val="500"/>
+              </a:spcBef>
+              <a:buFont typeface="Arial" panose="020B0604020202020204" pitchFamily="34" charset="0"/>
+              <a:buChar char="•"/>
+              <a:defRPr sz="2000" kern="1200">
+                <a:solidFill>
+                  <a:schemeClr val="tx1"/>
+                </a:solidFill>
+                <a:latin typeface="+mn-lt"/>
+                <a:ea typeface="+mn-ea"/>
+                <a:cs typeface="+mn-cs"/>
+              </a:defRPr>
+            </a:lvl3pPr>
+            <a:lvl4pPr marL="1600200" indent="-228600" algn="l" defTabSz="914400" rtl="0" eaLnBrk="1" latinLnBrk="0" hangingPunct="1">
+              <a:lnSpc>
+                <a:spcPct val="90000"/>
+              </a:lnSpc>
+              <a:spcBef>
+                <a:spcPts val="500"/>
+              </a:spcBef>
+              <a:buFont typeface="Arial" panose="020B0604020202020204" pitchFamily="34" charset="0"/>
+              <a:buChar char="•"/>
+              <a:defRPr sz="1800" kern="1200">
+                <a:solidFill>
+                  <a:schemeClr val="tx1"/>
+                </a:solidFill>
+                <a:latin typeface="+mn-lt"/>
+                <a:ea typeface="+mn-ea"/>
+                <a:cs typeface="+mn-cs"/>
+              </a:defRPr>
+            </a:lvl4pPr>
+            <a:lvl5pPr marL="2057400" indent="-228600" algn="l" defTabSz="914400" rtl="0" eaLnBrk="1" latinLnBrk="0" hangingPunct="1">
+              <a:lnSpc>
+                <a:spcPct val="90000"/>
+              </a:lnSpc>
+              <a:spcBef>
+                <a:spcPts val="500"/>
+              </a:spcBef>
+              <a:buFont typeface="Arial" panose="020B0604020202020204" pitchFamily="34" charset="0"/>
+              <a:buChar char="•"/>
+              <a:defRPr sz="1800" kern="1200">
+                <a:solidFill>
+                  <a:schemeClr val="tx1"/>
+                </a:solidFill>
+                <a:latin typeface="+mn-lt"/>
+                <a:ea typeface="+mn-ea"/>
+                <a:cs typeface="+mn-cs"/>
+              </a:defRPr>
+            </a:lvl5pPr>
+            <a:lvl6pPr marL="2514600" indent="-228600" algn="l" defTabSz="914400" rtl="0" eaLnBrk="1" latinLnBrk="0" hangingPunct="1">
+              <a:lnSpc>
+                <a:spcPct val="90000"/>
+              </a:lnSpc>
+              <a:spcBef>
+                <a:spcPts val="500"/>
+              </a:spcBef>
+              <a:buFont typeface="Arial" panose="020B0604020202020204" pitchFamily="34" charset="0"/>
+              <a:buChar char="•"/>
+              <a:defRPr sz="1800" kern="1200">
+                <a:solidFill>
+                  <a:schemeClr val="tx1"/>
+                </a:solidFill>
+                <a:latin typeface="+mn-lt"/>
+                <a:ea typeface="+mn-ea"/>
+                <a:cs typeface="+mn-cs"/>
+              </a:defRPr>
+            </a:lvl6pPr>
+            <a:lvl7pPr marL="2971800" indent="-228600" algn="l" defTabSz="914400" rtl="0" eaLnBrk="1" latinLnBrk="0" hangingPunct="1">
+              <a:lnSpc>
+                <a:spcPct val="90000"/>
+              </a:lnSpc>
+              <a:spcBef>
+                <a:spcPts val="500"/>
+              </a:spcBef>
+              <a:buFont typeface="Arial" panose="020B0604020202020204" pitchFamily="34" charset="0"/>
+              <a:buChar char="•"/>
+              <a:defRPr sz="1800" kern="1200">
+                <a:solidFill>
+                  <a:schemeClr val="tx1"/>
+                </a:solidFill>
+                <a:latin typeface="+mn-lt"/>
+                <a:ea typeface="+mn-ea"/>
+                <a:cs typeface="+mn-cs"/>
+              </a:defRPr>
+            </a:lvl7pPr>
+            <a:lvl8pPr marL="3429000" indent="-228600" algn="l" defTabSz="914400" rtl="0" eaLnBrk="1" latinLnBrk="0" hangingPunct="1">
+              <a:lnSpc>
+                <a:spcPct val="90000"/>
+              </a:lnSpc>
+              <a:spcBef>
+                <a:spcPts val="500"/>
+              </a:spcBef>
+              <a:buFont typeface="Arial" panose="020B0604020202020204" pitchFamily="34" charset="0"/>
+              <a:buChar char="•"/>
+              <a:defRPr sz="1800" kern="1200">
+                <a:solidFill>
+                  <a:schemeClr val="tx1"/>
+                </a:solidFill>
+                <a:latin typeface="+mn-lt"/>
+                <a:ea typeface="+mn-ea"/>
+                <a:cs typeface="+mn-cs"/>
+              </a:defRPr>
+            </a:lvl8pPr>
+            <a:lvl9pPr marL="3886200" indent="-228600" algn="l" defTabSz="914400" rtl="0" eaLnBrk="1" latinLnBrk="0" hangingPunct="1">
+              <a:lnSpc>
+                <a:spcPct val="90000"/>
+              </a:lnSpc>
+              <a:spcBef>
+                <a:spcPts val="500"/>
+              </a:spcBef>
+              <a:buFont typeface="Arial" panose="020B0604020202020204" pitchFamily="34" charset="0"/>
+              <a:buChar char="•"/>
+              <a:defRPr sz="1800" kern="1200">
+                <a:solidFill>
+                  <a:schemeClr val="tx1"/>
+                </a:solidFill>
+                <a:latin typeface="+mn-lt"/>
+                <a:ea typeface="+mn-ea"/>
+                <a:cs typeface="+mn-cs"/>
+              </a:defRPr>
+            </a:lvl9pPr>
+          </a:lstStyle>
+          <a:p>
+            <a:pPr marL="0" indent="0" algn="ctr">
+              <a:buNone/>
+            </a:pPr>
+            <a:r>
+              <a:rPr lang="en-US" sz="2800" dirty="0"/>
+              <a:t>Case: 3 number after semicolon</a:t>
+            </a:r>
+          </a:p>
+        </p:txBody>
+      </p:sp>
+      <p:graphicFrame>
+        <p:nvGraphicFramePr>
+          <p:cNvPr id="5" name="Table 13">
+            <a:extLst>
+              <a:ext uri="{FF2B5EF4-FFF2-40B4-BE49-F238E27FC236}">
+                <a16:creationId xmlns:a16="http://schemas.microsoft.com/office/drawing/2014/main" id="{8E9E69E1-23AC-4FBE-8AF5-78425CABDF33}"/>
+              </a:ext>
+            </a:extLst>
+          </p:cNvPr>
+          <p:cNvGraphicFramePr>
+            <a:graphicFrameLocks noGrp="1"/>
+          </p:cNvGraphicFramePr>
+          <p:nvPr>
+            <p:extLst>
+              <p:ext uri="{D42A27DB-BD31-4B8C-83A1-F6EECF244321}">
+                <p14:modId xmlns:p14="http://schemas.microsoft.com/office/powerpoint/2010/main" val="2370092588"/>
+              </p:ext>
+            </p:extLst>
+          </p:nvPr>
+        </p:nvGraphicFramePr>
+        <p:xfrm>
+          <a:off x="614191" y="2037135"/>
+          <a:ext cx="10952967" cy="4320354"/>
+        </p:xfrm>
+        <a:graphic>
+          <a:graphicData uri="http://schemas.openxmlformats.org/drawingml/2006/table">
+            <a:tbl>
+              <a:tblPr firstRow="1" bandRow="1">
+                <a:tableStyleId>{5C22544A-7EE6-4342-B048-85BDC9FD1C3A}</a:tableStyleId>
+              </a:tblPr>
+              <a:tblGrid>
+                <a:gridCol w="908056">
+                  <a:extLst>
+                    <a:ext uri="{9D8B030D-6E8A-4147-A177-3AD203B41FA5}">
+                      <a16:colId xmlns:a16="http://schemas.microsoft.com/office/drawing/2014/main" val="3208209321"/>
+                    </a:ext>
+                  </a:extLst>
+                </a:gridCol>
+                <a:gridCol w="1577071">
+                  <a:extLst>
+                    <a:ext uri="{9D8B030D-6E8A-4147-A177-3AD203B41FA5}">
+                      <a16:colId xmlns:a16="http://schemas.microsoft.com/office/drawing/2014/main" val="3200619023"/>
+                    </a:ext>
+                  </a:extLst>
+                </a:gridCol>
+                <a:gridCol w="2914657">
+                  <a:extLst>
+                    <a:ext uri="{9D8B030D-6E8A-4147-A177-3AD203B41FA5}">
+                      <a16:colId xmlns:a16="http://schemas.microsoft.com/office/drawing/2014/main" val="1480471849"/>
+                    </a:ext>
+                  </a:extLst>
+                </a:gridCol>
+                <a:gridCol w="2717083">
+                  <a:extLst>
+                    <a:ext uri="{9D8B030D-6E8A-4147-A177-3AD203B41FA5}">
+                      <a16:colId xmlns:a16="http://schemas.microsoft.com/office/drawing/2014/main" val="601428542"/>
+                    </a:ext>
+                  </a:extLst>
+                </a:gridCol>
+                <a:gridCol w="2836100">
+                  <a:extLst>
+                    <a:ext uri="{9D8B030D-6E8A-4147-A177-3AD203B41FA5}">
+                      <a16:colId xmlns:a16="http://schemas.microsoft.com/office/drawing/2014/main" val="3165428621"/>
+                    </a:ext>
+                  </a:extLst>
+                </a:gridCol>
+              </a:tblGrid>
+              <a:tr h="292530">
+                <a:tc>
+                  <a:txBody>
+                    <a:bodyPr/>
+                    <a:lstStyle/>
+                    <a:p>
+                      <a:pPr algn="ctr"/>
+                      <a:r>
+                        <a:rPr lang="en-US" sz="1400" dirty="0">
+                          <a:solidFill>
+                            <a:schemeClr val="bg1"/>
+                          </a:solidFill>
+                        </a:rPr>
+                        <a:t>STT</a:t>
+                      </a:r>
+                    </a:p>
+                  </a:txBody>
+                  <a:tcPr/>
+                </a:tc>
+                <a:tc>
+                  <a:txBody>
+                    <a:bodyPr/>
+                    <a:lstStyle/>
+                    <a:p>
+                      <a:pPr algn="ctr"/>
+                      <a:r>
+                        <a:rPr lang="en-US" sz="1200" dirty="0">
+                          <a:solidFill>
+                            <a:schemeClr val="bg1"/>
+                          </a:solidFill>
+                        </a:rPr>
+                        <a:t>Integer</a:t>
+                      </a:r>
+                    </a:p>
+                  </a:txBody>
+                  <a:tcPr/>
+                </a:tc>
+                <a:tc>
+                  <a:txBody>
+                    <a:bodyPr/>
+                    <a:lstStyle/>
+                    <a:p>
+                      <a:pPr algn="ctr"/>
+                      <a:r>
+                        <a:rPr lang="en-US" sz="1200" dirty="0">
+                          <a:solidFill>
+                            <a:schemeClr val="bg1"/>
+                          </a:solidFill>
+                        </a:rPr>
+                        <a:t>Result from </a:t>
+                      </a:r>
+                      <a:r>
+                        <a:rPr lang="en-US" sz="1200" dirty="0" err="1">
+                          <a:solidFill>
+                            <a:schemeClr val="bg1"/>
+                          </a:solidFill>
+                        </a:rPr>
+                        <a:t>math.sqrt</a:t>
+                      </a:r>
+                      <a:r>
+                        <a:rPr lang="en-US" sz="1200" dirty="0">
+                          <a:solidFill>
+                            <a:schemeClr val="bg1"/>
+                          </a:solidFill>
+                        </a:rPr>
+                        <a:t>()</a:t>
+                      </a:r>
+                    </a:p>
+                  </a:txBody>
+                  <a:tcPr/>
+                </a:tc>
+                <a:tc>
+                  <a:txBody>
+                    <a:bodyPr/>
+                    <a:lstStyle/>
+                    <a:p>
+                      <a:pPr algn="ctr"/>
+                      <a:r>
+                        <a:rPr lang="en-US" sz="1200" dirty="0">
+                          <a:solidFill>
+                            <a:schemeClr val="bg1"/>
+                          </a:solidFill>
+                        </a:rPr>
+                        <a:t>Result from circuit</a:t>
+                      </a:r>
+                    </a:p>
+                  </a:txBody>
+                  <a:tcPr/>
+                </a:tc>
+                <a:tc>
+                  <a:txBody>
+                    <a:bodyPr/>
+                    <a:lstStyle/>
+                    <a:p>
+                      <a:pPr algn="ctr"/>
+                      <a:r>
+                        <a:rPr lang="en-US" sz="1400" dirty="0">
+                          <a:solidFill>
+                            <a:schemeClr val="bg1"/>
+                          </a:solidFill>
+                        </a:rPr>
+                        <a:t>Error</a:t>
+                      </a:r>
+                    </a:p>
+                  </a:txBody>
+                  <a:tcPr/>
+                </a:tc>
+                <a:extLst>
+                  <a:ext uri="{0D108BD9-81ED-4DB2-BD59-A6C34878D82A}">
+                    <a16:rowId xmlns:a16="http://schemas.microsoft.com/office/drawing/2014/main" val="313065721"/>
+                  </a:ext>
+                </a:extLst>
+              </a:tr>
+              <a:tr h="368075">
+                <a:tc>
+                  <a:txBody>
+                    <a:bodyPr/>
+                    <a:lstStyle/>
+                    <a:p>
+                      <a:pPr algn="ctr"/>
+                      <a:r>
+                        <a:rPr lang="en-US" sz="1400" dirty="0">
+                          <a:solidFill>
+                            <a:schemeClr val="bg1"/>
+                          </a:solidFill>
+                        </a:rPr>
+                        <a:t>1</a:t>
+                      </a:r>
+                    </a:p>
+                  </a:txBody>
+                  <a:tcPr anchor="ctr"/>
+                </a:tc>
+                <a:tc>
+                  <a:txBody>
+                    <a:bodyPr/>
+                    <a:lstStyle/>
+                    <a:p>
+                      <a:pPr algn="ctr"/>
+                      <a:r>
+                        <a:rPr lang="en-US" sz="1400" dirty="0">
+                          <a:solidFill>
+                            <a:schemeClr val="bg1"/>
+                          </a:solidFill>
+                        </a:rPr>
+                        <a:t>0.001</a:t>
+                      </a:r>
+                    </a:p>
+                  </a:txBody>
+                  <a:tcPr anchor="ctr"/>
+                </a:tc>
+                <a:tc>
+                  <a:txBody>
+                    <a:bodyPr/>
+                    <a:lstStyle/>
+                    <a:p>
+                      <a:pPr marL="0" marR="0" lvl="0" indent="0" algn="ctr" defTabSz="914400" rtl="0" eaLnBrk="1" fontAlgn="auto" latinLnBrk="0" hangingPunct="1">
+                        <a:lnSpc>
+                          <a:spcPct val="100000"/>
+                        </a:lnSpc>
+                        <a:spcBef>
+                          <a:spcPts val="0"/>
+                        </a:spcBef>
+                        <a:spcAft>
+                          <a:spcPts val="0"/>
+                        </a:spcAft>
+                        <a:buClrTx/>
+                        <a:buSzTx/>
+                        <a:buFontTx/>
+                        <a:buNone/>
+                        <a:tabLst/>
+                        <a:defRPr/>
+                      </a:pPr>
+                      <a:endParaRPr lang="en-US" sz="1400" dirty="0">
+                        <a:solidFill>
+                          <a:schemeClr val="bg1"/>
+                        </a:solidFill>
+                      </a:endParaRPr>
+                    </a:p>
+                  </a:txBody>
+                  <a:tcPr anchor="ctr"/>
+                </a:tc>
+                <a:tc>
+                  <a:txBody>
+                    <a:bodyPr/>
+                    <a:lstStyle/>
+                    <a:p>
+                      <a:pPr algn="ctr"/>
+                      <a:endParaRPr lang="en-US" sz="1400" dirty="0">
+                        <a:solidFill>
+                          <a:schemeClr val="bg1"/>
+                        </a:solidFill>
+                      </a:endParaRPr>
+                    </a:p>
+                  </a:txBody>
+                  <a:tcPr anchor="ctr"/>
+                </a:tc>
+                <a:tc>
+                  <a:txBody>
+                    <a:bodyPr/>
+                    <a:lstStyle/>
+                    <a:p>
+                      <a:pPr algn="ctr"/>
+                      <a:endParaRPr lang="en-US" sz="1400" dirty="0">
+                        <a:solidFill>
+                          <a:schemeClr val="bg1"/>
+                        </a:solidFill>
+                      </a:endParaRPr>
+                    </a:p>
+                  </a:txBody>
+                  <a:tcPr anchor="ctr"/>
+                </a:tc>
+                <a:extLst>
+                  <a:ext uri="{0D108BD9-81ED-4DB2-BD59-A6C34878D82A}">
+                    <a16:rowId xmlns:a16="http://schemas.microsoft.com/office/drawing/2014/main" val="4191773640"/>
+                  </a:ext>
+                </a:extLst>
+              </a:tr>
+              <a:tr h="331589">
+                <a:tc>
+                  <a:txBody>
+                    <a:bodyPr/>
+                    <a:lstStyle/>
+                    <a:p>
+                      <a:pPr algn="ctr"/>
+                      <a:r>
+                        <a:rPr lang="en-US" sz="1400" dirty="0">
+                          <a:solidFill>
+                            <a:schemeClr val="bg1"/>
+                          </a:solidFill>
+                        </a:rPr>
+                        <a:t>2</a:t>
+                      </a:r>
+                    </a:p>
+                  </a:txBody>
+                  <a:tcPr anchor="ctr"/>
+                </a:tc>
+                <a:tc>
+                  <a:txBody>
+                    <a:bodyPr/>
+                    <a:lstStyle/>
+                    <a:p>
+                      <a:pPr algn="ctr"/>
+                      <a:r>
+                        <a:rPr lang="en-US" sz="1400" dirty="0">
+                          <a:solidFill>
+                            <a:schemeClr val="bg1"/>
+                          </a:solidFill>
+                        </a:rPr>
+                        <a:t>0.002</a:t>
+                      </a:r>
+                    </a:p>
+                  </a:txBody>
+                  <a:tcPr anchor="ctr"/>
+                </a:tc>
+                <a:tc>
+                  <a:txBody>
+                    <a:bodyPr/>
+                    <a:lstStyle/>
+                    <a:p>
+                      <a:pPr marL="0" marR="0" lvl="0" indent="0" algn="ctr" defTabSz="914400" rtl="0" eaLnBrk="1" fontAlgn="auto" latinLnBrk="0" hangingPunct="1">
+                        <a:lnSpc>
+                          <a:spcPct val="100000"/>
+                        </a:lnSpc>
+                        <a:spcBef>
+                          <a:spcPts val="0"/>
+                        </a:spcBef>
+                        <a:spcAft>
+                          <a:spcPts val="0"/>
+                        </a:spcAft>
+                        <a:buClrTx/>
+                        <a:buSzTx/>
+                        <a:buFontTx/>
+                        <a:buNone/>
+                        <a:tabLst/>
+                        <a:defRPr/>
+                      </a:pPr>
+                      <a:endParaRPr lang="en-US" sz="1400" dirty="0">
+                        <a:solidFill>
+                          <a:schemeClr val="bg1"/>
+                        </a:solidFill>
+                      </a:endParaRPr>
+                    </a:p>
+                  </a:txBody>
+                  <a:tcPr anchor="ctr"/>
+                </a:tc>
+                <a:tc>
+                  <a:txBody>
+                    <a:bodyPr/>
+                    <a:lstStyle/>
+                    <a:p>
+                      <a:pPr marL="0" marR="0" lvl="0" indent="0" algn="ctr" defTabSz="914400" rtl="0" eaLnBrk="1" fontAlgn="auto" latinLnBrk="0" hangingPunct="1">
+                        <a:lnSpc>
+                          <a:spcPct val="100000"/>
+                        </a:lnSpc>
+                        <a:spcBef>
+                          <a:spcPts val="0"/>
+                        </a:spcBef>
+                        <a:spcAft>
+                          <a:spcPts val="0"/>
+                        </a:spcAft>
+                        <a:buClrTx/>
+                        <a:buSzTx/>
+                        <a:buFontTx/>
+                        <a:buNone/>
+                        <a:tabLst/>
+                        <a:defRPr/>
+                      </a:pPr>
+                      <a:endParaRPr lang="en-US" sz="1400" dirty="0">
+                        <a:solidFill>
+                          <a:schemeClr val="bg1"/>
+                        </a:solidFill>
+                      </a:endParaRPr>
+                    </a:p>
+                  </a:txBody>
+                  <a:tcPr anchor="ctr"/>
+                </a:tc>
+                <a:tc>
+                  <a:txBody>
+                    <a:bodyPr/>
+                    <a:lstStyle/>
+                    <a:p>
+                      <a:pPr algn="ctr"/>
+                      <a:endParaRPr lang="en-US" sz="1400" dirty="0">
+                        <a:solidFill>
+                          <a:schemeClr val="bg1"/>
+                        </a:solidFill>
+                      </a:endParaRPr>
+                    </a:p>
+                  </a:txBody>
+                  <a:tcPr anchor="ctr"/>
+                </a:tc>
+                <a:extLst>
+                  <a:ext uri="{0D108BD9-81ED-4DB2-BD59-A6C34878D82A}">
+                    <a16:rowId xmlns:a16="http://schemas.microsoft.com/office/drawing/2014/main" val="2764412100"/>
+                  </a:ext>
+                </a:extLst>
+              </a:tr>
+              <a:tr h="331589">
+                <a:tc>
+                  <a:txBody>
+                    <a:bodyPr/>
+                    <a:lstStyle/>
+                    <a:p>
+                      <a:pPr algn="ctr"/>
+                      <a:r>
+                        <a:rPr lang="en-US" sz="1400" dirty="0">
+                          <a:solidFill>
+                            <a:schemeClr val="bg1"/>
+                          </a:solidFill>
+                        </a:rPr>
+                        <a:t>3</a:t>
+                      </a:r>
+                    </a:p>
+                  </a:txBody>
+                  <a:tcPr anchor="ctr"/>
+                </a:tc>
+                <a:tc>
+                  <a:txBody>
+                    <a:bodyPr/>
+                    <a:lstStyle/>
+                    <a:p>
+                      <a:pPr algn="ctr"/>
+                      <a:r>
+                        <a:rPr lang="en-US" sz="1400" dirty="0">
+                          <a:solidFill>
+                            <a:schemeClr val="bg1"/>
+                          </a:solidFill>
+                        </a:rPr>
+                        <a:t>0.003</a:t>
+                      </a:r>
+                    </a:p>
+                  </a:txBody>
+                  <a:tcPr anchor="ctr"/>
+                </a:tc>
+                <a:tc>
+                  <a:txBody>
+                    <a:bodyPr/>
+                    <a:lstStyle/>
+                    <a:p>
+                      <a:pPr marL="0" marR="0" lvl="0" indent="0" algn="ctr" defTabSz="914400" rtl="0" eaLnBrk="1" fontAlgn="auto" latinLnBrk="0" hangingPunct="1">
+                        <a:lnSpc>
+                          <a:spcPct val="100000"/>
+                        </a:lnSpc>
+                        <a:spcBef>
+                          <a:spcPts val="0"/>
+                        </a:spcBef>
+                        <a:spcAft>
+                          <a:spcPts val="0"/>
+                        </a:spcAft>
+                        <a:buClrTx/>
+                        <a:buSzTx/>
+                        <a:buFontTx/>
+                        <a:buNone/>
+                        <a:tabLst/>
+                        <a:defRPr/>
+                      </a:pPr>
+                      <a:endParaRPr lang="en-US" sz="1400" dirty="0">
+                        <a:solidFill>
+                          <a:schemeClr val="bg1"/>
+                        </a:solidFill>
+                      </a:endParaRPr>
+                    </a:p>
+                  </a:txBody>
+                  <a:tcPr anchor="ctr"/>
+                </a:tc>
+                <a:tc>
+                  <a:txBody>
+                    <a:bodyPr/>
+                    <a:lstStyle/>
+                    <a:p>
+                      <a:pPr marL="0" marR="0" lvl="0" indent="0" algn="ctr" defTabSz="914400" rtl="0" eaLnBrk="1" fontAlgn="auto" latinLnBrk="0" hangingPunct="1">
+                        <a:lnSpc>
+                          <a:spcPct val="100000"/>
+                        </a:lnSpc>
+                        <a:spcBef>
+                          <a:spcPts val="0"/>
+                        </a:spcBef>
+                        <a:spcAft>
+                          <a:spcPts val="0"/>
+                        </a:spcAft>
+                        <a:buClrTx/>
+                        <a:buSzTx/>
+                        <a:buFontTx/>
+                        <a:buNone/>
+                        <a:tabLst/>
+                        <a:defRPr/>
+                      </a:pPr>
+                      <a:endParaRPr lang="en-US" sz="1400" dirty="0">
+                        <a:solidFill>
+                          <a:schemeClr val="bg1"/>
+                        </a:solidFill>
+                      </a:endParaRPr>
+                    </a:p>
+                  </a:txBody>
+                  <a:tcPr anchor="ctr"/>
+                </a:tc>
+                <a:tc>
+                  <a:txBody>
+                    <a:bodyPr/>
+                    <a:lstStyle/>
+                    <a:p>
+                      <a:pPr algn="ctr"/>
+                      <a:endParaRPr lang="en-US" sz="1400" dirty="0">
+                        <a:solidFill>
+                          <a:schemeClr val="bg1"/>
+                        </a:solidFill>
+                      </a:endParaRPr>
+                    </a:p>
+                  </a:txBody>
+                  <a:tcPr anchor="ctr"/>
+                </a:tc>
+                <a:extLst>
+                  <a:ext uri="{0D108BD9-81ED-4DB2-BD59-A6C34878D82A}">
+                    <a16:rowId xmlns:a16="http://schemas.microsoft.com/office/drawing/2014/main" val="405553906"/>
+                  </a:ext>
+                </a:extLst>
+              </a:tr>
+              <a:tr h="331589">
+                <a:tc>
+                  <a:txBody>
+                    <a:bodyPr/>
+                    <a:lstStyle/>
+                    <a:p>
+                      <a:pPr algn="ctr"/>
+                      <a:r>
+                        <a:rPr lang="en-US" sz="1400" dirty="0">
+                          <a:solidFill>
+                            <a:schemeClr val="bg1"/>
+                          </a:solidFill>
+                        </a:rPr>
+                        <a:t>4</a:t>
+                      </a:r>
+                    </a:p>
+                  </a:txBody>
+                  <a:tcPr anchor="ctr"/>
+                </a:tc>
+                <a:tc>
+                  <a:txBody>
+                    <a:bodyPr/>
+                    <a:lstStyle/>
+                    <a:p>
+                      <a:pPr algn="ctr"/>
+                      <a:r>
+                        <a:rPr lang="en-US" sz="1400" dirty="0">
+                          <a:solidFill>
+                            <a:schemeClr val="bg1"/>
+                          </a:solidFill>
+                        </a:rPr>
+                        <a:t>0.004</a:t>
+                      </a:r>
+                    </a:p>
+                  </a:txBody>
+                  <a:tcPr anchor="ctr"/>
+                </a:tc>
+                <a:tc>
+                  <a:txBody>
+                    <a:bodyPr/>
+                    <a:lstStyle/>
+                    <a:p>
+                      <a:pPr algn="ctr"/>
+                      <a:endParaRPr lang="en-US" sz="1400" dirty="0">
+                        <a:solidFill>
+                          <a:schemeClr val="bg1"/>
+                        </a:solidFill>
+                      </a:endParaRPr>
+                    </a:p>
+                  </a:txBody>
+                  <a:tcPr anchor="ctr"/>
+                </a:tc>
+                <a:tc>
+                  <a:txBody>
+                    <a:bodyPr/>
+                    <a:lstStyle/>
+                    <a:p>
+                      <a:pPr algn="ctr"/>
+                      <a:endParaRPr lang="en-US" sz="1400" dirty="0">
+                        <a:solidFill>
+                          <a:schemeClr val="bg1"/>
+                        </a:solidFill>
+                      </a:endParaRPr>
+                    </a:p>
+                  </a:txBody>
+                  <a:tcPr anchor="ctr"/>
+                </a:tc>
+                <a:tc>
+                  <a:txBody>
+                    <a:bodyPr/>
+                    <a:lstStyle/>
+                    <a:p>
+                      <a:pPr algn="ctr"/>
+                      <a:endParaRPr lang="en-US" sz="1400" dirty="0">
+                        <a:solidFill>
+                          <a:schemeClr val="bg1"/>
+                        </a:solidFill>
+                      </a:endParaRPr>
+                    </a:p>
+                  </a:txBody>
+                  <a:tcPr anchor="ctr"/>
+                </a:tc>
+                <a:extLst>
+                  <a:ext uri="{0D108BD9-81ED-4DB2-BD59-A6C34878D82A}">
+                    <a16:rowId xmlns:a16="http://schemas.microsoft.com/office/drawing/2014/main" val="3071267924"/>
+                  </a:ext>
+                </a:extLst>
+              </a:tr>
+              <a:tr h="331589">
+                <a:tc>
+                  <a:txBody>
+                    <a:bodyPr/>
+                    <a:lstStyle/>
+                    <a:p>
+                      <a:pPr algn="ctr"/>
+                      <a:r>
+                        <a:rPr lang="en-US" sz="1400" dirty="0">
+                          <a:solidFill>
+                            <a:schemeClr val="bg1"/>
+                          </a:solidFill>
+                        </a:rPr>
+                        <a:t>5</a:t>
+                      </a:r>
+                    </a:p>
+                  </a:txBody>
+                  <a:tcPr anchor="ctr"/>
+                </a:tc>
+                <a:tc>
+                  <a:txBody>
+                    <a:bodyPr/>
+                    <a:lstStyle/>
+                    <a:p>
+                      <a:pPr algn="ctr"/>
+                      <a:r>
+                        <a:rPr lang="en-US" sz="1400" dirty="0">
+                          <a:solidFill>
+                            <a:schemeClr val="bg1"/>
+                          </a:solidFill>
+                        </a:rPr>
+                        <a:t>0.005</a:t>
+                      </a:r>
+                    </a:p>
+                  </a:txBody>
+                  <a:tcPr anchor="ctr"/>
+                </a:tc>
+                <a:tc>
+                  <a:txBody>
+                    <a:bodyPr/>
+                    <a:lstStyle/>
+                    <a:p>
+                      <a:pPr algn="ctr"/>
+                      <a:endParaRPr lang="en-US" sz="1400" dirty="0">
+                        <a:solidFill>
+                          <a:schemeClr val="bg1"/>
+                        </a:solidFill>
+                      </a:endParaRPr>
+                    </a:p>
+                  </a:txBody>
+                  <a:tcPr anchor="ctr"/>
+                </a:tc>
+                <a:tc>
+                  <a:txBody>
+                    <a:bodyPr/>
+                    <a:lstStyle/>
+                    <a:p>
+                      <a:pPr algn="ctr"/>
+                      <a:endParaRPr lang="en-US" sz="1400" dirty="0">
+                        <a:solidFill>
+                          <a:schemeClr val="bg1"/>
+                        </a:solidFill>
+                      </a:endParaRPr>
+                    </a:p>
+                  </a:txBody>
+                  <a:tcPr anchor="ctr"/>
+                </a:tc>
+                <a:tc>
+                  <a:txBody>
+                    <a:bodyPr/>
+                    <a:lstStyle/>
+                    <a:p>
+                      <a:pPr algn="ctr"/>
+                      <a:endParaRPr lang="en-US" sz="1400" dirty="0">
+                        <a:solidFill>
+                          <a:schemeClr val="bg1"/>
+                        </a:solidFill>
+                      </a:endParaRPr>
+                    </a:p>
+                  </a:txBody>
+                  <a:tcPr anchor="ctr"/>
+                </a:tc>
+                <a:extLst>
+                  <a:ext uri="{0D108BD9-81ED-4DB2-BD59-A6C34878D82A}">
+                    <a16:rowId xmlns:a16="http://schemas.microsoft.com/office/drawing/2014/main" val="4211289570"/>
+                  </a:ext>
+                </a:extLst>
+              </a:tr>
+              <a:tr h="331589">
+                <a:tc>
+                  <a:txBody>
+                    <a:bodyPr/>
+                    <a:lstStyle/>
+                    <a:p>
+                      <a:pPr algn="ctr"/>
+                      <a:r>
+                        <a:rPr lang="en-US" sz="1400" dirty="0">
+                          <a:solidFill>
+                            <a:schemeClr val="bg1"/>
+                          </a:solidFill>
+                        </a:rPr>
+                        <a:t>…</a:t>
+                      </a:r>
+                    </a:p>
+                  </a:txBody>
+                  <a:tcPr anchor="ctr"/>
+                </a:tc>
+                <a:tc>
+                  <a:txBody>
+                    <a:bodyPr/>
+                    <a:lstStyle/>
+                    <a:p>
+                      <a:pPr algn="ctr"/>
+                      <a:r>
+                        <a:rPr lang="en-US" sz="1400" dirty="0">
+                          <a:solidFill>
+                            <a:schemeClr val="bg1"/>
+                          </a:solidFill>
+                        </a:rPr>
+                        <a:t>…</a:t>
+                      </a:r>
+                    </a:p>
+                  </a:txBody>
+                  <a:tcPr anchor="ctr"/>
+                </a:tc>
+                <a:tc>
+                  <a:txBody>
+                    <a:bodyPr/>
+                    <a:lstStyle/>
+                    <a:p>
+                      <a:pPr algn="ctr"/>
+                      <a:endParaRPr lang="en-US" sz="1400" dirty="0">
+                        <a:solidFill>
+                          <a:schemeClr val="bg1"/>
+                        </a:solidFill>
+                      </a:endParaRPr>
+                    </a:p>
+                  </a:txBody>
+                  <a:tcPr anchor="ctr"/>
+                </a:tc>
+                <a:tc>
+                  <a:txBody>
+                    <a:bodyPr/>
+                    <a:lstStyle/>
+                    <a:p>
+                      <a:pPr algn="ctr"/>
+                      <a:endParaRPr lang="en-US" sz="1400" dirty="0">
+                        <a:solidFill>
+                          <a:schemeClr val="bg1"/>
+                        </a:solidFill>
+                      </a:endParaRPr>
+                    </a:p>
+                  </a:txBody>
+                  <a:tcPr anchor="ctr"/>
+                </a:tc>
+                <a:tc>
+                  <a:txBody>
+                    <a:bodyPr/>
+                    <a:lstStyle/>
+                    <a:p>
+                      <a:pPr algn="ctr"/>
+                      <a:endParaRPr lang="en-US" sz="1400" dirty="0">
+                        <a:solidFill>
+                          <a:schemeClr val="bg1"/>
+                        </a:solidFill>
+                      </a:endParaRPr>
+                    </a:p>
+                  </a:txBody>
+                  <a:tcPr anchor="ctr"/>
+                </a:tc>
+                <a:extLst>
+                  <a:ext uri="{0D108BD9-81ED-4DB2-BD59-A6C34878D82A}">
+                    <a16:rowId xmlns:a16="http://schemas.microsoft.com/office/drawing/2014/main" val="1249224616"/>
+                  </a:ext>
+                </a:extLst>
+              </a:tr>
+              <a:tr h="331589">
+                <a:tc>
+                  <a:txBody>
+                    <a:bodyPr/>
+                    <a:lstStyle/>
+                    <a:p>
+                      <a:pPr algn="ctr"/>
+                      <a:r>
+                        <a:rPr lang="en-US" sz="1400" dirty="0">
+                          <a:solidFill>
+                            <a:schemeClr val="bg1"/>
+                          </a:solidFill>
+                        </a:rPr>
+                        <a:t>96</a:t>
+                      </a:r>
+                    </a:p>
+                  </a:txBody>
+                  <a:tcPr anchor="ctr"/>
+                </a:tc>
+                <a:tc>
+                  <a:txBody>
+                    <a:bodyPr/>
+                    <a:lstStyle/>
+                    <a:p>
+                      <a:pPr algn="ctr"/>
+                      <a:r>
+                        <a:rPr lang="en-US" sz="1400" dirty="0">
+                          <a:solidFill>
+                            <a:schemeClr val="bg1"/>
+                          </a:solidFill>
+                        </a:rPr>
+                        <a:t>0.096</a:t>
+                      </a:r>
+                    </a:p>
+                  </a:txBody>
+                  <a:tcPr anchor="ctr"/>
+                </a:tc>
+                <a:tc>
+                  <a:txBody>
+                    <a:bodyPr/>
+                    <a:lstStyle/>
+                    <a:p>
+                      <a:pPr algn="ctr"/>
+                      <a:endParaRPr lang="en-US" sz="1400" dirty="0">
+                        <a:solidFill>
+                          <a:schemeClr val="bg1"/>
+                        </a:solidFill>
+                      </a:endParaRPr>
+                    </a:p>
+                  </a:txBody>
+                  <a:tcPr anchor="ctr"/>
+                </a:tc>
+                <a:tc>
+                  <a:txBody>
+                    <a:bodyPr/>
+                    <a:lstStyle/>
+                    <a:p>
+                      <a:pPr algn="ctr"/>
+                      <a:endParaRPr lang="en-US" sz="1400" dirty="0">
+                        <a:solidFill>
+                          <a:schemeClr val="bg1"/>
+                        </a:solidFill>
+                      </a:endParaRPr>
+                    </a:p>
+                  </a:txBody>
+                  <a:tcPr anchor="ctr"/>
+                </a:tc>
+                <a:tc>
+                  <a:txBody>
+                    <a:bodyPr/>
+                    <a:lstStyle/>
+                    <a:p>
+                      <a:pPr algn="ctr"/>
+                      <a:endParaRPr lang="en-US" sz="1400" dirty="0">
+                        <a:solidFill>
+                          <a:schemeClr val="bg1"/>
+                        </a:solidFill>
+                      </a:endParaRPr>
+                    </a:p>
+                  </a:txBody>
+                  <a:tcPr anchor="ctr"/>
+                </a:tc>
+                <a:extLst>
+                  <a:ext uri="{0D108BD9-81ED-4DB2-BD59-A6C34878D82A}">
+                    <a16:rowId xmlns:a16="http://schemas.microsoft.com/office/drawing/2014/main" val="3081968159"/>
+                  </a:ext>
+                </a:extLst>
+              </a:tr>
+              <a:tr h="331589">
+                <a:tc>
+                  <a:txBody>
+                    <a:bodyPr/>
+                    <a:lstStyle/>
+                    <a:p>
+                      <a:pPr algn="ctr"/>
+                      <a:r>
+                        <a:rPr lang="en-US" sz="1400" dirty="0">
+                          <a:solidFill>
+                            <a:schemeClr val="bg1"/>
+                          </a:solidFill>
+                        </a:rPr>
+                        <a:t>97</a:t>
+                      </a:r>
+                    </a:p>
+                  </a:txBody>
+                  <a:tcPr anchor="ctr"/>
+                </a:tc>
+                <a:tc>
+                  <a:txBody>
+                    <a:bodyPr/>
+                    <a:lstStyle/>
+                    <a:p>
+                      <a:pPr algn="ctr"/>
+                      <a:r>
+                        <a:rPr lang="en-US" sz="1400" dirty="0">
+                          <a:solidFill>
+                            <a:schemeClr val="bg1"/>
+                          </a:solidFill>
+                        </a:rPr>
+                        <a:t>0.097</a:t>
+                      </a:r>
+                    </a:p>
+                  </a:txBody>
+                  <a:tcPr anchor="ctr"/>
+                </a:tc>
+                <a:tc>
+                  <a:txBody>
+                    <a:bodyPr/>
+                    <a:lstStyle/>
+                    <a:p>
+                      <a:pPr algn="ctr"/>
+                      <a:endParaRPr lang="en-US" sz="1400" dirty="0">
+                        <a:solidFill>
+                          <a:schemeClr val="bg1"/>
+                        </a:solidFill>
+                      </a:endParaRPr>
+                    </a:p>
+                  </a:txBody>
+                  <a:tcPr anchor="ctr"/>
+                </a:tc>
+                <a:tc>
+                  <a:txBody>
+                    <a:bodyPr/>
+                    <a:lstStyle/>
+                    <a:p>
+                      <a:pPr algn="ctr"/>
+                      <a:endParaRPr lang="en-US" sz="1400" dirty="0">
+                        <a:solidFill>
+                          <a:schemeClr val="bg1"/>
+                        </a:solidFill>
+                      </a:endParaRPr>
+                    </a:p>
+                  </a:txBody>
+                  <a:tcPr anchor="ctr"/>
+                </a:tc>
+                <a:tc>
+                  <a:txBody>
+                    <a:bodyPr/>
+                    <a:lstStyle/>
+                    <a:p>
+                      <a:pPr algn="ctr"/>
+                      <a:endParaRPr lang="en-US" sz="1400" dirty="0">
+                        <a:solidFill>
+                          <a:schemeClr val="bg1"/>
+                        </a:solidFill>
+                      </a:endParaRPr>
+                    </a:p>
+                  </a:txBody>
+                  <a:tcPr anchor="ctr"/>
+                </a:tc>
+                <a:extLst>
+                  <a:ext uri="{0D108BD9-81ED-4DB2-BD59-A6C34878D82A}">
+                    <a16:rowId xmlns:a16="http://schemas.microsoft.com/office/drawing/2014/main" val="919077687"/>
+                  </a:ext>
+                </a:extLst>
+              </a:tr>
+              <a:tr h="331589">
+                <a:tc>
+                  <a:txBody>
+                    <a:bodyPr/>
+                    <a:lstStyle/>
+                    <a:p>
+                      <a:pPr algn="ctr"/>
+                      <a:r>
+                        <a:rPr lang="en-US" sz="1400" dirty="0">
+                          <a:solidFill>
+                            <a:schemeClr val="bg1"/>
+                          </a:solidFill>
+                        </a:rPr>
+                        <a:t>98</a:t>
+                      </a:r>
+                    </a:p>
+                  </a:txBody>
+                  <a:tcPr anchor="ctr"/>
+                </a:tc>
+                <a:tc>
+                  <a:txBody>
+                    <a:bodyPr/>
+                    <a:lstStyle/>
+                    <a:p>
+                      <a:pPr algn="ctr"/>
+                      <a:r>
+                        <a:rPr lang="en-US" sz="1400" dirty="0">
+                          <a:solidFill>
+                            <a:schemeClr val="bg1"/>
+                          </a:solidFill>
+                        </a:rPr>
+                        <a:t>0.098</a:t>
+                      </a:r>
+                    </a:p>
+                  </a:txBody>
+                  <a:tcPr anchor="ctr"/>
+                </a:tc>
+                <a:tc>
+                  <a:txBody>
+                    <a:bodyPr/>
+                    <a:lstStyle/>
+                    <a:p>
+                      <a:pPr algn="ctr"/>
+                      <a:endParaRPr lang="en-US" sz="1400" dirty="0">
+                        <a:solidFill>
+                          <a:schemeClr val="bg1"/>
+                        </a:solidFill>
+                      </a:endParaRPr>
+                    </a:p>
+                  </a:txBody>
+                  <a:tcPr anchor="ctr"/>
+                </a:tc>
+                <a:tc>
+                  <a:txBody>
+                    <a:bodyPr/>
+                    <a:lstStyle/>
+                    <a:p>
+                      <a:pPr algn="ctr"/>
+                      <a:endParaRPr lang="en-US" sz="1400" dirty="0">
+                        <a:solidFill>
+                          <a:schemeClr val="bg1"/>
+                        </a:solidFill>
+                      </a:endParaRPr>
+                    </a:p>
+                  </a:txBody>
+                  <a:tcPr anchor="ctr"/>
+                </a:tc>
+                <a:tc>
+                  <a:txBody>
+                    <a:bodyPr/>
+                    <a:lstStyle/>
+                    <a:p>
+                      <a:pPr algn="ctr"/>
+                      <a:endParaRPr lang="en-US" sz="1400" dirty="0">
+                        <a:solidFill>
+                          <a:schemeClr val="bg1"/>
+                        </a:solidFill>
+                      </a:endParaRPr>
+                    </a:p>
+                  </a:txBody>
+                  <a:tcPr anchor="ctr"/>
+                </a:tc>
+                <a:extLst>
+                  <a:ext uri="{0D108BD9-81ED-4DB2-BD59-A6C34878D82A}">
+                    <a16:rowId xmlns:a16="http://schemas.microsoft.com/office/drawing/2014/main" val="2488594174"/>
+                  </a:ext>
+                </a:extLst>
+              </a:tr>
+              <a:tr h="331589">
+                <a:tc>
+                  <a:txBody>
+                    <a:bodyPr/>
+                    <a:lstStyle/>
+                    <a:p>
+                      <a:pPr algn="ctr"/>
+                      <a:r>
+                        <a:rPr lang="en-US" sz="1400" dirty="0">
+                          <a:solidFill>
+                            <a:schemeClr val="bg1"/>
+                          </a:solidFill>
+                        </a:rPr>
+                        <a:t>99</a:t>
+                      </a:r>
+                    </a:p>
+                  </a:txBody>
+                  <a:tcPr anchor="ctr"/>
+                </a:tc>
+                <a:tc>
+                  <a:txBody>
+                    <a:bodyPr/>
+                    <a:lstStyle/>
+                    <a:p>
+                      <a:pPr algn="ctr"/>
+                      <a:r>
+                        <a:rPr lang="en-US" sz="1400" dirty="0">
+                          <a:solidFill>
+                            <a:schemeClr val="bg1"/>
+                          </a:solidFill>
+                        </a:rPr>
+                        <a:t>0.099</a:t>
+                      </a:r>
+                    </a:p>
+                  </a:txBody>
+                  <a:tcPr anchor="ctr"/>
+                </a:tc>
+                <a:tc>
+                  <a:txBody>
+                    <a:bodyPr/>
+                    <a:lstStyle/>
+                    <a:p>
+                      <a:pPr algn="ctr"/>
+                      <a:endParaRPr lang="en-US" sz="1400" dirty="0">
+                        <a:solidFill>
+                          <a:schemeClr val="bg1"/>
+                        </a:solidFill>
+                      </a:endParaRPr>
+                    </a:p>
+                  </a:txBody>
+                  <a:tcPr anchor="ctr"/>
+                </a:tc>
+                <a:tc>
+                  <a:txBody>
+                    <a:bodyPr/>
+                    <a:lstStyle/>
+                    <a:p>
+                      <a:pPr algn="ctr"/>
+                      <a:endParaRPr lang="en-US" sz="1400" dirty="0">
+                        <a:solidFill>
+                          <a:schemeClr val="bg1"/>
+                        </a:solidFill>
+                      </a:endParaRPr>
+                    </a:p>
+                  </a:txBody>
+                  <a:tcPr anchor="ctr"/>
+                </a:tc>
+                <a:tc>
+                  <a:txBody>
+                    <a:bodyPr/>
+                    <a:lstStyle/>
+                    <a:p>
+                      <a:pPr algn="ctr"/>
+                      <a:endParaRPr lang="en-US" sz="1400" dirty="0">
+                        <a:solidFill>
+                          <a:schemeClr val="bg1"/>
+                        </a:solidFill>
+                      </a:endParaRPr>
+                    </a:p>
+                  </a:txBody>
+                  <a:tcPr anchor="ctr"/>
+                </a:tc>
+                <a:extLst>
+                  <a:ext uri="{0D108BD9-81ED-4DB2-BD59-A6C34878D82A}">
+                    <a16:rowId xmlns:a16="http://schemas.microsoft.com/office/drawing/2014/main" val="1236157343"/>
+                  </a:ext>
+                </a:extLst>
+              </a:tr>
+              <a:tr h="331589">
+                <a:tc>
+                  <a:txBody>
+                    <a:bodyPr/>
+                    <a:lstStyle/>
+                    <a:p>
+                      <a:pPr algn="ctr"/>
+                      <a:r>
+                        <a:rPr lang="en-US" sz="1400" dirty="0">
+                          <a:solidFill>
+                            <a:schemeClr val="bg1"/>
+                          </a:solidFill>
+                        </a:rPr>
+                        <a:t>100</a:t>
+                      </a:r>
+                    </a:p>
+                  </a:txBody>
+                  <a:tcPr anchor="ctr"/>
+                </a:tc>
+                <a:tc>
+                  <a:txBody>
+                    <a:bodyPr/>
+                    <a:lstStyle/>
+                    <a:p>
+                      <a:pPr algn="ctr"/>
+                      <a:r>
+                        <a:rPr lang="en-US" sz="1400" dirty="0">
+                          <a:solidFill>
+                            <a:schemeClr val="bg1"/>
+                          </a:solidFill>
+                        </a:rPr>
+                        <a:t>0.100</a:t>
+                      </a:r>
+                    </a:p>
+                  </a:txBody>
+                  <a:tcPr anchor="ctr"/>
+                </a:tc>
+                <a:tc>
+                  <a:txBody>
+                    <a:bodyPr/>
+                    <a:lstStyle/>
+                    <a:p>
+                      <a:pPr algn="ctr"/>
+                      <a:endParaRPr lang="en-US" sz="1400" dirty="0">
+                        <a:solidFill>
+                          <a:schemeClr val="bg1"/>
+                        </a:solidFill>
+                      </a:endParaRPr>
+                    </a:p>
+                  </a:txBody>
+                  <a:tcPr anchor="ctr"/>
+                </a:tc>
+                <a:tc>
+                  <a:txBody>
+                    <a:bodyPr/>
+                    <a:lstStyle/>
+                    <a:p>
+                      <a:pPr algn="ctr"/>
+                      <a:endParaRPr lang="en-US" sz="1400" dirty="0">
+                        <a:solidFill>
+                          <a:schemeClr val="bg1"/>
+                        </a:solidFill>
+                      </a:endParaRPr>
+                    </a:p>
+                  </a:txBody>
+                  <a:tcPr anchor="ctr"/>
+                </a:tc>
+                <a:tc>
+                  <a:txBody>
+                    <a:bodyPr/>
+                    <a:lstStyle/>
+                    <a:p>
+                      <a:pPr algn="ctr"/>
+                      <a:endParaRPr lang="en-US" sz="1400" dirty="0">
+                        <a:solidFill>
+                          <a:schemeClr val="bg1"/>
+                        </a:solidFill>
+                      </a:endParaRPr>
+                    </a:p>
+                  </a:txBody>
+                  <a:tcPr anchor="ctr"/>
+                </a:tc>
+                <a:extLst>
+                  <a:ext uri="{0D108BD9-81ED-4DB2-BD59-A6C34878D82A}">
+                    <a16:rowId xmlns:a16="http://schemas.microsoft.com/office/drawing/2014/main" val="1485211966"/>
+                  </a:ext>
+                </a:extLst>
+              </a:tr>
+              <a:tr h="331589">
+                <a:tc gridSpan="4">
+                  <a:txBody>
+                    <a:bodyPr/>
+                    <a:lstStyle/>
+                    <a:p>
+                      <a:pPr algn="ctr"/>
+                      <a:r>
+                        <a:rPr lang="en-US" sz="1400" b="1" dirty="0">
+                          <a:solidFill>
+                            <a:schemeClr val="bg1"/>
+                          </a:solidFill>
+                        </a:rPr>
+                        <a:t>Average Error:</a:t>
+                      </a:r>
+                    </a:p>
+                  </a:txBody>
+                  <a:tcPr anchor="ctr"/>
+                </a:tc>
+                <a:tc hMerge="1">
+                  <a:txBody>
+                    <a:bodyPr/>
+                    <a:lstStyle/>
+                    <a:p>
+                      <a:pPr algn="ctr"/>
+                      <a:endParaRPr lang="en-US" sz="1400" dirty="0">
+                        <a:solidFill>
+                          <a:schemeClr val="tx1"/>
+                        </a:solidFill>
+                      </a:endParaRPr>
+                    </a:p>
+                  </a:txBody>
+                  <a:tcPr anchor="ctr"/>
+                </a:tc>
+                <a:tc hMerge="1">
+                  <a:txBody>
+                    <a:bodyPr/>
+                    <a:lstStyle/>
+                    <a:p>
+                      <a:pPr algn="ctr"/>
+                      <a:endParaRPr lang="en-US" sz="1400" dirty="0">
+                        <a:solidFill>
+                          <a:schemeClr val="tx1"/>
+                        </a:solidFill>
+                      </a:endParaRPr>
+                    </a:p>
+                  </a:txBody>
+                  <a:tcPr anchor="ctr"/>
+                </a:tc>
+                <a:tc hMerge="1">
+                  <a:txBody>
+                    <a:bodyPr/>
+                    <a:lstStyle/>
+                    <a:p>
+                      <a:pPr algn="ctr"/>
+                      <a:endParaRPr lang="en-US" sz="1400" dirty="0">
+                        <a:solidFill>
+                          <a:schemeClr val="tx1"/>
+                        </a:solidFill>
+                      </a:endParaRPr>
+                    </a:p>
+                  </a:txBody>
+                  <a:tcPr anchor="ctr"/>
+                </a:tc>
+                <a:tc>
+                  <a:txBody>
+                    <a:bodyPr/>
+                    <a:lstStyle/>
+                    <a:p>
+                      <a:pPr algn="ctr"/>
+                      <a:endParaRPr lang="en-US" sz="1400" b="1" dirty="0">
+                        <a:solidFill>
+                          <a:schemeClr val="bg1"/>
+                        </a:solidFill>
+                      </a:endParaRPr>
+                    </a:p>
+                  </a:txBody>
+                  <a:tcPr anchor="ctr"/>
+                </a:tc>
+                <a:extLst>
+                  <a:ext uri="{0D108BD9-81ED-4DB2-BD59-A6C34878D82A}">
+                    <a16:rowId xmlns:a16="http://schemas.microsoft.com/office/drawing/2014/main" val="3316968185"/>
+                  </a:ext>
+                </a:extLst>
+              </a:tr>
+            </a:tbl>
+          </a:graphicData>
+        </a:graphic>
+      </p:graphicFrame>
+    </p:spTree>
+    <p:extLst>
+      <p:ext uri="{BB962C8B-B14F-4D97-AF65-F5344CB8AC3E}">
+        <p14:creationId xmlns:p14="http://schemas.microsoft.com/office/powerpoint/2010/main" val="815118964"/>
+      </p:ext>
+    </p:extLst>
+  </p:cSld>
+  <p:clrMapOvr>
+    <a:masterClrMapping/>
+  </p:clrMapOvr>
+  <mc:AlternateContent xmlns:mc="http://schemas.openxmlformats.org/markup-compatibility/2006">
+    <mc:Choice xmlns:p159="http://schemas.microsoft.com/office/powerpoint/2015/09/main" Requires="p159">
+      <p:transition xmlns:p14="http://schemas.microsoft.com/office/powerpoint/2010/main" spd="slow" p14:dur="2000">
+        <p159:morph option="byObject"/>
+      </p:transition>
+    </mc:Choice>
+    <mc:Fallback>
+      <p:transition spd="slow">
+        <p:fade/>
+      </p:transition>
+    </mc:Fallback>
+  </mc:AlternateContent>
+</p:sld>
+</file>
+
+<file path=ppt/slides/slide16.xml><?xml version="1.0" encoding="utf-8"?>
+<p:sld xmlns:a="http://schemas.openxmlformats.org/drawingml/2006/main" xmlns:r="http://schemas.openxmlformats.org/officeDocument/2006/relationships" xmlns:p="http://schemas.openxmlformats.org/presentationml/2006/main">
+  <p:cSld>
+    <p:spTree>
+      <p:nvGrpSpPr>
+        <p:cNvPr id="1" name=""/>
+        <p:cNvGrpSpPr/>
+        <p:nvPr/>
+      </p:nvGrpSpPr>
+      <p:grpSpPr>
+        <a:xfrm>
+          <a:off x="0" y="0"/>
+          <a:ext cx="0" cy="0"/>
+          <a:chOff x="0" y="0"/>
+          <a:chExt cx="0" cy="0"/>
+        </a:xfrm>
+      </p:grpSpPr>
+      <p:sp>
+        <p:nvSpPr>
+          <p:cNvPr id="2" name="Title 1">
+            <a:extLst>
+              <a:ext uri="{FF2B5EF4-FFF2-40B4-BE49-F238E27FC236}">
+                <a16:creationId xmlns:a16="http://schemas.microsoft.com/office/drawing/2014/main" id="{8C91799D-89F8-4799-B368-1846FD4DBEE7}"/>
+              </a:ext>
+            </a:extLst>
+          </p:cNvPr>
+          <p:cNvSpPr>
+            <a:spLocks noGrp="1"/>
+          </p:cNvSpPr>
+          <p:nvPr>
+            <p:ph type="title"/>
+          </p:nvPr>
+        </p:nvSpPr>
+        <p:spPr/>
+        <p:txBody>
+          <a:bodyPr/>
+          <a:lstStyle/>
+          <a:p>
+            <a:r>
+              <a:rPr lang="en-US" b="1" dirty="0"/>
+              <a:t>4. Simulation result</a:t>
+            </a:r>
+          </a:p>
+        </p:txBody>
+      </p:sp>
+      <p:sp>
+        <p:nvSpPr>
+          <p:cNvPr id="7" name="Content Placeholder 9">
+            <a:extLst>
+              <a:ext uri="{FF2B5EF4-FFF2-40B4-BE49-F238E27FC236}">
+                <a16:creationId xmlns:a16="http://schemas.microsoft.com/office/drawing/2014/main" id="{88C9CA7C-16B8-4A29-A7E7-55AA14A0A69E}"/>
+              </a:ext>
+            </a:extLst>
+          </p:cNvPr>
+          <p:cNvSpPr txBox="1">
+            <a:spLocks/>
+          </p:cNvSpPr>
+          <p:nvPr/>
+        </p:nvSpPr>
+        <p:spPr>
+          <a:xfrm>
+            <a:off x="838200" y="1444843"/>
+            <a:ext cx="10515600" cy="491690"/>
+          </a:xfrm>
+          <a:prstGeom prst="rect">
+            <a:avLst/>
+          </a:prstGeom>
+        </p:spPr>
+        <p:txBody>
+          <a:bodyPr vert="horz" lIns="91440" tIns="45720" rIns="91440" bIns="45720" rtlCol="0">
+            <a:normAutofit/>
+          </a:bodyPr>
+          <a:lstStyle>
+            <a:lvl1pPr marL="228600" indent="-228600" algn="l" defTabSz="914400" rtl="0" eaLnBrk="1" latinLnBrk="0" hangingPunct="1">
+              <a:lnSpc>
+                <a:spcPct val="90000"/>
+              </a:lnSpc>
+              <a:spcBef>
+                <a:spcPts val="1000"/>
+              </a:spcBef>
+              <a:buFont typeface="Arial" panose="020B0604020202020204" pitchFamily="34" charset="0"/>
+              <a:buChar char="•"/>
+              <a:defRPr sz="2800" kern="1200">
+                <a:solidFill>
+                  <a:schemeClr val="tx1"/>
+                </a:solidFill>
+                <a:latin typeface="+mn-lt"/>
+                <a:ea typeface="+mn-ea"/>
+                <a:cs typeface="+mn-cs"/>
+              </a:defRPr>
+            </a:lvl1pPr>
+            <a:lvl2pPr marL="685800" indent="-228600" algn="l" defTabSz="914400" rtl="0" eaLnBrk="1" latinLnBrk="0" hangingPunct="1">
+              <a:lnSpc>
+                <a:spcPct val="90000"/>
+              </a:lnSpc>
+              <a:spcBef>
+                <a:spcPts val="500"/>
+              </a:spcBef>
+              <a:buFont typeface="Arial" panose="020B0604020202020204" pitchFamily="34" charset="0"/>
+              <a:buChar char="•"/>
+              <a:defRPr sz="2400" kern="1200">
+                <a:solidFill>
+                  <a:schemeClr val="tx1"/>
+                </a:solidFill>
+                <a:latin typeface="+mn-lt"/>
+                <a:ea typeface="+mn-ea"/>
+                <a:cs typeface="+mn-cs"/>
+              </a:defRPr>
+            </a:lvl2pPr>
+            <a:lvl3pPr marL="1143000" indent="-228600" algn="l" defTabSz="914400" rtl="0" eaLnBrk="1" latinLnBrk="0" hangingPunct="1">
+              <a:lnSpc>
+                <a:spcPct val="90000"/>
+              </a:lnSpc>
+              <a:spcBef>
+                <a:spcPts val="500"/>
+              </a:spcBef>
+              <a:buFont typeface="Arial" panose="020B0604020202020204" pitchFamily="34" charset="0"/>
+              <a:buChar char="•"/>
+              <a:defRPr sz="2000" kern="1200">
+                <a:solidFill>
+                  <a:schemeClr val="tx1"/>
+                </a:solidFill>
+                <a:latin typeface="+mn-lt"/>
+                <a:ea typeface="+mn-ea"/>
+                <a:cs typeface="+mn-cs"/>
+              </a:defRPr>
+            </a:lvl3pPr>
+            <a:lvl4pPr marL="1600200" indent="-228600" algn="l" defTabSz="914400" rtl="0" eaLnBrk="1" latinLnBrk="0" hangingPunct="1">
+              <a:lnSpc>
+                <a:spcPct val="90000"/>
+              </a:lnSpc>
+              <a:spcBef>
+                <a:spcPts val="500"/>
+              </a:spcBef>
+              <a:buFont typeface="Arial" panose="020B0604020202020204" pitchFamily="34" charset="0"/>
+              <a:buChar char="•"/>
+              <a:defRPr sz="1800" kern="1200">
+                <a:solidFill>
+                  <a:schemeClr val="tx1"/>
+                </a:solidFill>
+                <a:latin typeface="+mn-lt"/>
+                <a:ea typeface="+mn-ea"/>
+                <a:cs typeface="+mn-cs"/>
+              </a:defRPr>
+            </a:lvl4pPr>
+            <a:lvl5pPr marL="2057400" indent="-228600" algn="l" defTabSz="914400" rtl="0" eaLnBrk="1" latinLnBrk="0" hangingPunct="1">
+              <a:lnSpc>
+                <a:spcPct val="90000"/>
+              </a:lnSpc>
+              <a:spcBef>
+                <a:spcPts val="500"/>
+              </a:spcBef>
+              <a:buFont typeface="Arial" panose="020B0604020202020204" pitchFamily="34" charset="0"/>
+              <a:buChar char="•"/>
+              <a:defRPr sz="1800" kern="1200">
+                <a:solidFill>
+                  <a:schemeClr val="tx1"/>
+                </a:solidFill>
+                <a:latin typeface="+mn-lt"/>
+                <a:ea typeface="+mn-ea"/>
+                <a:cs typeface="+mn-cs"/>
+              </a:defRPr>
+            </a:lvl5pPr>
+            <a:lvl6pPr marL="2514600" indent="-228600" algn="l" defTabSz="914400" rtl="0" eaLnBrk="1" latinLnBrk="0" hangingPunct="1">
+              <a:lnSpc>
+                <a:spcPct val="90000"/>
+              </a:lnSpc>
+              <a:spcBef>
+                <a:spcPts val="500"/>
+              </a:spcBef>
+              <a:buFont typeface="Arial" panose="020B0604020202020204" pitchFamily="34" charset="0"/>
+              <a:buChar char="•"/>
+              <a:defRPr sz="1800" kern="1200">
+                <a:solidFill>
+                  <a:schemeClr val="tx1"/>
+                </a:solidFill>
+                <a:latin typeface="+mn-lt"/>
+                <a:ea typeface="+mn-ea"/>
+                <a:cs typeface="+mn-cs"/>
+              </a:defRPr>
+            </a:lvl6pPr>
+            <a:lvl7pPr marL="2971800" indent="-228600" algn="l" defTabSz="914400" rtl="0" eaLnBrk="1" latinLnBrk="0" hangingPunct="1">
+              <a:lnSpc>
+                <a:spcPct val="90000"/>
+              </a:lnSpc>
+              <a:spcBef>
+                <a:spcPts val="500"/>
+              </a:spcBef>
+              <a:buFont typeface="Arial" panose="020B0604020202020204" pitchFamily="34" charset="0"/>
+              <a:buChar char="•"/>
+              <a:defRPr sz="1800" kern="1200">
+                <a:solidFill>
+                  <a:schemeClr val="tx1"/>
+                </a:solidFill>
+                <a:latin typeface="+mn-lt"/>
+                <a:ea typeface="+mn-ea"/>
+                <a:cs typeface="+mn-cs"/>
+              </a:defRPr>
+            </a:lvl7pPr>
+            <a:lvl8pPr marL="3429000" indent="-228600" algn="l" defTabSz="914400" rtl="0" eaLnBrk="1" latinLnBrk="0" hangingPunct="1">
+              <a:lnSpc>
+                <a:spcPct val="90000"/>
+              </a:lnSpc>
+              <a:spcBef>
+                <a:spcPts val="500"/>
+              </a:spcBef>
+              <a:buFont typeface="Arial" panose="020B0604020202020204" pitchFamily="34" charset="0"/>
+              <a:buChar char="•"/>
+              <a:defRPr sz="1800" kern="1200">
+                <a:solidFill>
+                  <a:schemeClr val="tx1"/>
+                </a:solidFill>
+                <a:latin typeface="+mn-lt"/>
+                <a:ea typeface="+mn-ea"/>
+                <a:cs typeface="+mn-cs"/>
+              </a:defRPr>
+            </a:lvl8pPr>
+            <a:lvl9pPr marL="3886200" indent="-228600" algn="l" defTabSz="914400" rtl="0" eaLnBrk="1" latinLnBrk="0" hangingPunct="1">
+              <a:lnSpc>
+                <a:spcPct val="90000"/>
+              </a:lnSpc>
+              <a:spcBef>
+                <a:spcPts val="500"/>
+              </a:spcBef>
+              <a:buFont typeface="Arial" panose="020B0604020202020204" pitchFamily="34" charset="0"/>
+              <a:buChar char="•"/>
+              <a:defRPr sz="1800" kern="1200">
+                <a:solidFill>
+                  <a:schemeClr val="tx1"/>
+                </a:solidFill>
+                <a:latin typeface="+mn-lt"/>
+                <a:ea typeface="+mn-ea"/>
+                <a:cs typeface="+mn-cs"/>
+              </a:defRPr>
+            </a:lvl9pPr>
+          </a:lstStyle>
+          <a:p>
+            <a:pPr marL="0" indent="0" algn="ctr">
+              <a:buNone/>
+            </a:pPr>
+            <a:r>
+              <a:rPr lang="en-US" sz="2800" dirty="0"/>
+              <a:t>Case: </a:t>
+            </a:r>
+            <a:r>
+              <a:rPr lang="en-US" dirty="0"/>
+              <a:t>I</a:t>
+            </a:r>
+            <a:r>
+              <a:rPr lang="en-US" sz="2800" dirty="0"/>
+              <a:t>nput is a negative number.</a:t>
+            </a:r>
+          </a:p>
+        </p:txBody>
+      </p:sp>
+      <p:graphicFrame>
+        <p:nvGraphicFramePr>
+          <p:cNvPr id="5" name="Table 13">
+            <a:extLst>
+              <a:ext uri="{FF2B5EF4-FFF2-40B4-BE49-F238E27FC236}">
+                <a16:creationId xmlns:a16="http://schemas.microsoft.com/office/drawing/2014/main" id="{8E9E69E1-23AC-4FBE-8AF5-78425CABDF33}"/>
+              </a:ext>
+            </a:extLst>
+          </p:cNvPr>
+          <p:cNvGraphicFramePr>
+            <a:graphicFrameLocks noGrp="1"/>
+          </p:cNvGraphicFramePr>
+          <p:nvPr>
+            <p:extLst>
+              <p:ext uri="{D42A27DB-BD31-4B8C-83A1-F6EECF244321}">
+                <p14:modId xmlns:p14="http://schemas.microsoft.com/office/powerpoint/2010/main" val="4255884323"/>
+              </p:ext>
+            </p:extLst>
+          </p:nvPr>
+        </p:nvGraphicFramePr>
+        <p:xfrm>
+          <a:off x="614191" y="2037135"/>
+          <a:ext cx="10952967" cy="4320354"/>
+        </p:xfrm>
+        <a:graphic>
+          <a:graphicData uri="http://schemas.openxmlformats.org/drawingml/2006/table">
+            <a:tbl>
+              <a:tblPr firstRow="1" bandRow="1">
+                <a:tableStyleId>{5C22544A-7EE6-4342-B048-85BDC9FD1C3A}</a:tableStyleId>
+              </a:tblPr>
+              <a:tblGrid>
+                <a:gridCol w="908056">
+                  <a:extLst>
+                    <a:ext uri="{9D8B030D-6E8A-4147-A177-3AD203B41FA5}">
+                      <a16:colId xmlns:a16="http://schemas.microsoft.com/office/drawing/2014/main" val="3208209321"/>
+                    </a:ext>
+                  </a:extLst>
+                </a:gridCol>
+                <a:gridCol w="1577071">
+                  <a:extLst>
+                    <a:ext uri="{9D8B030D-6E8A-4147-A177-3AD203B41FA5}">
+                      <a16:colId xmlns:a16="http://schemas.microsoft.com/office/drawing/2014/main" val="3200619023"/>
+                    </a:ext>
+                  </a:extLst>
+                </a:gridCol>
+                <a:gridCol w="2914657">
+                  <a:extLst>
+                    <a:ext uri="{9D8B030D-6E8A-4147-A177-3AD203B41FA5}">
+                      <a16:colId xmlns:a16="http://schemas.microsoft.com/office/drawing/2014/main" val="1480471849"/>
+                    </a:ext>
+                  </a:extLst>
+                </a:gridCol>
+                <a:gridCol w="2717083">
+                  <a:extLst>
+                    <a:ext uri="{9D8B030D-6E8A-4147-A177-3AD203B41FA5}">
+                      <a16:colId xmlns:a16="http://schemas.microsoft.com/office/drawing/2014/main" val="601428542"/>
+                    </a:ext>
+                  </a:extLst>
+                </a:gridCol>
+                <a:gridCol w="2836100">
+                  <a:extLst>
+                    <a:ext uri="{9D8B030D-6E8A-4147-A177-3AD203B41FA5}">
+                      <a16:colId xmlns:a16="http://schemas.microsoft.com/office/drawing/2014/main" val="3165428621"/>
+                    </a:ext>
+                  </a:extLst>
+                </a:gridCol>
+              </a:tblGrid>
+              <a:tr h="292530">
+                <a:tc>
+                  <a:txBody>
+                    <a:bodyPr/>
+                    <a:lstStyle/>
+                    <a:p>
+                      <a:pPr algn="ctr"/>
+                      <a:r>
+                        <a:rPr lang="en-US" sz="1400" dirty="0">
+                          <a:solidFill>
+                            <a:schemeClr val="bg1"/>
+                          </a:solidFill>
+                        </a:rPr>
+                        <a:t>STT</a:t>
+                      </a:r>
+                    </a:p>
+                  </a:txBody>
+                  <a:tcPr/>
+                </a:tc>
+                <a:tc>
+                  <a:txBody>
+                    <a:bodyPr/>
+                    <a:lstStyle/>
+                    <a:p>
+                      <a:pPr algn="ctr"/>
+                      <a:r>
+                        <a:rPr lang="en-US" sz="1200" dirty="0">
+                          <a:solidFill>
+                            <a:schemeClr val="bg1"/>
+                          </a:solidFill>
+                        </a:rPr>
+                        <a:t>Integer</a:t>
+                      </a:r>
+                    </a:p>
+                  </a:txBody>
+                  <a:tcPr/>
+                </a:tc>
+                <a:tc>
+                  <a:txBody>
+                    <a:bodyPr/>
+                    <a:lstStyle/>
+                    <a:p>
+                      <a:pPr algn="ctr"/>
+                      <a:r>
+                        <a:rPr lang="en-US" sz="1200" dirty="0">
+                          <a:solidFill>
+                            <a:schemeClr val="bg1"/>
+                          </a:solidFill>
+                        </a:rPr>
+                        <a:t>Result from </a:t>
+                      </a:r>
+                      <a:r>
+                        <a:rPr lang="en-US" sz="1200" dirty="0" err="1">
+                          <a:solidFill>
+                            <a:schemeClr val="bg1"/>
+                          </a:solidFill>
+                        </a:rPr>
+                        <a:t>math.sqrt</a:t>
+                      </a:r>
+                      <a:r>
+                        <a:rPr lang="en-US" sz="1200" dirty="0">
+                          <a:solidFill>
+                            <a:schemeClr val="bg1"/>
+                          </a:solidFill>
+                        </a:rPr>
+                        <a:t>()</a:t>
+                      </a:r>
+                    </a:p>
+                  </a:txBody>
+                  <a:tcPr/>
+                </a:tc>
+                <a:tc>
+                  <a:txBody>
+                    <a:bodyPr/>
+                    <a:lstStyle/>
+                    <a:p>
+                      <a:pPr algn="ctr"/>
+                      <a:r>
+                        <a:rPr lang="en-US" sz="1200" dirty="0">
+                          <a:solidFill>
+                            <a:schemeClr val="bg1"/>
+                          </a:solidFill>
+                        </a:rPr>
+                        <a:t>Result from circuit</a:t>
+                      </a:r>
+                    </a:p>
+                  </a:txBody>
+                  <a:tcPr/>
+                </a:tc>
+                <a:tc>
+                  <a:txBody>
+                    <a:bodyPr/>
+                    <a:lstStyle/>
+                    <a:p>
+                      <a:pPr algn="ctr"/>
+                      <a:r>
+                        <a:rPr lang="en-US" sz="1400" dirty="0">
+                          <a:solidFill>
+                            <a:schemeClr val="bg1"/>
+                          </a:solidFill>
+                        </a:rPr>
+                        <a:t>Error</a:t>
+                      </a:r>
+                    </a:p>
+                  </a:txBody>
+                  <a:tcPr/>
+                </a:tc>
+                <a:extLst>
+                  <a:ext uri="{0D108BD9-81ED-4DB2-BD59-A6C34878D82A}">
+                    <a16:rowId xmlns:a16="http://schemas.microsoft.com/office/drawing/2014/main" val="313065721"/>
+                  </a:ext>
+                </a:extLst>
+              </a:tr>
+              <a:tr h="368075">
+                <a:tc>
+                  <a:txBody>
+                    <a:bodyPr/>
+                    <a:lstStyle/>
+                    <a:p>
+                      <a:pPr algn="ctr"/>
+                      <a:r>
+                        <a:rPr lang="en-US" sz="1400" dirty="0">
+                          <a:solidFill>
+                            <a:schemeClr val="bg1"/>
+                          </a:solidFill>
+                        </a:rPr>
+                        <a:t>1</a:t>
+                      </a:r>
+                    </a:p>
+                  </a:txBody>
+                  <a:tcPr anchor="ctr"/>
+                </a:tc>
+                <a:tc>
+                  <a:txBody>
+                    <a:bodyPr/>
+                    <a:lstStyle/>
+                    <a:p>
+                      <a:pPr algn="ctr"/>
+                      <a:r>
+                        <a:rPr lang="en-US" sz="1400" dirty="0">
+                          <a:solidFill>
+                            <a:schemeClr val="bg1"/>
+                          </a:solidFill>
+                        </a:rPr>
+                        <a:t>-0.1</a:t>
+                      </a:r>
+                    </a:p>
+                  </a:txBody>
+                  <a:tcPr anchor="ctr"/>
+                </a:tc>
+                <a:tc>
+                  <a:txBody>
+                    <a:bodyPr/>
+                    <a:lstStyle/>
+                    <a:p>
+                      <a:pPr marL="0" marR="0" lvl="0" indent="0" algn="ctr" defTabSz="914400" rtl="0" eaLnBrk="1" fontAlgn="auto" latinLnBrk="0" hangingPunct="1">
+                        <a:lnSpc>
+                          <a:spcPct val="100000"/>
+                        </a:lnSpc>
+                        <a:spcBef>
+                          <a:spcPts val="0"/>
+                        </a:spcBef>
+                        <a:spcAft>
+                          <a:spcPts val="0"/>
+                        </a:spcAft>
+                        <a:buClrTx/>
+                        <a:buSzTx/>
+                        <a:buFontTx/>
+                        <a:buNone/>
+                        <a:tabLst/>
+                        <a:defRPr/>
+                      </a:pPr>
+                      <a:endParaRPr lang="en-US" sz="1400" dirty="0">
+                        <a:solidFill>
+                          <a:schemeClr val="bg1"/>
+                        </a:solidFill>
+                      </a:endParaRPr>
+                    </a:p>
+                  </a:txBody>
+                  <a:tcPr anchor="ctr"/>
+                </a:tc>
+                <a:tc>
+                  <a:txBody>
+                    <a:bodyPr/>
+                    <a:lstStyle/>
+                    <a:p>
+                      <a:pPr algn="ctr"/>
+                      <a:endParaRPr lang="en-US" sz="1400" dirty="0">
+                        <a:solidFill>
+                          <a:schemeClr val="bg1"/>
+                        </a:solidFill>
+                      </a:endParaRPr>
+                    </a:p>
+                  </a:txBody>
+                  <a:tcPr anchor="ctr"/>
+                </a:tc>
+                <a:tc>
+                  <a:txBody>
+                    <a:bodyPr/>
+                    <a:lstStyle/>
+                    <a:p>
+                      <a:pPr algn="ctr"/>
+                      <a:endParaRPr lang="en-US" sz="1400" dirty="0">
+                        <a:solidFill>
+                          <a:schemeClr val="bg1"/>
+                        </a:solidFill>
+                      </a:endParaRPr>
+                    </a:p>
+                  </a:txBody>
+                  <a:tcPr anchor="ctr"/>
+                </a:tc>
+                <a:extLst>
+                  <a:ext uri="{0D108BD9-81ED-4DB2-BD59-A6C34878D82A}">
+                    <a16:rowId xmlns:a16="http://schemas.microsoft.com/office/drawing/2014/main" val="4191773640"/>
+                  </a:ext>
+                </a:extLst>
+              </a:tr>
+              <a:tr h="331589">
+                <a:tc>
+                  <a:txBody>
+                    <a:bodyPr/>
+                    <a:lstStyle/>
+                    <a:p>
+                      <a:pPr algn="ctr"/>
+                      <a:r>
+                        <a:rPr lang="en-US" sz="1400" dirty="0">
+                          <a:solidFill>
+                            <a:schemeClr val="bg1"/>
+                          </a:solidFill>
+                        </a:rPr>
+                        <a:t>2</a:t>
+                      </a:r>
+                    </a:p>
+                  </a:txBody>
+                  <a:tcPr anchor="ctr"/>
+                </a:tc>
+                <a:tc>
+                  <a:txBody>
+                    <a:bodyPr/>
+                    <a:lstStyle/>
+                    <a:p>
+                      <a:pPr algn="ctr"/>
+                      <a:r>
+                        <a:rPr lang="en-US" sz="1400" dirty="0">
+                          <a:solidFill>
+                            <a:schemeClr val="bg1"/>
+                          </a:solidFill>
+                        </a:rPr>
+                        <a:t>-0.2</a:t>
+                      </a:r>
+                    </a:p>
+                  </a:txBody>
+                  <a:tcPr anchor="ctr"/>
+                </a:tc>
+                <a:tc>
+                  <a:txBody>
+                    <a:bodyPr/>
+                    <a:lstStyle/>
+                    <a:p>
+                      <a:pPr marL="0" marR="0" lvl="0" indent="0" algn="ctr" defTabSz="914400" rtl="0" eaLnBrk="1" fontAlgn="auto" latinLnBrk="0" hangingPunct="1">
+                        <a:lnSpc>
+                          <a:spcPct val="100000"/>
+                        </a:lnSpc>
+                        <a:spcBef>
+                          <a:spcPts val="0"/>
+                        </a:spcBef>
+                        <a:spcAft>
+                          <a:spcPts val="0"/>
+                        </a:spcAft>
+                        <a:buClrTx/>
+                        <a:buSzTx/>
+                        <a:buFontTx/>
+                        <a:buNone/>
+                        <a:tabLst/>
+                        <a:defRPr/>
+                      </a:pPr>
+                      <a:endParaRPr lang="en-US" sz="1400" dirty="0">
+                        <a:solidFill>
+                          <a:schemeClr val="bg1"/>
+                        </a:solidFill>
+                      </a:endParaRPr>
+                    </a:p>
+                  </a:txBody>
+                  <a:tcPr anchor="ctr"/>
+                </a:tc>
+                <a:tc>
+                  <a:txBody>
+                    <a:bodyPr/>
+                    <a:lstStyle/>
+                    <a:p>
+                      <a:pPr marL="0" marR="0" lvl="0" indent="0" algn="ctr" defTabSz="914400" rtl="0" eaLnBrk="1" fontAlgn="auto" latinLnBrk="0" hangingPunct="1">
+                        <a:lnSpc>
+                          <a:spcPct val="100000"/>
+                        </a:lnSpc>
+                        <a:spcBef>
+                          <a:spcPts val="0"/>
+                        </a:spcBef>
+                        <a:spcAft>
+                          <a:spcPts val="0"/>
+                        </a:spcAft>
+                        <a:buClrTx/>
+                        <a:buSzTx/>
+                        <a:buFontTx/>
+                        <a:buNone/>
+                        <a:tabLst/>
+                        <a:defRPr/>
+                      </a:pPr>
+                      <a:endParaRPr lang="en-US" sz="1400" dirty="0">
+                        <a:solidFill>
+                          <a:schemeClr val="bg1"/>
+                        </a:solidFill>
+                      </a:endParaRPr>
+                    </a:p>
+                  </a:txBody>
+                  <a:tcPr anchor="ctr"/>
+                </a:tc>
+                <a:tc>
+                  <a:txBody>
+                    <a:bodyPr/>
+                    <a:lstStyle/>
+                    <a:p>
+                      <a:pPr algn="ctr"/>
+                      <a:endParaRPr lang="en-US" sz="1400" dirty="0">
+                        <a:solidFill>
+                          <a:schemeClr val="bg1"/>
+                        </a:solidFill>
+                      </a:endParaRPr>
+                    </a:p>
+                  </a:txBody>
+                  <a:tcPr anchor="ctr"/>
+                </a:tc>
+                <a:extLst>
+                  <a:ext uri="{0D108BD9-81ED-4DB2-BD59-A6C34878D82A}">
+                    <a16:rowId xmlns:a16="http://schemas.microsoft.com/office/drawing/2014/main" val="2764412100"/>
+                  </a:ext>
+                </a:extLst>
+              </a:tr>
+              <a:tr h="331589">
+                <a:tc>
+                  <a:txBody>
+                    <a:bodyPr/>
+                    <a:lstStyle/>
+                    <a:p>
+                      <a:pPr algn="ctr"/>
+                      <a:r>
+                        <a:rPr lang="en-US" sz="1400" dirty="0">
+                          <a:solidFill>
+                            <a:schemeClr val="bg1"/>
+                          </a:solidFill>
+                        </a:rPr>
+                        <a:t>3</a:t>
+                      </a:r>
+                    </a:p>
+                  </a:txBody>
+                  <a:tcPr anchor="ctr"/>
+                </a:tc>
+                <a:tc>
+                  <a:txBody>
+                    <a:bodyPr/>
+                    <a:lstStyle/>
+                    <a:p>
+                      <a:pPr algn="ctr"/>
+                      <a:r>
+                        <a:rPr lang="en-US" sz="1400" dirty="0">
+                          <a:solidFill>
+                            <a:schemeClr val="bg1"/>
+                          </a:solidFill>
+                        </a:rPr>
+                        <a:t>-0.3</a:t>
+                      </a:r>
+                    </a:p>
+                  </a:txBody>
+                  <a:tcPr anchor="ctr"/>
+                </a:tc>
+                <a:tc>
+                  <a:txBody>
+                    <a:bodyPr/>
+                    <a:lstStyle/>
+                    <a:p>
+                      <a:pPr marL="0" marR="0" lvl="0" indent="0" algn="ctr" defTabSz="914400" rtl="0" eaLnBrk="1" fontAlgn="auto" latinLnBrk="0" hangingPunct="1">
+                        <a:lnSpc>
+                          <a:spcPct val="100000"/>
+                        </a:lnSpc>
+                        <a:spcBef>
+                          <a:spcPts val="0"/>
+                        </a:spcBef>
+                        <a:spcAft>
+                          <a:spcPts val="0"/>
+                        </a:spcAft>
+                        <a:buClrTx/>
+                        <a:buSzTx/>
+                        <a:buFontTx/>
+                        <a:buNone/>
+                        <a:tabLst/>
+                        <a:defRPr/>
+                      </a:pPr>
+                      <a:endParaRPr lang="en-US" sz="1400" dirty="0">
+                        <a:solidFill>
+                          <a:schemeClr val="bg1"/>
+                        </a:solidFill>
+                      </a:endParaRPr>
+                    </a:p>
+                  </a:txBody>
+                  <a:tcPr anchor="ctr"/>
+                </a:tc>
+                <a:tc>
+                  <a:txBody>
+                    <a:bodyPr/>
+                    <a:lstStyle/>
+                    <a:p>
+                      <a:pPr marL="0" marR="0" lvl="0" indent="0" algn="ctr" defTabSz="914400" rtl="0" eaLnBrk="1" fontAlgn="auto" latinLnBrk="0" hangingPunct="1">
+                        <a:lnSpc>
+                          <a:spcPct val="100000"/>
+                        </a:lnSpc>
+                        <a:spcBef>
+                          <a:spcPts val="0"/>
+                        </a:spcBef>
+                        <a:spcAft>
+                          <a:spcPts val="0"/>
+                        </a:spcAft>
+                        <a:buClrTx/>
+                        <a:buSzTx/>
+                        <a:buFontTx/>
+                        <a:buNone/>
+                        <a:tabLst/>
+                        <a:defRPr/>
+                      </a:pPr>
+                      <a:endParaRPr lang="en-US" sz="1400" dirty="0">
+                        <a:solidFill>
+                          <a:schemeClr val="bg1"/>
+                        </a:solidFill>
+                      </a:endParaRPr>
+                    </a:p>
+                  </a:txBody>
+                  <a:tcPr anchor="ctr"/>
+                </a:tc>
+                <a:tc>
+                  <a:txBody>
+                    <a:bodyPr/>
+                    <a:lstStyle/>
+                    <a:p>
+                      <a:pPr algn="ctr"/>
+                      <a:endParaRPr lang="en-US" sz="1400" dirty="0">
+                        <a:solidFill>
+                          <a:schemeClr val="bg1"/>
+                        </a:solidFill>
+                      </a:endParaRPr>
+                    </a:p>
+                  </a:txBody>
+                  <a:tcPr anchor="ctr"/>
+                </a:tc>
+                <a:extLst>
+                  <a:ext uri="{0D108BD9-81ED-4DB2-BD59-A6C34878D82A}">
+                    <a16:rowId xmlns:a16="http://schemas.microsoft.com/office/drawing/2014/main" val="405553906"/>
+                  </a:ext>
+                </a:extLst>
+              </a:tr>
+              <a:tr h="331589">
+                <a:tc>
+                  <a:txBody>
+                    <a:bodyPr/>
+                    <a:lstStyle/>
+                    <a:p>
+                      <a:pPr algn="ctr"/>
+                      <a:r>
+                        <a:rPr lang="en-US" sz="1400" dirty="0">
+                          <a:solidFill>
+                            <a:schemeClr val="bg1"/>
+                          </a:solidFill>
+                        </a:rPr>
+                        <a:t>4</a:t>
+                      </a:r>
+                    </a:p>
+                  </a:txBody>
+                  <a:tcPr anchor="ctr"/>
+                </a:tc>
+                <a:tc>
+                  <a:txBody>
+                    <a:bodyPr/>
+                    <a:lstStyle/>
+                    <a:p>
+                      <a:pPr algn="ctr"/>
+                      <a:r>
+                        <a:rPr lang="en-US" sz="1400" dirty="0">
+                          <a:solidFill>
+                            <a:schemeClr val="bg1"/>
+                          </a:solidFill>
+                        </a:rPr>
+                        <a:t>-0.4</a:t>
+                      </a:r>
+                    </a:p>
+                  </a:txBody>
+                  <a:tcPr anchor="ctr"/>
+                </a:tc>
+                <a:tc>
+                  <a:txBody>
+                    <a:bodyPr/>
+                    <a:lstStyle/>
+                    <a:p>
+                      <a:pPr algn="ctr"/>
+                      <a:endParaRPr lang="en-US" sz="1400" dirty="0">
+                        <a:solidFill>
+                          <a:schemeClr val="bg1"/>
+                        </a:solidFill>
+                      </a:endParaRPr>
+                    </a:p>
+                  </a:txBody>
+                  <a:tcPr anchor="ctr"/>
+                </a:tc>
+                <a:tc>
+                  <a:txBody>
+                    <a:bodyPr/>
+                    <a:lstStyle/>
+                    <a:p>
+                      <a:pPr algn="ctr"/>
+                      <a:endParaRPr lang="en-US" sz="1400" dirty="0">
+                        <a:solidFill>
+                          <a:schemeClr val="bg1"/>
+                        </a:solidFill>
+                      </a:endParaRPr>
+                    </a:p>
+                  </a:txBody>
+                  <a:tcPr anchor="ctr"/>
+                </a:tc>
+                <a:tc>
+                  <a:txBody>
+                    <a:bodyPr/>
+                    <a:lstStyle/>
+                    <a:p>
+                      <a:pPr algn="ctr"/>
+                      <a:endParaRPr lang="en-US" sz="1400" dirty="0">
+                        <a:solidFill>
+                          <a:schemeClr val="bg1"/>
+                        </a:solidFill>
+                      </a:endParaRPr>
+                    </a:p>
+                  </a:txBody>
+                  <a:tcPr anchor="ctr"/>
+                </a:tc>
+                <a:extLst>
+                  <a:ext uri="{0D108BD9-81ED-4DB2-BD59-A6C34878D82A}">
+                    <a16:rowId xmlns:a16="http://schemas.microsoft.com/office/drawing/2014/main" val="3071267924"/>
+                  </a:ext>
+                </a:extLst>
+              </a:tr>
+              <a:tr h="331589">
+                <a:tc>
+                  <a:txBody>
+                    <a:bodyPr/>
+                    <a:lstStyle/>
+                    <a:p>
+                      <a:pPr algn="ctr"/>
+                      <a:r>
+                        <a:rPr lang="en-US" sz="1400" dirty="0">
+                          <a:solidFill>
+                            <a:schemeClr val="bg1"/>
+                          </a:solidFill>
+                        </a:rPr>
+                        <a:t>5</a:t>
+                      </a:r>
+                    </a:p>
+                  </a:txBody>
+                  <a:tcPr anchor="ctr"/>
+                </a:tc>
+                <a:tc>
+                  <a:txBody>
+                    <a:bodyPr/>
+                    <a:lstStyle/>
+                    <a:p>
+                      <a:pPr algn="ctr"/>
+                      <a:r>
+                        <a:rPr lang="en-US" sz="1400" dirty="0">
+                          <a:solidFill>
+                            <a:schemeClr val="bg1"/>
+                          </a:solidFill>
+                        </a:rPr>
+                        <a:t>-0.5</a:t>
+                      </a:r>
+                    </a:p>
+                  </a:txBody>
+                  <a:tcPr anchor="ctr"/>
+                </a:tc>
+                <a:tc>
+                  <a:txBody>
+                    <a:bodyPr/>
+                    <a:lstStyle/>
+                    <a:p>
+                      <a:pPr algn="ctr"/>
+                      <a:endParaRPr lang="en-US" sz="1400" dirty="0">
+                        <a:solidFill>
+                          <a:schemeClr val="bg1"/>
+                        </a:solidFill>
+                      </a:endParaRPr>
+                    </a:p>
+                  </a:txBody>
+                  <a:tcPr anchor="ctr"/>
+                </a:tc>
+                <a:tc>
+                  <a:txBody>
+                    <a:bodyPr/>
+                    <a:lstStyle/>
+                    <a:p>
+                      <a:pPr algn="ctr"/>
+                      <a:endParaRPr lang="en-US" sz="1400" dirty="0">
+                        <a:solidFill>
+                          <a:schemeClr val="bg1"/>
+                        </a:solidFill>
+                      </a:endParaRPr>
+                    </a:p>
+                  </a:txBody>
+                  <a:tcPr anchor="ctr"/>
+                </a:tc>
+                <a:tc>
+                  <a:txBody>
+                    <a:bodyPr/>
+                    <a:lstStyle/>
+                    <a:p>
+                      <a:pPr algn="ctr"/>
+                      <a:endParaRPr lang="en-US" sz="1400" dirty="0">
+                        <a:solidFill>
+                          <a:schemeClr val="bg1"/>
+                        </a:solidFill>
+                      </a:endParaRPr>
+                    </a:p>
+                  </a:txBody>
+                  <a:tcPr anchor="ctr"/>
+                </a:tc>
+                <a:extLst>
+                  <a:ext uri="{0D108BD9-81ED-4DB2-BD59-A6C34878D82A}">
+                    <a16:rowId xmlns:a16="http://schemas.microsoft.com/office/drawing/2014/main" val="4211289570"/>
+                  </a:ext>
+                </a:extLst>
+              </a:tr>
+              <a:tr h="331589">
+                <a:tc>
+                  <a:txBody>
+                    <a:bodyPr/>
+                    <a:lstStyle/>
+                    <a:p>
+                      <a:pPr algn="ctr"/>
+                      <a:r>
+                        <a:rPr lang="en-US" sz="1400" dirty="0">
+                          <a:solidFill>
+                            <a:schemeClr val="bg1"/>
+                          </a:solidFill>
+                        </a:rPr>
+                        <a:t>…</a:t>
+                      </a:r>
+                    </a:p>
+                  </a:txBody>
+                  <a:tcPr anchor="ctr"/>
+                </a:tc>
+                <a:tc>
+                  <a:txBody>
+                    <a:bodyPr/>
+                    <a:lstStyle/>
+                    <a:p>
+                      <a:pPr algn="ctr"/>
+                      <a:r>
+                        <a:rPr lang="en-US" sz="1400" dirty="0">
+                          <a:solidFill>
+                            <a:schemeClr val="bg1"/>
+                          </a:solidFill>
+                        </a:rPr>
+                        <a:t>…</a:t>
+                      </a:r>
+                    </a:p>
+                  </a:txBody>
+                  <a:tcPr anchor="ctr"/>
+                </a:tc>
+                <a:tc>
+                  <a:txBody>
+                    <a:bodyPr/>
+                    <a:lstStyle/>
+                    <a:p>
+                      <a:pPr algn="ctr"/>
+                      <a:endParaRPr lang="en-US" sz="1400" dirty="0">
+                        <a:solidFill>
+                          <a:schemeClr val="bg1"/>
+                        </a:solidFill>
+                      </a:endParaRPr>
+                    </a:p>
+                  </a:txBody>
+                  <a:tcPr anchor="ctr"/>
+                </a:tc>
+                <a:tc>
+                  <a:txBody>
+                    <a:bodyPr/>
+                    <a:lstStyle/>
+                    <a:p>
+                      <a:pPr algn="ctr"/>
+                      <a:endParaRPr lang="en-US" sz="1400" dirty="0">
+                        <a:solidFill>
+                          <a:schemeClr val="bg1"/>
+                        </a:solidFill>
+                      </a:endParaRPr>
+                    </a:p>
+                  </a:txBody>
+                  <a:tcPr anchor="ctr"/>
+                </a:tc>
+                <a:tc>
+                  <a:txBody>
+                    <a:bodyPr/>
+                    <a:lstStyle/>
+                    <a:p>
+                      <a:pPr algn="ctr"/>
+                      <a:endParaRPr lang="en-US" sz="1400" dirty="0">
+                        <a:solidFill>
+                          <a:schemeClr val="bg1"/>
+                        </a:solidFill>
+                      </a:endParaRPr>
+                    </a:p>
+                  </a:txBody>
+                  <a:tcPr anchor="ctr"/>
+                </a:tc>
+                <a:extLst>
+                  <a:ext uri="{0D108BD9-81ED-4DB2-BD59-A6C34878D82A}">
+                    <a16:rowId xmlns:a16="http://schemas.microsoft.com/office/drawing/2014/main" val="1249224616"/>
+                  </a:ext>
+                </a:extLst>
+              </a:tr>
+              <a:tr h="331589">
+                <a:tc>
+                  <a:txBody>
+                    <a:bodyPr/>
+                    <a:lstStyle/>
+                    <a:p>
+                      <a:pPr algn="ctr"/>
+                      <a:r>
+                        <a:rPr lang="en-US" sz="1400" dirty="0">
+                          <a:solidFill>
+                            <a:schemeClr val="bg1"/>
+                          </a:solidFill>
+                        </a:rPr>
+                        <a:t>96</a:t>
+                      </a:r>
+                    </a:p>
+                  </a:txBody>
+                  <a:tcPr anchor="ctr"/>
+                </a:tc>
+                <a:tc>
+                  <a:txBody>
+                    <a:bodyPr/>
+                    <a:lstStyle/>
+                    <a:p>
+                      <a:pPr algn="ctr"/>
+                      <a:r>
+                        <a:rPr lang="en-US" sz="1400" dirty="0">
+                          <a:solidFill>
+                            <a:schemeClr val="bg1"/>
+                          </a:solidFill>
+                        </a:rPr>
+                        <a:t>-9.6</a:t>
+                      </a:r>
+                    </a:p>
+                  </a:txBody>
+                  <a:tcPr anchor="ctr"/>
+                </a:tc>
+                <a:tc>
+                  <a:txBody>
+                    <a:bodyPr/>
+                    <a:lstStyle/>
+                    <a:p>
+                      <a:pPr algn="ctr"/>
+                      <a:endParaRPr lang="en-US" sz="1400" dirty="0">
+                        <a:solidFill>
+                          <a:schemeClr val="bg1"/>
+                        </a:solidFill>
+                      </a:endParaRPr>
+                    </a:p>
+                  </a:txBody>
+                  <a:tcPr anchor="ctr"/>
+                </a:tc>
+                <a:tc>
+                  <a:txBody>
+                    <a:bodyPr/>
+                    <a:lstStyle/>
+                    <a:p>
+                      <a:pPr algn="ctr"/>
+                      <a:endParaRPr lang="en-US" sz="1400" dirty="0">
+                        <a:solidFill>
+                          <a:schemeClr val="bg1"/>
+                        </a:solidFill>
+                      </a:endParaRPr>
+                    </a:p>
+                  </a:txBody>
+                  <a:tcPr anchor="ctr"/>
+                </a:tc>
+                <a:tc>
+                  <a:txBody>
+                    <a:bodyPr/>
+                    <a:lstStyle/>
+                    <a:p>
+                      <a:pPr algn="ctr"/>
+                      <a:endParaRPr lang="en-US" sz="1400" dirty="0">
+                        <a:solidFill>
+                          <a:schemeClr val="bg1"/>
+                        </a:solidFill>
+                      </a:endParaRPr>
+                    </a:p>
+                  </a:txBody>
+                  <a:tcPr anchor="ctr"/>
+                </a:tc>
+                <a:extLst>
+                  <a:ext uri="{0D108BD9-81ED-4DB2-BD59-A6C34878D82A}">
+                    <a16:rowId xmlns:a16="http://schemas.microsoft.com/office/drawing/2014/main" val="3081968159"/>
+                  </a:ext>
+                </a:extLst>
+              </a:tr>
+              <a:tr h="331589">
+                <a:tc>
+                  <a:txBody>
+                    <a:bodyPr/>
+                    <a:lstStyle/>
+                    <a:p>
+                      <a:pPr algn="ctr"/>
+                      <a:r>
+                        <a:rPr lang="en-US" sz="1400" dirty="0">
+                          <a:solidFill>
+                            <a:schemeClr val="bg1"/>
+                          </a:solidFill>
+                        </a:rPr>
+                        <a:t>97</a:t>
+                      </a:r>
+                    </a:p>
+                  </a:txBody>
+                  <a:tcPr anchor="ctr"/>
+                </a:tc>
+                <a:tc>
+                  <a:txBody>
+                    <a:bodyPr/>
+                    <a:lstStyle/>
+                    <a:p>
+                      <a:pPr algn="ctr"/>
+                      <a:r>
+                        <a:rPr lang="en-US" sz="1400" dirty="0">
+                          <a:solidFill>
+                            <a:schemeClr val="bg1"/>
+                          </a:solidFill>
+                        </a:rPr>
+                        <a:t>-9.7</a:t>
+                      </a:r>
+                    </a:p>
+                  </a:txBody>
+                  <a:tcPr anchor="ctr"/>
+                </a:tc>
+                <a:tc>
+                  <a:txBody>
+                    <a:bodyPr/>
+                    <a:lstStyle/>
+                    <a:p>
+                      <a:pPr algn="ctr"/>
+                      <a:endParaRPr lang="en-US" sz="1400" dirty="0">
+                        <a:solidFill>
+                          <a:schemeClr val="bg1"/>
+                        </a:solidFill>
+                      </a:endParaRPr>
+                    </a:p>
+                  </a:txBody>
+                  <a:tcPr anchor="ctr"/>
+                </a:tc>
+                <a:tc>
+                  <a:txBody>
+                    <a:bodyPr/>
+                    <a:lstStyle/>
+                    <a:p>
+                      <a:pPr algn="ctr"/>
+                      <a:endParaRPr lang="en-US" sz="1400" dirty="0">
+                        <a:solidFill>
+                          <a:schemeClr val="bg1"/>
+                        </a:solidFill>
+                      </a:endParaRPr>
+                    </a:p>
+                  </a:txBody>
+                  <a:tcPr anchor="ctr"/>
+                </a:tc>
+                <a:tc>
+                  <a:txBody>
+                    <a:bodyPr/>
+                    <a:lstStyle/>
+                    <a:p>
+                      <a:pPr algn="ctr"/>
+                      <a:endParaRPr lang="en-US" sz="1400" dirty="0">
+                        <a:solidFill>
+                          <a:schemeClr val="bg1"/>
+                        </a:solidFill>
+                      </a:endParaRPr>
+                    </a:p>
+                  </a:txBody>
+                  <a:tcPr anchor="ctr"/>
+                </a:tc>
+                <a:extLst>
+                  <a:ext uri="{0D108BD9-81ED-4DB2-BD59-A6C34878D82A}">
+                    <a16:rowId xmlns:a16="http://schemas.microsoft.com/office/drawing/2014/main" val="919077687"/>
+                  </a:ext>
+                </a:extLst>
+              </a:tr>
+              <a:tr h="331589">
+                <a:tc>
+                  <a:txBody>
+                    <a:bodyPr/>
+                    <a:lstStyle/>
+                    <a:p>
+                      <a:pPr algn="ctr"/>
+                      <a:r>
+                        <a:rPr lang="en-US" sz="1400" dirty="0">
+                          <a:solidFill>
+                            <a:schemeClr val="bg1"/>
+                          </a:solidFill>
+                        </a:rPr>
+                        <a:t>98</a:t>
+                      </a:r>
+                    </a:p>
+                  </a:txBody>
+                  <a:tcPr anchor="ctr"/>
+                </a:tc>
+                <a:tc>
+                  <a:txBody>
+                    <a:bodyPr/>
+                    <a:lstStyle/>
+                    <a:p>
+                      <a:pPr algn="ctr"/>
+                      <a:r>
+                        <a:rPr lang="en-US" sz="1400" dirty="0">
+                          <a:solidFill>
+                            <a:schemeClr val="bg1"/>
+                          </a:solidFill>
+                        </a:rPr>
+                        <a:t>-9.8</a:t>
+                      </a:r>
+                    </a:p>
+                  </a:txBody>
+                  <a:tcPr anchor="ctr"/>
+                </a:tc>
+                <a:tc>
+                  <a:txBody>
+                    <a:bodyPr/>
+                    <a:lstStyle/>
+                    <a:p>
+                      <a:pPr algn="ctr"/>
+                      <a:endParaRPr lang="en-US" sz="1400" dirty="0">
+                        <a:solidFill>
+                          <a:schemeClr val="bg1"/>
+                        </a:solidFill>
+                      </a:endParaRPr>
+                    </a:p>
+                  </a:txBody>
+                  <a:tcPr anchor="ctr"/>
+                </a:tc>
+                <a:tc>
+                  <a:txBody>
+                    <a:bodyPr/>
+                    <a:lstStyle/>
+                    <a:p>
+                      <a:pPr algn="ctr"/>
+                      <a:endParaRPr lang="en-US" sz="1400" dirty="0">
+                        <a:solidFill>
+                          <a:schemeClr val="bg1"/>
+                        </a:solidFill>
+                      </a:endParaRPr>
+                    </a:p>
+                  </a:txBody>
+                  <a:tcPr anchor="ctr"/>
+                </a:tc>
+                <a:tc>
+                  <a:txBody>
+                    <a:bodyPr/>
+                    <a:lstStyle/>
+                    <a:p>
+                      <a:pPr algn="ctr"/>
+                      <a:endParaRPr lang="en-US" sz="1400" dirty="0">
+                        <a:solidFill>
+                          <a:schemeClr val="bg1"/>
+                        </a:solidFill>
+                      </a:endParaRPr>
+                    </a:p>
+                  </a:txBody>
+                  <a:tcPr anchor="ctr"/>
+                </a:tc>
+                <a:extLst>
+                  <a:ext uri="{0D108BD9-81ED-4DB2-BD59-A6C34878D82A}">
+                    <a16:rowId xmlns:a16="http://schemas.microsoft.com/office/drawing/2014/main" val="2488594174"/>
+                  </a:ext>
+                </a:extLst>
+              </a:tr>
+              <a:tr h="331589">
+                <a:tc>
+                  <a:txBody>
+                    <a:bodyPr/>
+                    <a:lstStyle/>
+                    <a:p>
+                      <a:pPr algn="ctr"/>
+                      <a:r>
+                        <a:rPr lang="en-US" sz="1400" dirty="0">
+                          <a:solidFill>
+                            <a:schemeClr val="bg1"/>
+                          </a:solidFill>
+                        </a:rPr>
+                        <a:t>99</a:t>
+                      </a:r>
+                    </a:p>
+                  </a:txBody>
+                  <a:tcPr anchor="ctr"/>
+                </a:tc>
+                <a:tc>
+                  <a:txBody>
+                    <a:bodyPr/>
+                    <a:lstStyle/>
+                    <a:p>
+                      <a:pPr algn="ctr"/>
+                      <a:r>
+                        <a:rPr lang="en-US" sz="1400" dirty="0">
+                          <a:solidFill>
+                            <a:schemeClr val="bg1"/>
+                          </a:solidFill>
+                        </a:rPr>
+                        <a:t>-9.9</a:t>
+                      </a:r>
+                    </a:p>
+                  </a:txBody>
+                  <a:tcPr anchor="ctr"/>
+                </a:tc>
+                <a:tc>
+                  <a:txBody>
+                    <a:bodyPr/>
+                    <a:lstStyle/>
+                    <a:p>
+                      <a:pPr algn="ctr"/>
+                      <a:endParaRPr lang="en-US" sz="1400" dirty="0">
+                        <a:solidFill>
+                          <a:schemeClr val="bg1"/>
+                        </a:solidFill>
+                      </a:endParaRPr>
+                    </a:p>
+                  </a:txBody>
+                  <a:tcPr anchor="ctr"/>
+                </a:tc>
+                <a:tc>
+                  <a:txBody>
+                    <a:bodyPr/>
+                    <a:lstStyle/>
+                    <a:p>
+                      <a:pPr algn="ctr"/>
+                      <a:endParaRPr lang="en-US" sz="1400" dirty="0">
+                        <a:solidFill>
+                          <a:schemeClr val="bg1"/>
+                        </a:solidFill>
+                      </a:endParaRPr>
+                    </a:p>
+                  </a:txBody>
+                  <a:tcPr anchor="ctr"/>
+                </a:tc>
+                <a:tc>
+                  <a:txBody>
+                    <a:bodyPr/>
+                    <a:lstStyle/>
+                    <a:p>
+                      <a:pPr algn="ctr"/>
+                      <a:endParaRPr lang="en-US" sz="1400" dirty="0">
+                        <a:solidFill>
+                          <a:schemeClr val="bg1"/>
+                        </a:solidFill>
+                      </a:endParaRPr>
+                    </a:p>
+                  </a:txBody>
+                  <a:tcPr anchor="ctr"/>
+                </a:tc>
+                <a:extLst>
+                  <a:ext uri="{0D108BD9-81ED-4DB2-BD59-A6C34878D82A}">
+                    <a16:rowId xmlns:a16="http://schemas.microsoft.com/office/drawing/2014/main" val="1236157343"/>
+                  </a:ext>
+                </a:extLst>
+              </a:tr>
+              <a:tr h="331589">
+                <a:tc>
+                  <a:txBody>
+                    <a:bodyPr/>
+                    <a:lstStyle/>
+                    <a:p>
+                      <a:pPr algn="ctr"/>
+                      <a:r>
+                        <a:rPr lang="en-US" sz="1400" dirty="0">
+                          <a:solidFill>
+                            <a:schemeClr val="bg1"/>
+                          </a:solidFill>
+                        </a:rPr>
+                        <a:t>100</a:t>
+                      </a:r>
+                    </a:p>
+                  </a:txBody>
+                  <a:tcPr anchor="ctr"/>
+                </a:tc>
+                <a:tc>
+                  <a:txBody>
+                    <a:bodyPr/>
+                    <a:lstStyle/>
+                    <a:p>
+                      <a:pPr algn="ctr"/>
+                      <a:r>
+                        <a:rPr lang="en-US" sz="1400" dirty="0">
+                          <a:solidFill>
+                            <a:schemeClr val="bg1"/>
+                          </a:solidFill>
+                        </a:rPr>
+                        <a:t>-10.0</a:t>
+                      </a:r>
+                    </a:p>
+                  </a:txBody>
+                  <a:tcPr anchor="ctr"/>
+                </a:tc>
+                <a:tc>
+                  <a:txBody>
+                    <a:bodyPr/>
+                    <a:lstStyle/>
+                    <a:p>
+                      <a:pPr algn="ctr"/>
+                      <a:endParaRPr lang="en-US" sz="1400" dirty="0">
+                        <a:solidFill>
+                          <a:schemeClr val="bg1"/>
+                        </a:solidFill>
+                      </a:endParaRPr>
+                    </a:p>
+                  </a:txBody>
+                  <a:tcPr anchor="ctr"/>
+                </a:tc>
+                <a:tc>
+                  <a:txBody>
+                    <a:bodyPr/>
+                    <a:lstStyle/>
+                    <a:p>
+                      <a:pPr algn="ctr"/>
+                      <a:endParaRPr lang="en-US" sz="1400" dirty="0">
+                        <a:solidFill>
+                          <a:schemeClr val="bg1"/>
+                        </a:solidFill>
+                      </a:endParaRPr>
+                    </a:p>
+                  </a:txBody>
+                  <a:tcPr anchor="ctr"/>
+                </a:tc>
+                <a:tc>
+                  <a:txBody>
+                    <a:bodyPr/>
+                    <a:lstStyle/>
+                    <a:p>
+                      <a:pPr algn="ctr"/>
+                      <a:endParaRPr lang="en-US" sz="1400" dirty="0">
+                        <a:solidFill>
+                          <a:schemeClr val="bg1"/>
+                        </a:solidFill>
+                      </a:endParaRPr>
+                    </a:p>
+                  </a:txBody>
+                  <a:tcPr anchor="ctr"/>
+                </a:tc>
+                <a:extLst>
+                  <a:ext uri="{0D108BD9-81ED-4DB2-BD59-A6C34878D82A}">
+                    <a16:rowId xmlns:a16="http://schemas.microsoft.com/office/drawing/2014/main" val="1485211966"/>
+                  </a:ext>
+                </a:extLst>
+              </a:tr>
+              <a:tr h="331589">
+                <a:tc gridSpan="4">
+                  <a:txBody>
+                    <a:bodyPr/>
+                    <a:lstStyle/>
+                    <a:p>
+                      <a:pPr algn="ctr"/>
+                      <a:r>
+                        <a:rPr lang="en-US" sz="1400" b="1" dirty="0">
+                          <a:solidFill>
+                            <a:schemeClr val="bg1"/>
+                          </a:solidFill>
+                        </a:rPr>
+                        <a:t>Average Error:</a:t>
+                      </a:r>
+                    </a:p>
+                  </a:txBody>
+                  <a:tcPr anchor="ctr"/>
+                </a:tc>
+                <a:tc hMerge="1">
+                  <a:txBody>
+                    <a:bodyPr/>
+                    <a:lstStyle/>
+                    <a:p>
+                      <a:pPr algn="ctr"/>
+                      <a:endParaRPr lang="en-US" sz="1400" dirty="0">
+                        <a:solidFill>
+                          <a:schemeClr val="tx1"/>
+                        </a:solidFill>
+                      </a:endParaRPr>
+                    </a:p>
+                  </a:txBody>
+                  <a:tcPr anchor="ctr"/>
+                </a:tc>
+                <a:tc hMerge="1">
+                  <a:txBody>
+                    <a:bodyPr/>
+                    <a:lstStyle/>
+                    <a:p>
+                      <a:pPr algn="ctr"/>
+                      <a:endParaRPr lang="en-US" sz="1400" dirty="0">
+                        <a:solidFill>
+                          <a:schemeClr val="tx1"/>
+                        </a:solidFill>
+                      </a:endParaRPr>
+                    </a:p>
+                  </a:txBody>
+                  <a:tcPr anchor="ctr"/>
+                </a:tc>
+                <a:tc hMerge="1">
+                  <a:txBody>
+                    <a:bodyPr/>
+                    <a:lstStyle/>
+                    <a:p>
+                      <a:pPr algn="ctr"/>
+                      <a:endParaRPr lang="en-US" sz="1400" dirty="0">
+                        <a:solidFill>
+                          <a:schemeClr val="tx1"/>
+                        </a:solidFill>
+                      </a:endParaRPr>
+                    </a:p>
+                  </a:txBody>
+                  <a:tcPr anchor="ctr"/>
+                </a:tc>
+                <a:tc>
+                  <a:txBody>
+                    <a:bodyPr/>
+                    <a:lstStyle/>
+                    <a:p>
+                      <a:pPr algn="ctr"/>
+                      <a:endParaRPr lang="en-US" sz="1400" b="1" dirty="0">
+                        <a:solidFill>
+                          <a:schemeClr val="bg1"/>
+                        </a:solidFill>
+                      </a:endParaRPr>
+                    </a:p>
+                  </a:txBody>
+                  <a:tcPr anchor="ctr"/>
+                </a:tc>
+                <a:extLst>
+                  <a:ext uri="{0D108BD9-81ED-4DB2-BD59-A6C34878D82A}">
+                    <a16:rowId xmlns:a16="http://schemas.microsoft.com/office/drawing/2014/main" val="3316968185"/>
+                  </a:ext>
+                </a:extLst>
+              </a:tr>
+            </a:tbl>
+          </a:graphicData>
+        </a:graphic>
+      </p:graphicFrame>
+    </p:spTree>
+    <p:extLst>
+      <p:ext uri="{BB962C8B-B14F-4D97-AF65-F5344CB8AC3E}">
+        <p14:creationId xmlns:p14="http://schemas.microsoft.com/office/powerpoint/2010/main" val="3015496502"/>
+      </p:ext>
+    </p:extLst>
+  </p:cSld>
+  <p:clrMapOvr>
+    <a:masterClrMapping/>
+  </p:clrMapOvr>
+  <mc:AlternateContent xmlns:mc="http://schemas.openxmlformats.org/markup-compatibility/2006">
+    <mc:Choice xmlns:p159="http://schemas.microsoft.com/office/powerpoint/2015/09/main" Requires="p159">
+      <p:transition xmlns:p14="http://schemas.microsoft.com/office/powerpoint/2010/main" spd="slow" p14:dur="2000">
+        <p159:morph option="byObject"/>
+      </p:transition>
+    </mc:Choice>
+    <mc:Fallback>
+      <p:transition spd="slow">
+        <p:fade/>
+      </p:transition>
+    </mc:Fallback>
+  </mc:AlternateContent>
+</p:sld>
+</file>
+
+<file path=ppt/slides/slide17.xml><?xml version="1.0" encoding="utf-8"?>
 <p:sld xmlns:a="http://schemas.openxmlformats.org/drawingml/2006/main" xmlns:r="http://schemas.openxmlformats.org/officeDocument/2006/relationships" xmlns:p="http://schemas.openxmlformats.org/presentationml/2006/main">
   <p:cSld>
     <p:spTree>
@@ -14950,7 +18164,7 @@
 </p:sld>
 </file>
 
-<file path=ppt/slides/slide16.xml><?xml version="1.0" encoding="utf-8"?>
+<file path=ppt/slides/slide18.xml><?xml version="1.0" encoding="utf-8"?>
 <p:sld xmlns:a="http://schemas.openxmlformats.org/drawingml/2006/main" xmlns:r="http://schemas.openxmlformats.org/officeDocument/2006/relationships" xmlns:p="http://schemas.openxmlformats.org/presentationml/2006/main">
   <p:cSld>
     <p:spTree>
@@ -15367,7 +18581,7 @@
 </p:sld>
 </file>
 
-<file path=ppt/slides/slide17.xml><?xml version="1.0" encoding="utf-8"?>
+<file path=ppt/slides/slide19.xml><?xml version="1.0" encoding="utf-8"?>
 <p:sld xmlns:a="http://schemas.openxmlformats.org/drawingml/2006/main" xmlns:r="http://schemas.openxmlformats.org/officeDocument/2006/relationships" xmlns:p="http://schemas.openxmlformats.org/presentationml/2006/main" show="0">
   <p:cSld>
     <p:spTree>
@@ -16726,7 +19940,166 @@
 </p:sld>
 </file>
 
-<file path=ppt/slides/slide18.xml><?xml version="1.0" encoding="utf-8"?>
+<file path=ppt/slides/slide2.xml><?xml version="1.0" encoding="utf-8"?>
+<p:sld xmlns:a="http://schemas.openxmlformats.org/drawingml/2006/main" xmlns:r="http://schemas.openxmlformats.org/officeDocument/2006/relationships" xmlns:p="http://schemas.openxmlformats.org/presentationml/2006/main">
+  <p:cSld>
+    <p:spTree>
+      <p:nvGrpSpPr>
+        <p:cNvPr id="1" name=""/>
+        <p:cNvGrpSpPr/>
+        <p:nvPr/>
+      </p:nvGrpSpPr>
+      <p:grpSpPr>
+        <a:xfrm>
+          <a:off x="0" y="0"/>
+          <a:ext cx="0" cy="0"/>
+          <a:chOff x="0" y="0"/>
+          <a:chExt cx="0" cy="0"/>
+        </a:xfrm>
+      </p:grpSpPr>
+      <p:sp>
+        <p:nvSpPr>
+          <p:cNvPr id="2" name="Title 1">
+            <a:extLst>
+              <a:ext uri="{FF2B5EF4-FFF2-40B4-BE49-F238E27FC236}">
+                <a16:creationId xmlns:a16="http://schemas.microsoft.com/office/drawing/2014/main" id="{115CC45D-BAD7-4666-82FB-740DE29F5D6F}"/>
+              </a:ext>
+            </a:extLst>
+          </p:cNvPr>
+          <p:cNvSpPr>
+            <a:spLocks noGrp="1"/>
+          </p:cNvSpPr>
+          <p:nvPr>
+            <p:ph type="ctrTitle"/>
+          </p:nvPr>
+        </p:nvSpPr>
+        <p:spPr/>
+        <p:txBody>
+          <a:bodyPr/>
+          <a:lstStyle/>
+          <a:p>
+            <a:r>
+              <a:rPr lang="en-US" b="1" dirty="0"/>
+              <a:t>Floating</a:t>
+            </a:r>
+            <a:r>
+              <a:rPr lang="vi-VN" b="1" dirty="0"/>
+              <a:t>-</a:t>
+            </a:r>
+            <a:r>
+              <a:rPr lang="en-US" b="1" dirty="0"/>
+              <a:t>Point Square</a:t>
+            </a:r>
+            <a:r>
+              <a:rPr lang="vi-VN" b="1" dirty="0"/>
+              <a:t> </a:t>
+            </a:r>
+            <a:r>
+              <a:rPr lang="en-US" b="1" dirty="0"/>
+              <a:t>root</a:t>
+            </a:r>
+          </a:p>
+        </p:txBody>
+      </p:sp>
+      <p:sp>
+        <p:nvSpPr>
+          <p:cNvPr id="3" name="Subtitle 2">
+            <a:extLst>
+              <a:ext uri="{FF2B5EF4-FFF2-40B4-BE49-F238E27FC236}">
+                <a16:creationId xmlns:a16="http://schemas.microsoft.com/office/drawing/2014/main" id="{F9C778D3-763C-48D7-9C67-A853A37F13D5}"/>
+              </a:ext>
+            </a:extLst>
+          </p:cNvPr>
+          <p:cNvSpPr>
+            <a:spLocks noGrp="1"/>
+          </p:cNvSpPr>
+          <p:nvPr>
+            <p:ph type="subTitle" idx="1"/>
+          </p:nvPr>
+        </p:nvSpPr>
+        <p:spPr/>
+        <p:txBody>
+          <a:bodyPr/>
+          <a:lstStyle/>
+          <a:p>
+            <a:r>
+              <a:rPr lang="en-US" b="1" dirty="0"/>
+              <a:t>Team members:</a:t>
+            </a:r>
+          </a:p>
+          <a:p>
+            <a:r>
+              <a:rPr lang="en-US" dirty="0"/>
+              <a:t>Hồ </a:t>
+            </a:r>
+            <a:r>
+              <a:rPr lang="en-US" dirty="0" err="1"/>
+              <a:t>Hải</a:t>
+            </a:r>
+            <a:r>
+              <a:rPr lang="en-US" dirty="0"/>
+              <a:t> Công </a:t>
+            </a:r>
+            <a:r>
+              <a:rPr lang="en-US" dirty="0" err="1"/>
+              <a:t>Thuận</a:t>
+            </a:r>
+            <a:r>
+              <a:rPr lang="en-US" dirty="0"/>
+              <a:t> – 1852</a:t>
+            </a:r>
+            <a:r>
+              <a:rPr lang="vi-VN" dirty="0"/>
+              <a:t>1469</a:t>
+            </a:r>
+            <a:endParaRPr lang="en-US" dirty="0"/>
+          </a:p>
+          <a:p>
+            <a:r>
+              <a:rPr lang="en-US" dirty="0" err="1"/>
+              <a:t>Hà</a:t>
+            </a:r>
+            <a:r>
+              <a:rPr lang="en-US" dirty="0"/>
+              <a:t> </a:t>
+            </a:r>
+            <a:r>
+              <a:rPr lang="en-US" dirty="0" err="1"/>
+              <a:t>Kiều</a:t>
+            </a:r>
+            <a:r>
+              <a:rPr lang="en-US" dirty="0"/>
+              <a:t> Trang – 18521522</a:t>
+            </a:r>
+          </a:p>
+        </p:txBody>
+      </p:sp>
+    </p:spTree>
+    <p:extLst>
+      <p:ext uri="{BB962C8B-B14F-4D97-AF65-F5344CB8AC3E}">
+        <p14:creationId xmlns:p14="http://schemas.microsoft.com/office/powerpoint/2010/main" val="2181784054"/>
+      </p:ext>
+    </p:extLst>
+  </p:cSld>
+  <p:clrMapOvr>
+    <a:masterClrMapping/>
+  </p:clrMapOvr>
+  <mc:AlternateContent xmlns:mc="http://schemas.openxmlformats.org/markup-compatibility/2006" xmlns:p159="http://schemas.microsoft.com/office/powerpoint/2015/09/main">
+    <mc:Choice Requires="p159">
+      <p:transition xmlns:p14="http://schemas.microsoft.com/office/powerpoint/2010/main" spd="slow" p14:dur="2000">
+        <p159:morph option="byObject"/>
+      </p:transition>
+    </mc:Choice>
+    <mc:Fallback xmlns="">
+      <p:transition spd="slow">
+        <p:fade/>
+      </p:transition>
+    </mc:Fallback>
+  </mc:AlternateContent>
+</p:sld>
+</file>
+
+<file path=ppt/slides/slide20.xml><?xml version="1.0" encoding="utf-8"?>
 <p:sld xmlns:a="http://schemas.openxmlformats.org/drawingml/2006/main" xmlns:r="http://schemas.openxmlformats.org/officeDocument/2006/relationships" xmlns:p="http://schemas.openxmlformats.org/presentationml/2006/main" show="0">
   <p:cSld>
     <p:spTree>
@@ -18064,7 +21437,7 @@
 </p:sld>
 </file>
 
-<file path=ppt/slides/slide19.xml><?xml version="1.0" encoding="utf-8"?>
+<file path=ppt/slides/slide21.xml><?xml version="1.0" encoding="utf-8"?>
 <p:sld xmlns:a="http://schemas.openxmlformats.org/drawingml/2006/main" xmlns:r="http://schemas.openxmlformats.org/officeDocument/2006/relationships" xmlns:p="http://schemas.openxmlformats.org/presentationml/2006/main" show="0">
   <p:cSld>
     <p:spTree>
@@ -19234,166 +22607,7 @@
 </p:sld>
 </file>
 
-<file path=ppt/slides/slide2.xml><?xml version="1.0" encoding="utf-8"?>
-<p:sld xmlns:a="http://schemas.openxmlformats.org/drawingml/2006/main" xmlns:r="http://schemas.openxmlformats.org/officeDocument/2006/relationships" xmlns:p="http://schemas.openxmlformats.org/presentationml/2006/main">
-  <p:cSld>
-    <p:spTree>
-      <p:nvGrpSpPr>
-        <p:cNvPr id="1" name=""/>
-        <p:cNvGrpSpPr/>
-        <p:nvPr/>
-      </p:nvGrpSpPr>
-      <p:grpSpPr>
-        <a:xfrm>
-          <a:off x="0" y="0"/>
-          <a:ext cx="0" cy="0"/>
-          <a:chOff x="0" y="0"/>
-          <a:chExt cx="0" cy="0"/>
-        </a:xfrm>
-      </p:grpSpPr>
-      <p:sp>
-        <p:nvSpPr>
-          <p:cNvPr id="2" name="Title 1">
-            <a:extLst>
-              <a:ext uri="{FF2B5EF4-FFF2-40B4-BE49-F238E27FC236}">
-                <a16:creationId xmlns:a16="http://schemas.microsoft.com/office/drawing/2014/main" id="{115CC45D-BAD7-4666-82FB-740DE29F5D6F}"/>
-              </a:ext>
-            </a:extLst>
-          </p:cNvPr>
-          <p:cNvSpPr>
-            <a:spLocks noGrp="1"/>
-          </p:cNvSpPr>
-          <p:nvPr>
-            <p:ph type="ctrTitle"/>
-          </p:nvPr>
-        </p:nvSpPr>
-        <p:spPr/>
-        <p:txBody>
-          <a:bodyPr/>
-          <a:lstStyle/>
-          <a:p>
-            <a:r>
-              <a:rPr lang="en-US" b="1" dirty="0"/>
-              <a:t>Floating</a:t>
-            </a:r>
-            <a:r>
-              <a:rPr lang="vi-VN" b="1" dirty="0"/>
-              <a:t>-</a:t>
-            </a:r>
-            <a:r>
-              <a:rPr lang="en-US" b="1" dirty="0"/>
-              <a:t>Point Square</a:t>
-            </a:r>
-            <a:r>
-              <a:rPr lang="vi-VN" b="1" dirty="0"/>
-              <a:t> </a:t>
-            </a:r>
-            <a:r>
-              <a:rPr lang="en-US" b="1" dirty="0"/>
-              <a:t>root</a:t>
-            </a:r>
-          </a:p>
-        </p:txBody>
-      </p:sp>
-      <p:sp>
-        <p:nvSpPr>
-          <p:cNvPr id="3" name="Subtitle 2">
-            <a:extLst>
-              <a:ext uri="{FF2B5EF4-FFF2-40B4-BE49-F238E27FC236}">
-                <a16:creationId xmlns:a16="http://schemas.microsoft.com/office/drawing/2014/main" id="{F9C778D3-763C-48D7-9C67-A853A37F13D5}"/>
-              </a:ext>
-            </a:extLst>
-          </p:cNvPr>
-          <p:cNvSpPr>
-            <a:spLocks noGrp="1"/>
-          </p:cNvSpPr>
-          <p:nvPr>
-            <p:ph type="subTitle" idx="1"/>
-          </p:nvPr>
-        </p:nvSpPr>
-        <p:spPr/>
-        <p:txBody>
-          <a:bodyPr/>
-          <a:lstStyle/>
-          <a:p>
-            <a:r>
-              <a:rPr lang="en-US" b="1" dirty="0"/>
-              <a:t>Team members:</a:t>
-            </a:r>
-          </a:p>
-          <a:p>
-            <a:r>
-              <a:rPr lang="en-US" dirty="0"/>
-              <a:t>Hồ </a:t>
-            </a:r>
-            <a:r>
-              <a:rPr lang="en-US" dirty="0" err="1"/>
-              <a:t>Hải</a:t>
-            </a:r>
-            <a:r>
-              <a:rPr lang="en-US" dirty="0"/>
-              <a:t> Công </a:t>
-            </a:r>
-            <a:r>
-              <a:rPr lang="en-US" dirty="0" err="1"/>
-              <a:t>Thuận</a:t>
-            </a:r>
-            <a:r>
-              <a:rPr lang="en-US" dirty="0"/>
-              <a:t> – 1852</a:t>
-            </a:r>
-            <a:r>
-              <a:rPr lang="vi-VN" dirty="0"/>
-              <a:t>1469</a:t>
-            </a:r>
-            <a:endParaRPr lang="en-US" dirty="0"/>
-          </a:p>
-          <a:p>
-            <a:r>
-              <a:rPr lang="en-US" dirty="0" err="1"/>
-              <a:t>Hà</a:t>
-            </a:r>
-            <a:r>
-              <a:rPr lang="en-US" dirty="0"/>
-              <a:t> </a:t>
-            </a:r>
-            <a:r>
-              <a:rPr lang="en-US" dirty="0" err="1"/>
-              <a:t>Kiều</a:t>
-            </a:r>
-            <a:r>
-              <a:rPr lang="en-US" dirty="0"/>
-              <a:t> Trang – 18521522</a:t>
-            </a:r>
-          </a:p>
-        </p:txBody>
-      </p:sp>
-    </p:spTree>
-    <p:extLst>
-      <p:ext uri="{BB962C8B-B14F-4D97-AF65-F5344CB8AC3E}">
-        <p14:creationId xmlns:p14="http://schemas.microsoft.com/office/powerpoint/2010/main" val="2181784054"/>
-      </p:ext>
-    </p:extLst>
-  </p:cSld>
-  <p:clrMapOvr>
-    <a:masterClrMapping/>
-  </p:clrMapOvr>
-  <mc:AlternateContent xmlns:mc="http://schemas.openxmlformats.org/markup-compatibility/2006" xmlns:p159="http://schemas.microsoft.com/office/powerpoint/2015/09/main">
-    <mc:Choice Requires="p159">
-      <p:transition xmlns:p14="http://schemas.microsoft.com/office/powerpoint/2010/main" spd="slow" p14:dur="2000">
-        <p159:morph option="byObject"/>
-      </p:transition>
-    </mc:Choice>
-    <mc:Fallback xmlns="">
-      <p:transition spd="slow">
-        <p:fade/>
-      </p:transition>
-    </mc:Fallback>
-  </mc:AlternateContent>
-</p:sld>
-</file>
-
-<file path=ppt/slides/slide20.xml><?xml version="1.0" encoding="utf-8"?>
+<file path=ppt/slides/slide22.xml><?xml version="1.0" encoding="utf-8"?>
 <p:sld xmlns:a="http://schemas.openxmlformats.org/drawingml/2006/main" xmlns:r="http://schemas.openxmlformats.org/officeDocument/2006/relationships" xmlns:p="http://schemas.openxmlformats.org/presentationml/2006/main" show="0">
   <p:cSld>
     <p:spTree>
@@ -20731,7 +23945,7 @@
 </p:sld>
 </file>
 
-<file path=ppt/slides/slide21.xml><?xml version="1.0" encoding="utf-8"?>
+<file path=ppt/slides/slide23.xml><?xml version="1.0" encoding="utf-8"?>
 <p:sld xmlns:a="http://schemas.openxmlformats.org/drawingml/2006/main" xmlns:r="http://schemas.openxmlformats.org/officeDocument/2006/relationships" xmlns:p="http://schemas.openxmlformats.org/presentationml/2006/main" show="0">
   <p:cSld>
     <p:spTree>
@@ -21901,7 +25115,7 @@
 </p:sld>
 </file>
 
-<file path=ppt/slides/slide22.xml><?xml version="1.0" encoding="utf-8"?>
+<file path=ppt/slides/slide24.xml><?xml version="1.0" encoding="utf-8"?>
 <p:sld xmlns:a="http://schemas.openxmlformats.org/drawingml/2006/main" xmlns:r="http://schemas.openxmlformats.org/officeDocument/2006/relationships" xmlns:p="http://schemas.openxmlformats.org/presentationml/2006/main" show="0">
   <p:cSld>
     <p:spTree>
@@ -22035,7 +25249,7 @@
 </p:sld>
 </file>
 
-<file path=ppt/slides/slide23.xml><?xml version="1.0" encoding="utf-8"?>
+<file path=ppt/slides/slide25.xml><?xml version="1.0" encoding="utf-8"?>
 <p:sld xmlns:a="http://schemas.openxmlformats.org/drawingml/2006/main" xmlns:r="http://schemas.openxmlformats.org/officeDocument/2006/relationships" xmlns:p="http://schemas.openxmlformats.org/presentationml/2006/main" show="0">
   <p:cSld>
     <p:spTree>
@@ -22169,7 +25383,7 @@
 </p:sld>
 </file>
 
-<file path=ppt/slides/slide24.xml><?xml version="1.0" encoding="utf-8"?>
+<file path=ppt/slides/slide26.xml><?xml version="1.0" encoding="utf-8"?>
 <p:sld xmlns:a="http://schemas.openxmlformats.org/drawingml/2006/main" xmlns:r="http://schemas.openxmlformats.org/officeDocument/2006/relationships" xmlns:p="http://schemas.openxmlformats.org/presentationml/2006/main" show="0">
   <p:cSld>
     <p:spTree>
@@ -23485,14 +26699,14 @@
           <p:nvPr>
             <p:extLst>
               <p:ext uri="{D42A27DB-BD31-4B8C-83A1-F6EECF244321}">
-                <p14:modId xmlns:p14="http://schemas.microsoft.com/office/powerpoint/2010/main" val="3149940159"/>
+                <p14:modId xmlns:p14="http://schemas.microsoft.com/office/powerpoint/2010/main" val="3347143601"/>
               </p:ext>
             </p:extLst>
           </p:nvPr>
         </p:nvGraphicFramePr>
         <p:xfrm>
-          <a:off x="1272436" y="2505306"/>
-          <a:ext cx="4823564" cy="2494280"/>
+          <a:off x="212942" y="2292262"/>
+          <a:ext cx="11699311" cy="3956140"/>
         </p:xfrm>
         <a:graphic>
           <a:graphicData uri="http://schemas.openxmlformats.org/drawingml/2006/table">
@@ -23501,67 +26715,120 @@
                 <a:tableStyleId>{5C22544A-7EE6-4342-B048-85BDC9FD1C3A}</a:tableStyleId>
               </a:tblPr>
               <a:tblGrid>
-                <a:gridCol w="564715">
+                <a:gridCol w="727425">
                   <a:extLst>
                     <a:ext uri="{9D8B030D-6E8A-4147-A177-3AD203B41FA5}">
                       <a16:colId xmlns:a16="http://schemas.microsoft.com/office/drawing/2014/main" val="4032073795"/>
                     </a:ext>
                   </a:extLst>
                 </a:gridCol>
-                <a:gridCol w="1828800">
+                <a:gridCol w="2667129">
                   <a:extLst>
                     <a:ext uri="{9D8B030D-6E8A-4147-A177-3AD203B41FA5}">
                       <a16:colId xmlns:a16="http://schemas.microsoft.com/office/drawing/2014/main" val="3951615425"/>
                     </a:ext>
                   </a:extLst>
                 </a:gridCol>
-                <a:gridCol w="2430049">
+                <a:gridCol w="3031299">
+                  <a:extLst>
+                    <a:ext uri="{9D8B030D-6E8A-4147-A177-3AD203B41FA5}">
+                      <a16:colId xmlns:a16="http://schemas.microsoft.com/office/drawing/2014/main" val="1019681543"/>
+                    </a:ext>
+                  </a:extLst>
+                </a:gridCol>
+                <a:gridCol w="2738082">
                   <a:extLst>
                     <a:ext uri="{9D8B030D-6E8A-4147-A177-3AD203B41FA5}">
                       <a16:colId xmlns:a16="http://schemas.microsoft.com/office/drawing/2014/main" val="295453064"/>
                     </a:ext>
                   </a:extLst>
                 </a:gridCol>
+                <a:gridCol w="2535376">
+                  <a:extLst>
+                    <a:ext uri="{9D8B030D-6E8A-4147-A177-3AD203B41FA5}">
+                      <a16:colId xmlns:a16="http://schemas.microsoft.com/office/drawing/2014/main" val="1391649536"/>
+                    </a:ext>
+                  </a:extLst>
+                </a:gridCol>
               </a:tblGrid>
-              <a:tr h="370840">
-                <a:tc>
-                  <a:txBody>
-                    <a:bodyPr/>
-                    <a:lstStyle/>
-                    <a:p>
-                      <a:r>
-                        <a:rPr lang="en-US" dirty="0"/>
+              <a:tr h="395614">
+                <a:tc>
+                  <a:txBody>
+                    <a:bodyPr/>
+                    <a:lstStyle/>
+                    <a:p>
+                      <a:pPr algn="ctr"/>
+                      <a:r>
+                        <a:rPr lang="en-US" sz="1400" dirty="0"/>
                         <a:t>STT</a:t>
                       </a:r>
                     </a:p>
                   </a:txBody>
-                  <a:tcPr/>
-                </a:tc>
-                <a:tc>
-                  <a:txBody>
-                    <a:bodyPr/>
-                    <a:lstStyle/>
-                    <a:p>
-                      <a:r>
-                        <a:rPr lang="en-US" dirty="0"/>
+                  <a:tcPr anchor="ctr"/>
+                </a:tc>
+                <a:tc>
+                  <a:txBody>
+                    <a:bodyPr/>
+                    <a:lstStyle/>
+                    <a:p>
+                      <a:pPr algn="ctr"/>
+                      <a:r>
+                        <a:rPr lang="en-US" sz="1400" dirty="0"/>
                         <a:t>Input</a:t>
                       </a:r>
                     </a:p>
                   </a:txBody>
-                  <a:tcPr/>
-                </a:tc>
-                <a:tc>
-                  <a:txBody>
-                    <a:bodyPr/>
-                    <a:lstStyle/>
-                    <a:p>
-                      <a:r>
-                        <a:rPr lang="en-US" dirty="0"/>
-                        <a:t>Output</a:t>
-                      </a:r>
-                    </a:p>
-                  </a:txBody>
-                  <a:tcPr/>
+                  <a:tcPr anchor="ctr"/>
+                </a:tc>
+                <a:tc>
+                  <a:txBody>
+                    <a:bodyPr/>
+                    <a:lstStyle/>
+                    <a:p>
+                      <a:pPr algn="ctr"/>
+                      <a:r>
+                        <a:rPr lang="en-US" sz="1400" dirty="0"/>
+                        <a:t>Result from </a:t>
+                      </a:r>
+                      <a:r>
+                        <a:rPr lang="en-US" sz="1400" dirty="0" err="1"/>
+                        <a:t>math.sqrt</a:t>
+                      </a:r>
+                      <a:r>
+                        <a:rPr lang="en-US" sz="1400" dirty="0"/>
+                        <a:t>()</a:t>
+                      </a:r>
+                    </a:p>
+                  </a:txBody>
+                  <a:tcPr anchor="ctr"/>
+                </a:tc>
+                <a:tc>
+                  <a:txBody>
+                    <a:bodyPr/>
+                    <a:lstStyle/>
+                    <a:p>
+                      <a:pPr algn="ctr"/>
+                      <a:r>
+                        <a:rPr lang="en-US" sz="1400" dirty="0"/>
+                        <a:t>Result from the algorithm</a:t>
+                      </a:r>
+                    </a:p>
+                  </a:txBody>
+                  <a:tcPr anchor="ctr"/>
+                </a:tc>
+                <a:tc>
+                  <a:txBody>
+                    <a:bodyPr/>
+                    <a:lstStyle/>
+                    <a:p>
+                      <a:pPr algn="ctr"/>
+                      <a:r>
+                        <a:rPr lang="en-US" sz="1400" dirty="0"/>
+                        <a:t>Error</a:t>
+                      </a:r>
+                    </a:p>
+                  </a:txBody>
+                  <a:tcPr anchor="ctr"/>
                 </a:tc>
                 <a:extLst>
                   <a:ext uri="{0D108BD9-81ED-4DB2-BD59-A6C34878D82A}">
@@ -23569,39 +26836,76 @@
                   </a:ext>
                 </a:extLst>
               </a:tr>
-              <a:tr h="370840">
-                <a:tc>
-                  <a:txBody>
-                    <a:bodyPr/>
-                    <a:lstStyle/>
-                    <a:p>
-                      <a:r>
-                        <a:rPr lang="en-US" dirty="0"/>
+              <a:tr h="395614">
+                <a:tc>
+                  <a:txBody>
+                    <a:bodyPr/>
+                    <a:lstStyle/>
+                    <a:p>
+                      <a:pPr algn="ctr"/>
+                      <a:r>
+                        <a:rPr lang="en-US" sz="1600" dirty="0"/>
                         <a:t>1</a:t>
                       </a:r>
                     </a:p>
                   </a:txBody>
-                  <a:tcPr/>
-                </a:tc>
-                <a:tc>
-                  <a:txBody>
-                    <a:bodyPr/>
-                    <a:lstStyle/>
-                    <a:p>
-                      <a:endParaRPr lang="en-US" dirty="0"/>
-                    </a:p>
-                  </a:txBody>
-                  <a:tcPr/>
-                </a:tc>
-                <a:tc>
-                  <a:txBody>
-                    <a:bodyPr/>
-                    <a:lstStyle/>
-                    <a:p>
-                      <a:endParaRPr lang="en-US"/>
-                    </a:p>
-                  </a:txBody>
-                  <a:tcPr/>
+                  <a:tcPr anchor="ctr"/>
+                </a:tc>
+                <a:tc>
+                  <a:txBody>
+                    <a:bodyPr/>
+                    <a:lstStyle/>
+                    <a:p>
+                      <a:pPr algn="ctr"/>
+                      <a:r>
+                        <a:rPr lang="en-US" sz="1600" dirty="0"/>
+                        <a:t>0.0001</a:t>
+                      </a:r>
+                    </a:p>
+                  </a:txBody>
+                  <a:tcPr anchor="ctr"/>
+                </a:tc>
+                <a:tc>
+                  <a:txBody>
+                    <a:bodyPr/>
+                    <a:lstStyle/>
+                    <a:p>
+                      <a:pPr algn="ctr"/>
+                      <a:r>
+                        <a:rPr lang="en-US" sz="1600" dirty="0"/>
+                        <a:t>0.01</a:t>
+                      </a:r>
+                    </a:p>
+                  </a:txBody>
+                  <a:tcPr anchor="ctr"/>
+                </a:tc>
+                <a:tc>
+                  <a:txBody>
+                    <a:bodyPr/>
+                    <a:lstStyle/>
+                    <a:p>
+                      <a:pPr algn="ctr"/>
+                      <a:r>
+                        <a:rPr lang="en-US" sz="1600" dirty="0"/>
+                        <a:t>0.01</a:t>
+                      </a:r>
+                    </a:p>
+                  </a:txBody>
+                  <a:tcPr anchor="ctr"/>
+                </a:tc>
+                <a:tc>
+                  <a:txBody>
+                    <a:bodyPr/>
+                    <a:lstStyle/>
+                    <a:p>
+                      <a:pPr algn="ctr"/>
+                      <a:r>
+                        <a:rPr lang="en-US" sz="1600" dirty="0"/>
+                        <a:t>0.0</a:t>
+                      </a:r>
+                    </a:p>
+                  </a:txBody>
+                  <a:tcPr anchor="ctr"/>
                 </a:tc>
                 <a:extLst>
                   <a:ext uri="{0D108BD9-81ED-4DB2-BD59-A6C34878D82A}">
@@ -23609,39 +26913,76 @@
                   </a:ext>
                 </a:extLst>
               </a:tr>
-              <a:tr h="370840">
-                <a:tc>
-                  <a:txBody>
-                    <a:bodyPr/>
-                    <a:lstStyle/>
-                    <a:p>
-                      <a:r>
-                        <a:rPr lang="en-US" dirty="0"/>
+              <a:tr h="395614">
+                <a:tc>
+                  <a:txBody>
+                    <a:bodyPr/>
+                    <a:lstStyle/>
+                    <a:p>
+                      <a:pPr algn="ctr"/>
+                      <a:r>
+                        <a:rPr lang="en-US" sz="1600" dirty="0"/>
                         <a:t>2</a:t>
                       </a:r>
                     </a:p>
                   </a:txBody>
-                  <a:tcPr/>
-                </a:tc>
-                <a:tc>
-                  <a:txBody>
-                    <a:bodyPr/>
-                    <a:lstStyle/>
-                    <a:p>
-                      <a:endParaRPr lang="en-US"/>
-                    </a:p>
-                  </a:txBody>
-                  <a:tcPr/>
-                </a:tc>
-                <a:tc>
-                  <a:txBody>
-                    <a:bodyPr/>
-                    <a:lstStyle/>
-                    <a:p>
-                      <a:endParaRPr lang="en-US"/>
-                    </a:p>
-                  </a:txBody>
-                  <a:tcPr/>
+                  <a:tcPr anchor="ctr"/>
+                </a:tc>
+                <a:tc>
+                  <a:txBody>
+                    <a:bodyPr/>
+                    <a:lstStyle/>
+                    <a:p>
+                      <a:pPr algn="ctr"/>
+                      <a:r>
+                        <a:rPr lang="en-US" sz="1600" dirty="0"/>
+                        <a:t>0.0002</a:t>
+                      </a:r>
+                    </a:p>
+                  </a:txBody>
+                  <a:tcPr anchor="ctr"/>
+                </a:tc>
+                <a:tc>
+                  <a:txBody>
+                    <a:bodyPr/>
+                    <a:lstStyle/>
+                    <a:p>
+                      <a:pPr algn="ctr"/>
+                      <a:r>
+                        <a:rPr lang="en-US" sz="1600" dirty="0"/>
+                        <a:t>0.01414213562373095</a:t>
+                      </a:r>
+                    </a:p>
+                  </a:txBody>
+                  <a:tcPr anchor="ctr"/>
+                </a:tc>
+                <a:tc>
+                  <a:txBody>
+                    <a:bodyPr/>
+                    <a:lstStyle/>
+                    <a:p>
+                      <a:pPr algn="ctr"/>
+                      <a:r>
+                        <a:rPr lang="en-US" sz="1600" dirty="0"/>
+                        <a:t>0.01414213562373095</a:t>
+                      </a:r>
+                    </a:p>
+                  </a:txBody>
+                  <a:tcPr anchor="ctr"/>
+                </a:tc>
+                <a:tc>
+                  <a:txBody>
+                    <a:bodyPr/>
+                    <a:lstStyle/>
+                    <a:p>
+                      <a:pPr algn="ctr"/>
+                      <a:r>
+                        <a:rPr lang="en-US" sz="1600" dirty="0"/>
+                        <a:t>0.0</a:t>
+                      </a:r>
+                    </a:p>
+                  </a:txBody>
+                  <a:tcPr anchor="ctr"/>
                 </a:tc>
                 <a:extLst>
                   <a:ext uri="{0D108BD9-81ED-4DB2-BD59-A6C34878D82A}">
@@ -23649,39 +26990,76 @@
                   </a:ext>
                 </a:extLst>
               </a:tr>
-              <a:tr h="370840">
-                <a:tc>
-                  <a:txBody>
-                    <a:bodyPr/>
-                    <a:lstStyle/>
-                    <a:p>
-                      <a:r>
-                        <a:rPr lang="en-US" dirty="0"/>
+              <a:tr h="395614">
+                <a:tc>
+                  <a:txBody>
+                    <a:bodyPr/>
+                    <a:lstStyle/>
+                    <a:p>
+                      <a:pPr algn="ctr"/>
+                      <a:r>
+                        <a:rPr lang="en-US" sz="1600" dirty="0"/>
                         <a:t>3</a:t>
                       </a:r>
                     </a:p>
                   </a:txBody>
-                  <a:tcPr/>
-                </a:tc>
-                <a:tc>
-                  <a:txBody>
-                    <a:bodyPr/>
-                    <a:lstStyle/>
-                    <a:p>
-                      <a:endParaRPr lang="en-US"/>
-                    </a:p>
-                  </a:txBody>
-                  <a:tcPr/>
-                </a:tc>
-                <a:tc>
-                  <a:txBody>
-                    <a:bodyPr/>
-                    <a:lstStyle/>
-                    <a:p>
-                      <a:endParaRPr lang="en-US"/>
-                    </a:p>
-                  </a:txBody>
-                  <a:tcPr/>
+                  <a:tcPr anchor="ctr"/>
+                </a:tc>
+                <a:tc>
+                  <a:txBody>
+                    <a:bodyPr/>
+                    <a:lstStyle/>
+                    <a:p>
+                      <a:pPr algn="ctr"/>
+                      <a:r>
+                        <a:rPr lang="en-US" sz="1600" dirty="0"/>
+                        <a:t>0.00030000000000000003</a:t>
+                      </a:r>
+                    </a:p>
+                  </a:txBody>
+                  <a:tcPr anchor="ctr"/>
+                </a:tc>
+                <a:tc>
+                  <a:txBody>
+                    <a:bodyPr/>
+                    <a:lstStyle/>
+                    <a:p>
+                      <a:pPr algn="ctr"/>
+                      <a:r>
+                        <a:rPr lang="en-US" sz="1600" dirty="0"/>
+                        <a:t>0.017320508075688773</a:t>
+                      </a:r>
+                    </a:p>
+                  </a:txBody>
+                  <a:tcPr anchor="ctr"/>
+                </a:tc>
+                <a:tc>
+                  <a:txBody>
+                    <a:bodyPr/>
+                    <a:lstStyle/>
+                    <a:p>
+                      <a:pPr algn="ctr"/>
+                      <a:r>
+                        <a:rPr lang="en-US" sz="1600" dirty="0"/>
+                        <a:t>0.017320508075688773</a:t>
+                      </a:r>
+                    </a:p>
+                  </a:txBody>
+                  <a:tcPr anchor="ctr"/>
+                </a:tc>
+                <a:tc>
+                  <a:txBody>
+                    <a:bodyPr/>
+                    <a:lstStyle/>
+                    <a:p>
+                      <a:pPr algn="ctr"/>
+                      <a:r>
+                        <a:rPr lang="en-US" sz="1600" dirty="0"/>
+                        <a:t>0.0</a:t>
+                      </a:r>
+                    </a:p>
+                  </a:txBody>
+                  <a:tcPr anchor="ctr"/>
                 </a:tc>
                 <a:extLst>
                   <a:ext uri="{0D108BD9-81ED-4DB2-BD59-A6C34878D82A}">
@@ -23689,39 +27067,307 @@
                   </a:ext>
                 </a:extLst>
               </a:tr>
-              <a:tr h="370840">
-                <a:tc>
-                  <a:txBody>
-                    <a:bodyPr/>
-                    <a:lstStyle/>
-                    <a:p>
-                      <a:r>
-                        <a:rPr lang="en-US" dirty="0"/>
+              <a:tr h="395614">
+                <a:tc>
+                  <a:txBody>
+                    <a:bodyPr/>
+                    <a:lstStyle/>
+                    <a:p>
+                      <a:pPr algn="ctr"/>
+                      <a:r>
+                        <a:rPr lang="en-US" sz="1600" dirty="0"/>
+                        <a:t>4</a:t>
+                      </a:r>
+                    </a:p>
+                  </a:txBody>
+                  <a:tcPr anchor="ctr"/>
+                </a:tc>
+                <a:tc>
+                  <a:txBody>
+                    <a:bodyPr/>
+                    <a:lstStyle/>
+                    <a:p>
+                      <a:pPr algn="ctr"/>
+                      <a:r>
+                        <a:rPr lang="en-US" sz="1600" dirty="0"/>
+                        <a:t>0.0004</a:t>
+                      </a:r>
+                    </a:p>
+                  </a:txBody>
+                  <a:tcPr anchor="ctr"/>
+                </a:tc>
+                <a:tc>
+                  <a:txBody>
+                    <a:bodyPr/>
+                    <a:lstStyle/>
+                    <a:p>
+                      <a:pPr algn="ctr"/>
+                      <a:r>
+                        <a:rPr lang="en-US" sz="1600" dirty="0"/>
+                        <a:t>0.02</a:t>
+                      </a:r>
+                    </a:p>
+                  </a:txBody>
+                  <a:tcPr anchor="ctr"/>
+                </a:tc>
+                <a:tc>
+                  <a:txBody>
+                    <a:bodyPr/>
+                    <a:lstStyle/>
+                    <a:p>
+                      <a:pPr algn="ctr"/>
+                      <a:r>
+                        <a:rPr lang="en-US" sz="1600" dirty="0"/>
+                        <a:t>0.02</a:t>
+                      </a:r>
+                    </a:p>
+                  </a:txBody>
+                  <a:tcPr anchor="ctr"/>
+                </a:tc>
+                <a:tc>
+                  <a:txBody>
+                    <a:bodyPr/>
+                    <a:lstStyle/>
+                    <a:p>
+                      <a:pPr algn="ctr"/>
+                      <a:r>
+                        <a:rPr lang="en-US" sz="1600" dirty="0"/>
+                        <a:t>0.0</a:t>
+                      </a:r>
+                    </a:p>
+                  </a:txBody>
+                  <a:tcPr anchor="ctr"/>
+                </a:tc>
+                <a:extLst>
+                  <a:ext uri="{0D108BD9-81ED-4DB2-BD59-A6C34878D82A}">
+                    <a16:rowId xmlns:a16="http://schemas.microsoft.com/office/drawing/2014/main" val="1783432126"/>
+                  </a:ext>
+                </a:extLst>
+              </a:tr>
+              <a:tr h="395614">
+                <a:tc>
+                  <a:txBody>
+                    <a:bodyPr/>
+                    <a:lstStyle/>
+                    <a:p>
+                      <a:pPr algn="ctr"/>
+                      <a:r>
+                        <a:rPr lang="en-US" sz="1600" dirty="0"/>
                         <a:t>…</a:t>
                       </a:r>
                     </a:p>
                   </a:txBody>
-                  <a:tcPr/>
-                </a:tc>
-                <a:tc>
-                  <a:txBody>
-                    <a:bodyPr/>
-                    <a:lstStyle/>
-                    <a:p>
-                      <a:endParaRPr lang="en-US"/>
-                    </a:p>
-                  </a:txBody>
-                  <a:tcPr/>
-                </a:tc>
-                <a:tc>
-                  <a:txBody>
-                    <a:bodyPr/>
-                    <a:lstStyle/>
-                    <a:p>
-                      <a:endParaRPr lang="en-US"/>
-                    </a:p>
-                  </a:txBody>
-                  <a:tcPr/>
+                  <a:tcPr anchor="ctr"/>
+                </a:tc>
+                <a:tc>
+                  <a:txBody>
+                    <a:bodyPr/>
+                    <a:lstStyle/>
+                    <a:p>
+                      <a:pPr algn="ctr"/>
+                      <a:r>
+                        <a:rPr lang="en-US" sz="1600" dirty="0"/>
+                        <a:t>…</a:t>
+                      </a:r>
+                    </a:p>
+                  </a:txBody>
+                  <a:tcPr anchor="ctr"/>
+                </a:tc>
+                <a:tc>
+                  <a:txBody>
+                    <a:bodyPr/>
+                    <a:lstStyle/>
+                    <a:p>
+                      <a:pPr algn="ctr"/>
+                      <a:r>
+                        <a:rPr lang="en-US" sz="1600" dirty="0"/>
+                        <a:t>…</a:t>
+                      </a:r>
+                    </a:p>
+                  </a:txBody>
+                  <a:tcPr anchor="ctr"/>
+                </a:tc>
+                <a:tc>
+                  <a:txBody>
+                    <a:bodyPr/>
+                    <a:lstStyle/>
+                    <a:p>
+                      <a:pPr algn="ctr"/>
+                      <a:r>
+                        <a:rPr lang="en-US" sz="1600" dirty="0"/>
+                        <a:t>…</a:t>
+                      </a:r>
+                    </a:p>
+                  </a:txBody>
+                  <a:tcPr anchor="ctr"/>
+                </a:tc>
+                <a:tc>
+                  <a:txBody>
+                    <a:bodyPr/>
+                    <a:lstStyle/>
+                    <a:p>
+                      <a:pPr algn="ctr"/>
+                      <a:r>
+                        <a:rPr lang="en-US" sz="1600" dirty="0"/>
+                        <a:t>…</a:t>
+                      </a:r>
+                    </a:p>
+                  </a:txBody>
+                  <a:tcPr anchor="ctr"/>
+                </a:tc>
+                <a:extLst>
+                  <a:ext uri="{0D108BD9-81ED-4DB2-BD59-A6C34878D82A}">
+                    <a16:rowId xmlns:a16="http://schemas.microsoft.com/office/drawing/2014/main" val="910836370"/>
+                  </a:ext>
+                </a:extLst>
+              </a:tr>
+              <a:tr h="395614">
+                <a:tc>
+                  <a:txBody>
+                    <a:bodyPr/>
+                    <a:lstStyle/>
+                    <a:p>
+                      <a:pPr algn="ctr"/>
+                      <a:r>
+                        <a:rPr lang="en-US" sz="1600" dirty="0"/>
+                        <a:t>97</a:t>
+                      </a:r>
+                    </a:p>
+                  </a:txBody>
+                  <a:tcPr anchor="ctr"/>
+                </a:tc>
+                <a:tc>
+                  <a:txBody>
+                    <a:bodyPr/>
+                    <a:lstStyle/>
+                    <a:p>
+                      <a:pPr algn="ctr"/>
+                      <a:r>
+                        <a:rPr lang="en-US" sz="1600" dirty="0"/>
+                        <a:t>0.009699999999999997</a:t>
+                      </a:r>
+                    </a:p>
+                  </a:txBody>
+                  <a:tcPr anchor="ctr"/>
+                </a:tc>
+                <a:tc>
+                  <a:txBody>
+                    <a:bodyPr/>
+                    <a:lstStyle/>
+                    <a:p>
+                      <a:pPr algn="ctr"/>
+                      <a:r>
+                        <a:rPr lang="en-US" sz="1600" dirty="0"/>
+                        <a:t>0.09848857801796103</a:t>
+                      </a:r>
+                    </a:p>
+                  </a:txBody>
+                  <a:tcPr anchor="ctr"/>
+                </a:tc>
+                <a:tc>
+                  <a:txBody>
+                    <a:bodyPr/>
+                    <a:lstStyle/>
+                    <a:p>
+                      <a:pPr algn="ctr"/>
+                      <a:r>
+                        <a:rPr lang="en-US" sz="1600" dirty="0"/>
+                        <a:t>0.09848857801796103</a:t>
+                      </a:r>
+                    </a:p>
+                  </a:txBody>
+                  <a:tcPr anchor="ctr"/>
+                </a:tc>
+                <a:tc>
+                  <a:txBody>
+                    <a:bodyPr/>
+                    <a:lstStyle/>
+                    <a:p>
+                      <a:pPr algn="ctr"/>
+                      <a:r>
+                        <a:rPr lang="en-US" sz="1600" dirty="0"/>
+                        <a:t>0.0</a:t>
+                      </a:r>
+                    </a:p>
+                  </a:txBody>
+                  <a:tcPr anchor="ctr"/>
+                </a:tc>
+                <a:extLst>
+                  <a:ext uri="{0D108BD9-81ED-4DB2-BD59-A6C34878D82A}">
+                    <a16:rowId xmlns:a16="http://schemas.microsoft.com/office/drawing/2014/main" val="3255783692"/>
+                  </a:ext>
+                </a:extLst>
+              </a:tr>
+              <a:tr h="395614">
+                <a:tc>
+                  <a:txBody>
+                    <a:bodyPr/>
+                    <a:lstStyle/>
+                    <a:p>
+                      <a:pPr algn="ctr"/>
+                      <a:r>
+                        <a:rPr lang="en-US" sz="1600" dirty="0"/>
+                        <a:t>98</a:t>
+                      </a:r>
+                    </a:p>
+                  </a:txBody>
+                  <a:tcPr anchor="ctr"/>
+                </a:tc>
+                <a:tc>
+                  <a:txBody>
+                    <a:bodyPr/>
+                    <a:lstStyle/>
+                    <a:p>
+                      <a:pPr algn="ctr"/>
+                      <a:r>
+                        <a:rPr lang="en-US" sz="1600" dirty="0"/>
+                        <a:t>0.009799999999999996</a:t>
+                      </a:r>
+                    </a:p>
+                  </a:txBody>
+                  <a:tcPr anchor="ctr"/>
+                </a:tc>
+                <a:tc>
+                  <a:txBody>
+                    <a:bodyPr/>
+                    <a:lstStyle/>
+                    <a:p>
+                      <a:pPr algn="ctr"/>
+                      <a:r>
+                        <a:rPr lang="en-US" sz="1600" dirty="0"/>
+                        <a:t>0.09899494936611664</a:t>
+                      </a:r>
+                    </a:p>
+                  </a:txBody>
+                  <a:tcPr anchor="ctr"/>
+                </a:tc>
+                <a:tc>
+                  <a:txBody>
+                    <a:bodyPr/>
+                    <a:lstStyle/>
+                    <a:p>
+                      <a:pPr algn="ctr"/>
+                      <a:r>
+                        <a:rPr lang="en-US" sz="1600" dirty="0"/>
+                        <a:t>0.09899494936611664</a:t>
+                      </a:r>
+                    </a:p>
+                  </a:txBody>
+                  <a:tcPr anchor="ctr"/>
+                </a:tc>
+                <a:tc>
+                  <a:txBody>
+                    <a:bodyPr/>
+                    <a:lstStyle/>
+                    <a:p>
+                      <a:pPr algn="ctr"/>
+                      <a:r>
+                        <a:rPr lang="en-US" sz="1600" dirty="0"/>
+                        <a:t>0.0</a:t>
+                      </a:r>
+                    </a:p>
+                  </a:txBody>
+                  <a:tcPr anchor="ctr"/>
                 </a:tc>
                 <a:extLst>
                   <a:ext uri="{0D108BD9-81ED-4DB2-BD59-A6C34878D82A}">
@@ -23729,43 +27375,157 @@
                   </a:ext>
                 </a:extLst>
               </a:tr>
-              <a:tr h="370840">
-                <a:tc>
-                  <a:txBody>
-                    <a:bodyPr/>
-                    <a:lstStyle/>
-                    <a:p>
-                      <a:r>
-                        <a:rPr lang="en-US" dirty="0"/>
-                        <a:t>50</a:t>
-                      </a:r>
-                    </a:p>
-                  </a:txBody>
-                  <a:tcPr/>
-                </a:tc>
-                <a:tc>
-                  <a:txBody>
-                    <a:bodyPr/>
-                    <a:lstStyle/>
-                    <a:p>
-                      <a:endParaRPr lang="en-US" dirty="0"/>
-                    </a:p>
-                  </a:txBody>
-                  <a:tcPr/>
-                </a:tc>
-                <a:tc>
-                  <a:txBody>
-                    <a:bodyPr/>
-                    <a:lstStyle/>
-                    <a:p>
-                      <a:endParaRPr lang="en-US" dirty="0"/>
-                    </a:p>
-                  </a:txBody>
-                  <a:tcPr/>
+              <a:tr h="395614">
+                <a:tc>
+                  <a:txBody>
+                    <a:bodyPr/>
+                    <a:lstStyle/>
+                    <a:p>
+                      <a:pPr algn="ctr"/>
+                      <a:r>
+                        <a:rPr lang="en-US" sz="1600" dirty="0"/>
+                        <a:t>99</a:t>
+                      </a:r>
+                    </a:p>
+                  </a:txBody>
+                  <a:tcPr anchor="ctr"/>
+                </a:tc>
+                <a:tc>
+                  <a:txBody>
+                    <a:bodyPr/>
+                    <a:lstStyle/>
+                    <a:p>
+                      <a:pPr algn="ctr"/>
+                      <a:r>
+                        <a:rPr lang="en-US" sz="1600" dirty="0"/>
+                        <a:t>0.009899999999999996</a:t>
+                      </a:r>
+                    </a:p>
+                  </a:txBody>
+                  <a:tcPr anchor="ctr"/>
+                </a:tc>
+                <a:tc>
+                  <a:txBody>
+                    <a:bodyPr/>
+                    <a:lstStyle/>
+                    <a:p>
+                      <a:pPr algn="ctr"/>
+                      <a:r>
+                        <a:rPr lang="en-US" sz="1600" dirty="0"/>
+                        <a:t>0.09949874371066197</a:t>
+                      </a:r>
+                    </a:p>
+                  </a:txBody>
+                  <a:tcPr anchor="ctr"/>
+                </a:tc>
+                <a:tc>
+                  <a:txBody>
+                    <a:bodyPr/>
+                    <a:lstStyle/>
+                    <a:p>
+                      <a:pPr algn="ctr"/>
+                      <a:r>
+                        <a:rPr lang="en-US" sz="1600" dirty="0"/>
+                        <a:t>0.09949874371066197</a:t>
+                      </a:r>
+                    </a:p>
+                  </a:txBody>
+                  <a:tcPr anchor="ctr"/>
+                </a:tc>
+                <a:tc>
+                  <a:txBody>
+                    <a:bodyPr/>
+                    <a:lstStyle/>
+                    <a:p>
+                      <a:pPr algn="ctr"/>
+                      <a:r>
+                        <a:rPr lang="en-US" sz="1600" dirty="0"/>
+                        <a:t>0.0</a:t>
+                      </a:r>
+                    </a:p>
+                  </a:txBody>
+                  <a:tcPr anchor="ctr"/>
                 </a:tc>
                 <a:extLst>
                   <a:ext uri="{0D108BD9-81ED-4DB2-BD59-A6C34878D82A}">
                     <a16:rowId xmlns:a16="http://schemas.microsoft.com/office/drawing/2014/main" val="1497848548"/>
+                  </a:ext>
+                </a:extLst>
+              </a:tr>
+              <a:tr h="395614">
+                <a:tc>
+                  <a:txBody>
+                    <a:bodyPr/>
+                    <a:lstStyle/>
+                    <a:p>
+                      <a:pPr algn="ctr"/>
+                      <a:r>
+                        <a:rPr lang="en-US" sz="1600" dirty="0"/>
+                        <a:t>100</a:t>
+                      </a:r>
+                    </a:p>
+                  </a:txBody>
+                  <a:tcPr anchor="ctr"/>
+                </a:tc>
+                <a:tc>
+                  <a:txBody>
+                    <a:bodyPr/>
+                    <a:lstStyle/>
+                    <a:p>
+                      <a:pPr algn="ctr"/>
+                      <a:r>
+                        <a:rPr lang="en-US" sz="1600" dirty="0"/>
+                        <a:t>0.009999999999999995</a:t>
+                      </a:r>
+                    </a:p>
+                  </a:txBody>
+                  <a:tcPr anchor="ctr"/>
+                </a:tc>
+                <a:tc>
+                  <a:txBody>
+                    <a:bodyPr/>
+                    <a:lstStyle/>
+                    <a:p>
+                      <a:pPr algn="ctr"/>
+                      <a:r>
+                        <a:rPr lang="en-US" sz="1600" dirty="0"/>
+                        <a:t>0.09999999999999998</a:t>
+                      </a:r>
+                    </a:p>
+                  </a:txBody>
+                  <a:tcPr anchor="ctr"/>
+                </a:tc>
+                <a:tc>
+                  <a:txBody>
+                    <a:bodyPr/>
+                    <a:lstStyle/>
+                    <a:p>
+                      <a:pPr algn="ctr"/>
+                      <a:r>
+                        <a:rPr lang="en-US" sz="1600" dirty="0"/>
+                        <a:t>0.09999999999999998</a:t>
+                      </a:r>
+                    </a:p>
+                  </a:txBody>
+                  <a:tcPr anchor="ctr"/>
+                </a:tc>
+                <a:tc>
+                  <a:txBody>
+                    <a:bodyPr/>
+                    <a:lstStyle/>
+                    <a:p>
+                      <a:pPr algn="ctr"/>
+                      <a:r>
+                        <a:rPr lang="en-US" sz="1600" dirty="0"/>
+                        <a:t>0.0</a:t>
+                      </a:r>
+                    </a:p>
+                  </a:txBody>
+                  <a:tcPr anchor="ctr"/>
+                </a:tc>
+                <a:extLst>
+                  <a:ext uri="{0D108BD9-81ED-4DB2-BD59-A6C34878D82A}">
+                    <a16:rowId xmlns:a16="http://schemas.microsoft.com/office/drawing/2014/main" val="3703587746"/>
                   </a:ext>
                 </a:extLst>
               </a:tr>
@@ -23845,10 +27605,10 @@
       </p:sp>
       <p:pic>
         <p:nvPicPr>
-          <p:cNvPr id="4" name="Picture 3">
+          <p:cNvPr id="5" name="Picture 4">
             <a:extLst>
               <a:ext uri="{FF2B5EF4-FFF2-40B4-BE49-F238E27FC236}">
-                <a16:creationId xmlns:a16="http://schemas.microsoft.com/office/drawing/2014/main" id="{50F76036-5DA0-4B30-80F7-AD6849C31D66}"/>
+                <a16:creationId xmlns:a16="http://schemas.microsoft.com/office/drawing/2014/main" id="{95CF3D24-F1E8-451D-8B42-D6836414CA76}"/>
               </a:ext>
             </a:extLst>
           </p:cNvPr>
@@ -23865,8 +27625,8 @@
         </p:blipFill>
         <p:spPr>
           <a:xfrm>
-            <a:off x="608458" y="1630626"/>
-            <a:ext cx="10964433" cy="4722248"/>
+            <a:off x="391178" y="1574822"/>
+            <a:ext cx="11422574" cy="4976290"/>
           </a:xfrm>
           <a:prstGeom prst="rect">
             <a:avLst/>

--- a/Group Project/FloatingPointSquareRoot/Floating Point Squareroot.pptx
+++ b/Group Project/FloatingPointSquareRoot/Floating Point Squareroot.pptx
@@ -5018,9 +5018,18 @@
 <p:sldMaster xmlns:a="http://schemas.openxmlformats.org/drawingml/2006/main" xmlns:r="http://schemas.openxmlformats.org/officeDocument/2006/relationships" xmlns:p="http://schemas.openxmlformats.org/presentationml/2006/main">
   <p:cSld>
     <p:bg>
-      <p:bgRef idx="1003">
-        <a:schemeClr val="bg2"/>
-      </p:bgRef>
+      <p:bgPr>
+        <a:blipFill dpi="0" rotWithShape="1">
+          <a:blip r:embed="rId19">
+            <a:lum/>
+          </a:blip>
+          <a:srcRect/>
+          <a:stretch>
+            <a:fillRect/>
+          </a:stretch>
+        </a:blipFill>
+        <a:effectLst/>
+      </p:bgPr>
     </p:bg>
     <p:spTree>
       <p:nvGrpSpPr>
@@ -5633,20 +5642,6 @@
 <file path=ppt/slides/slide1.xml><?xml version="1.0" encoding="utf-8"?>
 <p:sld xmlns:a="http://schemas.openxmlformats.org/drawingml/2006/main" xmlns:r="http://schemas.openxmlformats.org/officeDocument/2006/relationships" xmlns:p="http://schemas.openxmlformats.org/presentationml/2006/main">
   <p:cSld>
-    <p:bg>
-      <p:bgPr>
-        <a:blipFill dpi="0" rotWithShape="1">
-          <a:blip r:embed="rId2">
-            <a:lum/>
-          </a:blip>
-          <a:srcRect/>
-          <a:stretch>
-            <a:fillRect/>
-          </a:stretch>
-        </a:blipFill>
-        <a:effectLst/>
-      </p:bgPr>
-    </p:bg>
     <p:spTree>
       <p:nvGrpSpPr>
         <p:cNvPr id="1" name=""/>
@@ -6189,6 +6184,18 @@
   <p:clrMapOvr>
     <a:masterClrMapping/>
   </p:clrMapOvr>
+  <mc:AlternateContent xmlns:mc="http://schemas.openxmlformats.org/markup-compatibility/2006">
+    <mc:Choice xmlns:p159="http://schemas.microsoft.com/office/powerpoint/2015/09/main" Requires="p159">
+      <p:transition xmlns:p14="http://schemas.microsoft.com/office/powerpoint/2010/main" spd="slow" p14:dur="2000">
+        <p159:morph option="byObject"/>
+      </p:transition>
+    </mc:Choice>
+    <mc:Fallback>
+      <p:transition spd="slow">
+        <p:fade/>
+      </p:transition>
+    </mc:Fallback>
+  </mc:AlternateContent>
   <p:timing>
     <p:tnLst>
       <p:par>
@@ -6649,13 +6656,13 @@
   <p:clrMapOvr>
     <a:masterClrMapping/>
   </p:clrMapOvr>
-  <mc:AlternateContent xmlns:mc="http://schemas.openxmlformats.org/markup-compatibility/2006" xmlns:p159="http://schemas.microsoft.com/office/powerpoint/2015/09/main">
-    <mc:Choice Requires="p159">
+  <mc:AlternateContent xmlns:mc="http://schemas.openxmlformats.org/markup-compatibility/2006">
+    <mc:Choice xmlns:p159="http://schemas.microsoft.com/office/powerpoint/2015/09/main" Requires="p159">
       <p:transition xmlns:p14="http://schemas.microsoft.com/office/powerpoint/2010/main" spd="slow" p14:dur="2000">
         <p159:morph option="byObject"/>
       </p:transition>
     </mc:Choice>
-    <mc:Fallback xmlns="">
+    <mc:Fallback>
       <p:transition spd="slow">
         <p:fade/>
       </p:transition>
@@ -8560,13 +8567,13 @@
   <p:clrMapOvr>
     <a:masterClrMapping/>
   </p:clrMapOvr>
-  <mc:AlternateContent xmlns:mc="http://schemas.openxmlformats.org/markup-compatibility/2006" xmlns:p159="http://schemas.microsoft.com/office/powerpoint/2015/09/main">
-    <mc:Choice Requires="p159">
+  <mc:AlternateContent xmlns:mc="http://schemas.openxmlformats.org/markup-compatibility/2006">
+    <mc:Choice xmlns:p159="http://schemas.microsoft.com/office/powerpoint/2015/09/main" Requires="p159">
       <p:transition xmlns:p14="http://schemas.microsoft.com/office/powerpoint/2010/main" spd="slow" p14:dur="2000">
         <p159:morph option="byObject"/>
       </p:transition>
     </mc:Choice>
-    <mc:Fallback xmlns="">
+    <mc:Fallback>
       <p:transition spd="slow">
         <p:fade/>
       </p:transition>
@@ -11103,13 +11110,13 @@
   <p:clrMapOvr>
     <a:masterClrMapping/>
   </p:clrMapOvr>
-  <mc:AlternateContent xmlns:mc="http://schemas.openxmlformats.org/markup-compatibility/2006" xmlns:p159="http://schemas.microsoft.com/office/powerpoint/2015/09/main">
-    <mc:Choice Requires="p159">
+  <mc:AlternateContent xmlns:mc="http://schemas.openxmlformats.org/markup-compatibility/2006">
+    <mc:Choice xmlns:p159="http://schemas.microsoft.com/office/powerpoint/2015/09/main" Requires="p159">
       <p:transition xmlns:p14="http://schemas.microsoft.com/office/powerpoint/2010/main" spd="slow" p14:dur="2000">
         <p159:morph option="byObject"/>
       </p:transition>
     </mc:Choice>
-    <mc:Fallback xmlns="">
+    <mc:Fallback>
       <p:transition spd="slow">
         <p:fade/>
       </p:transition>
@@ -12794,13 +12801,13 @@
   <p:clrMapOvr>
     <a:masterClrMapping/>
   </p:clrMapOvr>
-  <mc:AlternateContent xmlns:mc="http://schemas.openxmlformats.org/markup-compatibility/2006" xmlns:p159="http://schemas.microsoft.com/office/powerpoint/2015/09/main">
-    <mc:Choice Requires="p159">
+  <mc:AlternateContent xmlns:mc="http://schemas.openxmlformats.org/markup-compatibility/2006">
+    <mc:Choice xmlns:p159="http://schemas.microsoft.com/office/powerpoint/2015/09/main" Requires="p159">
       <p:transition xmlns:p14="http://schemas.microsoft.com/office/powerpoint/2010/main" spd="slow" p14:dur="2000">
         <p159:morph option="byObject"/>
       </p:transition>
     </mc:Choice>
-    <mc:Fallback xmlns="">
+    <mc:Fallback>
       <p:transition spd="slow">
         <p:fade/>
       </p:transition>
@@ -14383,13 +14390,13 @@
   <p:clrMapOvr>
     <a:masterClrMapping/>
   </p:clrMapOvr>
-  <mc:AlternateContent xmlns:mc="http://schemas.openxmlformats.org/markup-compatibility/2006" xmlns:p159="http://schemas.microsoft.com/office/powerpoint/2015/09/main">
-    <mc:Choice Requires="p159">
+  <mc:AlternateContent xmlns:mc="http://schemas.openxmlformats.org/markup-compatibility/2006">
+    <mc:Choice xmlns:p159="http://schemas.microsoft.com/office/powerpoint/2015/09/main" Requires="p159">
       <p:transition xmlns:p14="http://schemas.microsoft.com/office/powerpoint/2010/main" spd="slow" p14:dur="2000">
         <p159:morph option="byObject"/>
       </p:transition>
     </mc:Choice>
-    <mc:Fallback xmlns="">
+    <mc:Fallback>
       <p:transition spd="slow">
         <p:fade/>
       </p:transition>
@@ -18149,13 +18156,13 @@
   <p:clrMapOvr>
     <a:masterClrMapping/>
   </p:clrMapOvr>
-  <mc:AlternateContent xmlns:mc="http://schemas.openxmlformats.org/markup-compatibility/2006" xmlns:p159="http://schemas.microsoft.com/office/powerpoint/2015/09/main">
-    <mc:Choice Requires="p159">
+  <mc:AlternateContent xmlns:mc="http://schemas.openxmlformats.org/markup-compatibility/2006">
+    <mc:Choice xmlns:p159="http://schemas.microsoft.com/office/powerpoint/2015/09/main" Requires="p159">
       <p:transition xmlns:p14="http://schemas.microsoft.com/office/powerpoint/2010/main" spd="slow" p14:dur="2000">
         <p159:morph option="byObject"/>
       </p:transition>
     </mc:Choice>
-    <mc:Fallback xmlns="">
+    <mc:Fallback>
       <p:transition spd="slow">
         <p:fade/>
       </p:transition>
@@ -18566,13 +18573,13 @@
   <p:clrMapOvr>
     <a:masterClrMapping/>
   </p:clrMapOvr>
-  <mc:AlternateContent xmlns:mc="http://schemas.openxmlformats.org/markup-compatibility/2006" xmlns:p159="http://schemas.microsoft.com/office/powerpoint/2015/09/main">
-    <mc:Choice Requires="p159">
+  <mc:AlternateContent xmlns:mc="http://schemas.openxmlformats.org/markup-compatibility/2006">
+    <mc:Choice xmlns:p159="http://schemas.microsoft.com/office/powerpoint/2015/09/main" Requires="p159">
       <p:transition xmlns:p14="http://schemas.microsoft.com/office/powerpoint/2010/main" spd="slow" p14:dur="2000">
         <p159:morph option="byObject"/>
       </p:transition>
     </mc:Choice>
-    <mc:Fallback xmlns="">
+    <mc:Fallback>
       <p:transition spd="slow">
         <p:fade/>
       </p:transition>
@@ -19925,13 +19932,13 @@
   <p:clrMapOvr>
     <a:masterClrMapping/>
   </p:clrMapOvr>
-  <mc:AlternateContent xmlns:mc="http://schemas.openxmlformats.org/markup-compatibility/2006" xmlns:p159="http://schemas.microsoft.com/office/powerpoint/2015/09/main">
-    <mc:Choice Requires="p159">
+  <mc:AlternateContent xmlns:mc="http://schemas.openxmlformats.org/markup-compatibility/2006">
+    <mc:Choice xmlns:p159="http://schemas.microsoft.com/office/powerpoint/2015/09/main" Requires="p159">
       <p:transition xmlns:p14="http://schemas.microsoft.com/office/powerpoint/2010/main" spd="slow" p14:dur="2000">
         <p159:morph option="byObject"/>
       </p:transition>
     </mc:Choice>
-    <mc:Fallback xmlns="">
+    <mc:Fallback>
       <p:transition spd="slow">
         <p:fade/>
       </p:transition>
@@ -19941,7 +19948,7 @@
 </file>
 
 <file path=ppt/slides/slide2.xml><?xml version="1.0" encoding="utf-8"?>
-<p:sld xmlns:a="http://schemas.openxmlformats.org/drawingml/2006/main" xmlns:r="http://schemas.openxmlformats.org/officeDocument/2006/relationships" xmlns:p="http://schemas.openxmlformats.org/presentationml/2006/main">
+<p:sld xmlns:a="http://schemas.openxmlformats.org/drawingml/2006/main" xmlns:r="http://schemas.openxmlformats.org/officeDocument/2006/relationships" xmlns:p="http://schemas.openxmlformats.org/presentationml/2006/main" show="0">
   <p:cSld>
     <p:spTree>
       <p:nvGrpSpPr>
@@ -20084,13 +20091,13 @@
   <p:clrMapOvr>
     <a:masterClrMapping/>
   </p:clrMapOvr>
-  <mc:AlternateContent xmlns:mc="http://schemas.openxmlformats.org/markup-compatibility/2006" xmlns:p159="http://schemas.microsoft.com/office/powerpoint/2015/09/main">
-    <mc:Choice Requires="p159">
+  <mc:AlternateContent xmlns:mc="http://schemas.openxmlformats.org/markup-compatibility/2006">
+    <mc:Choice xmlns:p159="http://schemas.microsoft.com/office/powerpoint/2015/09/main" Requires="p159">
       <p:transition xmlns:p14="http://schemas.microsoft.com/office/powerpoint/2010/main" spd="slow" p14:dur="2000">
         <p159:morph option="byObject"/>
       </p:transition>
     </mc:Choice>
-    <mc:Fallback xmlns="">
+    <mc:Fallback>
       <p:transition spd="slow">
         <p:fade/>
       </p:transition>
@@ -21422,13 +21429,13 @@
   <p:clrMapOvr>
     <a:masterClrMapping/>
   </p:clrMapOvr>
-  <mc:AlternateContent xmlns:mc="http://schemas.openxmlformats.org/markup-compatibility/2006" xmlns:p159="http://schemas.microsoft.com/office/powerpoint/2015/09/main">
-    <mc:Choice Requires="p159">
+  <mc:AlternateContent xmlns:mc="http://schemas.openxmlformats.org/markup-compatibility/2006">
+    <mc:Choice xmlns:p159="http://schemas.microsoft.com/office/powerpoint/2015/09/main" Requires="p159">
       <p:transition xmlns:p14="http://schemas.microsoft.com/office/powerpoint/2010/main" spd="slow" p14:dur="2000">
         <p159:morph option="byObject"/>
       </p:transition>
     </mc:Choice>
-    <mc:Fallback xmlns="">
+    <mc:Fallback>
       <p:transition spd="slow">
         <p:fade/>
       </p:transition>
@@ -22592,13 +22599,13 @@
   <p:clrMapOvr>
     <a:masterClrMapping/>
   </p:clrMapOvr>
-  <mc:AlternateContent xmlns:mc="http://schemas.openxmlformats.org/markup-compatibility/2006" xmlns:p159="http://schemas.microsoft.com/office/powerpoint/2015/09/main">
-    <mc:Choice Requires="p159">
+  <mc:AlternateContent xmlns:mc="http://schemas.openxmlformats.org/markup-compatibility/2006">
+    <mc:Choice xmlns:p159="http://schemas.microsoft.com/office/powerpoint/2015/09/main" Requires="p159">
       <p:transition xmlns:p14="http://schemas.microsoft.com/office/powerpoint/2010/main" spd="slow" p14:dur="2000">
         <p159:morph option="byObject"/>
       </p:transition>
     </mc:Choice>
-    <mc:Fallback xmlns="">
+    <mc:Fallback>
       <p:transition spd="slow">
         <p:fade/>
       </p:transition>
@@ -23930,13 +23937,13 @@
   <p:clrMapOvr>
     <a:masterClrMapping/>
   </p:clrMapOvr>
-  <mc:AlternateContent xmlns:mc="http://schemas.openxmlformats.org/markup-compatibility/2006" xmlns:p159="http://schemas.microsoft.com/office/powerpoint/2015/09/main">
-    <mc:Choice Requires="p159">
+  <mc:AlternateContent xmlns:mc="http://schemas.openxmlformats.org/markup-compatibility/2006">
+    <mc:Choice xmlns:p159="http://schemas.microsoft.com/office/powerpoint/2015/09/main" Requires="p159">
       <p:transition xmlns:p14="http://schemas.microsoft.com/office/powerpoint/2010/main" spd="slow" p14:dur="2000">
         <p159:morph option="byObject"/>
       </p:transition>
     </mc:Choice>
-    <mc:Fallback xmlns="">
+    <mc:Fallback>
       <p:transition spd="slow">
         <p:fade/>
       </p:transition>
@@ -25100,13 +25107,13 @@
   <p:clrMapOvr>
     <a:masterClrMapping/>
   </p:clrMapOvr>
-  <mc:AlternateContent xmlns:mc="http://schemas.openxmlformats.org/markup-compatibility/2006" xmlns:p159="http://schemas.microsoft.com/office/powerpoint/2015/09/main">
-    <mc:Choice Requires="p159">
+  <mc:AlternateContent xmlns:mc="http://schemas.openxmlformats.org/markup-compatibility/2006">
+    <mc:Choice xmlns:p159="http://schemas.microsoft.com/office/powerpoint/2015/09/main" Requires="p159">
       <p:transition xmlns:p14="http://schemas.microsoft.com/office/powerpoint/2010/main" spd="slow" p14:dur="2000">
         <p159:morph option="byObject"/>
       </p:transition>
     </mc:Choice>
-    <mc:Fallback xmlns="">
+    <mc:Fallback>
       <p:transition spd="slow">
         <p:fade/>
       </p:transition>
@@ -25234,13 +25241,13 @@
   <p:clrMapOvr>
     <a:masterClrMapping/>
   </p:clrMapOvr>
-  <mc:AlternateContent xmlns:mc="http://schemas.openxmlformats.org/markup-compatibility/2006" xmlns:p159="http://schemas.microsoft.com/office/powerpoint/2015/09/main">
-    <mc:Choice Requires="p159">
+  <mc:AlternateContent xmlns:mc="http://schemas.openxmlformats.org/markup-compatibility/2006">
+    <mc:Choice xmlns:p159="http://schemas.microsoft.com/office/powerpoint/2015/09/main" Requires="p159">
       <p:transition xmlns:p14="http://schemas.microsoft.com/office/powerpoint/2010/main" spd="slow" p14:dur="2000">
         <p159:morph option="byObject"/>
       </p:transition>
     </mc:Choice>
-    <mc:Fallback xmlns="">
+    <mc:Fallback>
       <p:transition spd="slow">
         <p:fade/>
       </p:transition>
@@ -25368,13 +25375,13 @@
   <p:clrMapOvr>
     <a:masterClrMapping/>
   </p:clrMapOvr>
-  <mc:AlternateContent xmlns:mc="http://schemas.openxmlformats.org/markup-compatibility/2006" xmlns:p159="http://schemas.microsoft.com/office/powerpoint/2015/09/main">
-    <mc:Choice Requires="p159">
+  <mc:AlternateContent xmlns:mc="http://schemas.openxmlformats.org/markup-compatibility/2006">
+    <mc:Choice xmlns:p159="http://schemas.microsoft.com/office/powerpoint/2015/09/main" Requires="p159">
       <p:transition xmlns:p14="http://schemas.microsoft.com/office/powerpoint/2010/main" spd="slow" p14:dur="2000">
         <p159:morph option="byObject"/>
       </p:transition>
     </mc:Choice>
-    <mc:Fallback xmlns="">
+    <mc:Fallback>
       <p:transition spd="slow">
         <p:fade/>
       </p:transition>
@@ -25502,13 +25509,13 @@
   <p:clrMapOvr>
     <a:masterClrMapping/>
   </p:clrMapOvr>
-  <mc:AlternateContent xmlns:mc="http://schemas.openxmlformats.org/markup-compatibility/2006" xmlns:p159="http://schemas.microsoft.com/office/powerpoint/2015/09/main">
-    <mc:Choice Requires="p159">
+  <mc:AlternateContent xmlns:mc="http://schemas.openxmlformats.org/markup-compatibility/2006">
+    <mc:Choice xmlns:p159="http://schemas.microsoft.com/office/powerpoint/2015/09/main" Requires="p159">
       <p:transition xmlns:p14="http://schemas.microsoft.com/office/powerpoint/2010/main" spd="slow" p14:dur="2000">
         <p159:morph option="byObject"/>
       </p:transition>
     </mc:Choice>
-    <mc:Fallback xmlns="">
+    <mc:Fallback>
       <p:transition spd="slow">
         <p:fade/>
       </p:transition>
@@ -25644,13 +25651,13 @@
   <p:clrMapOvr>
     <a:masterClrMapping/>
   </p:clrMapOvr>
-  <mc:AlternateContent xmlns:mc="http://schemas.openxmlformats.org/markup-compatibility/2006" xmlns:p159="http://schemas.microsoft.com/office/powerpoint/2015/09/main">
-    <mc:Choice Requires="p159">
+  <mc:AlternateContent xmlns:mc="http://schemas.openxmlformats.org/markup-compatibility/2006">
+    <mc:Choice xmlns:p159="http://schemas.microsoft.com/office/powerpoint/2015/09/main" Requires="p159">
       <p:transition xmlns:p14="http://schemas.microsoft.com/office/powerpoint/2010/main" spd="slow" p14:dur="2000">
         <p159:morph option="byObject"/>
       </p:transition>
     </mc:Choice>
-    <mc:Fallback xmlns="">
+    <mc:Fallback>
       <p:transition spd="slow">
         <p:fade/>
       </p:transition>
@@ -26408,13 +26415,13 @@
   <p:clrMapOvr>
     <a:masterClrMapping/>
   </p:clrMapOvr>
-  <mc:AlternateContent xmlns:mc="http://schemas.openxmlformats.org/markup-compatibility/2006" xmlns:p159="http://schemas.microsoft.com/office/powerpoint/2015/09/main">
-    <mc:Choice Requires="p159">
+  <mc:AlternateContent xmlns:mc="http://schemas.openxmlformats.org/markup-compatibility/2006">
+    <mc:Choice xmlns:p159="http://schemas.microsoft.com/office/powerpoint/2015/09/main" Requires="p159">
       <p:transition xmlns:p14="http://schemas.microsoft.com/office/powerpoint/2010/main" spd="slow" p14:dur="2000">
         <p159:morph option="byObject"/>
       </p:transition>
     </mc:Choice>
-    <mc:Fallback xmlns="">
+    <mc:Fallback>
       <p:transition spd="slow">
         <p:fade/>
       </p:transition>
@@ -26591,13 +26598,13 @@
   <p:clrMapOvr>
     <a:masterClrMapping/>
   </p:clrMapOvr>
-  <mc:AlternateContent xmlns:mc="http://schemas.openxmlformats.org/markup-compatibility/2006" xmlns:p159="http://schemas.microsoft.com/office/powerpoint/2015/09/main">
-    <mc:Choice Requires="p159">
+  <mc:AlternateContent xmlns:mc="http://schemas.openxmlformats.org/markup-compatibility/2006">
+    <mc:Choice xmlns:p159="http://schemas.microsoft.com/office/powerpoint/2015/09/main" Requires="p159">
       <p:transition xmlns:p14="http://schemas.microsoft.com/office/powerpoint/2010/main" spd="slow" p14:dur="2000">
         <p159:morph option="byObject"/>
       </p:transition>
     </mc:Choice>
-    <mc:Fallback xmlns="">
+    <mc:Fallback>
       <p:transition spd="slow">
         <p:fade/>
       </p:transition>
@@ -27543,13 +27550,13 @@
   <p:clrMapOvr>
     <a:masterClrMapping/>
   </p:clrMapOvr>
-  <mc:AlternateContent xmlns:mc="http://schemas.openxmlformats.org/markup-compatibility/2006" xmlns:p159="http://schemas.microsoft.com/office/powerpoint/2015/09/main">
-    <mc:Choice Requires="p159">
+  <mc:AlternateContent xmlns:mc="http://schemas.openxmlformats.org/markup-compatibility/2006">
+    <mc:Choice xmlns:p159="http://schemas.microsoft.com/office/powerpoint/2015/09/main" Requires="p159">
       <p:transition xmlns:p14="http://schemas.microsoft.com/office/powerpoint/2010/main" spd="slow" p14:dur="2000">
         <p159:morph option="byObject"/>
       </p:transition>
     </mc:Choice>
-    <mc:Fallback xmlns="">
+    <mc:Fallback>
       <p:transition spd="slow">
         <p:fade/>
       </p:transition>
@@ -27643,13 +27650,13 @@
   <p:clrMapOvr>
     <a:masterClrMapping/>
   </p:clrMapOvr>
-  <mc:AlternateContent xmlns:mc="http://schemas.openxmlformats.org/markup-compatibility/2006" xmlns:p159="http://schemas.microsoft.com/office/powerpoint/2015/09/main">
-    <mc:Choice Requires="p159">
+  <mc:AlternateContent xmlns:mc="http://schemas.openxmlformats.org/markup-compatibility/2006">
+    <mc:Choice xmlns:p159="http://schemas.microsoft.com/office/powerpoint/2015/09/main" Requires="p159">
       <p:transition xmlns:p14="http://schemas.microsoft.com/office/powerpoint/2010/main" spd="slow" p14:dur="2000">
         <p159:morph option="byObject"/>
       </p:transition>
     </mc:Choice>
-    <mc:Fallback xmlns="">
+    <mc:Fallback>
       <p:transition spd="slow">
         <p:fade/>
       </p:transition>
@@ -27946,13 +27953,13 @@
   <p:clrMapOvr>
     <a:masterClrMapping/>
   </p:clrMapOvr>
-  <mc:AlternateContent xmlns:mc="http://schemas.openxmlformats.org/markup-compatibility/2006" xmlns:p159="http://schemas.microsoft.com/office/powerpoint/2015/09/main">
-    <mc:Choice Requires="p159">
+  <mc:AlternateContent xmlns:mc="http://schemas.openxmlformats.org/markup-compatibility/2006">
+    <mc:Choice xmlns:p159="http://schemas.microsoft.com/office/powerpoint/2015/09/main" Requires="p159">
       <p:transition xmlns:p14="http://schemas.microsoft.com/office/powerpoint/2010/main" spd="slow" p14:dur="2000">
         <p159:morph option="byObject"/>
       </p:transition>
     </mc:Choice>
-    <mc:Fallback xmlns="">
+    <mc:Fallback>
       <p:transition spd="slow">
         <p:fade/>
       </p:transition>
@@ -28181,13 +28188,13 @@
   <p:clrMapOvr>
     <a:masterClrMapping/>
   </p:clrMapOvr>
-  <mc:AlternateContent xmlns:mc="http://schemas.openxmlformats.org/markup-compatibility/2006" xmlns:p159="http://schemas.microsoft.com/office/powerpoint/2015/09/main">
-    <mc:Choice Requires="p159">
+  <mc:AlternateContent xmlns:mc="http://schemas.openxmlformats.org/markup-compatibility/2006">
+    <mc:Choice xmlns:p159="http://schemas.microsoft.com/office/powerpoint/2015/09/main" Requires="p159">
       <p:transition xmlns:p14="http://schemas.microsoft.com/office/powerpoint/2010/main" spd="slow" p14:dur="2000">
         <p159:morph option="byObject"/>
       </p:transition>
     </mc:Choice>
-    <mc:Fallback xmlns="">
+    <mc:Fallback>
       <p:transition spd="slow">
         <p:fade/>
       </p:transition>
